--- a/slideshow/Estudios Biblicos/3.-Genesis_1.pptx
+++ b/slideshow/Estudios Biblicos/3.-Genesis_1.pptx
@@ -122,6 +122,22 @@
       </a:defRPr>
     </a:lvl9pPr>
   </p:defaultTextStyle>
+  <p:extLst>
+    <p:ext uri="{EFAFB233-063F-42B5-8137-9DF3F51BA10A}">
+      <p15:sldGuideLst xmlns:p15="http://schemas.microsoft.com/office/powerpoint/2012/main">
+        <p15:guide id="1" orient="horz" pos="1800">
+          <p15:clr>
+            <a:srgbClr val="A4A3A4"/>
+          </p15:clr>
+        </p15:guide>
+        <p15:guide id="2" pos="2880">
+          <p15:clr>
+            <a:srgbClr val="A4A3A4"/>
+          </p15:clr>
+        </p15:guide>
+      </p15:sldGuideLst>
+    </p:ext>
+  </p:extLst>
 </p:presentation>
 </file>
 
@@ -894,7 +910,7 @@
         <a:lstStyle/>
         <a:p>
           <a:r>
-            <a:rPr lang="es-VE" sz="2800" b="1" dirty="0" smtClean="0">
+            <a:rPr lang="es-VE" sz="2800" b="1" dirty="0">
               <a:latin typeface="Arial Rounded MT Bold" pitchFamily="34" charset="0"/>
             </a:rPr>
             <a:t>Taré</a:t>
@@ -935,37 +951,34 @@
         <a:lstStyle/>
         <a:p>
           <a:r>
-            <a:rPr lang="es-VE" sz="1600" b="1" dirty="0" smtClean="0">
+            <a:rPr lang="es-VE" sz="1600" b="1" dirty="0">
               <a:latin typeface="Arial Rounded MT Bold" pitchFamily="34" charset="0"/>
             </a:rPr>
             <a:t>Abram</a:t>
           </a:r>
-          <a:endParaRPr lang="es-VE" sz="1400" b="1" dirty="0" smtClean="0">
+          <a:endParaRPr lang="es-VE" sz="1400" b="1" dirty="0">
             <a:latin typeface="Arial Rounded MT Bold" pitchFamily="34" charset="0"/>
           </a:endParaRPr>
         </a:p>
         <a:p>
           <a:r>
-            <a:rPr lang="es-VE" sz="1400" dirty="0" smtClean="0">
+            <a:rPr lang="es-VE" sz="1400" dirty="0">
               <a:latin typeface="Arial Rounded MT Bold" pitchFamily="34" charset="0"/>
             </a:rPr>
             <a:t>(con </a:t>
           </a:r>
           <a:r>
-            <a:rPr lang="es-VE" sz="1400" dirty="0" err="1" smtClean="0">
+            <a:rPr lang="es-VE" sz="1400" dirty="0" err="1">
               <a:latin typeface="Arial Rounded MT Bold" pitchFamily="34" charset="0"/>
             </a:rPr>
             <a:t>Sarai</a:t>
           </a:r>
           <a:r>
-            <a:rPr lang="es-VE" sz="1400" dirty="0" smtClean="0">
+            <a:rPr lang="es-VE" sz="1400" dirty="0">
               <a:latin typeface="Arial Rounded MT Bold" pitchFamily="34" charset="0"/>
             </a:rPr>
             <a:t>)</a:t>
           </a:r>
-          <a:endParaRPr lang="es-VE" sz="1400" dirty="0">
-            <a:latin typeface="Arial Rounded MT Bold" pitchFamily="34" charset="0"/>
-          </a:endParaRPr>
         </a:p>
       </dgm:t>
     </dgm:pt>
@@ -1001,37 +1014,34 @@
         <a:lstStyle/>
         <a:p>
           <a:r>
-            <a:rPr lang="es-VE" sz="1600" b="1" dirty="0" err="1" smtClean="0">
+            <a:rPr lang="es-VE" sz="1600" b="1" dirty="0" err="1">
               <a:latin typeface="Arial Rounded MT Bold" pitchFamily="34" charset="0"/>
             </a:rPr>
             <a:t>Nacor</a:t>
           </a:r>
-          <a:endParaRPr lang="es-VE" sz="1400" b="1" dirty="0" smtClean="0">
+          <a:endParaRPr lang="es-VE" sz="1400" b="1" dirty="0">
             <a:latin typeface="Arial Rounded MT Bold" pitchFamily="34" charset="0"/>
           </a:endParaRPr>
         </a:p>
         <a:p>
           <a:r>
-            <a:rPr lang="es-VE" sz="1400" dirty="0" smtClean="0">
+            <a:rPr lang="es-VE" sz="1400" dirty="0">
               <a:latin typeface="Arial Rounded MT Bold" pitchFamily="34" charset="0"/>
             </a:rPr>
             <a:t>(con </a:t>
           </a:r>
           <a:r>
-            <a:rPr lang="es-VE" sz="1400" dirty="0" err="1" smtClean="0">
+            <a:rPr lang="es-VE" sz="1400" dirty="0" err="1">
               <a:latin typeface="Arial Rounded MT Bold" pitchFamily="34" charset="0"/>
             </a:rPr>
             <a:t>Milca</a:t>
           </a:r>
           <a:r>
-            <a:rPr lang="es-VE" sz="1400" dirty="0" smtClean="0">
+            <a:rPr lang="es-VE" sz="1400" dirty="0">
               <a:latin typeface="Arial Rounded MT Bold" pitchFamily="34" charset="0"/>
             </a:rPr>
             <a:t>)</a:t>
           </a:r>
-          <a:endParaRPr lang="es-VE" sz="1400" dirty="0">
-            <a:latin typeface="Arial Rounded MT Bold" pitchFamily="34" charset="0"/>
-          </a:endParaRPr>
         </a:p>
       </dgm:t>
     </dgm:pt>
@@ -1067,7 +1077,7 @@
         <a:lstStyle/>
         <a:p>
           <a:r>
-            <a:rPr lang="es-VE" sz="2400" b="1" dirty="0" err="1" smtClean="0">
+            <a:rPr lang="es-VE" sz="2400" b="1" dirty="0" err="1">
               <a:latin typeface="Arial Rounded MT Bold" pitchFamily="34" charset="0"/>
             </a:rPr>
             <a:t>Haran</a:t>
@@ -1110,14 +1120,11 @@
         <a:lstStyle/>
         <a:p>
           <a:r>
-            <a:rPr lang="es-VE" sz="2800" dirty="0" smtClean="0">
+            <a:rPr lang="es-VE" sz="2800" dirty="0">
               <a:latin typeface="Arial Rounded MT Bold" pitchFamily="34" charset="0"/>
             </a:rPr>
             <a:t>Lot</a:t>
           </a:r>
-          <a:endParaRPr lang="es-VE" sz="2800" dirty="0">
-            <a:latin typeface="Arial Rounded MT Bold" pitchFamily="34" charset="0"/>
-          </a:endParaRPr>
         </a:p>
       </dgm:t>
     </dgm:pt>
@@ -1153,7 +1160,7 @@
         <a:lstStyle/>
         <a:p>
           <a:r>
-            <a:rPr lang="es-VE" sz="2800" dirty="0" err="1" smtClean="0">
+            <a:rPr lang="es-VE" sz="2800" dirty="0" err="1">
               <a:latin typeface="Arial Rounded MT Bold" pitchFamily="34" charset="0"/>
             </a:rPr>
             <a:t>Milca</a:t>
@@ -1196,7 +1203,7 @@
         <a:lstStyle/>
         <a:p>
           <a:r>
-            <a:rPr lang="es-VE" sz="2800" dirty="0" err="1" smtClean="0">
+            <a:rPr lang="es-VE" sz="2800" dirty="0" err="1">
               <a:latin typeface="Arial Rounded MT Bold" pitchFamily="34" charset="0"/>
             </a:rPr>
             <a:t>Isca</a:t>
@@ -1242,13 +1249,6 @@
         </dgm:presLayoutVars>
       </dgm:prSet>
       <dgm:spPr/>
-      <dgm:t>
-        <a:bodyPr/>
-        <a:lstStyle/>
-        <a:p>
-          <a:endParaRPr lang="es-VE"/>
-        </a:p>
-      </dgm:t>
     </dgm:pt>
     <dgm:pt modelId="{B2664E90-26EA-4176-937C-9C3AB7B76A2C}" type="pres">
       <dgm:prSet presAssocID="{B5C6B36F-6CC1-44BD-B40E-2083007B2470}" presName="hierRoot1" presStyleCnt="0"/>
@@ -1269,13 +1269,6 @@
         </dgm:presLayoutVars>
       </dgm:prSet>
       <dgm:spPr/>
-      <dgm:t>
-        <a:bodyPr/>
-        <a:lstStyle/>
-        <a:p>
-          <a:endParaRPr lang="es-VE"/>
-        </a:p>
-      </dgm:t>
     </dgm:pt>
     <dgm:pt modelId="{8AAA267F-7F20-412F-A505-E43885415E24}" type="pres">
       <dgm:prSet presAssocID="{B5C6B36F-6CC1-44BD-B40E-2083007B2470}" presName="hierChild2" presStyleCnt="0"/>
@@ -1284,13 +1277,6 @@
     <dgm:pt modelId="{E06D884B-14E6-48E8-A622-D9368115F5D5}" type="pres">
       <dgm:prSet presAssocID="{1E6A4C8A-2316-44E7-B708-3012F2C195AF}" presName="Name10" presStyleLbl="parChTrans1D2" presStyleIdx="0" presStyleCnt="3"/>
       <dgm:spPr/>
-      <dgm:t>
-        <a:bodyPr/>
-        <a:lstStyle/>
-        <a:p>
-          <a:endParaRPr lang="es-VE"/>
-        </a:p>
-      </dgm:t>
     </dgm:pt>
     <dgm:pt modelId="{C2B0B37E-9524-4FCC-B717-20DC6274164B}" type="pres">
       <dgm:prSet presAssocID="{C59D9E08-F970-447B-9B61-FAE7182935F8}" presName="hierRoot2" presStyleCnt="0"/>
@@ -1311,13 +1297,6 @@
         </dgm:presLayoutVars>
       </dgm:prSet>
       <dgm:spPr/>
-      <dgm:t>
-        <a:bodyPr/>
-        <a:lstStyle/>
-        <a:p>
-          <a:endParaRPr lang="es-VE"/>
-        </a:p>
-      </dgm:t>
     </dgm:pt>
     <dgm:pt modelId="{6EE11641-11FE-4B87-BBB5-25A87BDE40E3}" type="pres">
       <dgm:prSet presAssocID="{C59D9E08-F970-447B-9B61-FAE7182935F8}" presName="hierChild3" presStyleCnt="0"/>
@@ -1326,13 +1305,6 @@
     <dgm:pt modelId="{75D193E6-C8E7-4829-8FD1-DE191DD7288F}" type="pres">
       <dgm:prSet presAssocID="{CAC094C6-AD25-42C4-90EA-3E2BE332C2F3}" presName="Name10" presStyleLbl="parChTrans1D2" presStyleIdx="1" presStyleCnt="3"/>
       <dgm:spPr/>
-      <dgm:t>
-        <a:bodyPr/>
-        <a:lstStyle/>
-        <a:p>
-          <a:endParaRPr lang="es-VE"/>
-        </a:p>
-      </dgm:t>
     </dgm:pt>
     <dgm:pt modelId="{93075292-F7B0-415D-8775-D0428EE4FC70}" type="pres">
       <dgm:prSet presAssocID="{AA5CFF6F-2D4D-4B7B-8CA6-42078060FDEA}" presName="hierRoot2" presStyleCnt="0"/>
@@ -1353,13 +1325,6 @@
         </dgm:presLayoutVars>
       </dgm:prSet>
       <dgm:spPr/>
-      <dgm:t>
-        <a:bodyPr/>
-        <a:lstStyle/>
-        <a:p>
-          <a:endParaRPr lang="es-VE"/>
-        </a:p>
-      </dgm:t>
     </dgm:pt>
     <dgm:pt modelId="{5EBA46D4-BC2F-47F9-B9B4-62A6B923E33B}" type="pres">
       <dgm:prSet presAssocID="{AA5CFF6F-2D4D-4B7B-8CA6-42078060FDEA}" presName="hierChild3" presStyleCnt="0"/>
@@ -1368,13 +1333,6 @@
     <dgm:pt modelId="{CC7207E7-D2FB-4471-93B9-C2BFE407A230}" type="pres">
       <dgm:prSet presAssocID="{57C8D416-0EAC-45D1-ABFA-4FB8EBDC81DA}" presName="Name10" presStyleLbl="parChTrans1D2" presStyleIdx="2" presStyleCnt="3"/>
       <dgm:spPr/>
-      <dgm:t>
-        <a:bodyPr/>
-        <a:lstStyle/>
-        <a:p>
-          <a:endParaRPr lang="es-VE"/>
-        </a:p>
-      </dgm:t>
     </dgm:pt>
     <dgm:pt modelId="{1E8ED89A-FE5A-42B4-BA1C-F54EF93E284F}" type="pres">
       <dgm:prSet presAssocID="{BC8A26CB-CBA9-406B-BB3C-CC0086BBE078}" presName="hierRoot2" presStyleCnt="0"/>
@@ -1395,13 +1353,6 @@
         </dgm:presLayoutVars>
       </dgm:prSet>
       <dgm:spPr/>
-      <dgm:t>
-        <a:bodyPr/>
-        <a:lstStyle/>
-        <a:p>
-          <a:endParaRPr lang="es-VE"/>
-        </a:p>
-      </dgm:t>
     </dgm:pt>
     <dgm:pt modelId="{727D8AE0-1D03-4A75-870F-5E6EE97C3860}" type="pres">
       <dgm:prSet presAssocID="{BC8A26CB-CBA9-406B-BB3C-CC0086BBE078}" presName="hierChild3" presStyleCnt="0"/>
@@ -1410,13 +1361,6 @@
     <dgm:pt modelId="{2338351E-BEFE-4B47-9285-F7F1A5F44768}" type="pres">
       <dgm:prSet presAssocID="{B88E7CC9-4BEA-41A9-AC3A-FC564A455EEE}" presName="Name17" presStyleLbl="parChTrans1D3" presStyleIdx="0" presStyleCnt="3"/>
       <dgm:spPr/>
-      <dgm:t>
-        <a:bodyPr/>
-        <a:lstStyle/>
-        <a:p>
-          <a:endParaRPr lang="es-VE"/>
-        </a:p>
-      </dgm:t>
     </dgm:pt>
     <dgm:pt modelId="{FC77AACF-DCAD-4762-A62D-45BB879B2CE4}" type="pres">
       <dgm:prSet presAssocID="{01E00F86-BD37-4A3F-B6D5-C48C259771C6}" presName="hierRoot3" presStyleCnt="0"/>
@@ -1437,13 +1381,6 @@
         </dgm:presLayoutVars>
       </dgm:prSet>
       <dgm:spPr/>
-      <dgm:t>
-        <a:bodyPr/>
-        <a:lstStyle/>
-        <a:p>
-          <a:endParaRPr lang="es-VE"/>
-        </a:p>
-      </dgm:t>
     </dgm:pt>
     <dgm:pt modelId="{2E33FDFA-A459-423C-80D0-72278BD1B26A}" type="pres">
       <dgm:prSet presAssocID="{01E00F86-BD37-4A3F-B6D5-C48C259771C6}" presName="hierChild4" presStyleCnt="0"/>
@@ -1452,13 +1389,6 @@
     <dgm:pt modelId="{4A9585BE-3985-4ADF-8FED-49B3E7BFDC21}" type="pres">
       <dgm:prSet presAssocID="{2FD1EFE1-9043-4569-866A-0706E06C55E8}" presName="Name17" presStyleLbl="parChTrans1D3" presStyleIdx="1" presStyleCnt="3"/>
       <dgm:spPr/>
-      <dgm:t>
-        <a:bodyPr/>
-        <a:lstStyle/>
-        <a:p>
-          <a:endParaRPr lang="es-VE"/>
-        </a:p>
-      </dgm:t>
     </dgm:pt>
     <dgm:pt modelId="{5EFE8605-A853-4ED0-BD27-C6BFEB1EA247}" type="pres">
       <dgm:prSet presAssocID="{3189D1D3-48DA-42FF-A16F-C9E6067628B0}" presName="hierRoot3" presStyleCnt="0"/>
@@ -1479,13 +1409,6 @@
         </dgm:presLayoutVars>
       </dgm:prSet>
       <dgm:spPr/>
-      <dgm:t>
-        <a:bodyPr/>
-        <a:lstStyle/>
-        <a:p>
-          <a:endParaRPr lang="es-VE"/>
-        </a:p>
-      </dgm:t>
     </dgm:pt>
     <dgm:pt modelId="{08A21823-9199-405B-9397-7B7B4E5C42E7}" type="pres">
       <dgm:prSet presAssocID="{3189D1D3-48DA-42FF-A16F-C9E6067628B0}" presName="hierChild4" presStyleCnt="0"/>
@@ -1494,13 +1417,6 @@
     <dgm:pt modelId="{16C66DBB-BA29-4030-BBC5-5DE46B011880}" type="pres">
       <dgm:prSet presAssocID="{59C40B48-B704-46AA-A7D7-2A2379A1EF9C}" presName="Name17" presStyleLbl="parChTrans1D3" presStyleIdx="2" presStyleCnt="3"/>
       <dgm:spPr/>
-      <dgm:t>
-        <a:bodyPr/>
-        <a:lstStyle/>
-        <a:p>
-          <a:endParaRPr lang="es-VE"/>
-        </a:p>
-      </dgm:t>
     </dgm:pt>
     <dgm:pt modelId="{CD399AC7-1D40-425A-A229-F70119A765A4}" type="pres">
       <dgm:prSet presAssocID="{0B4C002B-AE27-4C51-8846-F709E2B64906}" presName="hierRoot3" presStyleCnt="0"/>
@@ -1521,13 +1437,6 @@
         </dgm:presLayoutVars>
       </dgm:prSet>
       <dgm:spPr/>
-      <dgm:t>
-        <a:bodyPr/>
-        <a:lstStyle/>
-        <a:p>
-          <a:endParaRPr lang="es-VE"/>
-        </a:p>
-      </dgm:t>
     </dgm:pt>
     <dgm:pt modelId="{E7CF9BAC-F7BB-47AA-B284-FDDB6011E110}" type="pres">
       <dgm:prSet presAssocID="{0B4C002B-AE27-4C51-8846-F709E2B64906}" presName="hierChild4" presStyleCnt="0"/>
@@ -1535,68 +1444,68 @@
     </dgm:pt>
   </dgm:ptLst>
   <dgm:cxnLst>
-    <dgm:cxn modelId="{4AB8196E-8F6B-45E2-800D-57104E06FDDD}" type="presOf" srcId="{59C40B48-B704-46AA-A7D7-2A2379A1EF9C}" destId="{16C66DBB-BA29-4030-BBC5-5DE46B011880}" srcOrd="0" destOrd="0" presId="urn:microsoft.com/office/officeart/2005/8/layout/hierarchy1"/>
-    <dgm:cxn modelId="{6755E4A8-D0F7-4A3B-B4B8-49A3114FE914}" srcId="{BC8A26CB-CBA9-406B-BB3C-CC0086BBE078}" destId="{01E00F86-BD37-4A3F-B6D5-C48C259771C6}" srcOrd="0" destOrd="0" parTransId="{B88E7CC9-4BEA-41A9-AC3A-FC564A455EEE}" sibTransId="{D7A37A19-EF3B-45BB-98F0-4D353822A0C0}"/>
-    <dgm:cxn modelId="{0F5B71E4-9C2E-4FC8-8F68-A38A0EC393E4}" type="presOf" srcId="{01E00F86-BD37-4A3F-B6D5-C48C259771C6}" destId="{034F3FB7-45C9-4313-AAD2-C3FC91D78D83}" srcOrd="0" destOrd="0" presId="urn:microsoft.com/office/officeart/2005/8/layout/hierarchy1"/>
-    <dgm:cxn modelId="{C9ADE565-F781-4E5E-AA45-AA950DC92C4F}" srcId="{B5C6B36F-6CC1-44BD-B40E-2083007B2470}" destId="{AA5CFF6F-2D4D-4B7B-8CA6-42078060FDEA}" srcOrd="1" destOrd="0" parTransId="{CAC094C6-AD25-42C4-90EA-3E2BE332C2F3}" sibTransId="{15F227E5-4218-479F-BF58-6386DD457FD5}"/>
-    <dgm:cxn modelId="{57CB6ECF-9D81-4085-8399-B87D4722FB13}" type="presOf" srcId="{CAC094C6-AD25-42C4-90EA-3E2BE332C2F3}" destId="{75D193E6-C8E7-4829-8FD1-DE191DD7288F}" srcOrd="0" destOrd="0" presId="urn:microsoft.com/office/officeart/2005/8/layout/hierarchy1"/>
-    <dgm:cxn modelId="{03334F90-6245-4C72-9F24-D2C22F0D6F4C}" type="presOf" srcId="{2FD1EFE1-9043-4569-866A-0706E06C55E8}" destId="{4A9585BE-3985-4ADF-8FED-49B3E7BFDC21}" srcOrd="0" destOrd="0" presId="urn:microsoft.com/office/officeart/2005/8/layout/hierarchy1"/>
-    <dgm:cxn modelId="{44B1875B-41CD-4CB0-BDAD-794D3A2D2B68}" type="presOf" srcId="{AA5CFF6F-2D4D-4B7B-8CA6-42078060FDEA}" destId="{76A087EB-6EB2-4572-9F9A-C6F88C2848A2}" srcOrd="0" destOrd="0" presId="urn:microsoft.com/office/officeart/2005/8/layout/hierarchy1"/>
-    <dgm:cxn modelId="{4A2A9D91-4188-47E5-862A-6EBD20C142E1}" type="presOf" srcId="{BC8A26CB-CBA9-406B-BB3C-CC0086BBE078}" destId="{E132A7DB-6FFD-409B-9AF9-A837F6DBCA2F}" srcOrd="0" destOrd="0" presId="urn:microsoft.com/office/officeart/2005/8/layout/hierarchy1"/>
-    <dgm:cxn modelId="{F120A9B1-8869-4963-8E10-10CA86F6C612}" type="presOf" srcId="{B5C6B36F-6CC1-44BD-B40E-2083007B2470}" destId="{F16F0CFC-1932-4B27-A9DA-FB70C3F7E592}" srcOrd="0" destOrd="0" presId="urn:microsoft.com/office/officeart/2005/8/layout/hierarchy1"/>
+    <dgm:cxn modelId="{FBB3B306-C011-4E65-A64E-95D8033CBA2D}" type="presOf" srcId="{CAC094C6-AD25-42C4-90EA-3E2BE332C2F3}" destId="{75D193E6-C8E7-4829-8FD1-DE191DD7288F}" srcOrd="0" destOrd="0" presId="urn:microsoft.com/office/officeart/2005/8/layout/hierarchy1"/>
+    <dgm:cxn modelId="{7FB9160C-5EA9-4788-9232-B2F35028817C}" type="presOf" srcId="{C59D9E08-F970-447B-9B61-FAE7182935F8}" destId="{3BF26D4C-2F1D-49BE-B556-D521F450682F}" srcOrd="0" destOrd="0" presId="urn:microsoft.com/office/officeart/2005/8/layout/hierarchy1"/>
     <dgm:cxn modelId="{4DE33C1B-4FB5-4D73-A0FB-16CAD4BD914B}" srcId="{CADA2931-A2C9-45A3-A2E4-8DEE631E1D54}" destId="{B5C6B36F-6CC1-44BD-B40E-2083007B2470}" srcOrd="0" destOrd="0" parTransId="{15B95331-9527-41C3-A160-4C91002B565B}" sibTransId="{1EA889F8-7D2B-4808-BAE3-4A1883E2F450}"/>
-    <dgm:cxn modelId="{8963321A-D09C-40CE-A0EB-442824C1201F}" type="presOf" srcId="{57C8D416-0EAC-45D1-ABFA-4FB8EBDC81DA}" destId="{CC7207E7-D2FB-4471-93B9-C2BFE407A230}" srcOrd="0" destOrd="0" presId="urn:microsoft.com/office/officeart/2005/8/layout/hierarchy1"/>
-    <dgm:cxn modelId="{C1F54263-D913-433F-A6CB-88A72AC7334E}" type="presOf" srcId="{CADA2931-A2C9-45A3-A2E4-8DEE631E1D54}" destId="{8B1CEE3B-DFB4-4DDE-BADF-D603CE682BB8}" srcOrd="0" destOrd="0" presId="urn:microsoft.com/office/officeart/2005/8/layout/hierarchy1"/>
-    <dgm:cxn modelId="{BDEC6A07-D7DB-4974-8875-2766657D3C7E}" type="presOf" srcId="{C59D9E08-F970-447B-9B61-FAE7182935F8}" destId="{3BF26D4C-2F1D-49BE-B556-D521F450682F}" srcOrd="0" destOrd="0" presId="urn:microsoft.com/office/officeart/2005/8/layout/hierarchy1"/>
-    <dgm:cxn modelId="{77459260-1710-4149-B514-C3E2DA25DF33}" type="presOf" srcId="{B88E7CC9-4BEA-41A9-AC3A-FC564A455EEE}" destId="{2338351E-BEFE-4B47-9285-F7F1A5F44768}" srcOrd="0" destOrd="0" presId="urn:microsoft.com/office/officeart/2005/8/layout/hierarchy1"/>
-    <dgm:cxn modelId="{72A7CE0B-6803-46CD-9075-B44259686CD1}" type="presOf" srcId="{1E6A4C8A-2316-44E7-B708-3012F2C195AF}" destId="{E06D884B-14E6-48E8-A622-D9368115F5D5}" srcOrd="0" destOrd="0" presId="urn:microsoft.com/office/officeart/2005/8/layout/hierarchy1"/>
-    <dgm:cxn modelId="{FADEDA55-24B2-4617-8C39-52CADFA606B7}" srcId="{B5C6B36F-6CC1-44BD-B40E-2083007B2470}" destId="{C59D9E08-F970-447B-9B61-FAE7182935F8}" srcOrd="0" destOrd="0" parTransId="{1E6A4C8A-2316-44E7-B708-3012F2C195AF}" sibTransId="{BD871D27-C7A3-435D-901E-8A6309499A72}"/>
-    <dgm:cxn modelId="{C2C19654-D787-48EF-AD67-33EC68CDA4A6}" srcId="{BC8A26CB-CBA9-406B-BB3C-CC0086BBE078}" destId="{3189D1D3-48DA-42FF-A16F-C9E6067628B0}" srcOrd="1" destOrd="0" parTransId="{2FD1EFE1-9043-4569-866A-0706E06C55E8}" sibTransId="{3D39C3C6-EEF9-40B8-937C-00895461A062}"/>
+    <dgm:cxn modelId="{F108631D-01B6-4692-84BA-17AC100109A6}" type="presOf" srcId="{57C8D416-0EAC-45D1-ABFA-4FB8EBDC81DA}" destId="{CC7207E7-D2FB-4471-93B9-C2BFE407A230}" srcOrd="0" destOrd="0" presId="urn:microsoft.com/office/officeart/2005/8/layout/hierarchy1"/>
     <dgm:cxn modelId="{EAD7EA27-E795-4A82-A3E9-8D1184544C2E}" srcId="{B5C6B36F-6CC1-44BD-B40E-2083007B2470}" destId="{BC8A26CB-CBA9-406B-BB3C-CC0086BBE078}" srcOrd="2" destOrd="0" parTransId="{57C8D416-0EAC-45D1-ABFA-4FB8EBDC81DA}" sibTransId="{CFE4278F-CB3A-4757-BFCB-FEEDB0440769}"/>
     <dgm:cxn modelId="{BD96713E-1478-4EF8-8E41-4C5A2F648133}" srcId="{BC8A26CB-CBA9-406B-BB3C-CC0086BBE078}" destId="{0B4C002B-AE27-4C51-8846-F709E2B64906}" srcOrd="2" destOrd="0" parTransId="{59C40B48-B704-46AA-A7D7-2A2379A1EF9C}" sibTransId="{7A6CC0B3-B3B0-4DBF-8D57-C11496DCFE89}"/>
-    <dgm:cxn modelId="{977B0B01-86A9-4E69-AA87-D0D5368D5959}" type="presOf" srcId="{3189D1D3-48DA-42FF-A16F-C9E6067628B0}" destId="{F20A0E65-D702-43E8-A4E2-B596F105CB27}" srcOrd="0" destOrd="0" presId="urn:microsoft.com/office/officeart/2005/8/layout/hierarchy1"/>
-    <dgm:cxn modelId="{3ED79BFF-2EF3-458F-AD88-DC08DFB9EEC9}" type="presOf" srcId="{0B4C002B-AE27-4C51-8846-F709E2B64906}" destId="{8676812B-A215-4C57-950D-DC039B48B41F}" srcOrd="0" destOrd="0" presId="urn:microsoft.com/office/officeart/2005/8/layout/hierarchy1"/>
+    <dgm:cxn modelId="{C1F54263-D913-433F-A6CB-88A72AC7334E}" type="presOf" srcId="{CADA2931-A2C9-45A3-A2E4-8DEE631E1D54}" destId="{8B1CEE3B-DFB4-4DDE-BADF-D603CE682BB8}" srcOrd="0" destOrd="0" presId="urn:microsoft.com/office/officeart/2005/8/layout/hierarchy1"/>
+    <dgm:cxn modelId="{C9ADE565-F781-4E5E-AA45-AA950DC92C4F}" srcId="{B5C6B36F-6CC1-44BD-B40E-2083007B2470}" destId="{AA5CFF6F-2D4D-4B7B-8CA6-42078060FDEA}" srcOrd="1" destOrd="0" parTransId="{CAC094C6-AD25-42C4-90EA-3E2BE332C2F3}" sibTransId="{15F227E5-4218-479F-BF58-6386DD457FD5}"/>
+    <dgm:cxn modelId="{EBE37669-06B2-47FA-A29E-0518AFC0D473}" type="presOf" srcId="{59C40B48-B704-46AA-A7D7-2A2379A1EF9C}" destId="{16C66DBB-BA29-4030-BBC5-5DE46B011880}" srcOrd="0" destOrd="0" presId="urn:microsoft.com/office/officeart/2005/8/layout/hierarchy1"/>
+    <dgm:cxn modelId="{5E0CD950-F7F9-4328-8093-5B4E150952A3}" type="presOf" srcId="{3189D1D3-48DA-42FF-A16F-C9E6067628B0}" destId="{F20A0E65-D702-43E8-A4E2-B596F105CB27}" srcOrd="0" destOrd="0" presId="urn:microsoft.com/office/officeart/2005/8/layout/hierarchy1"/>
+    <dgm:cxn modelId="{C2C19654-D787-48EF-AD67-33EC68CDA4A6}" srcId="{BC8A26CB-CBA9-406B-BB3C-CC0086BBE078}" destId="{3189D1D3-48DA-42FF-A16F-C9E6067628B0}" srcOrd="1" destOrd="0" parTransId="{2FD1EFE1-9043-4569-866A-0706E06C55E8}" sibTransId="{3D39C3C6-EEF9-40B8-937C-00895461A062}"/>
+    <dgm:cxn modelId="{FADEDA55-24B2-4617-8C39-52CADFA606B7}" srcId="{B5C6B36F-6CC1-44BD-B40E-2083007B2470}" destId="{C59D9E08-F970-447B-9B61-FAE7182935F8}" srcOrd="0" destOrd="0" parTransId="{1E6A4C8A-2316-44E7-B708-3012F2C195AF}" sibTransId="{BD871D27-C7A3-435D-901E-8A6309499A72}"/>
+    <dgm:cxn modelId="{741F6558-BFEB-4026-9765-5511F2A414B6}" type="presOf" srcId="{01E00F86-BD37-4A3F-B6D5-C48C259771C6}" destId="{034F3FB7-45C9-4313-AAD2-C3FC91D78D83}" srcOrd="0" destOrd="0" presId="urn:microsoft.com/office/officeart/2005/8/layout/hierarchy1"/>
+    <dgm:cxn modelId="{B669BD89-6B91-411F-A764-84B17A345618}" type="presOf" srcId="{1E6A4C8A-2316-44E7-B708-3012F2C195AF}" destId="{E06D884B-14E6-48E8-A622-D9368115F5D5}" srcOrd="0" destOrd="0" presId="urn:microsoft.com/office/officeart/2005/8/layout/hierarchy1"/>
+    <dgm:cxn modelId="{0E301491-A310-4F12-872F-34FF32B2DB98}" type="presOf" srcId="{0B4C002B-AE27-4C51-8846-F709E2B64906}" destId="{8676812B-A215-4C57-950D-DC039B48B41F}" srcOrd="0" destOrd="0" presId="urn:microsoft.com/office/officeart/2005/8/layout/hierarchy1"/>
+    <dgm:cxn modelId="{6755E4A8-D0F7-4A3B-B4B8-49A3114FE914}" srcId="{BC8A26CB-CBA9-406B-BB3C-CC0086BBE078}" destId="{01E00F86-BD37-4A3F-B6D5-C48C259771C6}" srcOrd="0" destOrd="0" parTransId="{B88E7CC9-4BEA-41A9-AC3A-FC564A455EEE}" sibTransId="{D7A37A19-EF3B-45BB-98F0-4D353822A0C0}"/>
+    <dgm:cxn modelId="{F120A9B1-8869-4963-8E10-10CA86F6C612}" type="presOf" srcId="{B5C6B36F-6CC1-44BD-B40E-2083007B2470}" destId="{F16F0CFC-1932-4B27-A9DA-FB70C3F7E592}" srcOrd="0" destOrd="0" presId="urn:microsoft.com/office/officeart/2005/8/layout/hierarchy1"/>
+    <dgm:cxn modelId="{C7E919C8-5303-47AC-92E0-309E8D8D8D83}" type="presOf" srcId="{BC8A26CB-CBA9-406B-BB3C-CC0086BBE078}" destId="{E132A7DB-6FFD-409B-9AF9-A837F6DBCA2F}" srcOrd="0" destOrd="0" presId="urn:microsoft.com/office/officeart/2005/8/layout/hierarchy1"/>
+    <dgm:cxn modelId="{342F0CD6-C46B-4F23-868E-13623BC03CE3}" type="presOf" srcId="{2FD1EFE1-9043-4569-866A-0706E06C55E8}" destId="{4A9585BE-3985-4ADF-8FED-49B3E7BFDC21}" srcOrd="0" destOrd="0" presId="urn:microsoft.com/office/officeart/2005/8/layout/hierarchy1"/>
+    <dgm:cxn modelId="{1963F5E2-8DE4-4A3A-8427-739ADD38A639}" type="presOf" srcId="{AA5CFF6F-2D4D-4B7B-8CA6-42078060FDEA}" destId="{76A087EB-6EB2-4572-9F9A-C6F88C2848A2}" srcOrd="0" destOrd="0" presId="urn:microsoft.com/office/officeart/2005/8/layout/hierarchy1"/>
+    <dgm:cxn modelId="{C41936E4-BB0F-407B-8F88-9DCC9CC7C5DF}" type="presOf" srcId="{B88E7CC9-4BEA-41A9-AC3A-FC564A455EEE}" destId="{2338351E-BEFE-4B47-9285-F7F1A5F44768}" srcOrd="0" destOrd="0" presId="urn:microsoft.com/office/officeart/2005/8/layout/hierarchy1"/>
     <dgm:cxn modelId="{F262CD66-A899-44D3-8D75-59B61D163179}" type="presParOf" srcId="{8B1CEE3B-DFB4-4DDE-BADF-D603CE682BB8}" destId="{B2664E90-26EA-4176-937C-9C3AB7B76A2C}" srcOrd="0" destOrd="0" presId="urn:microsoft.com/office/officeart/2005/8/layout/hierarchy1"/>
     <dgm:cxn modelId="{505C5BDF-351D-4962-90D8-91F9974AAB9B}" type="presParOf" srcId="{B2664E90-26EA-4176-937C-9C3AB7B76A2C}" destId="{ABA793E8-7C47-4A94-AD4C-1779CA6A1A33}" srcOrd="0" destOrd="0" presId="urn:microsoft.com/office/officeart/2005/8/layout/hierarchy1"/>
     <dgm:cxn modelId="{A3D15648-EC99-47A3-A530-BE8DA79D7864}" type="presParOf" srcId="{ABA793E8-7C47-4A94-AD4C-1779CA6A1A33}" destId="{629D513D-FF20-401A-AFA9-4CAAE8BD8537}" srcOrd="0" destOrd="0" presId="urn:microsoft.com/office/officeart/2005/8/layout/hierarchy1"/>
     <dgm:cxn modelId="{8AF1164E-D1FF-4DAF-805C-53005B1AE1A3}" type="presParOf" srcId="{ABA793E8-7C47-4A94-AD4C-1779CA6A1A33}" destId="{F16F0CFC-1932-4B27-A9DA-FB70C3F7E592}" srcOrd="1" destOrd="0" presId="urn:microsoft.com/office/officeart/2005/8/layout/hierarchy1"/>
     <dgm:cxn modelId="{9FE79887-2425-4189-8B75-CEE4008A9FB5}" type="presParOf" srcId="{B2664E90-26EA-4176-937C-9C3AB7B76A2C}" destId="{8AAA267F-7F20-412F-A505-E43885415E24}" srcOrd="1" destOrd="0" presId="urn:microsoft.com/office/officeart/2005/8/layout/hierarchy1"/>
-    <dgm:cxn modelId="{89E0C8F6-43A1-4714-B719-7DE4A40B9CB4}" type="presParOf" srcId="{8AAA267F-7F20-412F-A505-E43885415E24}" destId="{E06D884B-14E6-48E8-A622-D9368115F5D5}" srcOrd="0" destOrd="0" presId="urn:microsoft.com/office/officeart/2005/8/layout/hierarchy1"/>
-    <dgm:cxn modelId="{C20C20C5-59F0-4D07-8A35-AB802EEE1319}" type="presParOf" srcId="{8AAA267F-7F20-412F-A505-E43885415E24}" destId="{C2B0B37E-9524-4FCC-B717-20DC6274164B}" srcOrd="1" destOrd="0" presId="urn:microsoft.com/office/officeart/2005/8/layout/hierarchy1"/>
-    <dgm:cxn modelId="{3D45C1A6-D8A0-43EC-B516-E2BA9230BD99}" type="presParOf" srcId="{C2B0B37E-9524-4FCC-B717-20DC6274164B}" destId="{9B743FBD-6F9D-4D8A-A8D9-7B05A0F66688}" srcOrd="0" destOrd="0" presId="urn:microsoft.com/office/officeart/2005/8/layout/hierarchy1"/>
-    <dgm:cxn modelId="{A32C3018-C324-4BE3-A00D-6FCCC6142B3B}" type="presParOf" srcId="{9B743FBD-6F9D-4D8A-A8D9-7B05A0F66688}" destId="{D5D936CA-7F12-45E0-877E-B430483E40D8}" srcOrd="0" destOrd="0" presId="urn:microsoft.com/office/officeart/2005/8/layout/hierarchy1"/>
-    <dgm:cxn modelId="{9A88903D-0332-41DA-8291-F232D272CD4B}" type="presParOf" srcId="{9B743FBD-6F9D-4D8A-A8D9-7B05A0F66688}" destId="{3BF26D4C-2F1D-49BE-B556-D521F450682F}" srcOrd="1" destOrd="0" presId="urn:microsoft.com/office/officeart/2005/8/layout/hierarchy1"/>
-    <dgm:cxn modelId="{60D94228-DD4E-4B67-857D-C74CCB2878EB}" type="presParOf" srcId="{C2B0B37E-9524-4FCC-B717-20DC6274164B}" destId="{6EE11641-11FE-4B87-BBB5-25A87BDE40E3}" srcOrd="1" destOrd="0" presId="urn:microsoft.com/office/officeart/2005/8/layout/hierarchy1"/>
-    <dgm:cxn modelId="{2F8EC94B-F686-4E3D-93EE-3DBA0DE562AF}" type="presParOf" srcId="{8AAA267F-7F20-412F-A505-E43885415E24}" destId="{75D193E6-C8E7-4829-8FD1-DE191DD7288F}" srcOrd="2" destOrd="0" presId="urn:microsoft.com/office/officeart/2005/8/layout/hierarchy1"/>
-    <dgm:cxn modelId="{6455E387-EF36-4F07-A958-574346267E5E}" type="presParOf" srcId="{8AAA267F-7F20-412F-A505-E43885415E24}" destId="{93075292-F7B0-415D-8775-D0428EE4FC70}" srcOrd="3" destOrd="0" presId="urn:microsoft.com/office/officeart/2005/8/layout/hierarchy1"/>
-    <dgm:cxn modelId="{96A88BB3-27D9-471D-BE27-B256BE9ACFFF}" type="presParOf" srcId="{93075292-F7B0-415D-8775-D0428EE4FC70}" destId="{8C148E5B-507C-4E04-BFB1-FE6CC227403D}" srcOrd="0" destOrd="0" presId="urn:microsoft.com/office/officeart/2005/8/layout/hierarchy1"/>
-    <dgm:cxn modelId="{EAB5B1DE-A2CA-4CDA-952F-21C8730A9E99}" type="presParOf" srcId="{8C148E5B-507C-4E04-BFB1-FE6CC227403D}" destId="{DC70C0C5-25F2-4610-A8FE-85A45BD010DF}" srcOrd="0" destOrd="0" presId="urn:microsoft.com/office/officeart/2005/8/layout/hierarchy1"/>
-    <dgm:cxn modelId="{5E90FA32-7CD8-479B-A2C7-3F9EF88DCFF1}" type="presParOf" srcId="{8C148E5B-507C-4E04-BFB1-FE6CC227403D}" destId="{76A087EB-6EB2-4572-9F9A-C6F88C2848A2}" srcOrd="1" destOrd="0" presId="urn:microsoft.com/office/officeart/2005/8/layout/hierarchy1"/>
-    <dgm:cxn modelId="{7EA5D186-F89C-4780-81CC-70986340E496}" type="presParOf" srcId="{93075292-F7B0-415D-8775-D0428EE4FC70}" destId="{5EBA46D4-BC2F-47F9-B9B4-62A6B923E33B}" srcOrd="1" destOrd="0" presId="urn:microsoft.com/office/officeart/2005/8/layout/hierarchy1"/>
-    <dgm:cxn modelId="{2C49360C-49EE-497E-9D6D-8BBE819F17D6}" type="presParOf" srcId="{8AAA267F-7F20-412F-A505-E43885415E24}" destId="{CC7207E7-D2FB-4471-93B9-C2BFE407A230}" srcOrd="4" destOrd="0" presId="urn:microsoft.com/office/officeart/2005/8/layout/hierarchy1"/>
-    <dgm:cxn modelId="{B7C620A5-7565-4949-A9F4-8FE77235A3EE}" type="presParOf" srcId="{8AAA267F-7F20-412F-A505-E43885415E24}" destId="{1E8ED89A-FE5A-42B4-BA1C-F54EF93E284F}" srcOrd="5" destOrd="0" presId="urn:microsoft.com/office/officeart/2005/8/layout/hierarchy1"/>
-    <dgm:cxn modelId="{53945ABB-1FC2-471F-A531-996CD534EA41}" type="presParOf" srcId="{1E8ED89A-FE5A-42B4-BA1C-F54EF93E284F}" destId="{4A578240-673B-4D1B-9092-8EC15C0078EC}" srcOrd="0" destOrd="0" presId="urn:microsoft.com/office/officeart/2005/8/layout/hierarchy1"/>
-    <dgm:cxn modelId="{4B514AF2-A28F-4465-9E2B-E9C3761FC39D}" type="presParOf" srcId="{4A578240-673B-4D1B-9092-8EC15C0078EC}" destId="{9ECFC2B6-E1E2-4353-B1CF-A3E261A1FFA1}" srcOrd="0" destOrd="0" presId="urn:microsoft.com/office/officeart/2005/8/layout/hierarchy1"/>
-    <dgm:cxn modelId="{6E1D2B05-BB80-4CF6-BF36-2F45ABE88767}" type="presParOf" srcId="{4A578240-673B-4D1B-9092-8EC15C0078EC}" destId="{E132A7DB-6FFD-409B-9AF9-A837F6DBCA2F}" srcOrd="1" destOrd="0" presId="urn:microsoft.com/office/officeart/2005/8/layout/hierarchy1"/>
-    <dgm:cxn modelId="{D9A649E8-9C3E-46C0-B818-15AA8C417A30}" type="presParOf" srcId="{1E8ED89A-FE5A-42B4-BA1C-F54EF93E284F}" destId="{727D8AE0-1D03-4A75-870F-5E6EE97C3860}" srcOrd="1" destOrd="0" presId="urn:microsoft.com/office/officeart/2005/8/layout/hierarchy1"/>
-    <dgm:cxn modelId="{D7741C2E-9903-4C3C-AC91-58B9435CAC49}" type="presParOf" srcId="{727D8AE0-1D03-4A75-870F-5E6EE97C3860}" destId="{2338351E-BEFE-4B47-9285-F7F1A5F44768}" srcOrd="0" destOrd="0" presId="urn:microsoft.com/office/officeart/2005/8/layout/hierarchy1"/>
-    <dgm:cxn modelId="{F56F8A98-A3A3-4A40-A373-3CE2B3F11B2A}" type="presParOf" srcId="{727D8AE0-1D03-4A75-870F-5E6EE97C3860}" destId="{FC77AACF-DCAD-4762-A62D-45BB879B2CE4}" srcOrd="1" destOrd="0" presId="urn:microsoft.com/office/officeart/2005/8/layout/hierarchy1"/>
-    <dgm:cxn modelId="{6C422919-98CE-4435-9064-4285C4F32041}" type="presParOf" srcId="{FC77AACF-DCAD-4762-A62D-45BB879B2CE4}" destId="{7456BB8E-B21F-4E62-99DD-48E6876CCD70}" srcOrd="0" destOrd="0" presId="urn:microsoft.com/office/officeart/2005/8/layout/hierarchy1"/>
-    <dgm:cxn modelId="{59B035F8-EE16-483D-A343-111743363C22}" type="presParOf" srcId="{7456BB8E-B21F-4E62-99DD-48E6876CCD70}" destId="{9DA24443-9990-4BFC-972D-4AD41AC17B9F}" srcOrd="0" destOrd="0" presId="urn:microsoft.com/office/officeart/2005/8/layout/hierarchy1"/>
-    <dgm:cxn modelId="{35A004F6-5987-44B0-9E19-9BDD4AEBD2DC}" type="presParOf" srcId="{7456BB8E-B21F-4E62-99DD-48E6876CCD70}" destId="{034F3FB7-45C9-4313-AAD2-C3FC91D78D83}" srcOrd="1" destOrd="0" presId="urn:microsoft.com/office/officeart/2005/8/layout/hierarchy1"/>
-    <dgm:cxn modelId="{8FDA082C-BAEE-497E-B7A1-31ADFCBA20EE}" type="presParOf" srcId="{FC77AACF-DCAD-4762-A62D-45BB879B2CE4}" destId="{2E33FDFA-A459-423C-80D0-72278BD1B26A}" srcOrd="1" destOrd="0" presId="urn:microsoft.com/office/officeart/2005/8/layout/hierarchy1"/>
-    <dgm:cxn modelId="{6A308844-ECF4-4C9B-88EC-C9579B8DFC4B}" type="presParOf" srcId="{727D8AE0-1D03-4A75-870F-5E6EE97C3860}" destId="{4A9585BE-3985-4ADF-8FED-49B3E7BFDC21}" srcOrd="2" destOrd="0" presId="urn:microsoft.com/office/officeart/2005/8/layout/hierarchy1"/>
-    <dgm:cxn modelId="{06F33DB1-271F-42F0-8ABB-2407F21A4DBE}" type="presParOf" srcId="{727D8AE0-1D03-4A75-870F-5E6EE97C3860}" destId="{5EFE8605-A853-4ED0-BD27-C6BFEB1EA247}" srcOrd="3" destOrd="0" presId="urn:microsoft.com/office/officeart/2005/8/layout/hierarchy1"/>
-    <dgm:cxn modelId="{ACEDBE17-D795-4C66-8E1F-C97794460F23}" type="presParOf" srcId="{5EFE8605-A853-4ED0-BD27-C6BFEB1EA247}" destId="{BC3763BD-AE4B-4F69-8EBB-C7C4087B7680}" srcOrd="0" destOrd="0" presId="urn:microsoft.com/office/officeart/2005/8/layout/hierarchy1"/>
-    <dgm:cxn modelId="{49AA2B50-5275-4EC7-91DC-2D958BA9B8AF}" type="presParOf" srcId="{BC3763BD-AE4B-4F69-8EBB-C7C4087B7680}" destId="{20662F56-065E-4059-A03D-3C7B9962442E}" srcOrd="0" destOrd="0" presId="urn:microsoft.com/office/officeart/2005/8/layout/hierarchy1"/>
-    <dgm:cxn modelId="{5D14659F-2B77-4D3F-BA47-B08743A85484}" type="presParOf" srcId="{BC3763BD-AE4B-4F69-8EBB-C7C4087B7680}" destId="{F20A0E65-D702-43E8-A4E2-B596F105CB27}" srcOrd="1" destOrd="0" presId="urn:microsoft.com/office/officeart/2005/8/layout/hierarchy1"/>
-    <dgm:cxn modelId="{C662E13F-54BD-47FC-82AF-CBDB2A42ACC8}" type="presParOf" srcId="{5EFE8605-A853-4ED0-BD27-C6BFEB1EA247}" destId="{08A21823-9199-405B-9397-7B7B4E5C42E7}" srcOrd="1" destOrd="0" presId="urn:microsoft.com/office/officeart/2005/8/layout/hierarchy1"/>
-    <dgm:cxn modelId="{672D15CA-FDCA-47BA-967E-ECB45A823309}" type="presParOf" srcId="{727D8AE0-1D03-4A75-870F-5E6EE97C3860}" destId="{16C66DBB-BA29-4030-BBC5-5DE46B011880}" srcOrd="4" destOrd="0" presId="urn:microsoft.com/office/officeart/2005/8/layout/hierarchy1"/>
-    <dgm:cxn modelId="{CC73C889-DECD-4229-98EC-369CDC74D90D}" type="presParOf" srcId="{727D8AE0-1D03-4A75-870F-5E6EE97C3860}" destId="{CD399AC7-1D40-425A-A229-F70119A765A4}" srcOrd="5" destOrd="0" presId="urn:microsoft.com/office/officeart/2005/8/layout/hierarchy1"/>
-    <dgm:cxn modelId="{2B211267-7858-43B1-8EFC-AB066B1FAED9}" type="presParOf" srcId="{CD399AC7-1D40-425A-A229-F70119A765A4}" destId="{CCBEDBB9-9856-4844-90FD-52A2412938FA}" srcOrd="0" destOrd="0" presId="urn:microsoft.com/office/officeart/2005/8/layout/hierarchy1"/>
-    <dgm:cxn modelId="{A77390A5-A2BA-4C15-958C-6ACD0424FA32}" type="presParOf" srcId="{CCBEDBB9-9856-4844-90FD-52A2412938FA}" destId="{255871FA-79EA-4E4B-8C6E-44F42582843F}" srcOrd="0" destOrd="0" presId="urn:microsoft.com/office/officeart/2005/8/layout/hierarchy1"/>
-    <dgm:cxn modelId="{88E2756A-5938-4AAB-917B-4CE019334838}" type="presParOf" srcId="{CCBEDBB9-9856-4844-90FD-52A2412938FA}" destId="{8676812B-A215-4C57-950D-DC039B48B41F}" srcOrd="1" destOrd="0" presId="urn:microsoft.com/office/officeart/2005/8/layout/hierarchy1"/>
-    <dgm:cxn modelId="{AFE0E310-6233-4C5F-8786-94F9B01D03BF}" type="presParOf" srcId="{CD399AC7-1D40-425A-A229-F70119A765A4}" destId="{E7CF9BAC-F7BB-47AA-B284-FDDB6011E110}" srcOrd="1" destOrd="0" presId="urn:microsoft.com/office/officeart/2005/8/layout/hierarchy1"/>
+    <dgm:cxn modelId="{3DFD8FD4-7F21-4EA1-B554-747B0940A279}" type="presParOf" srcId="{8AAA267F-7F20-412F-A505-E43885415E24}" destId="{E06D884B-14E6-48E8-A622-D9368115F5D5}" srcOrd="0" destOrd="0" presId="urn:microsoft.com/office/officeart/2005/8/layout/hierarchy1"/>
+    <dgm:cxn modelId="{094E5CE3-5FC8-4843-A53D-5E829E224397}" type="presParOf" srcId="{8AAA267F-7F20-412F-A505-E43885415E24}" destId="{C2B0B37E-9524-4FCC-B717-20DC6274164B}" srcOrd="1" destOrd="0" presId="urn:microsoft.com/office/officeart/2005/8/layout/hierarchy1"/>
+    <dgm:cxn modelId="{872206C0-BA0C-4987-A59A-77A89FE4A633}" type="presParOf" srcId="{C2B0B37E-9524-4FCC-B717-20DC6274164B}" destId="{9B743FBD-6F9D-4D8A-A8D9-7B05A0F66688}" srcOrd="0" destOrd="0" presId="urn:microsoft.com/office/officeart/2005/8/layout/hierarchy1"/>
+    <dgm:cxn modelId="{247ADBB7-3FB9-41AA-B2BA-2D3A4B09D05B}" type="presParOf" srcId="{9B743FBD-6F9D-4D8A-A8D9-7B05A0F66688}" destId="{D5D936CA-7F12-45E0-877E-B430483E40D8}" srcOrd="0" destOrd="0" presId="urn:microsoft.com/office/officeart/2005/8/layout/hierarchy1"/>
+    <dgm:cxn modelId="{973CD06F-289D-429E-B6EC-BEDDD4A844D3}" type="presParOf" srcId="{9B743FBD-6F9D-4D8A-A8D9-7B05A0F66688}" destId="{3BF26D4C-2F1D-49BE-B556-D521F450682F}" srcOrd="1" destOrd="0" presId="urn:microsoft.com/office/officeart/2005/8/layout/hierarchy1"/>
+    <dgm:cxn modelId="{ECC1D61E-BE0E-4DE7-AB96-38799E454F9F}" type="presParOf" srcId="{C2B0B37E-9524-4FCC-B717-20DC6274164B}" destId="{6EE11641-11FE-4B87-BBB5-25A87BDE40E3}" srcOrd="1" destOrd="0" presId="urn:microsoft.com/office/officeart/2005/8/layout/hierarchy1"/>
+    <dgm:cxn modelId="{D870EF17-C688-4C37-966E-301D07D6D715}" type="presParOf" srcId="{8AAA267F-7F20-412F-A505-E43885415E24}" destId="{75D193E6-C8E7-4829-8FD1-DE191DD7288F}" srcOrd="2" destOrd="0" presId="urn:microsoft.com/office/officeart/2005/8/layout/hierarchy1"/>
+    <dgm:cxn modelId="{9BF77374-A771-4508-B8EE-1487DE66B4FC}" type="presParOf" srcId="{8AAA267F-7F20-412F-A505-E43885415E24}" destId="{93075292-F7B0-415D-8775-D0428EE4FC70}" srcOrd="3" destOrd="0" presId="urn:microsoft.com/office/officeart/2005/8/layout/hierarchy1"/>
+    <dgm:cxn modelId="{01EC50AB-07E0-4913-A586-DEC84B7CCE1F}" type="presParOf" srcId="{93075292-F7B0-415D-8775-D0428EE4FC70}" destId="{8C148E5B-507C-4E04-BFB1-FE6CC227403D}" srcOrd="0" destOrd="0" presId="urn:microsoft.com/office/officeart/2005/8/layout/hierarchy1"/>
+    <dgm:cxn modelId="{99E9D80B-DA40-4E03-A3F6-649D4E7A133D}" type="presParOf" srcId="{8C148E5B-507C-4E04-BFB1-FE6CC227403D}" destId="{DC70C0C5-25F2-4610-A8FE-85A45BD010DF}" srcOrd="0" destOrd="0" presId="urn:microsoft.com/office/officeart/2005/8/layout/hierarchy1"/>
+    <dgm:cxn modelId="{42C726F7-8666-4F43-B160-EC56EEC144DA}" type="presParOf" srcId="{8C148E5B-507C-4E04-BFB1-FE6CC227403D}" destId="{76A087EB-6EB2-4572-9F9A-C6F88C2848A2}" srcOrd="1" destOrd="0" presId="urn:microsoft.com/office/officeart/2005/8/layout/hierarchy1"/>
+    <dgm:cxn modelId="{AFFCCE20-5AE6-47DA-B9E0-1C5DAA7DBE89}" type="presParOf" srcId="{93075292-F7B0-415D-8775-D0428EE4FC70}" destId="{5EBA46D4-BC2F-47F9-B9B4-62A6B923E33B}" srcOrd="1" destOrd="0" presId="urn:microsoft.com/office/officeart/2005/8/layout/hierarchy1"/>
+    <dgm:cxn modelId="{50E53638-CCA2-4DE3-BD0C-93FF92489210}" type="presParOf" srcId="{8AAA267F-7F20-412F-A505-E43885415E24}" destId="{CC7207E7-D2FB-4471-93B9-C2BFE407A230}" srcOrd="4" destOrd="0" presId="urn:microsoft.com/office/officeart/2005/8/layout/hierarchy1"/>
+    <dgm:cxn modelId="{29262A51-A183-4797-8306-F3626F79F4F7}" type="presParOf" srcId="{8AAA267F-7F20-412F-A505-E43885415E24}" destId="{1E8ED89A-FE5A-42B4-BA1C-F54EF93E284F}" srcOrd="5" destOrd="0" presId="urn:microsoft.com/office/officeart/2005/8/layout/hierarchy1"/>
+    <dgm:cxn modelId="{04C92D6F-A456-4900-8BBC-CFBA495AD19F}" type="presParOf" srcId="{1E8ED89A-FE5A-42B4-BA1C-F54EF93E284F}" destId="{4A578240-673B-4D1B-9092-8EC15C0078EC}" srcOrd="0" destOrd="0" presId="urn:microsoft.com/office/officeart/2005/8/layout/hierarchy1"/>
+    <dgm:cxn modelId="{1CE965BF-394F-499C-8320-BA24B0052F43}" type="presParOf" srcId="{4A578240-673B-4D1B-9092-8EC15C0078EC}" destId="{9ECFC2B6-E1E2-4353-B1CF-A3E261A1FFA1}" srcOrd="0" destOrd="0" presId="urn:microsoft.com/office/officeart/2005/8/layout/hierarchy1"/>
+    <dgm:cxn modelId="{E25F589C-CDB8-44BC-BA6B-D051D02078BA}" type="presParOf" srcId="{4A578240-673B-4D1B-9092-8EC15C0078EC}" destId="{E132A7DB-6FFD-409B-9AF9-A837F6DBCA2F}" srcOrd="1" destOrd="0" presId="urn:microsoft.com/office/officeart/2005/8/layout/hierarchy1"/>
+    <dgm:cxn modelId="{1E201135-EE97-43BF-807C-D03EB84D1E4D}" type="presParOf" srcId="{1E8ED89A-FE5A-42B4-BA1C-F54EF93E284F}" destId="{727D8AE0-1D03-4A75-870F-5E6EE97C3860}" srcOrd="1" destOrd="0" presId="urn:microsoft.com/office/officeart/2005/8/layout/hierarchy1"/>
+    <dgm:cxn modelId="{260234F4-5C34-4E31-9385-F92776441138}" type="presParOf" srcId="{727D8AE0-1D03-4A75-870F-5E6EE97C3860}" destId="{2338351E-BEFE-4B47-9285-F7F1A5F44768}" srcOrd="0" destOrd="0" presId="urn:microsoft.com/office/officeart/2005/8/layout/hierarchy1"/>
+    <dgm:cxn modelId="{E7FA44C6-9C61-4329-BB91-DACAF8C0AD8A}" type="presParOf" srcId="{727D8AE0-1D03-4A75-870F-5E6EE97C3860}" destId="{FC77AACF-DCAD-4762-A62D-45BB879B2CE4}" srcOrd="1" destOrd="0" presId="urn:microsoft.com/office/officeart/2005/8/layout/hierarchy1"/>
+    <dgm:cxn modelId="{51CEF0F9-9433-4193-9016-AE527A508109}" type="presParOf" srcId="{FC77AACF-DCAD-4762-A62D-45BB879B2CE4}" destId="{7456BB8E-B21F-4E62-99DD-48E6876CCD70}" srcOrd="0" destOrd="0" presId="urn:microsoft.com/office/officeart/2005/8/layout/hierarchy1"/>
+    <dgm:cxn modelId="{D11B68CE-CB6F-4900-BD24-08460AD38C7B}" type="presParOf" srcId="{7456BB8E-B21F-4E62-99DD-48E6876CCD70}" destId="{9DA24443-9990-4BFC-972D-4AD41AC17B9F}" srcOrd="0" destOrd="0" presId="urn:microsoft.com/office/officeart/2005/8/layout/hierarchy1"/>
+    <dgm:cxn modelId="{77BA552B-FD91-4DEA-8589-5515C664F74C}" type="presParOf" srcId="{7456BB8E-B21F-4E62-99DD-48E6876CCD70}" destId="{034F3FB7-45C9-4313-AAD2-C3FC91D78D83}" srcOrd="1" destOrd="0" presId="urn:microsoft.com/office/officeart/2005/8/layout/hierarchy1"/>
+    <dgm:cxn modelId="{EF8347B8-EDC4-49DF-839F-4252E2F3D7AE}" type="presParOf" srcId="{FC77AACF-DCAD-4762-A62D-45BB879B2CE4}" destId="{2E33FDFA-A459-423C-80D0-72278BD1B26A}" srcOrd="1" destOrd="0" presId="urn:microsoft.com/office/officeart/2005/8/layout/hierarchy1"/>
+    <dgm:cxn modelId="{7731FA48-32EA-453F-869B-18C509C26770}" type="presParOf" srcId="{727D8AE0-1D03-4A75-870F-5E6EE97C3860}" destId="{4A9585BE-3985-4ADF-8FED-49B3E7BFDC21}" srcOrd="2" destOrd="0" presId="urn:microsoft.com/office/officeart/2005/8/layout/hierarchy1"/>
+    <dgm:cxn modelId="{6EDA1CDD-81DF-4F51-9BF7-60F105DF9DCF}" type="presParOf" srcId="{727D8AE0-1D03-4A75-870F-5E6EE97C3860}" destId="{5EFE8605-A853-4ED0-BD27-C6BFEB1EA247}" srcOrd="3" destOrd="0" presId="urn:microsoft.com/office/officeart/2005/8/layout/hierarchy1"/>
+    <dgm:cxn modelId="{D422BECB-226F-48AF-A17E-87B277B952F8}" type="presParOf" srcId="{5EFE8605-A853-4ED0-BD27-C6BFEB1EA247}" destId="{BC3763BD-AE4B-4F69-8EBB-C7C4087B7680}" srcOrd="0" destOrd="0" presId="urn:microsoft.com/office/officeart/2005/8/layout/hierarchy1"/>
+    <dgm:cxn modelId="{38C9B488-630A-41CE-9C48-B6B1453318EF}" type="presParOf" srcId="{BC3763BD-AE4B-4F69-8EBB-C7C4087B7680}" destId="{20662F56-065E-4059-A03D-3C7B9962442E}" srcOrd="0" destOrd="0" presId="urn:microsoft.com/office/officeart/2005/8/layout/hierarchy1"/>
+    <dgm:cxn modelId="{9B1570FA-583C-4EDC-88FC-C9F2C1BF4BB8}" type="presParOf" srcId="{BC3763BD-AE4B-4F69-8EBB-C7C4087B7680}" destId="{F20A0E65-D702-43E8-A4E2-B596F105CB27}" srcOrd="1" destOrd="0" presId="urn:microsoft.com/office/officeart/2005/8/layout/hierarchy1"/>
+    <dgm:cxn modelId="{ECD453C2-C78F-42D1-A7AC-7418B5D26AEE}" type="presParOf" srcId="{5EFE8605-A853-4ED0-BD27-C6BFEB1EA247}" destId="{08A21823-9199-405B-9397-7B7B4E5C42E7}" srcOrd="1" destOrd="0" presId="urn:microsoft.com/office/officeart/2005/8/layout/hierarchy1"/>
+    <dgm:cxn modelId="{5CDB5D97-692C-4098-ACE8-E7C4BB14987C}" type="presParOf" srcId="{727D8AE0-1D03-4A75-870F-5E6EE97C3860}" destId="{16C66DBB-BA29-4030-BBC5-5DE46B011880}" srcOrd="4" destOrd="0" presId="urn:microsoft.com/office/officeart/2005/8/layout/hierarchy1"/>
+    <dgm:cxn modelId="{12ECED54-6A20-4F7C-B078-5096E4CEC025}" type="presParOf" srcId="{727D8AE0-1D03-4A75-870F-5E6EE97C3860}" destId="{CD399AC7-1D40-425A-A229-F70119A765A4}" srcOrd="5" destOrd="0" presId="urn:microsoft.com/office/officeart/2005/8/layout/hierarchy1"/>
+    <dgm:cxn modelId="{3C9846C7-8F42-4C72-A682-54F99127ED3A}" type="presParOf" srcId="{CD399AC7-1D40-425A-A229-F70119A765A4}" destId="{CCBEDBB9-9856-4844-90FD-52A2412938FA}" srcOrd="0" destOrd="0" presId="urn:microsoft.com/office/officeart/2005/8/layout/hierarchy1"/>
+    <dgm:cxn modelId="{71F02A59-8AA6-408C-A796-7FBFA12F26AD}" type="presParOf" srcId="{CCBEDBB9-9856-4844-90FD-52A2412938FA}" destId="{255871FA-79EA-4E4B-8C6E-44F42582843F}" srcOrd="0" destOrd="0" presId="urn:microsoft.com/office/officeart/2005/8/layout/hierarchy1"/>
+    <dgm:cxn modelId="{A3A4C633-ADB2-489F-86A8-B028B949AF61}" type="presParOf" srcId="{CCBEDBB9-9856-4844-90FD-52A2412938FA}" destId="{8676812B-A215-4C57-950D-DC039B48B41F}" srcOrd="1" destOrd="0" presId="urn:microsoft.com/office/officeart/2005/8/layout/hierarchy1"/>
+    <dgm:cxn modelId="{C4963549-7744-42A5-9355-63CE5915C956}" type="presParOf" srcId="{CD399AC7-1D40-425A-A229-F70119A765A4}" destId="{E7CF9BAC-F7BB-47AA-B284-FDDB6011E110}" srcOrd="1" destOrd="0" presId="urn:microsoft.com/office/officeart/2005/8/layout/hierarchy1"/>
   </dgm:cxnLst>
   <dgm:bg/>
   <dgm:whole/>
@@ -1623,8 +1532,8 @@
       </dsp:nvSpPr>
       <dsp:spPr>
         <a:xfrm>
-          <a:off x="4450584" y="1907568"/>
-          <a:ext cx="1493105" cy="355291"/>
+          <a:off x="3651514" y="1864178"/>
+          <a:ext cx="1459000" cy="347175"/>
         </a:xfrm>
         <a:custGeom>
           <a:avLst/>
@@ -1638,13 +1547,13 @@
                 <a:pt x="0" y="0"/>
               </a:moveTo>
               <a:lnTo>
-                <a:pt x="0" y="242120"/>
+                <a:pt x="0" y="236590"/>
               </a:lnTo>
               <a:lnTo>
-                <a:pt x="1493105" y="242120"/>
+                <a:pt x="1459000" y="236590"/>
               </a:lnTo>
               <a:lnTo>
-                <a:pt x="1493105" y="355291"/>
+                <a:pt x="1459000" y="347175"/>
               </a:lnTo>
             </a:path>
           </a:pathLst>
@@ -1684,8 +1593,8 @@
       </dsp:nvSpPr>
       <dsp:spPr>
         <a:xfrm>
-          <a:off x="4404864" y="1907568"/>
-          <a:ext cx="91440" cy="355291"/>
+          <a:off x="3605794" y="1864178"/>
+          <a:ext cx="91440" cy="347175"/>
         </a:xfrm>
         <a:custGeom>
           <a:avLst/>
@@ -1699,7 +1608,7 @@
                 <a:pt x="45720" y="0"/>
               </a:moveTo>
               <a:lnTo>
-                <a:pt x="45720" y="355291"/>
+                <a:pt x="45720" y="347175"/>
               </a:lnTo>
             </a:path>
           </a:pathLst>
@@ -1739,8 +1648,8 @@
       </dsp:nvSpPr>
       <dsp:spPr>
         <a:xfrm>
-          <a:off x="2957479" y="1907568"/>
-          <a:ext cx="1493105" cy="355291"/>
+          <a:off x="2192513" y="1864178"/>
+          <a:ext cx="1459000" cy="347175"/>
         </a:xfrm>
         <a:custGeom>
           <a:avLst/>
@@ -1751,16 +1660,16 @@
           <a:pathLst>
             <a:path>
               <a:moveTo>
-                <a:pt x="1493105" y="0"/>
+                <a:pt x="1459000" y="0"/>
               </a:moveTo>
               <a:lnTo>
-                <a:pt x="1493105" y="242120"/>
+                <a:pt x="1459000" y="236590"/>
               </a:lnTo>
               <a:lnTo>
-                <a:pt x="0" y="242120"/>
+                <a:pt x="0" y="236590"/>
               </a:lnTo>
               <a:lnTo>
-                <a:pt x="0" y="355291"/>
+                <a:pt x="0" y="347175"/>
               </a:lnTo>
             </a:path>
           </a:pathLst>
@@ -1800,8 +1709,8 @@
       </dsp:nvSpPr>
       <dsp:spPr>
         <a:xfrm>
-          <a:off x="2957479" y="776541"/>
-          <a:ext cx="1493105" cy="355291"/>
+          <a:off x="2192513" y="758985"/>
+          <a:ext cx="1459000" cy="347175"/>
         </a:xfrm>
         <a:custGeom>
           <a:avLst/>
@@ -1815,13 +1724,13 @@
                 <a:pt x="0" y="0"/>
               </a:moveTo>
               <a:lnTo>
-                <a:pt x="0" y="242120"/>
+                <a:pt x="0" y="236590"/>
               </a:lnTo>
               <a:lnTo>
-                <a:pt x="1493105" y="242120"/>
+                <a:pt x="1459000" y="236590"/>
               </a:lnTo>
               <a:lnTo>
-                <a:pt x="1493105" y="355291"/>
+                <a:pt x="1459000" y="347175"/>
               </a:lnTo>
             </a:path>
           </a:pathLst>
@@ -1861,8 +1770,8 @@
       </dsp:nvSpPr>
       <dsp:spPr>
         <a:xfrm>
-          <a:off x="2911759" y="776541"/>
-          <a:ext cx="91440" cy="355291"/>
+          <a:off x="2146793" y="758985"/>
+          <a:ext cx="91440" cy="347175"/>
         </a:xfrm>
         <a:custGeom>
           <a:avLst/>
@@ -1876,7 +1785,7 @@
                 <a:pt x="45720" y="0"/>
               </a:moveTo>
               <a:lnTo>
-                <a:pt x="45720" y="355291"/>
+                <a:pt x="45720" y="347175"/>
               </a:lnTo>
             </a:path>
           </a:pathLst>
@@ -1916,8 +1825,8 @@
       </dsp:nvSpPr>
       <dsp:spPr>
         <a:xfrm>
-          <a:off x="1464373" y="776541"/>
-          <a:ext cx="1493105" cy="355291"/>
+          <a:off x="733512" y="758985"/>
+          <a:ext cx="1459000" cy="347175"/>
         </a:xfrm>
         <a:custGeom>
           <a:avLst/>
@@ -1928,16 +1837,16 @@
           <a:pathLst>
             <a:path>
               <a:moveTo>
-                <a:pt x="1493105" y="0"/>
+                <a:pt x="1459000" y="0"/>
               </a:moveTo>
               <a:lnTo>
-                <a:pt x="1493105" y="242120"/>
+                <a:pt x="1459000" y="236590"/>
               </a:lnTo>
               <a:lnTo>
-                <a:pt x="0" y="242120"/>
+                <a:pt x="0" y="236590"/>
               </a:lnTo>
               <a:lnTo>
-                <a:pt x="0" y="355291"/>
+                <a:pt x="0" y="347175"/>
               </a:lnTo>
             </a:path>
           </a:pathLst>
@@ -1977,8 +1886,8 @@
       </dsp:nvSpPr>
       <dsp:spPr>
         <a:xfrm>
-          <a:off x="2346663" y="805"/>
-          <a:ext cx="1221631" cy="775735"/>
+          <a:off x="1595649" y="968"/>
+          <a:ext cx="1193727" cy="758017"/>
         </a:xfrm>
         <a:prstGeom prst="roundRect">
           <a:avLst>
@@ -2028,8 +1937,8 @@
       </dsp:nvSpPr>
       <dsp:spPr>
         <a:xfrm>
-          <a:off x="2482400" y="129755"/>
-          <a:ext cx="1221631" cy="775735"/>
+          <a:off x="1728286" y="126972"/>
+          <a:ext cx="1193727" cy="758017"/>
         </a:xfrm>
         <a:prstGeom prst="roundRect">
           <a:avLst>
@@ -2076,7 +1985,7 @@
         </a:bodyPr>
         <a:lstStyle/>
         <a:p>
-          <a:pPr lvl="0" algn="ctr" defTabSz="1244600">
+          <a:pPr marL="0" lvl="0" indent="0" algn="ctr" defTabSz="1244600">
             <a:lnSpc>
               <a:spcPct val="90000"/>
             </a:lnSpc>
@@ -2086,9 +1995,10 @@
             <a:spcAft>
               <a:spcPct val="35000"/>
             </a:spcAft>
+            <a:buNone/>
           </a:pPr>
           <a:r>
-            <a:rPr lang="es-VE" sz="2800" b="1" kern="1200" dirty="0" smtClean="0">
+            <a:rPr lang="es-VE" sz="2800" b="1" kern="1200" dirty="0">
               <a:latin typeface="Arial Rounded MT Bold" pitchFamily="34" charset="0"/>
             </a:rPr>
             <a:t>Taré</a:t>
@@ -2099,8 +2009,8 @@
         </a:p>
       </dsp:txBody>
       <dsp:txXfrm>
-        <a:off x="2505121" y="152476"/>
-        <a:ext cx="1176189" cy="730293"/>
+        <a:off x="1750488" y="149174"/>
+        <a:ext cx="1149323" cy="713613"/>
       </dsp:txXfrm>
     </dsp:sp>
     <dsp:sp modelId="{D5D936CA-7F12-45E0-877E-B430483E40D8}">
@@ -2110,8 +2020,8 @@
       </dsp:nvSpPr>
       <dsp:spPr>
         <a:xfrm>
-          <a:off x="853558" y="1131833"/>
-          <a:ext cx="1221631" cy="775735"/>
+          <a:off x="136649" y="1106161"/>
+          <a:ext cx="1193727" cy="758017"/>
         </a:xfrm>
         <a:prstGeom prst="roundRect">
           <a:avLst>
@@ -2161,8 +2071,8 @@
       </dsp:nvSpPr>
       <dsp:spPr>
         <a:xfrm>
-          <a:off x="989294" y="1260783"/>
-          <a:ext cx="1221631" cy="775735"/>
+          <a:off x="269285" y="1232165"/>
+          <a:ext cx="1193727" cy="758017"/>
         </a:xfrm>
         <a:prstGeom prst="roundRect">
           <a:avLst>
@@ -2209,7 +2119,7 @@
         </a:bodyPr>
         <a:lstStyle/>
         <a:p>
-          <a:pPr lvl="0" algn="ctr" defTabSz="711200">
+          <a:pPr marL="0" lvl="0" indent="0" algn="ctr" defTabSz="711200">
             <a:lnSpc>
               <a:spcPct val="90000"/>
             </a:lnSpc>
@@ -2219,19 +2129,20 @@
             <a:spcAft>
               <a:spcPct val="35000"/>
             </a:spcAft>
+            <a:buNone/>
           </a:pPr>
           <a:r>
-            <a:rPr lang="es-VE" sz="1600" b="1" kern="1200" dirty="0" smtClean="0">
+            <a:rPr lang="es-VE" sz="1600" b="1" kern="1200" dirty="0">
               <a:latin typeface="Arial Rounded MT Bold" pitchFamily="34" charset="0"/>
             </a:rPr>
             <a:t>Abram</a:t>
           </a:r>
-          <a:endParaRPr lang="es-VE" sz="1400" b="1" kern="1200" dirty="0" smtClean="0">
+          <a:endParaRPr lang="es-VE" sz="1400" b="1" kern="1200" dirty="0">
             <a:latin typeface="Arial Rounded MT Bold" pitchFamily="34" charset="0"/>
           </a:endParaRPr>
         </a:p>
         <a:p>
-          <a:pPr lvl="0" algn="ctr" defTabSz="711200">
+          <a:pPr marL="0" lvl="0" indent="0" algn="ctr" defTabSz="711200">
             <a:lnSpc>
               <a:spcPct val="90000"/>
             </a:lnSpc>
@@ -2241,33 +2152,31 @@
             <a:spcAft>
               <a:spcPct val="35000"/>
             </a:spcAft>
+            <a:buNone/>
           </a:pPr>
           <a:r>
-            <a:rPr lang="es-VE" sz="1400" kern="1200" dirty="0" smtClean="0">
+            <a:rPr lang="es-VE" sz="1400" kern="1200" dirty="0">
               <a:latin typeface="Arial Rounded MT Bold" pitchFamily="34" charset="0"/>
             </a:rPr>
             <a:t>(con </a:t>
           </a:r>
           <a:r>
-            <a:rPr lang="es-VE" sz="1400" kern="1200" dirty="0" err="1" smtClean="0">
+            <a:rPr lang="es-VE" sz="1400" kern="1200" dirty="0" err="1">
               <a:latin typeface="Arial Rounded MT Bold" pitchFamily="34" charset="0"/>
             </a:rPr>
             <a:t>Sarai</a:t>
           </a:r>
           <a:r>
-            <a:rPr lang="es-VE" sz="1400" kern="1200" dirty="0" smtClean="0">
+            <a:rPr lang="es-VE" sz="1400" kern="1200" dirty="0">
               <a:latin typeface="Arial Rounded MT Bold" pitchFamily="34" charset="0"/>
             </a:rPr>
             <a:t>)</a:t>
           </a:r>
-          <a:endParaRPr lang="es-VE" sz="1400" kern="1200" dirty="0">
-            <a:latin typeface="Arial Rounded MT Bold" pitchFamily="34" charset="0"/>
-          </a:endParaRPr>
         </a:p>
       </dsp:txBody>
       <dsp:txXfrm>
-        <a:off x="1012015" y="1283504"/>
-        <a:ext cx="1176189" cy="730293"/>
+        <a:off x="291487" y="1254367"/>
+        <a:ext cx="1149323" cy="713613"/>
       </dsp:txXfrm>
     </dsp:sp>
     <dsp:sp modelId="{DC70C0C5-25F2-4610-A8FE-85A45BD010DF}">
@@ -2277,8 +2186,8 @@
       </dsp:nvSpPr>
       <dsp:spPr>
         <a:xfrm>
-          <a:off x="2346663" y="1131833"/>
-          <a:ext cx="1221631" cy="775735"/>
+          <a:off x="1595649" y="1106161"/>
+          <a:ext cx="1193727" cy="758017"/>
         </a:xfrm>
         <a:prstGeom prst="roundRect">
           <a:avLst>
@@ -2328,8 +2237,8 @@
       </dsp:nvSpPr>
       <dsp:spPr>
         <a:xfrm>
-          <a:off x="2482400" y="1260783"/>
-          <a:ext cx="1221631" cy="775735"/>
+          <a:off x="1728286" y="1232165"/>
+          <a:ext cx="1193727" cy="758017"/>
         </a:xfrm>
         <a:prstGeom prst="roundRect">
           <a:avLst>
@@ -2376,7 +2285,7 @@
         </a:bodyPr>
         <a:lstStyle/>
         <a:p>
-          <a:pPr lvl="0" algn="ctr" defTabSz="711200">
+          <a:pPr marL="0" lvl="0" indent="0" algn="ctr" defTabSz="711200">
             <a:lnSpc>
               <a:spcPct val="90000"/>
             </a:lnSpc>
@@ -2386,19 +2295,20 @@
             <a:spcAft>
               <a:spcPct val="35000"/>
             </a:spcAft>
+            <a:buNone/>
           </a:pPr>
           <a:r>
-            <a:rPr lang="es-VE" sz="1600" b="1" kern="1200" dirty="0" err="1" smtClean="0">
+            <a:rPr lang="es-VE" sz="1600" b="1" kern="1200" dirty="0" err="1">
               <a:latin typeface="Arial Rounded MT Bold" pitchFamily="34" charset="0"/>
             </a:rPr>
             <a:t>Nacor</a:t>
           </a:r>
-          <a:endParaRPr lang="es-VE" sz="1400" b="1" kern="1200" dirty="0" smtClean="0">
+          <a:endParaRPr lang="es-VE" sz="1400" b="1" kern="1200" dirty="0">
             <a:latin typeface="Arial Rounded MT Bold" pitchFamily="34" charset="0"/>
           </a:endParaRPr>
         </a:p>
         <a:p>
-          <a:pPr lvl="0" algn="ctr" defTabSz="711200">
+          <a:pPr marL="0" lvl="0" indent="0" algn="ctr" defTabSz="711200">
             <a:lnSpc>
               <a:spcPct val="90000"/>
             </a:lnSpc>
@@ -2408,33 +2318,31 @@
             <a:spcAft>
               <a:spcPct val="35000"/>
             </a:spcAft>
+            <a:buNone/>
           </a:pPr>
           <a:r>
-            <a:rPr lang="es-VE" sz="1400" kern="1200" dirty="0" smtClean="0">
+            <a:rPr lang="es-VE" sz="1400" kern="1200" dirty="0">
               <a:latin typeface="Arial Rounded MT Bold" pitchFamily="34" charset="0"/>
             </a:rPr>
             <a:t>(con </a:t>
           </a:r>
           <a:r>
-            <a:rPr lang="es-VE" sz="1400" kern="1200" dirty="0" err="1" smtClean="0">
+            <a:rPr lang="es-VE" sz="1400" kern="1200" dirty="0" err="1">
               <a:latin typeface="Arial Rounded MT Bold" pitchFamily="34" charset="0"/>
             </a:rPr>
             <a:t>Milca</a:t>
           </a:r>
           <a:r>
-            <a:rPr lang="es-VE" sz="1400" kern="1200" dirty="0" smtClean="0">
+            <a:rPr lang="es-VE" sz="1400" kern="1200" dirty="0">
               <a:latin typeface="Arial Rounded MT Bold" pitchFamily="34" charset="0"/>
             </a:rPr>
             <a:t>)</a:t>
           </a:r>
-          <a:endParaRPr lang="es-VE" sz="1400" kern="1200" dirty="0">
-            <a:latin typeface="Arial Rounded MT Bold" pitchFamily="34" charset="0"/>
-          </a:endParaRPr>
         </a:p>
       </dsp:txBody>
       <dsp:txXfrm>
-        <a:off x="2505121" y="1283504"/>
-        <a:ext cx="1176189" cy="730293"/>
+        <a:off x="1750488" y="1254367"/>
+        <a:ext cx="1149323" cy="713613"/>
       </dsp:txXfrm>
     </dsp:sp>
     <dsp:sp modelId="{9ECFC2B6-E1E2-4353-B1CF-A3E261A1FFA1}">
@@ -2444,8 +2352,8 @@
       </dsp:nvSpPr>
       <dsp:spPr>
         <a:xfrm>
-          <a:off x="3839768" y="1131833"/>
-          <a:ext cx="1221631" cy="775735"/>
+          <a:off x="3054650" y="1106161"/>
+          <a:ext cx="1193727" cy="758017"/>
         </a:xfrm>
         <a:prstGeom prst="roundRect">
           <a:avLst>
@@ -2495,8 +2403,8 @@
       </dsp:nvSpPr>
       <dsp:spPr>
         <a:xfrm>
-          <a:off x="3975505" y="1260783"/>
-          <a:ext cx="1221631" cy="775735"/>
+          <a:off x="3187286" y="1232165"/>
+          <a:ext cx="1193727" cy="758017"/>
         </a:xfrm>
         <a:prstGeom prst="roundRect">
           <a:avLst>
@@ -2543,7 +2451,7 @@
         </a:bodyPr>
         <a:lstStyle/>
         <a:p>
-          <a:pPr lvl="0" algn="ctr" defTabSz="1066800">
+          <a:pPr marL="0" lvl="0" indent="0" algn="ctr" defTabSz="1066800">
             <a:lnSpc>
               <a:spcPct val="90000"/>
             </a:lnSpc>
@@ -2553,9 +2461,10 @@
             <a:spcAft>
               <a:spcPct val="35000"/>
             </a:spcAft>
+            <a:buNone/>
           </a:pPr>
           <a:r>
-            <a:rPr lang="es-VE" sz="2400" b="1" kern="1200" dirty="0" err="1" smtClean="0">
+            <a:rPr lang="es-VE" sz="2400" b="1" kern="1200" dirty="0" err="1">
               <a:latin typeface="Arial Rounded MT Bold" pitchFamily="34" charset="0"/>
             </a:rPr>
             <a:t>Haran</a:t>
@@ -2566,8 +2475,8 @@
         </a:p>
       </dsp:txBody>
       <dsp:txXfrm>
-        <a:off x="3998226" y="1283504"/>
-        <a:ext cx="1176189" cy="730293"/>
+        <a:off x="3209488" y="1254367"/>
+        <a:ext cx="1149323" cy="713613"/>
       </dsp:txXfrm>
     </dsp:sp>
     <dsp:sp modelId="{9DA24443-9990-4BFC-972D-4AD41AC17B9F}">
@@ -2577,8 +2486,8 @@
       </dsp:nvSpPr>
       <dsp:spPr>
         <a:xfrm>
-          <a:off x="2346663" y="2262860"/>
-          <a:ext cx="1221631" cy="775735"/>
+          <a:off x="1595649" y="2211354"/>
+          <a:ext cx="1193727" cy="758017"/>
         </a:xfrm>
         <a:prstGeom prst="roundRect">
           <a:avLst>
@@ -2628,8 +2537,8 @@
       </dsp:nvSpPr>
       <dsp:spPr>
         <a:xfrm>
-          <a:off x="2482400" y="2391810"/>
-          <a:ext cx="1221631" cy="775735"/>
+          <a:off x="1728286" y="2337358"/>
+          <a:ext cx="1193727" cy="758017"/>
         </a:xfrm>
         <a:prstGeom prst="roundRect">
           <a:avLst>
@@ -2676,7 +2585,7 @@
         </a:bodyPr>
         <a:lstStyle/>
         <a:p>
-          <a:pPr lvl="0" algn="ctr" defTabSz="1244600">
+          <a:pPr marL="0" lvl="0" indent="0" algn="ctr" defTabSz="1244600">
             <a:lnSpc>
               <a:spcPct val="90000"/>
             </a:lnSpc>
@@ -2686,21 +2595,19 @@
             <a:spcAft>
               <a:spcPct val="35000"/>
             </a:spcAft>
+            <a:buNone/>
           </a:pPr>
           <a:r>
-            <a:rPr lang="es-VE" sz="2800" kern="1200" dirty="0" smtClean="0">
+            <a:rPr lang="es-VE" sz="2800" kern="1200" dirty="0">
               <a:latin typeface="Arial Rounded MT Bold" pitchFamily="34" charset="0"/>
             </a:rPr>
             <a:t>Lot</a:t>
           </a:r>
-          <a:endParaRPr lang="es-VE" sz="2800" kern="1200" dirty="0">
-            <a:latin typeface="Arial Rounded MT Bold" pitchFamily="34" charset="0"/>
-          </a:endParaRPr>
         </a:p>
       </dsp:txBody>
       <dsp:txXfrm>
-        <a:off x="2505121" y="2414531"/>
-        <a:ext cx="1176189" cy="730293"/>
+        <a:off x="1750488" y="2359560"/>
+        <a:ext cx="1149323" cy="713613"/>
       </dsp:txXfrm>
     </dsp:sp>
     <dsp:sp modelId="{20662F56-065E-4059-A03D-3C7B9962442E}">
@@ -2710,8 +2617,8 @@
       </dsp:nvSpPr>
       <dsp:spPr>
         <a:xfrm>
-          <a:off x="3839768" y="2262860"/>
-          <a:ext cx="1221631" cy="775735"/>
+          <a:off x="3054650" y="2211354"/>
+          <a:ext cx="1193727" cy="758017"/>
         </a:xfrm>
         <a:prstGeom prst="roundRect">
           <a:avLst>
@@ -2761,8 +2668,8 @@
       </dsp:nvSpPr>
       <dsp:spPr>
         <a:xfrm>
-          <a:off x="3975505" y="2391810"/>
-          <a:ext cx="1221631" cy="775735"/>
+          <a:off x="3187286" y="2337358"/>
+          <a:ext cx="1193727" cy="758017"/>
         </a:xfrm>
         <a:prstGeom prst="roundRect">
           <a:avLst>
@@ -2809,7 +2716,7 @@
         </a:bodyPr>
         <a:lstStyle/>
         <a:p>
-          <a:pPr lvl="0" algn="ctr" defTabSz="1244600">
+          <a:pPr marL="0" lvl="0" indent="0" algn="ctr" defTabSz="1244600">
             <a:lnSpc>
               <a:spcPct val="90000"/>
             </a:lnSpc>
@@ -2819,9 +2726,10 @@
             <a:spcAft>
               <a:spcPct val="35000"/>
             </a:spcAft>
+            <a:buNone/>
           </a:pPr>
           <a:r>
-            <a:rPr lang="es-VE" sz="2800" kern="1200" dirty="0" err="1" smtClean="0">
+            <a:rPr lang="es-VE" sz="2800" kern="1200" dirty="0" err="1">
               <a:latin typeface="Arial Rounded MT Bold" pitchFamily="34" charset="0"/>
             </a:rPr>
             <a:t>Milca</a:t>
@@ -2832,8 +2740,8 @@
         </a:p>
       </dsp:txBody>
       <dsp:txXfrm>
-        <a:off x="3998226" y="2414531"/>
-        <a:ext cx="1176189" cy="730293"/>
+        <a:off x="3209488" y="2359560"/>
+        <a:ext cx="1149323" cy="713613"/>
       </dsp:txXfrm>
     </dsp:sp>
     <dsp:sp modelId="{255871FA-79EA-4E4B-8C6E-44F42582843F}">
@@ -2843,8 +2751,8 @@
       </dsp:nvSpPr>
       <dsp:spPr>
         <a:xfrm>
-          <a:off x="5332873" y="2262860"/>
-          <a:ext cx="1221631" cy="775735"/>
+          <a:off x="4513650" y="2211354"/>
+          <a:ext cx="1193727" cy="758017"/>
         </a:xfrm>
         <a:prstGeom prst="roundRect">
           <a:avLst>
@@ -2894,8 +2802,8 @@
       </dsp:nvSpPr>
       <dsp:spPr>
         <a:xfrm>
-          <a:off x="5468610" y="2391810"/>
-          <a:ext cx="1221631" cy="775735"/>
+          <a:off x="4646287" y="2337358"/>
+          <a:ext cx="1193727" cy="758017"/>
         </a:xfrm>
         <a:prstGeom prst="roundRect">
           <a:avLst>
@@ -2942,7 +2850,7 @@
         </a:bodyPr>
         <a:lstStyle/>
         <a:p>
-          <a:pPr lvl="0" algn="ctr" defTabSz="1244600">
+          <a:pPr marL="0" lvl="0" indent="0" algn="ctr" defTabSz="1244600">
             <a:lnSpc>
               <a:spcPct val="90000"/>
             </a:lnSpc>
@@ -2952,9 +2860,10 @@
             <a:spcAft>
               <a:spcPct val="35000"/>
             </a:spcAft>
+            <a:buNone/>
           </a:pPr>
           <a:r>
-            <a:rPr lang="es-VE" sz="2800" kern="1200" dirty="0" err="1" smtClean="0">
+            <a:rPr lang="es-VE" sz="2800" kern="1200" dirty="0" err="1">
               <a:latin typeface="Arial Rounded MT Bold" pitchFamily="34" charset="0"/>
             </a:rPr>
             <a:t>Isca</a:t>
@@ -2965,8 +2874,8 @@
         </a:p>
       </dsp:txBody>
       <dsp:txXfrm>
-        <a:off x="5491331" y="2414531"/>
-        <a:ext cx="1176189" cy="730293"/>
+        <a:off x="4668489" y="2359560"/>
+        <a:ext cx="1149323" cy="713613"/>
       </dsp:txXfrm>
     </dsp:sp>
   </dsp:spTree>
@@ -4652,7 +4561,7 @@
           <a:p>
             <a:fld id="{1766D823-1C34-4252-B037-76F3066DD816}" type="datetimeFigureOut">
               <a:rPr lang="es-VE" smtClean="0"/>
-              <a:t>16/10/2020</a:t>
+              <a:t>10/5/2023</a:t>
             </a:fld>
             <a:endParaRPr lang="es-VE"/>
           </a:p>
@@ -4716,35 +4625,35 @@
           <a:p>
             <a:pPr lvl="0"/>
             <a:r>
-              <a:rPr lang="es-ES" smtClean="0"/>
+              <a:rPr lang="es-ES"/>
               <a:t>Haga clic para modificar el estilo de texto del patrón</a:t>
             </a:r>
           </a:p>
           <a:p>
             <a:pPr lvl="1"/>
             <a:r>
-              <a:rPr lang="es-ES" smtClean="0"/>
+              <a:rPr lang="es-ES"/>
               <a:t>Segundo nivel</a:t>
             </a:r>
           </a:p>
           <a:p>
             <a:pPr lvl="2"/>
             <a:r>
-              <a:rPr lang="es-ES" smtClean="0"/>
+              <a:rPr lang="es-ES"/>
               <a:t>Tercer nivel</a:t>
             </a:r>
           </a:p>
           <a:p>
             <a:pPr lvl="3"/>
             <a:r>
-              <a:rPr lang="es-ES" smtClean="0"/>
+              <a:rPr lang="es-ES"/>
               <a:t>Cuarto nivel</a:t>
             </a:r>
           </a:p>
           <a:p>
             <a:pPr lvl="4"/>
             <a:r>
-              <a:rPr lang="es-ES" smtClean="0"/>
+              <a:rPr lang="es-ES"/>
               <a:t>Quinto nivel</a:t>
             </a:r>
             <a:endParaRPr lang="es-VE"/>
@@ -5091,7 +5000,7 @@
           </a:lstStyle>
           <a:p>
             <a:r>
-              <a:rPr lang="es-ES" smtClean="0"/>
+              <a:rPr lang="es-ES"/>
               <a:t>Haga clic para modificar el estilo de título del patrón</a:t>
             </a:r>
             <a:endParaRPr lang="en-US" dirty="0"/>
@@ -5210,7 +5119,7 @@
           </a:lstStyle>
           <a:p>
             <a:r>
-              <a:rPr lang="es-ES" smtClean="0"/>
+              <a:rPr lang="es-ES"/>
               <a:t>Haga clic para modificar el estilo de subtítulo del patrón</a:t>
             </a:r>
             <a:endParaRPr lang="en-US" dirty="0"/>
@@ -5234,7 +5143,7 @@
           <a:p>
             <a:fld id="{43F51AC5-15E3-4F55-8A92-E1B4CFFA43F6}" type="datetimeFigureOut">
               <a:rPr lang="es-VE" smtClean="0"/>
-              <a:t>16/10/2020</a:t>
+              <a:t>10/5/2023</a:t>
             </a:fld>
             <a:endParaRPr lang="es-VE"/>
           </a:p>
@@ -5366,7 +5275,7 @@
           <a:lstStyle/>
           <a:p>
             <a:r>
-              <a:rPr lang="es-ES" smtClean="0"/>
+              <a:rPr lang="es-ES"/>
               <a:t>Haga clic para modificar el estilo de título del patrón</a:t>
             </a:r>
             <a:endParaRPr lang="en-US" dirty="0"/>
@@ -5395,35 +5304,35 @@
           <a:p>
             <a:pPr lvl="0"/>
             <a:r>
-              <a:rPr lang="es-ES" smtClean="0"/>
+              <a:rPr lang="es-ES"/>
               <a:t>Haga clic para modificar el estilo de texto del patrón</a:t>
             </a:r>
           </a:p>
           <a:p>
             <a:pPr lvl="1"/>
             <a:r>
-              <a:rPr lang="es-ES" smtClean="0"/>
+              <a:rPr lang="es-ES"/>
               <a:t>Segundo nivel</a:t>
             </a:r>
           </a:p>
           <a:p>
             <a:pPr lvl="2"/>
             <a:r>
-              <a:rPr lang="es-ES" smtClean="0"/>
+              <a:rPr lang="es-ES"/>
               <a:t>Tercer nivel</a:t>
             </a:r>
           </a:p>
           <a:p>
             <a:pPr lvl="3"/>
             <a:r>
-              <a:rPr lang="es-ES" smtClean="0"/>
+              <a:rPr lang="es-ES"/>
               <a:t>Cuarto nivel</a:t>
             </a:r>
           </a:p>
           <a:p>
             <a:pPr lvl="4"/>
             <a:r>
-              <a:rPr lang="es-ES" smtClean="0"/>
+              <a:rPr lang="es-ES"/>
               <a:t>Quinto nivel</a:t>
             </a:r>
             <a:endParaRPr lang="en-US"/>
@@ -5447,7 +5356,7 @@
           <a:p>
             <a:fld id="{43F51AC5-15E3-4F55-8A92-E1B4CFFA43F6}" type="datetimeFigureOut">
               <a:rPr lang="es-VE" smtClean="0"/>
-              <a:t>16/10/2020</a:t>
+              <a:t>10/5/2023</a:t>
             </a:fld>
             <a:endParaRPr lang="es-VE"/>
           </a:p>
@@ -5541,7 +5450,7 @@
           <a:lstStyle/>
           <a:p>
             <a:r>
-              <a:rPr lang="es-ES" smtClean="0"/>
+              <a:rPr lang="es-ES"/>
               <a:t>Haga clic para modificar el estilo de título del patrón</a:t>
             </a:r>
             <a:endParaRPr lang="en-US" dirty="0"/>
@@ -5570,35 +5479,35 @@
           <a:p>
             <a:pPr lvl="0"/>
             <a:r>
-              <a:rPr lang="es-ES" smtClean="0"/>
+              <a:rPr lang="es-ES"/>
               <a:t>Haga clic para modificar el estilo de texto del patrón</a:t>
             </a:r>
           </a:p>
           <a:p>
             <a:pPr lvl="1"/>
             <a:r>
-              <a:rPr lang="es-ES" smtClean="0"/>
+              <a:rPr lang="es-ES"/>
               <a:t>Segundo nivel</a:t>
             </a:r>
           </a:p>
           <a:p>
             <a:pPr lvl="2"/>
             <a:r>
-              <a:rPr lang="es-ES" smtClean="0"/>
+              <a:rPr lang="es-ES"/>
               <a:t>Tercer nivel</a:t>
             </a:r>
           </a:p>
           <a:p>
             <a:pPr lvl="3"/>
             <a:r>
-              <a:rPr lang="es-ES" smtClean="0"/>
+              <a:rPr lang="es-ES"/>
               <a:t>Cuarto nivel</a:t>
             </a:r>
           </a:p>
           <a:p>
             <a:pPr lvl="4"/>
             <a:r>
-              <a:rPr lang="es-ES" smtClean="0"/>
+              <a:rPr lang="es-ES"/>
               <a:t>Quinto nivel</a:t>
             </a:r>
             <a:endParaRPr lang="en-US"/>
@@ -5622,7 +5531,7 @@
           <a:p>
             <a:fld id="{43F51AC5-15E3-4F55-8A92-E1B4CFFA43F6}" type="datetimeFigureOut">
               <a:rPr lang="es-VE" smtClean="0"/>
-              <a:t>16/10/2020</a:t>
+              <a:t>10/5/2023</a:t>
             </a:fld>
             <a:endParaRPr lang="es-VE"/>
           </a:p>
@@ -5711,7 +5620,7 @@
           <a:lstStyle/>
           <a:p>
             <a:r>
-              <a:rPr lang="es-ES" smtClean="0"/>
+              <a:rPr lang="es-ES"/>
               <a:t>Haga clic para modificar el estilo de título del patrón</a:t>
             </a:r>
             <a:endParaRPr lang="en-US"/>
@@ -5735,35 +5644,35 @@
           <a:p>
             <a:pPr lvl="0"/>
             <a:r>
-              <a:rPr lang="es-ES" smtClean="0"/>
+              <a:rPr lang="es-ES"/>
               <a:t>Haga clic para modificar el estilo de texto del patrón</a:t>
             </a:r>
           </a:p>
           <a:p>
             <a:pPr lvl="1"/>
             <a:r>
-              <a:rPr lang="es-ES" smtClean="0"/>
+              <a:rPr lang="es-ES"/>
               <a:t>Segundo nivel</a:t>
             </a:r>
           </a:p>
           <a:p>
             <a:pPr lvl="2"/>
             <a:r>
-              <a:rPr lang="es-ES" smtClean="0"/>
+              <a:rPr lang="es-ES"/>
               <a:t>Tercer nivel</a:t>
             </a:r>
           </a:p>
           <a:p>
             <a:pPr lvl="3"/>
             <a:r>
-              <a:rPr lang="es-ES" smtClean="0"/>
+              <a:rPr lang="es-ES"/>
               <a:t>Cuarto nivel</a:t>
             </a:r>
           </a:p>
           <a:p>
             <a:pPr lvl="4"/>
             <a:r>
-              <a:rPr lang="es-ES" smtClean="0"/>
+              <a:rPr lang="es-ES"/>
               <a:t>Quinto nivel</a:t>
             </a:r>
             <a:endParaRPr lang="en-US"/>
@@ -5787,7 +5696,7 @@
           <a:p>
             <a:fld id="{43F51AC5-15E3-4F55-8A92-E1B4CFFA43F6}" type="datetimeFigureOut">
               <a:rPr lang="es-VE" smtClean="0"/>
-              <a:t>16/10/2020</a:t>
+              <a:t>10/5/2023</a:t>
             </a:fld>
             <a:endParaRPr lang="es-VE"/>
           </a:p>
@@ -5928,7 +5837,7 @@
           </a:lstStyle>
           <a:p>
             <a:r>
-              <a:rPr lang="es-ES" smtClean="0"/>
+              <a:rPr lang="es-ES"/>
               <a:t>Haga clic para modificar el estilo de título del patrón</a:t>
             </a:r>
             <a:endParaRPr lang="en-US" dirty="0"/>
@@ -6048,7 +5957,7 @@
           <a:p>
             <a:pPr lvl="0"/>
             <a:r>
-              <a:rPr lang="es-ES" smtClean="0"/>
+              <a:rPr lang="es-ES"/>
               <a:t>Haga clic para modificar el estilo de texto del patrón</a:t>
             </a:r>
           </a:p>
@@ -6071,7 +5980,7 @@
           <a:p>
             <a:fld id="{43F51AC5-15E3-4F55-8A92-E1B4CFFA43F6}" type="datetimeFigureOut">
               <a:rPr lang="es-VE" smtClean="0"/>
-              <a:t>16/10/2020</a:t>
+              <a:t>10/5/2023</a:t>
             </a:fld>
             <a:endParaRPr lang="es-VE"/>
           </a:p>
@@ -6203,7 +6112,7 @@
           <a:lstStyle/>
           <a:p>
             <a:r>
-              <a:rPr lang="es-ES" smtClean="0"/>
+              <a:rPr lang="es-ES"/>
               <a:t>Haga clic para modificar el estilo de título del patrón</a:t>
             </a:r>
             <a:endParaRPr lang="en-US"/>
@@ -6260,35 +6169,35 @@
           <a:p>
             <a:pPr lvl="0"/>
             <a:r>
-              <a:rPr lang="es-ES" smtClean="0"/>
+              <a:rPr lang="es-ES"/>
               <a:t>Haga clic para modificar el estilo de texto del patrón</a:t>
             </a:r>
           </a:p>
           <a:p>
             <a:pPr lvl="1"/>
             <a:r>
-              <a:rPr lang="es-ES" smtClean="0"/>
+              <a:rPr lang="es-ES"/>
               <a:t>Segundo nivel</a:t>
             </a:r>
           </a:p>
           <a:p>
             <a:pPr lvl="2"/>
             <a:r>
-              <a:rPr lang="es-ES" smtClean="0"/>
+              <a:rPr lang="es-ES"/>
               <a:t>Tercer nivel</a:t>
             </a:r>
           </a:p>
           <a:p>
             <a:pPr lvl="3"/>
             <a:r>
-              <a:rPr lang="es-ES" smtClean="0"/>
+              <a:rPr lang="es-ES"/>
               <a:t>Cuarto nivel</a:t>
             </a:r>
           </a:p>
           <a:p>
             <a:pPr lvl="4"/>
             <a:r>
-              <a:rPr lang="es-ES" smtClean="0"/>
+              <a:rPr lang="es-ES"/>
               <a:t>Quinto nivel</a:t>
             </a:r>
             <a:endParaRPr lang="en-US" dirty="0"/>
@@ -6345,35 +6254,35 @@
           <a:p>
             <a:pPr lvl="0"/>
             <a:r>
-              <a:rPr lang="es-ES" smtClean="0"/>
+              <a:rPr lang="es-ES"/>
               <a:t>Haga clic para modificar el estilo de texto del patrón</a:t>
             </a:r>
           </a:p>
           <a:p>
             <a:pPr lvl="1"/>
             <a:r>
-              <a:rPr lang="es-ES" smtClean="0"/>
+              <a:rPr lang="es-ES"/>
               <a:t>Segundo nivel</a:t>
             </a:r>
           </a:p>
           <a:p>
             <a:pPr lvl="2"/>
             <a:r>
-              <a:rPr lang="es-ES" smtClean="0"/>
+              <a:rPr lang="es-ES"/>
               <a:t>Tercer nivel</a:t>
             </a:r>
           </a:p>
           <a:p>
             <a:pPr lvl="3"/>
             <a:r>
-              <a:rPr lang="es-ES" smtClean="0"/>
+              <a:rPr lang="es-ES"/>
               <a:t>Cuarto nivel</a:t>
             </a:r>
           </a:p>
           <a:p>
             <a:pPr lvl="4"/>
             <a:r>
-              <a:rPr lang="es-ES" smtClean="0"/>
+              <a:rPr lang="es-ES"/>
               <a:t>Quinto nivel</a:t>
             </a:r>
             <a:endParaRPr lang="en-US"/>
@@ -6397,7 +6306,7 @@
           <a:p>
             <a:fld id="{43F51AC5-15E3-4F55-8A92-E1B4CFFA43F6}" type="datetimeFigureOut">
               <a:rPr lang="es-VE" smtClean="0"/>
-              <a:t>16/10/2020</a:t>
+              <a:t>10/5/2023</a:t>
             </a:fld>
             <a:endParaRPr lang="es-VE"/>
           </a:p>
@@ -6490,7 +6399,7 @@
           </a:lstStyle>
           <a:p>
             <a:r>
-              <a:rPr lang="es-ES" smtClean="0"/>
+              <a:rPr lang="es-ES"/>
               <a:t>Haga clic para modificar el estilo de título del patrón</a:t>
             </a:r>
             <a:endParaRPr lang="en-US" dirty="0"/>
@@ -6560,7 +6469,7 @@
           <a:p>
             <a:pPr lvl="0"/>
             <a:r>
-              <a:rPr lang="es-ES" smtClean="0"/>
+              <a:rPr lang="es-ES"/>
               <a:t>Haga clic para modificar el estilo de texto del patrón</a:t>
             </a:r>
           </a:p>
@@ -6616,35 +6525,35 @@
           <a:p>
             <a:pPr lvl="0"/>
             <a:r>
-              <a:rPr lang="es-ES" smtClean="0"/>
+              <a:rPr lang="es-ES"/>
               <a:t>Haga clic para modificar el estilo de texto del patrón</a:t>
             </a:r>
           </a:p>
           <a:p>
             <a:pPr lvl="1"/>
             <a:r>
-              <a:rPr lang="es-ES" smtClean="0"/>
+              <a:rPr lang="es-ES"/>
               <a:t>Segundo nivel</a:t>
             </a:r>
           </a:p>
           <a:p>
             <a:pPr lvl="2"/>
             <a:r>
-              <a:rPr lang="es-ES" smtClean="0"/>
+              <a:rPr lang="es-ES"/>
               <a:t>Tercer nivel</a:t>
             </a:r>
           </a:p>
           <a:p>
             <a:pPr lvl="3"/>
             <a:r>
-              <a:rPr lang="es-ES" smtClean="0"/>
+              <a:rPr lang="es-ES"/>
               <a:t>Cuarto nivel</a:t>
             </a:r>
           </a:p>
           <a:p>
             <a:pPr lvl="4"/>
             <a:r>
-              <a:rPr lang="es-ES" smtClean="0"/>
+              <a:rPr lang="es-ES"/>
               <a:t>Quinto nivel</a:t>
             </a:r>
             <a:endParaRPr lang="en-US" dirty="0"/>
@@ -6714,7 +6623,7 @@
           <a:p>
             <a:pPr lvl="0"/>
             <a:r>
-              <a:rPr lang="es-ES" smtClean="0"/>
+              <a:rPr lang="es-ES"/>
               <a:t>Haga clic para modificar el estilo de texto del patrón</a:t>
             </a:r>
           </a:p>
@@ -6770,35 +6679,35 @@
           <a:p>
             <a:pPr lvl="0"/>
             <a:r>
-              <a:rPr lang="es-ES" smtClean="0"/>
+              <a:rPr lang="es-ES"/>
               <a:t>Haga clic para modificar el estilo de texto del patrón</a:t>
             </a:r>
           </a:p>
           <a:p>
             <a:pPr lvl="1"/>
             <a:r>
-              <a:rPr lang="es-ES" smtClean="0"/>
+              <a:rPr lang="es-ES"/>
               <a:t>Segundo nivel</a:t>
             </a:r>
           </a:p>
           <a:p>
             <a:pPr lvl="2"/>
             <a:r>
-              <a:rPr lang="es-ES" smtClean="0"/>
+              <a:rPr lang="es-ES"/>
               <a:t>Tercer nivel</a:t>
             </a:r>
           </a:p>
           <a:p>
             <a:pPr lvl="3"/>
             <a:r>
-              <a:rPr lang="es-ES" smtClean="0"/>
+              <a:rPr lang="es-ES"/>
               <a:t>Cuarto nivel</a:t>
             </a:r>
           </a:p>
           <a:p>
             <a:pPr lvl="4"/>
             <a:r>
-              <a:rPr lang="es-ES" smtClean="0"/>
+              <a:rPr lang="es-ES"/>
               <a:t>Quinto nivel</a:t>
             </a:r>
             <a:endParaRPr lang="en-US"/>
@@ -6822,7 +6731,7 @@
           <a:p>
             <a:fld id="{43F51AC5-15E3-4F55-8A92-E1B4CFFA43F6}" type="datetimeFigureOut">
               <a:rPr lang="es-VE" smtClean="0"/>
-              <a:t>16/10/2020</a:t>
+              <a:t>10/5/2023</a:t>
             </a:fld>
             <a:endParaRPr lang="es-VE"/>
           </a:p>
@@ -6971,7 +6880,7 @@
           <a:lstStyle/>
           <a:p>
             <a:r>
-              <a:rPr lang="es-ES" smtClean="0"/>
+              <a:rPr lang="es-ES"/>
               <a:t>Haga clic para modificar el estilo de título del patrón</a:t>
             </a:r>
             <a:endParaRPr lang="en-US" dirty="0"/>
@@ -6995,7 +6904,7 @@
           <a:p>
             <a:fld id="{43F51AC5-15E3-4F55-8A92-E1B4CFFA43F6}" type="datetimeFigureOut">
               <a:rPr lang="es-VE" smtClean="0"/>
-              <a:t>16/10/2020</a:t>
+              <a:t>10/5/2023</a:t>
             </a:fld>
             <a:endParaRPr lang="es-VE"/>
           </a:p>
@@ -7085,7 +6994,7 @@
           <a:p>
             <a:fld id="{43F51AC5-15E3-4F55-8A92-E1B4CFFA43F6}" type="datetimeFigureOut">
               <a:rPr lang="es-VE" smtClean="0"/>
-              <a:t>16/10/2020</a:t>
+              <a:t>10/5/2023</a:t>
             </a:fld>
             <a:endParaRPr lang="es-VE"/>
           </a:p>
@@ -7185,7 +7094,7 @@
           </a:lstStyle>
           <a:p>
             <a:r>
-              <a:rPr lang="es-ES" smtClean="0"/>
+              <a:rPr lang="es-ES"/>
               <a:t>Haga clic para modificar el estilo de título del patrón</a:t>
             </a:r>
             <a:endParaRPr lang="en-US"/>
@@ -7242,35 +7151,35 @@
           <a:p>
             <a:pPr lvl="0"/>
             <a:r>
-              <a:rPr lang="es-ES" smtClean="0"/>
+              <a:rPr lang="es-ES"/>
               <a:t>Haga clic para modificar el estilo de texto del patrón</a:t>
             </a:r>
           </a:p>
           <a:p>
             <a:pPr lvl="1"/>
             <a:r>
-              <a:rPr lang="es-ES" smtClean="0"/>
+              <a:rPr lang="es-ES"/>
               <a:t>Segundo nivel</a:t>
             </a:r>
           </a:p>
           <a:p>
             <a:pPr lvl="2"/>
             <a:r>
-              <a:rPr lang="es-ES" smtClean="0"/>
+              <a:rPr lang="es-ES"/>
               <a:t>Tercer nivel</a:t>
             </a:r>
           </a:p>
           <a:p>
             <a:pPr lvl="3"/>
             <a:r>
-              <a:rPr lang="es-ES" smtClean="0"/>
+              <a:rPr lang="es-ES"/>
               <a:t>Cuarto nivel</a:t>
             </a:r>
           </a:p>
           <a:p>
             <a:pPr lvl="4"/>
             <a:r>
-              <a:rPr lang="es-ES" smtClean="0"/>
+              <a:rPr lang="es-ES"/>
               <a:t>Quinto nivel</a:t>
             </a:r>
             <a:endParaRPr lang="en-US" dirty="0"/>
@@ -7342,7 +7251,7 @@
           <a:p>
             <a:pPr lvl="0"/>
             <a:r>
-              <a:rPr lang="es-ES" smtClean="0"/>
+              <a:rPr lang="es-ES"/>
               <a:t>Haga clic para modificar el estilo de texto del patrón</a:t>
             </a:r>
           </a:p>
@@ -7365,7 +7274,7 @@
           <a:p>
             <a:fld id="{43F51AC5-15E3-4F55-8A92-E1B4CFFA43F6}" type="datetimeFigureOut">
               <a:rPr lang="es-VE" smtClean="0"/>
-              <a:t>16/10/2020</a:t>
+              <a:t>10/5/2023</a:t>
             </a:fld>
             <a:endParaRPr lang="es-VE"/>
           </a:p>
@@ -7503,7 +7412,7 @@
           </a:lstStyle>
           <a:p>
             <a:r>
-              <a:rPr lang="es-ES" smtClean="0"/>
+              <a:rPr lang="es-ES"/>
               <a:t>Haga clic para modificar el estilo de título del patrón</a:t>
             </a:r>
             <a:endParaRPr lang="en-US" dirty="0"/>
@@ -7573,7 +7482,7 @@
           </a:lstStyle>
           <a:p>
             <a:r>
-              <a:rPr lang="es-ES" smtClean="0"/>
+              <a:rPr lang="es-ES"/>
               <a:t>Haga clic en el icono para agregar una imagen</a:t>
             </a:r>
             <a:endParaRPr lang="en-US"/>
@@ -7641,7 +7550,7 @@
           <a:p>
             <a:pPr lvl="0"/>
             <a:r>
-              <a:rPr lang="es-ES" smtClean="0"/>
+              <a:rPr lang="es-ES"/>
               <a:t>Haga clic para modificar el estilo de texto del patrón</a:t>
             </a:r>
           </a:p>
@@ -7664,7 +7573,7 @@
           <a:p>
             <a:fld id="{43F51AC5-15E3-4F55-8A92-E1B4CFFA43F6}" type="datetimeFigureOut">
               <a:rPr lang="es-VE" smtClean="0"/>
-              <a:t>16/10/2020</a:t>
+              <a:t>10/5/2023</a:t>
             </a:fld>
             <a:endParaRPr lang="es-VE"/>
           </a:p>
@@ -7768,7 +7677,7 @@
           <a:lstStyle/>
           <a:p>
             <a:r>
-              <a:rPr lang="es-ES" smtClean="0"/>
+              <a:rPr lang="es-ES"/>
               <a:t>Haga clic para modificar el estilo de título del patrón</a:t>
             </a:r>
             <a:endParaRPr lang="en-US" dirty="0"/>
@@ -7802,35 +7711,35 @@
           <a:p>
             <a:pPr lvl="0"/>
             <a:r>
-              <a:rPr lang="es-ES" smtClean="0"/>
+              <a:rPr lang="es-ES"/>
               <a:t>Haga clic para modificar el estilo de texto del patrón</a:t>
             </a:r>
           </a:p>
           <a:p>
             <a:pPr lvl="1"/>
             <a:r>
-              <a:rPr lang="es-ES" smtClean="0"/>
+              <a:rPr lang="es-ES"/>
               <a:t>Segundo nivel</a:t>
             </a:r>
           </a:p>
           <a:p>
             <a:pPr lvl="2"/>
             <a:r>
-              <a:rPr lang="es-ES" smtClean="0"/>
+              <a:rPr lang="es-ES"/>
               <a:t>Tercer nivel</a:t>
             </a:r>
           </a:p>
           <a:p>
             <a:pPr lvl="3"/>
             <a:r>
-              <a:rPr lang="es-ES" smtClean="0"/>
+              <a:rPr lang="es-ES"/>
               <a:t>Cuarto nivel</a:t>
             </a:r>
           </a:p>
           <a:p>
             <a:pPr lvl="4"/>
             <a:r>
-              <a:rPr lang="es-ES" smtClean="0"/>
+              <a:rPr lang="es-ES"/>
               <a:t>Quinto nivel</a:t>
             </a:r>
             <a:endParaRPr lang="en-US" dirty="0"/>
@@ -7874,7 +7783,7 @@
           <a:p>
             <a:fld id="{43F51AC5-15E3-4F55-8A92-E1B4CFFA43F6}" type="datetimeFigureOut">
               <a:rPr lang="es-VE" smtClean="0"/>
-              <a:t>16/10/2020</a:t>
+              <a:t>10/5/2023</a:t>
             </a:fld>
             <a:endParaRPr lang="es-VE"/>
           </a:p>
@@ -8441,7 +8350,7 @@
           <a:p>
             <a:pPr algn="ctr"/>
             <a:r>
-              <a:rPr lang="es-VE" sz="6600" spc="300" dirty="0" smtClean="0">
+              <a:rPr lang="es-VE" sz="6600" spc="300" dirty="0">
                 <a:solidFill>
                   <a:schemeClr val="bg1"/>
                 </a:solidFill>
@@ -8454,15 +8363,7 @@
                   <a:schemeClr val="bg1"/>
                 </a:solidFill>
               </a:rPr>
-              <a:t>11:27 al </a:t>
-            </a:r>
-            <a:r>
-              <a:rPr lang="es-VE" sz="6600" b="1" spc="300" dirty="0" smtClean="0">
-                <a:solidFill>
-                  <a:schemeClr val="bg1"/>
-                </a:solidFill>
-              </a:rPr>
-              <a:t>12</a:t>
+              <a:t>11:27 al 12</a:t>
             </a:r>
             <a:endParaRPr lang="es-VE" sz="6600" spc="300" dirty="0">
               <a:solidFill>
@@ -8495,7 +8396,7 @@
           <a:p>
             <a:pPr algn="ctr"/>
             <a:r>
-              <a:rPr lang="es-VE" sz="4800" b="1" dirty="0" smtClean="0">
+              <a:rPr lang="es-VE" sz="4800" b="1" dirty="0">
                 <a:solidFill>
                   <a:schemeClr val="accent1"/>
                 </a:solidFill>
@@ -8507,7 +8408,7 @@
           <a:p>
             <a:pPr algn="ctr"/>
             <a:r>
-              <a:rPr lang="es-VE" sz="3200" b="1" dirty="0" smtClean="0">
+              <a:rPr lang="es-VE" sz="3200" b="1" dirty="0">
                 <a:solidFill>
                   <a:schemeClr val="bg2">
                     <a:lumMod val="25000"/>
@@ -8538,13 +8439,6 @@
   <p:clrMapOvr>
     <a:masterClrMapping/>
   </p:clrMapOvr>
-  <p:timing>
-    <p:tnLst>
-      <p:par>
-        <p:cTn id="1" dur="indefinite" restart="never" nodeType="tmRoot"/>
-      </p:par>
-    </p:tnLst>
-  </p:timing>
 </p:sld>
 </file>
 
@@ -8583,32 +8477,18 @@
         </p:spPr>
         <p:txBody>
           <a:bodyPr>
-            <a:normAutofit/>
+            <a:noAutofit/>
           </a:bodyPr>
           <a:lstStyle/>
           <a:p>
             <a:r>
-              <a:rPr lang="es-VE" b="1" dirty="0">
+              <a:rPr lang="es-VE" sz="4800" b="1" dirty="0">
                 <a:latin typeface="Andalus" pitchFamily="18" charset="-78"/>
                 <a:cs typeface="Andalus" pitchFamily="18" charset="-78"/>
               </a:rPr>
-              <a:t>4</a:t>
-            </a:r>
-            <a:r>
-              <a:rPr lang="es-VE" b="1" dirty="0" smtClean="0">
-                <a:latin typeface="Andalus" pitchFamily="18" charset="-78"/>
-                <a:cs typeface="Andalus" pitchFamily="18" charset="-78"/>
-              </a:rPr>
-              <a:t>. </a:t>
-            </a:r>
-            <a:r>
-              <a:rPr lang="es-VE" b="1" dirty="0">
-                <a:latin typeface="Andalus" pitchFamily="18" charset="-78"/>
-                <a:cs typeface="Andalus" pitchFamily="18" charset="-78"/>
-              </a:rPr>
-              <a:t>Abram llega a Canaán</a:t>
-            </a:r>
-            <a:endParaRPr lang="es-VE" dirty="0">
+              <a:t>4. Abram llega a Canaán</a:t>
+            </a:r>
+            <a:endParaRPr lang="es-VE" sz="4800" dirty="0">
               <a:latin typeface="Andalus" pitchFamily="18" charset="-78"/>
               <a:cs typeface="Andalus" pitchFamily="18" charset="-78"/>
             </a:endParaRPr>
@@ -8677,19 +8557,10 @@
                 </a:solidFill>
                 <a:latin typeface="Arial Rounded MT Bold" pitchFamily="34" charset="0"/>
               </a:rPr>
-              <a:t>Tierra </a:t>
-            </a:r>
-            <a:r>
-              <a:rPr lang="es-VE" sz="3600" dirty="0" smtClean="0">
-                <a:solidFill>
-                  <a:schemeClr val="accent1"/>
-                </a:solidFill>
-                <a:latin typeface="Arial Rounded MT Bold" pitchFamily="34" charset="0"/>
-              </a:rPr>
-              <a:t>Prometida</a:t>
-            </a:r>
-            <a:r>
-              <a:rPr lang="es-VE" sz="3600" dirty="0" smtClean="0">
+              <a:t>Tierra Prometida</a:t>
+            </a:r>
+            <a:r>
+              <a:rPr lang="es-VE" sz="3600" dirty="0">
                 <a:latin typeface="Arial Rounded MT Bold" pitchFamily="34" charset="0"/>
               </a:rPr>
               <a:t>.</a:t>
@@ -8708,7 +8579,7 @@
               <a:buNone/>
             </a:pPr>
             <a:r>
-              <a:rPr lang="es-VE" sz="3600" dirty="0" smtClean="0">
+              <a:rPr lang="es-VE" sz="3600" dirty="0">
                 <a:solidFill>
                   <a:schemeClr val="tx1">
                     <a:lumMod val="85000"/>
@@ -8717,7 +8588,16 @@
                 </a:solidFill>
                 <a:latin typeface="Arial Rounded MT Bold" pitchFamily="34" charset="0"/>
               </a:rPr>
-              <a:t>Este </a:t>
+              <a:t>Este es el mismo lugar donde los </a:t>
+            </a:r>
+            <a:r>
+              <a:rPr lang="es-VE" sz="3600" dirty="0">
+                <a:solidFill>
+                  <a:schemeClr val="accent1"/>
+                </a:solidFill>
+                <a:latin typeface="Arial Rounded MT Bold" pitchFamily="34" charset="0"/>
+              </a:rPr>
+              <a:t>israelitas</a:t>
             </a:r>
             <a:r>
               <a:rPr lang="es-VE" sz="3600" dirty="0">
@@ -8729,7 +8609,7 @@
                 </a:solidFill>
                 <a:latin typeface="Arial Rounded MT Bold" pitchFamily="34" charset="0"/>
               </a:rPr>
-              <a:t>es el mismo lugar donde los </a:t>
+              <a:t>, descendientes de Abram, luego van a confirmar el pacto con Dios, luego de haber conquistado la </a:t>
             </a:r>
             <a:r>
               <a:rPr lang="es-VE" sz="3600" dirty="0">
@@ -8738,61 +8618,7 @@
                 </a:solidFill>
                 <a:latin typeface="Arial Rounded MT Bold" pitchFamily="34" charset="0"/>
               </a:rPr>
-              <a:t>israelitas</a:t>
-            </a:r>
-            <a:r>
-              <a:rPr lang="es-VE" sz="3600" dirty="0">
-                <a:solidFill>
-                  <a:schemeClr val="tx1">
-                    <a:lumMod val="85000"/>
-                    <a:lumOff val="15000"/>
-                  </a:schemeClr>
-                </a:solidFill>
-                <a:latin typeface="Arial Rounded MT Bold" pitchFamily="34" charset="0"/>
-              </a:rPr>
-              <a:t>, descendientes de Abram, luego </a:t>
-            </a:r>
-            <a:r>
-              <a:rPr lang="es-VE" sz="3600" dirty="0" smtClean="0">
-                <a:solidFill>
-                  <a:schemeClr val="tx1">
-                    <a:lumMod val="85000"/>
-                    <a:lumOff val="15000"/>
-                  </a:schemeClr>
-                </a:solidFill>
-                <a:latin typeface="Arial Rounded MT Bold" pitchFamily="34" charset="0"/>
-              </a:rPr>
-              <a:t>van </a:t>
-            </a:r>
-            <a:r>
-              <a:rPr lang="es-VE" sz="3600" dirty="0">
-                <a:solidFill>
-                  <a:schemeClr val="tx1">
-                    <a:lumMod val="85000"/>
-                    <a:lumOff val="15000"/>
-                  </a:schemeClr>
-                </a:solidFill>
-                <a:latin typeface="Arial Rounded MT Bold" pitchFamily="34" charset="0"/>
-              </a:rPr>
-              <a:t>a confirmar el pacto con Dios, luego de haber conquistado la </a:t>
-            </a:r>
-            <a:r>
-              <a:rPr lang="es-VE" sz="3600" dirty="0">
-                <a:solidFill>
-                  <a:schemeClr val="accent1"/>
-                </a:solidFill>
-                <a:latin typeface="Arial Rounded MT Bold" pitchFamily="34" charset="0"/>
-              </a:rPr>
-              <a:t>Tierra </a:t>
-            </a:r>
-            <a:r>
-              <a:rPr lang="es-VE" sz="3600" dirty="0" smtClean="0">
-                <a:solidFill>
-                  <a:schemeClr val="accent1"/>
-                </a:solidFill>
-                <a:latin typeface="Arial Rounded MT Bold" pitchFamily="34" charset="0"/>
-              </a:rPr>
-              <a:t>Prometida</a:t>
+              <a:t>Tierra Prometida</a:t>
             </a:r>
             <a:r>
               <a:rPr lang="es-VE" sz="3600" dirty="0">
@@ -8869,13 +8695,6 @@
   <p:clrMapOvr>
     <a:masterClrMapping/>
   </p:clrMapOvr>
-  <p:timing>
-    <p:tnLst>
-      <p:par>
-        <p:cTn id="1" dur="indefinite" restart="never" nodeType="tmRoot"/>
-      </p:par>
-    </p:tnLst>
-  </p:timing>
 </p:sld>
 </file>
 
@@ -8918,14 +8737,7 @@
                 <a:latin typeface="Andalus" pitchFamily="18" charset="-78"/>
                 <a:cs typeface="Andalus" pitchFamily="18" charset="-78"/>
               </a:rPr>
-              <a:t>5</a:t>
-            </a:r>
-            <a:r>
-              <a:rPr lang="es-VE" b="1" dirty="0" smtClean="0">
-                <a:latin typeface="Andalus" pitchFamily="18" charset="-78"/>
-                <a:cs typeface="Andalus" pitchFamily="18" charset="-78"/>
-              </a:rPr>
-              <a:t>. Promesa doble</a:t>
+              <a:t>5. Promesa doble</a:t>
             </a:r>
             <a:endParaRPr lang="es-VE" dirty="0">
               <a:latin typeface="Andalus" pitchFamily="18" charset="-78"/>
@@ -9124,34 +8936,16 @@
               <a:buNone/>
             </a:pPr>
             <a:r>
-              <a:rPr lang="es-VE" dirty="0" smtClean="0">
+              <a:rPr lang="es-VE" dirty="0">
                 <a:solidFill>
                   <a:schemeClr val="accent1"/>
                 </a:solidFill>
                 <a:latin typeface="Arial Rounded MT Bold" pitchFamily="34" charset="0"/>
               </a:rPr>
-              <a:t>Dios </a:t>
-            </a:r>
-            <a:r>
-              <a:rPr lang="es-VE" dirty="0">
-                <a:solidFill>
-                  <a:schemeClr val="accent1"/>
-                </a:solidFill>
-                <a:latin typeface="Arial Rounded MT Bold" pitchFamily="34" charset="0"/>
-              </a:rPr>
-              <a:t>amplió su </a:t>
-            </a:r>
-            <a:r>
-              <a:rPr lang="es-VE" dirty="0" smtClean="0">
-                <a:solidFill>
-                  <a:schemeClr val="accent1"/>
-                </a:solidFill>
-                <a:latin typeface="Arial Rounded MT Bold" pitchFamily="34" charset="0"/>
-              </a:rPr>
-              <a:t>promesa</a:t>
-            </a:r>
-            <a:r>
-              <a:rPr lang="es-VE" b="1" dirty="0" smtClean="0">
+              <a:t>Dios amplió su promesa</a:t>
+            </a:r>
+            <a:r>
+              <a:rPr lang="es-VE" b="1" dirty="0">
                 <a:latin typeface="Arial Rounded MT Bold" pitchFamily="34" charset="0"/>
               </a:rPr>
               <a:t>: </a:t>
@@ -9165,21 +8959,10 @@
                 </a:solidFill>
                 <a:latin typeface="Arial Rounded MT Bold" pitchFamily="34" charset="0"/>
               </a:rPr>
-              <a:t> En </a:t>
-            </a:r>
-            <a:r>
-              <a:rPr lang="es-VE" dirty="0" smtClean="0">
-                <a:solidFill>
-                  <a:schemeClr val="bg2">
-                    <a:lumMod val="25000"/>
-                  </a:schemeClr>
-                </a:solidFill>
-                <a:latin typeface="Arial Rounded MT Bold" pitchFamily="34" charset="0"/>
-              </a:rPr>
-              <a:t>Siquem </a:t>
-            </a:r>
-            <a:r>
-              <a:rPr lang="es-VE" dirty="0" smtClean="0">
+              <a:t> En Siquem </a:t>
+            </a:r>
+            <a:r>
+              <a:rPr lang="es-VE" dirty="0">
                 <a:latin typeface="Arial Rounded MT Bold" pitchFamily="34" charset="0"/>
               </a:rPr>
               <a:t>Dios amplio lo prometido a Abram:</a:t>
@@ -9190,13 +8973,13 @@
               <a:buFont typeface="Arial" pitchFamily="34" charset="0"/>
               <a:buNone/>
             </a:pPr>
-            <a:endParaRPr lang="en-US" sz="1600" dirty="0" smtClean="0">
+            <a:endParaRPr lang="en-US" sz="1600" dirty="0">
               <a:latin typeface="Arial Rounded MT Bold" pitchFamily="34" charset="0"/>
             </a:endParaRPr>
           </a:p>
           <a:p>
             <a:r>
-              <a:rPr lang="es-VE" sz="1600" i="1" dirty="0" smtClean="0">
+              <a:rPr lang="es-VE" sz="1600" i="1" dirty="0">
                 <a:solidFill>
                   <a:schemeClr val="accent1"/>
                 </a:solidFill>
@@ -9204,7 +8987,7 @@
               </a:rPr>
               <a:t>… 4 Promesas anteriores.</a:t>
             </a:r>
-            <a:endParaRPr lang="en-US" sz="1600" i="1" dirty="0" smtClean="0">
+            <a:endParaRPr lang="en-US" sz="1600" i="1" dirty="0">
               <a:solidFill>
                 <a:schemeClr val="accent1"/>
               </a:solidFill>
@@ -9213,18 +8996,18 @@
           </a:p>
           <a:p>
             <a:r>
-              <a:rPr lang="es-VE" sz="1600" dirty="0" smtClean="0">
+              <a:rPr lang="es-VE" sz="1600" dirty="0">
                 <a:latin typeface="Arial Rounded MT Bold" pitchFamily="34" charset="0"/>
               </a:rPr>
               <a:t>Bendeciré a los que te bendigan, y al que te maldiga, maldeciré.</a:t>
             </a:r>
-            <a:endParaRPr lang="en-US" sz="1600" dirty="0" smtClean="0">
+            <a:endParaRPr lang="en-US" sz="1600" dirty="0">
               <a:latin typeface="Arial Rounded MT Bold" pitchFamily="34" charset="0"/>
             </a:endParaRPr>
           </a:p>
           <a:p>
             <a:r>
-              <a:rPr lang="es-VE" sz="1600" dirty="0" smtClean="0">
+              <a:rPr lang="es-VE" sz="1600" dirty="0">
                 <a:latin typeface="Arial Rounded MT Bold" pitchFamily="34" charset="0"/>
               </a:rPr>
               <a:t>En ti serán benditas todas las familias de la tierra.</a:t>
@@ -9239,34 +9022,16 @@
               <a:buChar char="+"/>
             </a:pPr>
             <a:r>
-              <a:rPr lang="es-VE" sz="1600" dirty="0" smtClean="0">
+              <a:rPr lang="es-VE" sz="1600" dirty="0">
                 <a:solidFill>
                   <a:srgbClr val="006030"/>
                 </a:solidFill>
                 <a:latin typeface="Arial Rounded MT Bold" pitchFamily="34" charset="0"/>
               </a:rPr>
-              <a:t>A </a:t>
-            </a:r>
-            <a:r>
-              <a:rPr lang="es-VE" sz="1600" dirty="0">
-                <a:solidFill>
-                  <a:srgbClr val="006030"/>
-                </a:solidFill>
-                <a:latin typeface="Arial Rounded MT Bold" pitchFamily="34" charset="0"/>
-              </a:rPr>
-              <a:t>tu descendencia le daré esta tierra</a:t>
-            </a:r>
-            <a:r>
-              <a:rPr lang="es-VE" sz="1600" dirty="0" smtClean="0">
-                <a:solidFill>
-                  <a:srgbClr val="006030"/>
-                </a:solidFill>
-                <a:latin typeface="Arial Rounded MT Bold" pitchFamily="34" charset="0"/>
-              </a:rPr>
-              <a:t>. </a:t>
-            </a:r>
-            <a:r>
-              <a:rPr lang="es-VE" sz="1600" b="1" dirty="0" smtClean="0">
+              <a:t>A tu descendencia le daré esta tierra. </a:t>
+            </a:r>
+            <a:r>
+              <a:rPr lang="es-VE" sz="1600" b="1" dirty="0">
                 <a:solidFill>
                   <a:srgbClr val="006030"/>
                 </a:solidFill>
@@ -9280,7 +9045,7 @@
               <a:buFont typeface="Arial" pitchFamily="34" charset="0"/>
               <a:buNone/>
             </a:pPr>
-            <a:endParaRPr lang="en-US" sz="1600" dirty="0" smtClean="0">
+            <a:endParaRPr lang="en-US" sz="1600" dirty="0">
               <a:latin typeface="Arial Rounded MT Bold" pitchFamily="34" charset="0"/>
             </a:endParaRPr>
           </a:p>
@@ -9355,13 +9120,6 @@
   <p:clrMapOvr>
     <a:masterClrMapping/>
   </p:clrMapOvr>
-  <p:timing>
-    <p:tnLst>
-      <p:par>
-        <p:cTn id="1" dur="indefinite" restart="never" nodeType="tmRoot"/>
-      </p:par>
-    </p:tnLst>
-  </p:timing>
 </p:sld>
 </file>
 
@@ -9405,7 +9163,7 @@
           <a:lstStyle/>
           <a:p>
             <a:r>
-              <a:rPr lang="es-VE" b="1" dirty="0" smtClean="0">
+              <a:rPr lang="es-VE" b="1" dirty="0">
                 <a:latin typeface="Andalus" pitchFamily="18" charset="-78"/>
                 <a:cs typeface="Andalus" pitchFamily="18" charset="-78"/>
               </a:rPr>
@@ -9452,18 +9210,7 @@
                 </a:solidFill>
                 <a:latin typeface="Arial Rounded MT Bold" pitchFamily="34" charset="0"/>
               </a:rPr>
-              <a:t>Siquem es un valle, pero luego de oír la promesa, Abram subió a un monte cercano, probablemente para apreciar la Tierra que Dios le </a:t>
-            </a:r>
-            <a:r>
-              <a:rPr lang="es-VE" sz="3600" dirty="0" smtClean="0">
-                <a:solidFill>
-                  <a:schemeClr val="bg2">
-                    <a:lumMod val="25000"/>
-                  </a:schemeClr>
-                </a:solidFill>
-                <a:latin typeface="Arial Rounded MT Bold" pitchFamily="34" charset="0"/>
-              </a:rPr>
-              <a:t>ofrecía </a:t>
+              <a:t>Siquem es un valle, pero luego de oír la promesa, Abram subió a un monte cercano, probablemente para apreciar la Tierra que Dios le ofrecía </a:t>
             </a:r>
             <a:r>
               <a:rPr lang="es-VE" sz="3600" b="1" dirty="0">
@@ -9472,19 +9219,10 @@
                 </a:solidFill>
                 <a:latin typeface="Arial Rounded MT Bold" pitchFamily="34" charset="0"/>
               </a:rPr>
-              <a:t>(Génesis 12:8</a:t>
-            </a:r>
-            <a:r>
-              <a:rPr lang="es-VE" sz="3600" b="1" dirty="0" smtClean="0">
-                <a:solidFill>
-                  <a:srgbClr val="006030"/>
-                </a:solidFill>
-                <a:latin typeface="Arial Rounded MT Bold" pitchFamily="34" charset="0"/>
-              </a:rPr>
-              <a:t>)</a:t>
-            </a:r>
-            <a:r>
-              <a:rPr lang="es-VE" sz="3600" dirty="0" smtClean="0">
+              <a:t>(Génesis 12:8)</a:t>
+            </a:r>
+            <a:r>
+              <a:rPr lang="es-VE" sz="3600" dirty="0">
                 <a:solidFill>
                   <a:srgbClr val="006030"/>
                 </a:solidFill>
@@ -9509,7 +9247,7 @@
               <a:buNone/>
             </a:pPr>
             <a:r>
-              <a:rPr lang="es-VE" sz="3600" dirty="0" smtClean="0">
+              <a:rPr lang="es-VE" sz="3600" dirty="0">
                 <a:solidFill>
                   <a:schemeClr val="bg2">
                     <a:lumMod val="25000"/>
@@ -9517,7 +9255,16 @@
                 </a:solidFill>
                 <a:latin typeface="Arial Rounded MT Bold" pitchFamily="34" charset="0"/>
               </a:rPr>
-              <a:t>Luego </a:t>
+              <a:t>Luego que el Señor le mostrara a Abram la </a:t>
+            </a:r>
+            <a:r>
+              <a:rPr lang="es-VE" sz="3600" dirty="0">
+                <a:solidFill>
+                  <a:schemeClr val="accent1"/>
+                </a:solidFill>
+                <a:latin typeface="Arial Rounded MT Bold" pitchFamily="34" charset="0"/>
+              </a:rPr>
+              <a:t>Tierra Prometida</a:t>
             </a:r>
             <a:r>
               <a:rPr lang="es-VE" sz="3600" dirty="0">
@@ -9528,72 +9275,31 @@
                 </a:solidFill>
                 <a:latin typeface="Arial Rounded MT Bold" pitchFamily="34" charset="0"/>
               </a:rPr>
-              <a:t>que el Señor le mostrara a Abram la </a:t>
-            </a:r>
-            <a:r>
-              <a:rPr lang="es-VE" sz="3600" dirty="0">
-                <a:solidFill>
-                  <a:schemeClr val="accent1"/>
-                </a:solidFill>
-                <a:latin typeface="Arial Rounded MT Bold" pitchFamily="34" charset="0"/>
-              </a:rPr>
-              <a:t>Tierra Prometida</a:t>
-            </a:r>
-            <a:r>
-              <a:rPr lang="es-VE" sz="3600" dirty="0">
+              <a:t>, él no se quedó allí.</a:t>
+            </a:r>
+            <a:r>
+              <a:rPr lang="es-VE" sz="3600" b="1" dirty="0">
                 <a:solidFill>
                   <a:schemeClr val="bg2">
                     <a:lumMod val="25000"/>
                   </a:schemeClr>
                 </a:solidFill>
                 <a:latin typeface="Arial Rounded MT Bold" pitchFamily="34" charset="0"/>
-              </a:rPr>
-              <a:t>, él no se quedó allí</a:t>
-            </a:r>
-            <a:r>
-              <a:rPr lang="es-VE" sz="3600" dirty="0" smtClean="0">
-                <a:solidFill>
-                  <a:schemeClr val="bg2">
-                    <a:lumMod val="25000"/>
-                  </a:schemeClr>
-                </a:solidFill>
-                <a:latin typeface="Arial Rounded MT Bold" pitchFamily="34" charset="0"/>
-              </a:rPr>
-              <a:t>.</a:t>
+                <a:cs typeface="Arial" pitchFamily="34" charset="0"/>
+              </a:rPr>
+              <a:t> </a:t>
             </a:r>
             <a:r>
               <a:rPr lang="es-VE" sz="3600" b="1" dirty="0">
                 <a:solidFill>
-                  <a:schemeClr val="bg2">
-                    <a:lumMod val="25000"/>
-                  </a:schemeClr>
+                  <a:srgbClr val="006030"/>
                 </a:solidFill>
                 <a:latin typeface="Arial Rounded MT Bold" pitchFamily="34" charset="0"/>
                 <a:cs typeface="Arial" pitchFamily="34" charset="0"/>
               </a:rPr>
-              <a:t> </a:t>
-            </a:r>
-            <a:r>
-              <a:rPr lang="es-VE" sz="3600" b="1" dirty="0">
-                <a:solidFill>
-                  <a:srgbClr val="006030"/>
-                </a:solidFill>
-                <a:latin typeface="Arial Rounded MT Bold" pitchFamily="34" charset="0"/>
-                <a:cs typeface="Arial" pitchFamily="34" charset="0"/>
-              </a:rPr>
-              <a:t>(Gen. 12:9</a:t>
-            </a:r>
-            <a:r>
-              <a:rPr lang="es-VE" sz="3600" b="1" dirty="0" smtClean="0">
-                <a:solidFill>
-                  <a:srgbClr val="006030"/>
-                </a:solidFill>
-                <a:latin typeface="Arial Rounded MT Bold" pitchFamily="34" charset="0"/>
-                <a:cs typeface="Arial" pitchFamily="34" charset="0"/>
-              </a:rPr>
-              <a:t>)</a:t>
-            </a:r>
-            <a:endParaRPr lang="es-VE" sz="3600" dirty="0" smtClean="0">
+              <a:t>(Gen. 12:9)</a:t>
+            </a:r>
+            <a:endParaRPr lang="es-VE" sz="3600" dirty="0">
               <a:solidFill>
                 <a:srgbClr val="006030"/>
               </a:solidFill>
@@ -9871,7 +9577,7 @@
               <a:t>árido, reseco</a:t>
             </a:r>
             <a:r>
-              <a:rPr lang="es-VE" sz="3600" dirty="0" smtClean="0">
+              <a:rPr lang="es-VE" sz="3600" dirty="0">
                 <a:solidFill>
                   <a:schemeClr val="bg2">
                     <a:lumMod val="25000"/>
@@ -9879,29 +9585,7 @@
                 </a:solidFill>
                 <a:latin typeface="Arial Rounded MT Bold" pitchFamily="34" charset="0"/>
               </a:rPr>
-              <a:t>”. Para </a:t>
-            </a:r>
-            <a:r>
-              <a:rPr lang="es-VE" sz="3600" dirty="0">
-                <a:solidFill>
-                  <a:schemeClr val="bg2">
-                    <a:lumMod val="25000"/>
-                  </a:schemeClr>
-                </a:solidFill>
-                <a:latin typeface="Arial Rounded MT Bold" pitchFamily="34" charset="0"/>
-              </a:rPr>
-              <a:t>complicar la situación, hubo hambre en la tierra, lo cual sucede generalmente como consecuencia de una sequía</a:t>
-            </a:r>
-            <a:r>
-              <a:rPr lang="es-VE" sz="3600" dirty="0" smtClean="0">
-                <a:solidFill>
-                  <a:schemeClr val="bg2">
-                    <a:lumMod val="25000"/>
-                  </a:schemeClr>
-                </a:solidFill>
-                <a:latin typeface="Arial Rounded MT Bold" pitchFamily="34" charset="0"/>
-              </a:rPr>
-              <a:t>.</a:t>
+              <a:t>”. Para complicar la situación, hubo hambre en la tierra, lo cual sucede generalmente como consecuencia de una sequía.</a:t>
             </a:r>
             <a:endParaRPr lang="es-VE" sz="3600" dirty="0">
               <a:solidFill>
@@ -9922,13 +9606,6 @@
   <p:clrMapOvr>
     <a:masterClrMapping/>
   </p:clrMapOvr>
-  <p:timing>
-    <p:tnLst>
-      <p:par>
-        <p:cTn id="1" dur="indefinite" restart="never" nodeType="tmRoot"/>
-      </p:par>
-    </p:tnLst>
-  </p:timing>
 </p:sld>
 </file>
 
@@ -9967,39 +9644,18 @@
         </p:spPr>
         <p:txBody>
           <a:bodyPr>
-            <a:normAutofit/>
+            <a:noAutofit/>
           </a:bodyPr>
           <a:lstStyle/>
           <a:p>
             <a:r>
-              <a:rPr lang="es-VE" b="1" dirty="0">
+              <a:rPr lang="es-VE" sz="4800" b="1" dirty="0">
                 <a:latin typeface="Andalus" pitchFamily="18" charset="-78"/>
                 <a:cs typeface="Andalus" pitchFamily="18" charset="-78"/>
               </a:rPr>
-              <a:t>7</a:t>
-            </a:r>
-            <a:r>
-              <a:rPr lang="es-VE" b="1" dirty="0" smtClean="0">
-                <a:latin typeface="Andalus" pitchFamily="18" charset="-78"/>
-                <a:cs typeface="Andalus" pitchFamily="18" charset="-78"/>
-              </a:rPr>
-              <a:t>. Hambre en </a:t>
-            </a:r>
-            <a:r>
-              <a:rPr lang="es-VE" b="1" dirty="0">
-                <a:latin typeface="Andalus" pitchFamily="18" charset="-78"/>
-                <a:cs typeface="Andalus" pitchFamily="18" charset="-78"/>
-              </a:rPr>
-              <a:t>la </a:t>
-            </a:r>
-            <a:r>
-              <a:rPr lang="es-VE" b="1" dirty="0" smtClean="0">
-                <a:latin typeface="Andalus" pitchFamily="18" charset="-78"/>
-                <a:cs typeface="Andalus" pitchFamily="18" charset="-78"/>
-              </a:rPr>
-              <a:t>tierra</a:t>
-            </a:r>
-            <a:endParaRPr lang="es-VE" sz="2000" dirty="0">
+              <a:t>7. Hambre en la tierra</a:t>
+            </a:r>
+            <a:endParaRPr lang="es-VE" sz="1800" dirty="0">
               <a:latin typeface="Arial Rounded MT Bold" pitchFamily="34" charset="0"/>
               <a:cs typeface="Andalus" pitchFamily="18" charset="-78"/>
             </a:endParaRPr>
@@ -10032,7 +9688,7 @@
               <a:buNone/>
             </a:pPr>
             <a:r>
-              <a:rPr lang="es-VE" sz="2000" b="1" dirty="0" smtClean="0">
+              <a:rPr lang="es-VE" sz="2000" b="1" dirty="0">
                 <a:solidFill>
                   <a:schemeClr val="tx1">
                     <a:lumMod val="85000"/>
@@ -10045,7 +9701,7 @@
               <a:t>7.1</a:t>
             </a:r>
             <a:r>
-              <a:rPr lang="es-VE" sz="2000" dirty="0" smtClean="0">
+              <a:rPr lang="es-VE" sz="2000" dirty="0">
                 <a:solidFill>
                   <a:schemeClr val="tx1">
                     <a:lumMod val="85000"/>
@@ -10058,7 +9714,7 @@
               <a:t> </a:t>
             </a:r>
             <a:r>
-              <a:rPr lang="es-VE" sz="2000" b="1" dirty="0" smtClean="0">
+              <a:rPr lang="es-VE" sz="2000" b="1" dirty="0">
                 <a:solidFill>
                   <a:srgbClr val="C00000"/>
                 </a:solidFill>
@@ -10068,7 +9724,7 @@
               <a:t>¿Que es subir y descender?:</a:t>
             </a:r>
             <a:r>
-              <a:rPr lang="es-VE" sz="2000" b="1" dirty="0" smtClean="0">
+              <a:rPr lang="es-VE" sz="2000" b="1" dirty="0">
                 <a:solidFill>
                   <a:schemeClr val="tx1">
                     <a:lumMod val="85000"/>
@@ -10081,49 +9737,68 @@
               <a:t>  </a:t>
             </a:r>
             <a:r>
-              <a:rPr lang="es-VE" sz="2000" dirty="0" smtClean="0">
+              <a:rPr lang="es-VE" sz="2000" dirty="0">
                 <a:latin typeface="Arial Rounded MT Bold" pitchFamily="34" charset="0"/>
                 <a:cs typeface="Arial" pitchFamily="34" charset="0"/>
               </a:rPr>
-              <a:t>Cuando </a:t>
+              <a:t>Cuando la Biblia habla de ir a </a:t>
             </a:r>
             <a:r>
               <a:rPr lang="es-VE" sz="2000" dirty="0">
+                <a:solidFill>
+                  <a:schemeClr val="accent1"/>
+                </a:solidFill>
                 <a:latin typeface="Arial Rounded MT Bold" pitchFamily="34" charset="0"/>
                 <a:cs typeface="Arial" pitchFamily="34" charset="0"/>
               </a:rPr>
-              <a:t>la Biblia habla de ir a </a:t>
+              <a:t>Jerusalén</a:t>
             </a:r>
             <a:r>
               <a:rPr lang="es-VE" sz="2000" dirty="0">
+                <a:latin typeface="Arial Rounded MT Bold" pitchFamily="34" charset="0"/>
+                <a:cs typeface="Arial" pitchFamily="34" charset="0"/>
+              </a:rPr>
+              <a:t>, siempre lo describe como “subir”, pero cuando se refiere a ir a </a:t>
+            </a:r>
+            <a:r>
+              <a:rPr lang="es-VE" sz="2000" dirty="0">
                 <a:solidFill>
                   <a:schemeClr val="accent1"/>
                 </a:solidFill>
                 <a:latin typeface="Arial Rounded MT Bold" pitchFamily="34" charset="0"/>
                 <a:cs typeface="Arial" pitchFamily="34" charset="0"/>
               </a:rPr>
-              <a:t>Jerusalén</a:t>
+              <a:t>Egipto</a:t>
             </a:r>
             <a:r>
               <a:rPr lang="es-VE" sz="2000" dirty="0">
+                <a:solidFill>
+                  <a:srgbClr val="FF0000"/>
+                </a:solidFill>
                 <a:latin typeface="Arial Rounded MT Bold" pitchFamily="34" charset="0"/>
                 <a:cs typeface="Arial" pitchFamily="34" charset="0"/>
               </a:rPr>
-              <a:t>, siempre lo describe como “</a:t>
-            </a:r>
-            <a:r>
-              <a:rPr lang="es-VE" sz="2000" dirty="0" smtClean="0">
+              <a:t> </a:t>
+            </a:r>
+            <a:r>
+              <a:rPr lang="es-VE" sz="2000" dirty="0">
+                <a:solidFill>
+                  <a:schemeClr val="accent1"/>
+                </a:solidFill>
                 <a:latin typeface="Arial Rounded MT Bold" pitchFamily="34" charset="0"/>
                 <a:cs typeface="Arial" pitchFamily="34" charset="0"/>
               </a:rPr>
-              <a:t>subir”, pero </a:t>
+              <a:t>o</a:t>
             </a:r>
             <a:r>
               <a:rPr lang="es-VE" sz="2000" dirty="0">
+                <a:solidFill>
+                  <a:srgbClr val="FF0000"/>
+                </a:solidFill>
                 <a:latin typeface="Arial Rounded MT Bold" pitchFamily="34" charset="0"/>
                 <a:cs typeface="Arial" pitchFamily="34" charset="0"/>
               </a:rPr>
-              <a:t>cuando se refiere a ir a </a:t>
+              <a:t> </a:t>
             </a:r>
             <a:r>
               <a:rPr lang="es-VE" sz="2000" dirty="0">
@@ -10133,59 +9808,15 @@
                 <a:latin typeface="Arial Rounded MT Bold" pitchFamily="34" charset="0"/>
                 <a:cs typeface="Arial" pitchFamily="34" charset="0"/>
               </a:rPr>
-              <a:t>Egipto</a:t>
+              <a:t>Babilonia</a:t>
             </a:r>
             <a:r>
               <a:rPr lang="es-VE" sz="2000" dirty="0">
-                <a:solidFill>
-                  <a:srgbClr val="FF0000"/>
-                </a:solidFill>
                 <a:latin typeface="Arial Rounded MT Bold" pitchFamily="34" charset="0"/>
                 <a:cs typeface="Arial" pitchFamily="34" charset="0"/>
               </a:rPr>
-              <a:t> </a:t>
-            </a:r>
-            <a:r>
-              <a:rPr lang="es-VE" sz="2000" dirty="0">
-                <a:solidFill>
-                  <a:schemeClr val="accent1"/>
-                </a:solidFill>
-                <a:latin typeface="Arial Rounded MT Bold" pitchFamily="34" charset="0"/>
-                <a:cs typeface="Arial" pitchFamily="34" charset="0"/>
-              </a:rPr>
-              <a:t>o</a:t>
-            </a:r>
-            <a:r>
-              <a:rPr lang="es-VE" sz="2000" dirty="0">
-                <a:solidFill>
-                  <a:srgbClr val="FF0000"/>
-                </a:solidFill>
-                <a:latin typeface="Arial Rounded MT Bold" pitchFamily="34" charset="0"/>
-                <a:cs typeface="Arial" pitchFamily="34" charset="0"/>
-              </a:rPr>
-              <a:t> </a:t>
-            </a:r>
-            <a:r>
-              <a:rPr lang="es-VE" sz="2000" dirty="0">
-                <a:solidFill>
-                  <a:schemeClr val="accent1"/>
-                </a:solidFill>
-                <a:latin typeface="Arial Rounded MT Bold" pitchFamily="34" charset="0"/>
-                <a:cs typeface="Arial" pitchFamily="34" charset="0"/>
-              </a:rPr>
-              <a:t>Babilonia</a:t>
-            </a:r>
-            <a:r>
-              <a:rPr lang="es-VE" sz="2000" dirty="0">
-                <a:latin typeface="Arial Rounded MT Bold" pitchFamily="34" charset="0"/>
-                <a:cs typeface="Arial" pitchFamily="34" charset="0"/>
-              </a:rPr>
               <a:t>, como “descender”. </a:t>
             </a:r>
-            <a:endParaRPr lang="es-VE" sz="2000" dirty="0" smtClean="0">
-              <a:latin typeface="Arial Rounded MT Bold" pitchFamily="34" charset="0"/>
-              <a:cs typeface="Arial" pitchFamily="34" charset="0"/>
-            </a:endParaRPr>
           </a:p>
           <a:p>
             <a:pPr marL="0" indent="0">
@@ -10201,64 +9832,29 @@
               <a:buNone/>
             </a:pPr>
             <a:r>
-              <a:rPr lang="es-VE" sz="2000" dirty="0" smtClean="0">
+              <a:rPr lang="es-VE" sz="2000" dirty="0">
                 <a:latin typeface="Arial Rounded MT Bold" pitchFamily="34" charset="0"/>
                 <a:cs typeface="Arial" pitchFamily="34" charset="0"/>
               </a:rPr>
-              <a:t>Esta </a:t>
+              <a:t>Esta descripción no tiene nada que ver con la dirección de donde uno venga </a:t>
             </a:r>
             <a:r>
               <a:rPr lang="es-VE" sz="2000" dirty="0">
+                <a:solidFill>
+                  <a:srgbClr val="006030"/>
+                </a:solidFill>
                 <a:latin typeface="Arial Rounded MT Bold" pitchFamily="34" charset="0"/>
                 <a:cs typeface="Arial" pitchFamily="34" charset="0"/>
               </a:rPr>
-              <a:t>descripción no tiene nada que ver con la dirección de donde uno venga </a:t>
+              <a:t>(norte, sur, este, oeste)</a:t>
             </a:r>
             <a:r>
               <a:rPr lang="es-VE" sz="2000" dirty="0">
-                <a:solidFill>
-                  <a:srgbClr val="006030"/>
-                </a:solidFill>
                 <a:latin typeface="Arial Rounded MT Bold" pitchFamily="34" charset="0"/>
                 <a:cs typeface="Arial" pitchFamily="34" charset="0"/>
               </a:rPr>
-              <a:t>(norte, sur, este, oeste</a:t>
-            </a:r>
-            <a:r>
-              <a:rPr lang="es-VE" sz="2000" dirty="0" smtClean="0">
-                <a:solidFill>
-                  <a:srgbClr val="006030"/>
-                </a:solidFill>
-                <a:latin typeface="Arial Rounded MT Bold" pitchFamily="34" charset="0"/>
-                <a:cs typeface="Arial" pitchFamily="34" charset="0"/>
-              </a:rPr>
-              <a:t>)</a:t>
-            </a:r>
-            <a:r>
-              <a:rPr lang="es-VE" sz="2000" dirty="0" smtClean="0">
-                <a:latin typeface="Arial Rounded MT Bold" pitchFamily="34" charset="0"/>
-                <a:cs typeface="Arial" pitchFamily="34" charset="0"/>
-              </a:rPr>
-              <a:t> porque es </a:t>
-            </a:r>
-            <a:r>
-              <a:rPr lang="es-VE" sz="2000" dirty="0">
-                <a:latin typeface="Arial Rounded MT Bold" pitchFamily="34" charset="0"/>
-                <a:cs typeface="Arial" pitchFamily="34" charset="0"/>
-              </a:rPr>
-              <a:t>una expresión </a:t>
-            </a:r>
-            <a:r>
-              <a:rPr lang="es-VE" sz="2000" dirty="0" smtClean="0">
-                <a:latin typeface="Arial Rounded MT Bold" pitchFamily="34" charset="0"/>
-                <a:cs typeface="Arial" pitchFamily="34" charset="0"/>
-              </a:rPr>
-              <a:t>espiritual.</a:t>
-            </a:r>
-            <a:endParaRPr lang="es-VE" sz="2000" dirty="0">
-              <a:latin typeface="Arial Rounded MT Bold" pitchFamily="34" charset="0"/>
-              <a:cs typeface="Arial" pitchFamily="34" charset="0"/>
-            </a:endParaRPr>
+              <a:t> porque es una expresión espiritual.</a:t>
+            </a:r>
           </a:p>
           <a:p>
             <a:pPr marL="0" indent="0">
@@ -10274,18 +9870,31 @@
               <a:buNone/>
             </a:pPr>
             <a:r>
-              <a:rPr lang="es-VE" sz="2000" dirty="0" smtClean="0">
+              <a:rPr lang="es-VE" sz="2000" dirty="0">
                 <a:latin typeface="Arial Rounded MT Bold" pitchFamily="34" charset="0"/>
                 <a:cs typeface="Arial" pitchFamily="34" charset="0"/>
               </a:rPr>
-              <a:t>Egipto </a:t>
+              <a:t>Egipto y Babilonia representan el mundo, y por eso uno “baja”; mientras que Jerusalén es el lugar que Dios escogió para poner allí Su Nombre </a:t>
             </a:r>
             <a:r>
               <a:rPr lang="es-VE" sz="2000" dirty="0">
+                <a:solidFill>
+                  <a:srgbClr val="006030"/>
+                </a:solidFill>
                 <a:latin typeface="Arial Rounded MT Bold" pitchFamily="34" charset="0"/>
                 <a:cs typeface="Arial" pitchFamily="34" charset="0"/>
               </a:rPr>
-              <a:t>y Babilonia representan el mundo, y por eso uno “baja”; mientras que Jerusalén es el lugar que Dios escogió para poner allí Su Nombre </a:t>
+              <a:t>(</a:t>
+            </a:r>
+            <a:r>
+              <a:rPr lang="es-VE" sz="2000" dirty="0" err="1">
+                <a:solidFill>
+                  <a:srgbClr val="006030"/>
+                </a:solidFill>
+                <a:latin typeface="Arial Rounded MT Bold" pitchFamily="34" charset="0"/>
+                <a:cs typeface="Arial" pitchFamily="34" charset="0"/>
+              </a:rPr>
+              <a:t>Deu</a:t>
             </a:r>
             <a:r>
               <a:rPr lang="es-VE" sz="2000" dirty="0">
@@ -10295,46 +9904,15 @@
                 <a:latin typeface="Arial Rounded MT Bold" pitchFamily="34" charset="0"/>
                 <a:cs typeface="Arial" pitchFamily="34" charset="0"/>
               </a:rPr>
-              <a:t>(</a:t>
-            </a:r>
-            <a:r>
-              <a:rPr lang="es-VE" sz="2000" dirty="0" err="1">
-                <a:solidFill>
-                  <a:srgbClr val="006030"/>
-                </a:solidFill>
+              <a:t>. 12:5; I Reyes 14:21)</a:t>
+            </a:r>
+            <a:r>
+              <a:rPr lang="es-VE" sz="2000" dirty="0">
                 <a:latin typeface="Arial Rounded MT Bold" pitchFamily="34" charset="0"/>
                 <a:cs typeface="Arial" pitchFamily="34" charset="0"/>
               </a:rPr>
-              <a:t>Deu</a:t>
-            </a:r>
-            <a:r>
-              <a:rPr lang="es-VE" sz="2000" dirty="0">
-                <a:solidFill>
-                  <a:srgbClr val="006030"/>
-                </a:solidFill>
-                <a:latin typeface="Arial Rounded MT Bold" pitchFamily="34" charset="0"/>
-                <a:cs typeface="Arial" pitchFamily="34" charset="0"/>
-              </a:rPr>
-              <a:t>. 12:5; I Reyes 14:21)</a:t>
-            </a:r>
-            <a:r>
-              <a:rPr lang="es-VE" sz="2000" dirty="0">
-                <a:latin typeface="Arial Rounded MT Bold" pitchFamily="34" charset="0"/>
-                <a:cs typeface="Arial" pitchFamily="34" charset="0"/>
-              </a:rPr>
-              <a:t>, el Templo, la capital de Su Reino en la Tierra, y por eso uno “sube</a:t>
-            </a:r>
-            <a:r>
-              <a:rPr lang="es-VE" sz="2000" dirty="0" smtClean="0">
-                <a:latin typeface="Arial Rounded MT Bold" pitchFamily="34" charset="0"/>
-                <a:cs typeface="Arial" pitchFamily="34" charset="0"/>
-              </a:rPr>
-              <a:t>”.</a:t>
-            </a:r>
-            <a:endParaRPr lang="es-VE" sz="2000" dirty="0">
-              <a:latin typeface="Arial Rounded MT Bold" pitchFamily="34" charset="0"/>
-              <a:cs typeface="Arial" pitchFamily="34" charset="0"/>
-            </a:endParaRPr>
+              <a:t>, el Templo, la capital de Su Reino en la Tierra, y por eso uno “sube”.</a:t>
+            </a:r>
           </a:p>
           <a:p>
             <a:pPr marL="0" indent="0">
@@ -10353,34 +9931,14 @@
               <a:buNone/>
             </a:pPr>
             <a:r>
-              <a:rPr lang="es-VE" sz="2000" b="1" dirty="0" smtClean="0">
+              <a:rPr lang="es-VE" sz="2000" b="1" dirty="0">
                 <a:solidFill>
                   <a:schemeClr val="accent1"/>
                 </a:solidFill>
                 <a:latin typeface="Arial Rounded MT Bold" pitchFamily="34" charset="0"/>
                 <a:cs typeface="Arial" pitchFamily="34" charset="0"/>
               </a:rPr>
-              <a:t>Abram </a:t>
-            </a:r>
-            <a:r>
-              <a:rPr lang="es-VE" sz="2000" b="1" dirty="0">
-                <a:solidFill>
-                  <a:schemeClr val="accent1"/>
-                </a:solidFill>
-                <a:latin typeface="Arial Rounded MT Bold" pitchFamily="34" charset="0"/>
-                <a:cs typeface="Arial" pitchFamily="34" charset="0"/>
-              </a:rPr>
-              <a:t>“descendió” a Egipto.  Bajó de nivel, pues no era el lugar donde debía estar.  Abram se topó con un desierto</a:t>
-            </a:r>
-            <a:r>
-              <a:rPr lang="es-VE" sz="2000" b="1" dirty="0" smtClean="0">
-                <a:solidFill>
-                  <a:schemeClr val="accent1"/>
-                </a:solidFill>
-                <a:latin typeface="Arial Rounded MT Bold" pitchFamily="34" charset="0"/>
-                <a:cs typeface="Arial" pitchFamily="34" charset="0"/>
-              </a:rPr>
-              <a:t>.</a:t>
+              <a:t>Abram “descendió” a Egipto.  Bajó de nivel, pues no era el lugar donde debía estar.  Abram se topó con un desierto.</a:t>
             </a:r>
             <a:endParaRPr lang="en-US" sz="2000" dirty="0">
               <a:solidFill>
@@ -10402,13 +9960,6 @@
   <p:clrMapOvr>
     <a:masterClrMapping/>
   </p:clrMapOvr>
-  <p:timing>
-    <p:tnLst>
-      <p:par>
-        <p:cTn id="1" dur="indefinite" restart="never" nodeType="tmRoot"/>
-      </p:par>
-    </p:tnLst>
-  </p:timing>
 </p:sld>
 </file>
 
@@ -10447,39 +9998,18 @@
         </p:spPr>
         <p:txBody>
           <a:bodyPr>
-            <a:normAutofit/>
+            <a:noAutofit/>
           </a:bodyPr>
           <a:lstStyle/>
           <a:p>
             <a:r>
-              <a:rPr lang="es-VE" b="1" dirty="0">
+              <a:rPr lang="es-VE" sz="4800" b="1" dirty="0">
                 <a:latin typeface="Andalus" pitchFamily="18" charset="-78"/>
                 <a:cs typeface="Andalus" pitchFamily="18" charset="-78"/>
               </a:rPr>
-              <a:t>7</a:t>
-            </a:r>
-            <a:r>
-              <a:rPr lang="es-VE" b="1" dirty="0" smtClean="0">
-                <a:latin typeface="Andalus" pitchFamily="18" charset="-78"/>
-                <a:cs typeface="Andalus" pitchFamily="18" charset="-78"/>
-              </a:rPr>
-              <a:t>. Hambre en </a:t>
-            </a:r>
-            <a:r>
-              <a:rPr lang="es-VE" b="1" dirty="0">
-                <a:latin typeface="Andalus" pitchFamily="18" charset="-78"/>
-                <a:cs typeface="Andalus" pitchFamily="18" charset="-78"/>
-              </a:rPr>
-              <a:t>la </a:t>
-            </a:r>
-            <a:r>
-              <a:rPr lang="es-VE" b="1" dirty="0" smtClean="0">
-                <a:latin typeface="Andalus" pitchFamily="18" charset="-78"/>
-                <a:cs typeface="Andalus" pitchFamily="18" charset="-78"/>
-              </a:rPr>
-              <a:t>tierra</a:t>
-            </a:r>
-            <a:endParaRPr lang="es-VE" sz="2000" dirty="0">
+              <a:t>7. Hambre en la tierra</a:t>
+            </a:r>
+            <a:endParaRPr lang="es-VE" sz="1800" dirty="0">
               <a:latin typeface="Arial Rounded MT Bold" pitchFamily="34" charset="0"/>
               <a:cs typeface="Andalus" pitchFamily="18" charset="-78"/>
             </a:endParaRPr>
@@ -10512,7 +10042,7 @@
               <a:buNone/>
             </a:pPr>
             <a:r>
-              <a:rPr lang="es-VE" sz="2000" b="1" dirty="0" smtClean="0">
+              <a:rPr lang="es-VE" sz="2000" b="1" dirty="0">
                 <a:solidFill>
                   <a:schemeClr val="tx1">
                     <a:lumMod val="85000"/>
@@ -10525,7 +10055,7 @@
               <a:t>7.2 </a:t>
             </a:r>
             <a:r>
-              <a:rPr lang="es-VE" sz="2000" b="1" dirty="0" smtClean="0">
+              <a:rPr lang="es-VE" sz="2000" b="1" dirty="0">
                 <a:solidFill>
                   <a:schemeClr val="accent1"/>
                 </a:solidFill>
@@ -10542,26 +10072,21 @@
                 <a:latin typeface="Arial Rounded MT Bold" pitchFamily="34" charset="0"/>
                 <a:cs typeface="Arial" pitchFamily="34" charset="0"/>
               </a:rPr>
-              <a:t>(Gen. 12:11-13</a:t>
-            </a:r>
-            <a:r>
-              <a:rPr lang="es-VE" sz="2000" b="1" dirty="0" smtClean="0">
-                <a:solidFill>
-                  <a:srgbClr val="006030"/>
-                </a:solidFill>
+              <a:t>(Gen. 12:11-13)</a:t>
+            </a:r>
+            <a:r>
+              <a:rPr lang="es-VE" sz="2000" b="1" dirty="0">
                 <a:latin typeface="Arial Rounded MT Bold" pitchFamily="34" charset="0"/>
                 <a:cs typeface="Arial" pitchFamily="34" charset="0"/>
               </a:rPr>
-              <a:t>)</a:t>
-            </a:r>
-            <a:r>
-              <a:rPr lang="es-VE" sz="2000" b="1" dirty="0" smtClean="0">
-                <a:latin typeface="Arial Rounded MT Bold" pitchFamily="34" charset="0"/>
-                <a:cs typeface="Arial" pitchFamily="34" charset="0"/>
-              </a:rPr>
               <a:t>:</a:t>
             </a:r>
-            <a:endParaRPr lang="es-VE" sz="2000" b="1" dirty="0">
+          </a:p>
+          <a:p>
+            <a:pPr marL="0" indent="0">
+              <a:buNone/>
+            </a:pPr>
+            <a:endParaRPr lang="es-VE" sz="2000" dirty="0">
               <a:latin typeface="Arial Rounded MT Bold" pitchFamily="34" charset="0"/>
               <a:cs typeface="Arial" pitchFamily="34" charset="0"/>
             </a:endParaRPr>
@@ -10570,147 +10095,86 @@
             <a:pPr marL="0" indent="0">
               <a:buNone/>
             </a:pPr>
-            <a:endParaRPr lang="es-VE" sz="2000" dirty="0" smtClean="0">
-              <a:latin typeface="Arial Rounded MT Bold" pitchFamily="34" charset="0"/>
-              <a:cs typeface="Arial" pitchFamily="34" charset="0"/>
-            </a:endParaRPr>
-          </a:p>
-          <a:p>
-            <a:pPr marL="0" indent="0">
-              <a:buNone/>
-            </a:pPr>
-            <a:r>
-              <a:rPr lang="es-VE" sz="2000" dirty="0" smtClean="0">
+            <a:r>
+              <a:rPr lang="es-VE" sz="2000" dirty="0">
                 <a:latin typeface="Arial Rounded MT Bold" pitchFamily="34" charset="0"/>
                 <a:cs typeface="Arial" pitchFamily="34" charset="0"/>
               </a:rPr>
-              <a:t>los egipcios </a:t>
+              <a:t>los egipcios vieron que </a:t>
             </a:r>
             <a:r>
               <a:rPr lang="es-VE" sz="2000" dirty="0">
+                <a:solidFill>
+                  <a:schemeClr val="accent1"/>
+                </a:solidFill>
                 <a:latin typeface="Arial Rounded MT Bold" pitchFamily="34" charset="0"/>
                 <a:cs typeface="Arial" pitchFamily="34" charset="0"/>
               </a:rPr>
-              <a:t>vieron que </a:t>
-            </a:r>
-            <a:r>
-              <a:rPr lang="es-VE" sz="2000" dirty="0" smtClean="0">
+              <a:t>Sara</a:t>
+            </a:r>
+            <a:r>
+              <a:rPr lang="es-VE" sz="2000" dirty="0">
+                <a:latin typeface="Arial Rounded MT Bold" pitchFamily="34" charset="0"/>
+                <a:cs typeface="Arial" pitchFamily="34" charset="0"/>
+              </a:rPr>
+              <a:t> era muy hermosa y fue llevada a la casa del </a:t>
+            </a:r>
+            <a:r>
+              <a:rPr lang="es-VE" sz="2000" dirty="0">
                 <a:solidFill>
                   <a:schemeClr val="accent1"/>
                 </a:solidFill>
                 <a:latin typeface="Arial Rounded MT Bold" pitchFamily="34" charset="0"/>
                 <a:cs typeface="Arial" pitchFamily="34" charset="0"/>
               </a:rPr>
-              <a:t>Sara</a:t>
-            </a:r>
-            <a:r>
-              <a:rPr lang="es-VE" sz="2000" dirty="0" smtClean="0">
+              <a:t>faraón</a:t>
+            </a:r>
+            <a:r>
+              <a:rPr lang="es-VE" sz="2000" dirty="0">
                 <a:latin typeface="Arial Rounded MT Bold" pitchFamily="34" charset="0"/>
                 <a:cs typeface="Arial" pitchFamily="34" charset="0"/>
               </a:rPr>
-              <a:t> era </a:t>
+              <a:t>, y por esto </a:t>
             </a:r>
             <a:r>
               <a:rPr lang="es-VE" sz="2000" dirty="0">
+                <a:solidFill>
+                  <a:schemeClr val="accent1"/>
+                </a:solidFill>
                 <a:latin typeface="Arial Rounded MT Bold" pitchFamily="34" charset="0"/>
                 <a:cs typeface="Arial" pitchFamily="34" charset="0"/>
               </a:rPr>
-              <a:t>muy </a:t>
-            </a:r>
-            <a:r>
-              <a:rPr lang="es-VE" sz="2000" dirty="0" smtClean="0">
+              <a:t>Abram</a:t>
+            </a:r>
+            <a:r>
+              <a:rPr lang="es-VE" sz="2000" dirty="0">
                 <a:latin typeface="Arial Rounded MT Bold" pitchFamily="34" charset="0"/>
                 <a:cs typeface="Arial" pitchFamily="34" charset="0"/>
               </a:rPr>
-              <a:t>hermosa </a:t>
+              <a:t> recibió ovejas, vacas, asnos, siervos, criadas, asnas y camellos. </a:t>
+            </a:r>
+            <a:r>
+              <a:rPr lang="es-VE" sz="2000" b="1" dirty="0">
+                <a:solidFill>
+                  <a:srgbClr val="006030"/>
+                </a:solidFill>
+                <a:latin typeface="Arial Rounded MT Bold" pitchFamily="34" charset="0"/>
+                <a:cs typeface="Arial" pitchFamily="34" charset="0"/>
+              </a:rPr>
+              <a:t>(Gen. 12:14-16</a:t>
             </a:r>
             <a:r>
               <a:rPr lang="es-VE" sz="2000" dirty="0">
+                <a:solidFill>
+                  <a:srgbClr val="006030"/>
+                </a:solidFill>
                 <a:latin typeface="Arial Rounded MT Bold" pitchFamily="34" charset="0"/>
                 <a:cs typeface="Arial" pitchFamily="34" charset="0"/>
               </a:rPr>
-              <a:t>y fue llevada a la casa del </a:t>
-            </a:r>
-            <a:r>
-              <a:rPr lang="es-VE" sz="2000" dirty="0" smtClean="0">
-                <a:solidFill>
-                  <a:schemeClr val="accent1"/>
-                </a:solidFill>
-                <a:latin typeface="Arial Rounded MT Bold" pitchFamily="34" charset="0"/>
-                <a:cs typeface="Arial" pitchFamily="34" charset="0"/>
-              </a:rPr>
-              <a:t>faraón</a:t>
-            </a:r>
-            <a:r>
-              <a:rPr lang="es-VE" sz="2000" dirty="0" smtClean="0">
-                <a:latin typeface="Arial Rounded MT Bold" pitchFamily="34" charset="0"/>
-                <a:cs typeface="Arial" pitchFamily="34" charset="0"/>
-              </a:rPr>
-              <a:t>, y por esto </a:t>
-            </a:r>
-            <a:r>
-              <a:rPr lang="es-VE" sz="2000" dirty="0" smtClean="0">
-                <a:solidFill>
-                  <a:schemeClr val="accent1"/>
-                </a:solidFill>
-                <a:latin typeface="Arial Rounded MT Bold" pitchFamily="34" charset="0"/>
-                <a:cs typeface="Arial" pitchFamily="34" charset="0"/>
-              </a:rPr>
-              <a:t>Abram</a:t>
-            </a:r>
-            <a:r>
-              <a:rPr lang="es-VE" sz="2000" dirty="0" smtClean="0">
-                <a:latin typeface="Arial Rounded MT Bold" pitchFamily="34" charset="0"/>
-                <a:cs typeface="Arial" pitchFamily="34" charset="0"/>
-              </a:rPr>
-              <a:t> recibió ovejas</a:t>
+              <a:t>)</a:t>
             </a:r>
             <a:r>
               <a:rPr lang="es-VE" sz="2000" dirty="0">
-                <a:latin typeface="Arial Rounded MT Bold" pitchFamily="34" charset="0"/>
-                <a:cs typeface="Arial" pitchFamily="34" charset="0"/>
-              </a:rPr>
-              <a:t>, vacas, asnos, siervos, criadas, asnas y camellos</a:t>
-            </a:r>
-            <a:r>
-              <a:rPr lang="es-VE" sz="2000" dirty="0" smtClean="0">
-                <a:latin typeface="Arial Rounded MT Bold" pitchFamily="34" charset="0"/>
-                <a:cs typeface="Arial" pitchFamily="34" charset="0"/>
-              </a:rPr>
-              <a:t>. </a:t>
-            </a:r>
-            <a:r>
-              <a:rPr lang="es-VE" sz="2000" b="1" dirty="0">
-                <a:solidFill>
-                  <a:srgbClr val="006030"/>
-                </a:solidFill>
-                <a:latin typeface="Arial Rounded MT Bold" pitchFamily="34" charset="0"/>
-                <a:cs typeface="Arial" pitchFamily="34" charset="0"/>
-              </a:rPr>
-              <a:t>(Gen. </a:t>
-            </a:r>
-            <a:r>
-              <a:rPr lang="es-VE" sz="2000" b="1" dirty="0" smtClean="0">
-                <a:solidFill>
-                  <a:srgbClr val="006030"/>
-                </a:solidFill>
-                <a:latin typeface="Arial Rounded MT Bold" pitchFamily="34" charset="0"/>
-                <a:cs typeface="Arial" pitchFamily="34" charset="0"/>
-              </a:rPr>
-              <a:t>12:14-16</a:t>
-            </a:r>
-            <a:r>
-              <a:rPr lang="es-VE" sz="2000" dirty="0" smtClean="0">
-                <a:solidFill>
-                  <a:srgbClr val="006030"/>
-                </a:solidFill>
-                <a:latin typeface="Arial Rounded MT Bold" pitchFamily="34" charset="0"/>
-                <a:cs typeface="Arial" pitchFamily="34" charset="0"/>
-              </a:rPr>
-              <a:t>)</a:t>
-            </a:r>
-            <a:r>
-              <a:rPr lang="es-VE" sz="2000" dirty="0" smtClean="0">
                 <a:latin typeface="Arial Rounded MT Bold" pitchFamily="34" charset="0"/>
                 <a:cs typeface="Arial" pitchFamily="34" charset="0"/>
               </a:rPr>
@@ -10793,13 +10257,6 @@
   <p:clrMapOvr>
     <a:masterClrMapping/>
   </p:clrMapOvr>
-  <p:timing>
-    <p:tnLst>
-      <p:par>
-        <p:cTn id="1" dur="indefinite" restart="never" nodeType="tmRoot"/>
-      </p:par>
-    </p:tnLst>
-  </p:timing>
 </p:sld>
 </file>
 
@@ -10838,39 +10295,18 @@
         </p:spPr>
         <p:txBody>
           <a:bodyPr>
-            <a:normAutofit/>
+            <a:noAutofit/>
           </a:bodyPr>
           <a:lstStyle/>
           <a:p>
             <a:r>
-              <a:rPr lang="es-VE" b="1" dirty="0">
+              <a:rPr lang="es-VE" sz="4800" b="1" dirty="0">
                 <a:latin typeface="Andalus" pitchFamily="18" charset="-78"/>
                 <a:cs typeface="Andalus" pitchFamily="18" charset="-78"/>
               </a:rPr>
-              <a:t>7</a:t>
-            </a:r>
-            <a:r>
-              <a:rPr lang="es-VE" b="1" dirty="0" smtClean="0">
-                <a:latin typeface="Andalus" pitchFamily="18" charset="-78"/>
-                <a:cs typeface="Andalus" pitchFamily="18" charset="-78"/>
-              </a:rPr>
-              <a:t>. Hambre en </a:t>
-            </a:r>
-            <a:r>
-              <a:rPr lang="es-VE" b="1" dirty="0">
-                <a:latin typeface="Andalus" pitchFamily="18" charset="-78"/>
-                <a:cs typeface="Andalus" pitchFamily="18" charset="-78"/>
-              </a:rPr>
-              <a:t>la </a:t>
-            </a:r>
-            <a:r>
-              <a:rPr lang="es-VE" b="1" dirty="0" smtClean="0">
-                <a:latin typeface="Andalus" pitchFamily="18" charset="-78"/>
-                <a:cs typeface="Andalus" pitchFamily="18" charset="-78"/>
-              </a:rPr>
-              <a:t>tierra</a:t>
-            </a:r>
-            <a:endParaRPr lang="es-VE" sz="2000" dirty="0">
+              <a:t>7. Hambre en la tierra</a:t>
+            </a:r>
+            <a:endParaRPr lang="es-VE" sz="1800" dirty="0">
               <a:latin typeface="Arial Rounded MT Bold" pitchFamily="34" charset="0"/>
               <a:cs typeface="Andalus" pitchFamily="18" charset="-78"/>
             </a:endParaRPr>
@@ -10903,7 +10339,7 @@
               <a:buNone/>
             </a:pPr>
             <a:r>
-              <a:rPr lang="es-VE" sz="2800" b="1" dirty="0" smtClean="0">
+              <a:rPr lang="es-VE" sz="2800" b="1" dirty="0">
                 <a:solidFill>
                   <a:schemeClr val="tx1">
                     <a:lumMod val="85000"/>
@@ -10916,7 +10352,7 @@
               <a:t>7.3 </a:t>
             </a:r>
             <a:r>
-              <a:rPr lang="es-VE" sz="2800" b="1" dirty="0" smtClean="0">
+              <a:rPr lang="es-VE" sz="2800" b="1" dirty="0">
                 <a:solidFill>
                   <a:srgbClr val="C00000"/>
                 </a:solidFill>
@@ -10926,14 +10362,24 @@
               <a:t>Dios </a:t>
             </a:r>
             <a:r>
-              <a:rPr lang="es-VE" sz="2800" b="1" dirty="0" smtClean="0">
+              <a:rPr lang="es-VE" sz="2800" b="1" dirty="0">
                 <a:solidFill>
                   <a:schemeClr val="accent1"/>
                 </a:solidFill>
                 <a:latin typeface="Arial Rounded MT Bold" pitchFamily="34" charset="0"/>
                 <a:cs typeface="Arial" pitchFamily="34" charset="0"/>
               </a:rPr>
-              <a:t>hiere </a:t>
+              <a:t>hiere a Faraón y a su casa por causa de </a:t>
+            </a:r>
+            <a:r>
+              <a:rPr lang="es-VE" sz="2800" b="1" dirty="0" err="1">
+                <a:solidFill>
+                  <a:schemeClr val="accent1"/>
+                </a:solidFill>
+                <a:latin typeface="Arial Rounded MT Bold" pitchFamily="34" charset="0"/>
+                <a:cs typeface="Arial" pitchFamily="34" charset="0"/>
+              </a:rPr>
+              <a:t>Sarai</a:t>
             </a:r>
             <a:r>
               <a:rPr lang="es-VE" sz="2800" b="1" dirty="0">
@@ -10943,90 +10389,40 @@
                 <a:latin typeface="Arial Rounded MT Bold" pitchFamily="34" charset="0"/>
                 <a:cs typeface="Arial" pitchFamily="34" charset="0"/>
               </a:rPr>
-              <a:t>a Faraón y a su casa </a:t>
-            </a:r>
-            <a:r>
-              <a:rPr lang="es-VE" sz="2800" b="1" dirty="0" smtClean="0">
-                <a:solidFill>
-                  <a:schemeClr val="accent1"/>
+              <a:t> </a:t>
+            </a:r>
+            <a:r>
+              <a:rPr lang="es-VE" sz="2800" b="1" dirty="0">
+                <a:solidFill>
+                  <a:srgbClr val="006030"/>
                 </a:solidFill>
                 <a:latin typeface="Arial Rounded MT Bold" pitchFamily="34" charset="0"/>
                 <a:cs typeface="Arial" pitchFamily="34" charset="0"/>
               </a:rPr>
-              <a:t>por </a:t>
+              <a:t>(</a:t>
+            </a:r>
+            <a:r>
+              <a:rPr lang="es-VE" sz="2800" b="1" dirty="0" err="1">
+                <a:solidFill>
+                  <a:srgbClr val="006030"/>
+                </a:solidFill>
+                <a:latin typeface="Arial Rounded MT Bold" pitchFamily="34" charset="0"/>
+                <a:cs typeface="Arial" pitchFamily="34" charset="0"/>
+              </a:rPr>
+              <a:t>Gén</a:t>
             </a:r>
             <a:r>
               <a:rPr lang="es-VE" sz="2800" b="1" dirty="0">
                 <a:solidFill>
-                  <a:schemeClr val="accent1"/>
+                  <a:srgbClr val="006030"/>
                 </a:solidFill>
                 <a:latin typeface="Arial Rounded MT Bold" pitchFamily="34" charset="0"/>
                 <a:cs typeface="Arial" pitchFamily="34" charset="0"/>
               </a:rPr>
-              <a:t>causa de </a:t>
-            </a:r>
-            <a:r>
-              <a:rPr lang="es-VE" sz="2800" b="1" dirty="0" err="1" smtClean="0">
-                <a:solidFill>
-                  <a:schemeClr val="accent1"/>
-                </a:solidFill>
-                <a:latin typeface="Arial Rounded MT Bold" pitchFamily="34" charset="0"/>
-                <a:cs typeface="Arial" pitchFamily="34" charset="0"/>
-              </a:rPr>
-              <a:t>Sarai</a:t>
-            </a:r>
-            <a:r>
-              <a:rPr lang="es-VE" sz="2800" b="1" dirty="0" smtClean="0">
-                <a:solidFill>
-                  <a:schemeClr val="accent1"/>
-                </a:solidFill>
-                <a:latin typeface="Arial Rounded MT Bold" pitchFamily="34" charset="0"/>
-                <a:cs typeface="Arial" pitchFamily="34" charset="0"/>
-              </a:rPr>
-              <a:t> </a:t>
-            </a:r>
-            <a:r>
-              <a:rPr lang="es-VE" sz="2800" b="1" dirty="0" smtClean="0">
-                <a:solidFill>
-                  <a:srgbClr val="006030"/>
-                </a:solidFill>
-                <a:latin typeface="Arial Rounded MT Bold" pitchFamily="34" charset="0"/>
-                <a:cs typeface="Arial" pitchFamily="34" charset="0"/>
-              </a:rPr>
-              <a:t>(</a:t>
-            </a:r>
-            <a:r>
-              <a:rPr lang="es-VE" sz="2800" b="1" dirty="0" err="1">
-                <a:solidFill>
-                  <a:srgbClr val="006030"/>
-                </a:solidFill>
-                <a:latin typeface="Arial Rounded MT Bold" pitchFamily="34" charset="0"/>
-                <a:cs typeface="Arial" pitchFamily="34" charset="0"/>
-              </a:rPr>
-              <a:t>Gén</a:t>
+              <a:t> 12:17-19)</a:t>
             </a:r>
             <a:r>
               <a:rPr lang="es-VE" sz="2800" b="1" dirty="0">
-                <a:solidFill>
-                  <a:srgbClr val="006030"/>
-                </a:solidFill>
-                <a:latin typeface="Arial Rounded MT Bold" pitchFamily="34" charset="0"/>
-                <a:cs typeface="Arial" pitchFamily="34" charset="0"/>
-              </a:rPr>
-              <a:t> </a:t>
-            </a:r>
-            <a:r>
-              <a:rPr lang="es-VE" sz="2800" b="1" dirty="0" smtClean="0">
-                <a:solidFill>
-                  <a:srgbClr val="006030"/>
-                </a:solidFill>
-                <a:latin typeface="Arial Rounded MT Bold" pitchFamily="34" charset="0"/>
-                <a:cs typeface="Arial" pitchFamily="34" charset="0"/>
-              </a:rPr>
-              <a:t>12:17-19)</a:t>
-            </a:r>
-            <a:r>
-              <a:rPr lang="es-VE" sz="2800" b="1" dirty="0" smtClean="0">
                 <a:latin typeface="Arial Rounded MT Bold" pitchFamily="34" charset="0"/>
                 <a:cs typeface="Arial" pitchFamily="34" charset="0"/>
               </a:rPr>
@@ -11047,14 +10443,14 @@
               <a:buNone/>
             </a:pPr>
             <a:r>
-              <a:rPr lang="es-VE" sz="2000" dirty="0" smtClean="0">
+              <a:rPr lang="es-VE" sz="2000" dirty="0">
                 <a:latin typeface="Arial Rounded MT Bold" pitchFamily="34" charset="0"/>
                 <a:cs typeface="Arial" pitchFamily="34" charset="0"/>
               </a:rPr>
               <a:t>Las </a:t>
             </a:r>
             <a:r>
-              <a:rPr lang="es-VE" sz="2000" b="1" dirty="0" smtClean="0">
+              <a:rPr lang="es-VE" sz="2000" b="1" dirty="0">
                 <a:solidFill>
                   <a:srgbClr val="C00000"/>
                 </a:solidFill>
@@ -11064,14 +10460,14 @@
               <a:t>decisiones de Abram</a:t>
             </a:r>
             <a:r>
-              <a:rPr lang="es-VE" sz="2000" dirty="0" smtClean="0">
+              <a:rPr lang="es-VE" sz="2000" dirty="0">
                 <a:latin typeface="Arial Rounded MT Bold" pitchFamily="34" charset="0"/>
                 <a:cs typeface="Arial" pitchFamily="34" charset="0"/>
               </a:rPr>
               <a:t> fuera del </a:t>
             </a:r>
             <a:r>
-              <a:rPr lang="es-VE" sz="2000" b="1" dirty="0" smtClean="0">
+              <a:rPr lang="es-VE" sz="2000" b="1" dirty="0">
                 <a:solidFill>
                   <a:srgbClr val="C00000"/>
                 </a:solidFill>
@@ -11081,14 +10477,14 @@
               <a:t>Plan de Dios </a:t>
             </a:r>
             <a:r>
-              <a:rPr lang="es-VE" sz="2000" dirty="0" smtClean="0">
+              <a:rPr lang="es-VE" sz="2000" dirty="0">
                 <a:latin typeface="Arial Rounded MT Bold" pitchFamily="34" charset="0"/>
                 <a:cs typeface="Arial" pitchFamily="34" charset="0"/>
               </a:rPr>
               <a:t>llevaron a un desenlace de eventos que </a:t>
             </a:r>
             <a:r>
-              <a:rPr lang="es-VE" sz="2000" dirty="0" smtClean="0">
+              <a:rPr lang="es-VE" sz="2000" dirty="0">
                 <a:solidFill>
                   <a:srgbClr val="C00000"/>
                 </a:solidFill>
@@ -11098,21 +10494,21 @@
               <a:t>afectaron a Faraón y su casa</a:t>
             </a:r>
             <a:r>
-              <a:rPr lang="es-VE" sz="2000" dirty="0" smtClean="0">
+              <a:rPr lang="es-VE" sz="2000" dirty="0">
                 <a:latin typeface="Arial Rounded MT Bold" pitchFamily="34" charset="0"/>
                 <a:cs typeface="Arial" pitchFamily="34" charset="0"/>
               </a:rPr>
               <a:t>,  debido a que Faraón estuvo en ocasión de tomar a </a:t>
             </a:r>
             <a:r>
-              <a:rPr lang="es-VE" sz="2000" dirty="0" err="1" smtClean="0">
+              <a:rPr lang="es-VE" sz="2000" dirty="0" err="1">
                 <a:latin typeface="Arial Rounded MT Bold" pitchFamily="34" charset="0"/>
                 <a:cs typeface="Arial" pitchFamily="34" charset="0"/>
               </a:rPr>
               <a:t>Sarai</a:t>
             </a:r>
             <a:r>
-              <a:rPr lang="es-VE" sz="2000" dirty="0" smtClean="0">
+              <a:rPr lang="es-VE" sz="2000" dirty="0">
                 <a:latin typeface="Arial Rounded MT Bold" pitchFamily="34" charset="0"/>
                 <a:cs typeface="Arial" pitchFamily="34" charset="0"/>
               </a:rPr>
@@ -11133,21 +10529,21 @@
               <a:buNone/>
             </a:pPr>
             <a:r>
-              <a:rPr lang="es-VE" sz="2000" dirty="0" smtClean="0">
+              <a:rPr lang="es-VE" sz="2000" dirty="0">
                 <a:latin typeface="Arial Rounded MT Bold" pitchFamily="34" charset="0"/>
                 <a:cs typeface="Arial" pitchFamily="34" charset="0"/>
               </a:rPr>
               <a:t>Dios en su infinita misericordia libró a Abram, </a:t>
             </a:r>
             <a:r>
-              <a:rPr lang="es-VE" sz="2000" dirty="0" err="1" smtClean="0">
+              <a:rPr lang="es-VE" sz="2000" dirty="0" err="1">
                 <a:latin typeface="Arial Rounded MT Bold" pitchFamily="34" charset="0"/>
                 <a:cs typeface="Arial" pitchFamily="34" charset="0"/>
               </a:rPr>
               <a:t>Sarai</a:t>
             </a:r>
             <a:r>
-              <a:rPr lang="es-VE" sz="2000" dirty="0" smtClean="0">
+              <a:rPr lang="es-VE" sz="2000" dirty="0">
                 <a:latin typeface="Arial Rounded MT Bold" pitchFamily="34" charset="0"/>
                 <a:cs typeface="Arial" pitchFamily="34" charset="0"/>
               </a:rPr>
@@ -11168,32 +10564,45 @@
               <a:buNone/>
             </a:pPr>
             <a:r>
-              <a:rPr lang="es-VE" sz="2000" dirty="0" smtClean="0">
+              <a:rPr lang="es-VE" sz="2000" dirty="0">
                 <a:latin typeface="Arial Rounded MT Bold" pitchFamily="34" charset="0"/>
                 <a:cs typeface="Arial" pitchFamily="34" charset="0"/>
               </a:rPr>
               <a:t>Todo esto llevo a que Faraón enviara gente para que acompañaran a Abram y </a:t>
             </a:r>
             <a:r>
-              <a:rPr lang="es-VE" sz="2000" dirty="0" err="1" smtClean="0">
+              <a:rPr lang="es-VE" sz="2000" dirty="0" err="1">
                 <a:latin typeface="Arial Rounded MT Bold" pitchFamily="34" charset="0"/>
                 <a:cs typeface="Arial" pitchFamily="34" charset="0"/>
               </a:rPr>
               <a:t>Sarai</a:t>
             </a:r>
             <a:r>
-              <a:rPr lang="es-VE" sz="2000" dirty="0" smtClean="0">
+              <a:rPr lang="es-VE" sz="2000" dirty="0">
                 <a:latin typeface="Arial Rounded MT Bold" pitchFamily="34" charset="0"/>
                 <a:cs typeface="Arial" pitchFamily="34" charset="0"/>
               </a:rPr>
-              <a:t> para abandonar la tierra de Egipto</a:t>
-            </a:r>
-            <a:r>
-              <a:rPr lang="es-VE" sz="2000" dirty="0">
+              <a:t> para abandonar la tierra de Egipto. </a:t>
+            </a:r>
+            <a:r>
+              <a:rPr lang="es-VE" sz="2000" b="1" dirty="0">
+                <a:solidFill>
+                  <a:srgbClr val="006030"/>
+                </a:solidFill>
                 <a:latin typeface="Arial Rounded MT Bold" pitchFamily="34" charset="0"/>
                 <a:cs typeface="Arial" pitchFamily="34" charset="0"/>
               </a:rPr>
-              <a:t>. </a:t>
+              <a:t>(</a:t>
+            </a:r>
+            <a:r>
+              <a:rPr lang="es-VE" sz="2000" b="1" dirty="0" err="1">
+                <a:solidFill>
+                  <a:srgbClr val="006030"/>
+                </a:solidFill>
+                <a:latin typeface="Arial Rounded MT Bold" pitchFamily="34" charset="0"/>
+                <a:cs typeface="Arial" pitchFamily="34" charset="0"/>
+              </a:rPr>
+              <a:t>Gén</a:t>
             </a:r>
             <a:r>
               <a:rPr lang="es-VE" sz="2000" b="1" dirty="0">
@@ -11203,37 +10612,7 @@
                 <a:latin typeface="Arial Rounded MT Bold" pitchFamily="34" charset="0"/>
                 <a:cs typeface="Arial" pitchFamily="34" charset="0"/>
               </a:rPr>
-              <a:t>(</a:t>
-            </a:r>
-            <a:r>
-              <a:rPr lang="es-VE" sz="2000" b="1" dirty="0" err="1">
-                <a:solidFill>
-                  <a:srgbClr val="006030"/>
-                </a:solidFill>
-                <a:latin typeface="Arial Rounded MT Bold" pitchFamily="34" charset="0"/>
-                <a:cs typeface="Arial" pitchFamily="34" charset="0"/>
-              </a:rPr>
-              <a:t>Gén</a:t>
-            </a:r>
-            <a:r>
-              <a:rPr lang="es-VE" sz="2000" b="1" dirty="0">
-                <a:solidFill>
-                  <a:srgbClr val="006030"/>
-                </a:solidFill>
-                <a:latin typeface="Arial Rounded MT Bold" pitchFamily="34" charset="0"/>
-                <a:cs typeface="Arial" pitchFamily="34" charset="0"/>
-              </a:rPr>
-              <a:t> </a:t>
-            </a:r>
-            <a:r>
-              <a:rPr lang="es-VE" sz="2000" b="1" dirty="0" smtClean="0">
-                <a:solidFill>
-                  <a:srgbClr val="006030"/>
-                </a:solidFill>
-                <a:latin typeface="Arial Rounded MT Bold" pitchFamily="34" charset="0"/>
-                <a:cs typeface="Arial" pitchFamily="34" charset="0"/>
-              </a:rPr>
-              <a:t>12:20)</a:t>
+              <a:t> 12:20)</a:t>
             </a:r>
           </a:p>
         </p:txBody>
@@ -11248,13 +10627,6 @@
   <p:clrMapOvr>
     <a:masterClrMapping/>
   </p:clrMapOvr>
-  <p:timing>
-    <p:tnLst>
-      <p:par>
-        <p:cTn id="1" dur="indefinite" restart="never" nodeType="tmRoot"/>
-      </p:par>
-    </p:tnLst>
-  </p:timing>
 </p:sld>
 </file>
 
@@ -11298,16 +10670,12 @@
           <a:lstStyle/>
           <a:p>
             <a:r>
-              <a:rPr lang="es-VE" b="1" dirty="0" smtClean="0">
+              <a:rPr lang="es-VE" b="1" dirty="0">
                 <a:latin typeface="Andalus" pitchFamily="18" charset="-78"/>
                 <a:cs typeface="Andalus" pitchFamily="18" charset="-78"/>
               </a:rPr>
               <a:t>Conclusión</a:t>
             </a:r>
-            <a:endParaRPr lang="es-VE" b="1" dirty="0">
-              <a:latin typeface="Andalus" pitchFamily="18" charset="-78"/>
-              <a:cs typeface="Andalus" pitchFamily="18" charset="-78"/>
-            </a:endParaRPr>
           </a:p>
         </p:txBody>
       </p:sp>
@@ -11337,16 +10705,10 @@
               <a:buNone/>
             </a:pPr>
             <a:r>
-              <a:rPr lang="es-VE" sz="1800" dirty="0" smtClean="0">
-                <a:latin typeface="Arial Rounded MT Bold" pitchFamily="34" charset="0"/>
-              </a:rPr>
-              <a:t>Uno </a:t>
-            </a:r>
-            <a:r>
               <a:rPr lang="es-VE" sz="1800" dirty="0">
                 <a:latin typeface="Arial Rounded MT Bold" pitchFamily="34" charset="0"/>
               </a:rPr>
-              <a:t>hubiera pensado que Abram aprendió de este error, </a:t>
+              <a:t>Uno hubiera pensado que Abram aprendió de este error, </a:t>
             </a:r>
             <a:r>
               <a:rPr lang="es-VE" sz="1800" b="1" dirty="0">
@@ -11358,7 +10720,7 @@
               <a:t>pero veremos más adelante que cometerá la mismísima falta</a:t>
             </a:r>
             <a:r>
-              <a:rPr lang="es-VE" sz="1800" dirty="0" smtClean="0">
+              <a:rPr lang="es-VE" sz="1800" dirty="0">
                 <a:latin typeface="Arial Rounded MT Bold" pitchFamily="34" charset="0"/>
               </a:rPr>
               <a:t>…</a:t>
@@ -11368,7 +10730,7 @@
             <a:pPr marL="0" indent="0">
               <a:buNone/>
             </a:pPr>
-            <a:endParaRPr lang="es-VE" sz="1800" dirty="0" smtClean="0">
+            <a:endParaRPr lang="es-VE" sz="1800" dirty="0">
               <a:latin typeface="Arial Rounded MT Bold" pitchFamily="34" charset="0"/>
             </a:endParaRPr>
           </a:p>
@@ -11377,7 +10739,7 @@
               <a:buNone/>
             </a:pPr>
             <a:r>
-              <a:rPr lang="es-VE" sz="2000" b="1" dirty="0" smtClean="0">
+              <a:rPr lang="es-VE" sz="2000" b="1" dirty="0">
                 <a:solidFill>
                   <a:srgbClr val="C00000"/>
                 </a:solidFill>
@@ -11386,7 +10748,7 @@
               <a:t>¿Qué hubiera sido lo correcto en esa situación?</a:t>
             </a:r>
             <a:r>
-              <a:rPr lang="es-VE" sz="2000" dirty="0" smtClean="0">
+              <a:rPr lang="es-VE" sz="2000" dirty="0">
                 <a:latin typeface="Arial Rounded MT Bold" pitchFamily="34" charset="0"/>
               </a:rPr>
               <a:t>  </a:t>
@@ -11397,40 +10759,19 @@
           </a:p>
           <a:p>
             <a:r>
-              <a:rPr lang="es-VE" sz="1800" dirty="0" smtClean="0">
-                <a:latin typeface="Arial Rounded MT Bold" pitchFamily="34" charset="0"/>
-              </a:rPr>
-              <a:t>No </a:t>
-            </a:r>
-            <a:r>
               <a:rPr lang="es-VE" sz="1800" dirty="0">
                 <a:latin typeface="Arial Rounded MT Bold" pitchFamily="34" charset="0"/>
               </a:rPr>
-              <a:t>salirse de la voluntad de Dios, porque nos exponemos. </a:t>
-            </a:r>
-            <a:endParaRPr lang="es-VE" sz="1800" dirty="0" smtClean="0">
-              <a:latin typeface="Arial Rounded MT Bold" pitchFamily="34" charset="0"/>
-            </a:endParaRPr>
+              <a:t>No salirse de la voluntad de Dios, porque nos exponemos. </a:t>
+            </a:r>
           </a:p>
           <a:p>
             <a:pPr marL="274320" lvl="2" indent="-274320"/>
             <a:r>
-              <a:rPr lang="es-VE" sz="1800" dirty="0" smtClean="0">
-                <a:latin typeface="Arial Rounded MT Bold" pitchFamily="34" charset="0"/>
-              </a:rPr>
-              <a:t>Confiar </a:t>
-            </a:r>
-            <a:r>
               <a:rPr lang="es-VE" sz="1800" dirty="0">
                 <a:latin typeface="Arial Rounded MT Bold" pitchFamily="34" charset="0"/>
               </a:rPr>
-              <a:t>en Dios, y no en nuestra propia astucia</a:t>
-            </a:r>
-            <a:r>
-              <a:rPr lang="es-VE" sz="1800" dirty="0" smtClean="0">
-                <a:latin typeface="Arial Rounded MT Bold" pitchFamily="34" charset="0"/>
-              </a:rPr>
-              <a:t>. </a:t>
+              <a:t>Confiar en Dios, y no en nuestra propia astucia. </a:t>
             </a:r>
             <a:r>
               <a:rPr lang="es-VE" sz="1600" b="1" dirty="0">
@@ -11439,16 +10780,7 @@
                 </a:solidFill>
                 <a:latin typeface="Arial Rounded MT Bold" pitchFamily="34" charset="0"/>
               </a:rPr>
-              <a:t>(Proverbios 3:5-7</a:t>
-            </a:r>
-            <a:r>
-              <a:rPr lang="es-VE" sz="1600" b="1" dirty="0" smtClean="0">
-                <a:solidFill>
-                  <a:srgbClr val="006030"/>
-                </a:solidFill>
-                <a:latin typeface="Arial Rounded MT Bold" pitchFamily="34" charset="0"/>
-              </a:rPr>
-              <a:t>)</a:t>
+              <a:t>(Proverbios 3:5-7)</a:t>
             </a:r>
             <a:endParaRPr lang="es-VE" sz="1800" dirty="0">
               <a:latin typeface="Arial Rounded MT Bold" pitchFamily="34" charset="0"/>
@@ -11458,7 +10790,7 @@
             <a:pPr marL="0" indent="0" algn="ctr">
               <a:buNone/>
             </a:pPr>
-            <a:endParaRPr lang="es-VE" sz="1800" dirty="0" smtClean="0">
+            <a:endParaRPr lang="es-VE" sz="1800" dirty="0">
               <a:latin typeface="Arial Rounded MT Bold" pitchFamily="34" charset="0"/>
             </a:endParaRPr>
           </a:p>
@@ -11467,16 +10799,10 @@
               <a:buNone/>
             </a:pPr>
             <a:r>
-              <a:rPr lang="es-VE" sz="1800" dirty="0" smtClean="0">
-                <a:latin typeface="Arial Rounded MT Bold" pitchFamily="34" charset="0"/>
-              </a:rPr>
-              <a:t>La </a:t>
-            </a:r>
-            <a:r>
               <a:rPr lang="es-VE" sz="1800" dirty="0">
                 <a:latin typeface="Arial Rounded MT Bold" pitchFamily="34" charset="0"/>
               </a:rPr>
-              <a:t>clave está en confiar en Dios.  Pero </a:t>
+              <a:t>La clave está en confiar en Dios.  Pero </a:t>
             </a:r>
             <a:r>
               <a:rPr lang="es-VE" sz="1800" b="1" dirty="0">
@@ -11491,19 +10817,7 @@
               <a:rPr lang="es-VE" sz="1800" dirty="0">
                 <a:latin typeface="Arial Rounded MT Bold" pitchFamily="34" charset="0"/>
               </a:rPr>
-              <a:t>.  </a:t>
-            </a:r>
-            <a:r>
-              <a:rPr lang="es-VE" sz="1800" dirty="0" smtClean="0">
-                <a:latin typeface="Arial Rounded MT Bold" pitchFamily="34" charset="0"/>
-              </a:rPr>
-              <a:t>La </a:t>
-            </a:r>
-            <a:r>
-              <a:rPr lang="es-VE" sz="1800" dirty="0">
-                <a:latin typeface="Arial Rounded MT Bold" pitchFamily="34" charset="0"/>
-              </a:rPr>
-              <a:t>obediencia trae seguridad, más la desobediencia inseguridad. Todo comienza con permanecer en el propósito de Dios.</a:t>
+              <a:t>.  La obediencia trae seguridad, más la desobediencia inseguridad. Todo comienza con permanecer en el propósito de Dios.</a:t>
             </a:r>
             <a:endParaRPr lang="en-US" sz="1800" dirty="0">
               <a:latin typeface="Arial Rounded MT Bold" pitchFamily="34" charset="0"/>
@@ -11521,13 +10835,6 @@
   <p:clrMapOvr>
     <a:masterClrMapping/>
   </p:clrMapOvr>
-  <p:timing>
-    <p:tnLst>
-      <p:par>
-        <p:cTn id="1" dur="indefinite" restart="never" nodeType="tmRoot"/>
-      </p:par>
-    </p:tnLst>
-  </p:timing>
 </p:sld>
 </file>
 
@@ -11574,7 +10881,7 @@
               <a:buNone/>
             </a:pPr>
             <a:r>
-              <a:rPr lang="es-VE" sz="6000" b="1" dirty="0" smtClean="0">
+              <a:rPr lang="es-VE" sz="6000" b="1" dirty="0">
                 <a:solidFill>
                   <a:schemeClr val="accent1">
                     <a:lumMod val="75000"/>
@@ -11585,7 +10892,7 @@
               </a:rPr>
               <a:t>Panorama del libro de Génesis</a:t>
             </a:r>
-            <a:endParaRPr lang="es-VE" sz="1200" b="1" dirty="0" smtClean="0">
+            <a:endParaRPr lang="es-VE" sz="1200" b="1" dirty="0">
               <a:latin typeface="Andalus" pitchFamily="18" charset="-78"/>
               <a:cs typeface="Andalus" pitchFamily="18" charset="-78"/>
             </a:endParaRPr>
@@ -11594,7 +10901,7 @@
             <a:pPr marL="0" indent="0">
               <a:buNone/>
             </a:pPr>
-            <a:endParaRPr lang="es-VE" sz="1100" b="1" dirty="0" smtClean="0">
+            <a:endParaRPr lang="es-VE" sz="1100" b="1" dirty="0">
               <a:solidFill>
                 <a:schemeClr val="accent1">
                   <a:lumMod val="75000"/>
@@ -11608,7 +10915,7 @@
               <a:buNone/>
             </a:pPr>
             <a:r>
-              <a:rPr lang="es-VE" sz="2800" b="1" dirty="0" smtClean="0">
+              <a:rPr lang="es-VE" sz="2800" b="1" dirty="0">
                 <a:solidFill>
                   <a:schemeClr val="accent1">
                     <a:lumMod val="75000"/>
@@ -11616,10 +10923,10 @@
                 </a:solidFill>
                 <a:latin typeface="Arial Rounded MT Bold" pitchFamily="34" charset="0"/>
               </a:rPr>
-              <a:t>Capítulos </a:t>
-            </a:r>
-            <a:r>
-              <a:rPr lang="es-VE" sz="2800" b="1" dirty="0">
+              <a:t>Capítulos 1 al 11:26:</a:t>
+            </a:r>
+            <a:r>
+              <a:rPr lang="es-VE" sz="2800" dirty="0">
                 <a:solidFill>
                   <a:schemeClr val="accent1">
                     <a:lumMod val="75000"/>
@@ -11627,47 +10934,13 @@
                 </a:solidFill>
                 <a:latin typeface="Arial Rounded MT Bold" pitchFamily="34" charset="0"/>
               </a:rPr>
-              <a:t>1 al </a:t>
-            </a:r>
-            <a:r>
-              <a:rPr lang="es-VE" sz="2800" b="1" dirty="0" smtClean="0">
-                <a:solidFill>
-                  <a:schemeClr val="accent1">
-                    <a:lumMod val="75000"/>
-                  </a:schemeClr>
-                </a:solidFill>
-                <a:latin typeface="Arial Rounded MT Bold" pitchFamily="34" charset="0"/>
-              </a:rPr>
-              <a:t>11:26:</a:t>
-            </a:r>
-            <a:r>
-              <a:rPr lang="es-VE" sz="2800" dirty="0" smtClean="0">
-                <a:solidFill>
-                  <a:schemeClr val="accent1">
-                    <a:lumMod val="75000"/>
-                  </a:schemeClr>
-                </a:solidFill>
-                <a:latin typeface="Arial Rounded MT Bold" pitchFamily="34" charset="0"/>
-              </a:rPr>
               <a:t> </a:t>
             </a:r>
             <a:r>
-              <a:rPr lang="es-VE" sz="2800" dirty="0" smtClean="0">
-                <a:latin typeface="Arial Rounded MT Bold" pitchFamily="34" charset="0"/>
-              </a:rPr>
-              <a:t>trata </a:t>
-            </a:r>
-            <a:r>
               <a:rPr lang="es-VE" sz="2800" dirty="0">
                 <a:latin typeface="Arial Rounded MT Bold" pitchFamily="34" charset="0"/>
               </a:rPr>
-              <a:t>sobre la historia de toda la </a:t>
-            </a:r>
-            <a:r>
-              <a:rPr lang="es-VE" sz="2800" dirty="0" smtClean="0">
-                <a:latin typeface="Arial Rounded MT Bold" pitchFamily="34" charset="0"/>
-              </a:rPr>
-              <a:t>humanidad</a:t>
+              <a:t>trata sobre la historia de toda la humanidad</a:t>
             </a:r>
             <a:endParaRPr lang="es-VE" sz="1000" dirty="0">
               <a:latin typeface="Arial Rounded MT Bold" pitchFamily="34" charset="0"/>
@@ -11677,7 +10950,7 @@
             <a:pPr marL="0" indent="0">
               <a:buNone/>
             </a:pPr>
-            <a:endParaRPr lang="es-VE" sz="1000" b="1" dirty="0" smtClean="0">
+            <a:endParaRPr lang="es-VE" sz="1000" b="1" dirty="0">
               <a:solidFill>
                 <a:schemeClr val="accent1">
                   <a:lumMod val="75000"/>
@@ -11691,7 +10964,7 @@
               <a:buNone/>
             </a:pPr>
             <a:r>
-              <a:rPr lang="es-VE" sz="2800" b="1" dirty="0" smtClean="0">
+              <a:rPr lang="es-VE" sz="2800" b="1" dirty="0">
                 <a:solidFill>
                   <a:schemeClr val="accent1">
                     <a:lumMod val="75000"/>
@@ -11699,41 +10972,37 @@
                 </a:solidFill>
                 <a:latin typeface="Arial Rounded MT Bold" pitchFamily="34" charset="0"/>
               </a:rPr>
-              <a:t>Capítulos </a:t>
-            </a:r>
-            <a:r>
-              <a:rPr lang="es-VE" sz="2800" b="1" dirty="0">
-                <a:solidFill>
-                  <a:schemeClr val="accent1">
-                    <a:lumMod val="75000"/>
-                  </a:schemeClr>
-                </a:solidFill>
-                <a:latin typeface="Arial Rounded MT Bold" pitchFamily="34" charset="0"/>
-              </a:rPr>
-              <a:t>11:27 al </a:t>
-            </a:r>
-            <a:r>
-              <a:rPr lang="es-VE" sz="2800" b="1" dirty="0" smtClean="0">
-                <a:solidFill>
-                  <a:schemeClr val="accent1">
-                    <a:lumMod val="75000"/>
-                  </a:schemeClr>
-                </a:solidFill>
-                <a:latin typeface="Arial Rounded MT Bold" pitchFamily="34" charset="0"/>
-              </a:rPr>
-              <a:t>50: </a:t>
-            </a:r>
-            <a:r>
-              <a:rPr lang="es-VE" sz="2800" dirty="0" smtClean="0">
-                <a:latin typeface="Arial Rounded MT Bold" pitchFamily="34" charset="0"/>
-              </a:rPr>
-              <a:t>la </a:t>
+              <a:t>Capítulos 11:27 al 50: </a:t>
             </a:r>
             <a:r>
               <a:rPr lang="es-VE" sz="2800" dirty="0">
                 <a:latin typeface="Arial Rounded MT Bold" pitchFamily="34" charset="0"/>
               </a:rPr>
-              <a:t>historia se enfoca en una familia en particular: Abram y su descendencia.</a:t>
+              <a:t>la historia se enfoca en una familia en particular: </a:t>
+            </a:r>
+            <a:r>
+              <a:rPr lang="es-VE" sz="2800" u="sng" dirty="0">
+                <a:latin typeface="Arial Rounded MT Bold" pitchFamily="34" charset="0"/>
+              </a:rPr>
+              <a:t>Abram</a:t>
+            </a:r>
+            <a:r>
+              <a:rPr lang="es-VE" sz="2800" dirty="0">
+                <a:latin typeface="Arial Rounded MT Bold" pitchFamily="34" charset="0"/>
+              </a:rPr>
+              <a:t> y su </a:t>
+            </a:r>
+            <a:r>
+              <a:rPr lang="es-VE" sz="2800" u="sng" dirty="0">
+                <a:latin typeface="Arial Rounded MT Bold" pitchFamily="34" charset="0"/>
+              </a:rPr>
+              <a:t>descendencia</a:t>
+            </a:r>
+            <a:r>
+              <a:rPr lang="es-VE" sz="2800" dirty="0">
+                <a:latin typeface="Arial Rounded MT Bold" pitchFamily="34" charset="0"/>
+              </a:rPr>
+              <a:t>.</a:t>
             </a:r>
           </a:p>
         </p:txBody>
@@ -11748,13 +11017,6 @@
   <p:clrMapOvr>
     <a:masterClrMapping/>
   </p:clrMapOvr>
-  <p:timing>
-    <p:tnLst>
-      <p:par>
-        <p:cTn id="1" dur="indefinite" restart="never" nodeType="tmRoot"/>
-      </p:par>
-    </p:tnLst>
-  </p:timing>
 </p:sld>
 </file>
 
@@ -11787,7 +11049,7 @@
         </p:nvSpPr>
         <p:spPr>
           <a:xfrm>
-            <a:off x="762000" y="3810000"/>
+            <a:off x="762000" y="337215"/>
             <a:ext cx="7482408" cy="1333500"/>
           </a:xfrm>
         </p:spPr>
@@ -11798,43 +11060,76 @@
           <a:lstStyle/>
           <a:p>
             <a:r>
-              <a:rPr lang="es-VE" b="1" dirty="0" smtClean="0">
+              <a:rPr lang="es-VE" sz="4400" b="1" dirty="0">
                 <a:latin typeface="Andalus" pitchFamily="18" charset="-78"/>
                 <a:cs typeface="Andalus" pitchFamily="18" charset="-78"/>
               </a:rPr>
               <a:t>1. DESCENDENCIA DE TARÉ</a:t>
             </a:r>
             <a:br>
-              <a:rPr lang="es-VE" b="1" dirty="0" smtClean="0">
+              <a:rPr lang="es-VE" b="1" dirty="0">
                 <a:latin typeface="Andalus" pitchFamily="18" charset="-78"/>
                 <a:cs typeface="Andalus" pitchFamily="18" charset="-78"/>
               </a:rPr>
             </a:br>
             <a:r>
-              <a:rPr lang="es-VE" sz="2000" dirty="0" smtClean="0">
+              <a:rPr lang="es-VE" sz="2000" dirty="0">
                 <a:latin typeface="Andalus" pitchFamily="18" charset="-78"/>
                 <a:cs typeface="Andalus" pitchFamily="18" charset="-78"/>
               </a:rPr>
               <a:t>En la genealogía de </a:t>
             </a:r>
             <a:r>
-              <a:rPr lang="es-VE" sz="2000" dirty="0" err="1" smtClean="0">
+              <a:rPr lang="es-VE" sz="2000" dirty="0" err="1">
                 <a:latin typeface="Andalus" pitchFamily="18" charset="-78"/>
                 <a:cs typeface="Andalus" pitchFamily="18" charset="-78"/>
               </a:rPr>
               <a:t>Sem</a:t>
             </a:r>
             <a:r>
-              <a:rPr lang="es-VE" sz="2000" dirty="0" smtClean="0">
+              <a:rPr lang="es-VE" sz="2000" dirty="0">
                 <a:latin typeface="Andalus" pitchFamily="18" charset="-78"/>
                 <a:cs typeface="Andalus" pitchFamily="18" charset="-78"/>
               </a:rPr>
-              <a:t> (Génesis 11:24), se hace una mención especial de Taré, quien era padre de Abram.</a:t>
-            </a:r>
-            <a:endParaRPr lang="es-VE" sz="2000" dirty="0">
-              <a:latin typeface="Andalus" pitchFamily="18" charset="-78"/>
-              <a:cs typeface="Andalus" pitchFamily="18" charset="-78"/>
-            </a:endParaRPr>
+              <a:t> </a:t>
+            </a:r>
+            <a:r>
+              <a:rPr lang="es-VE" sz="2000" b="1" dirty="0">
+                <a:solidFill>
+                  <a:schemeClr val="accent1"/>
+                </a:solidFill>
+                <a:latin typeface="Andalus" pitchFamily="18" charset="-78"/>
+                <a:cs typeface="Andalus" pitchFamily="18" charset="-78"/>
+              </a:rPr>
+              <a:t>[</a:t>
+            </a:r>
+            <a:r>
+              <a:rPr lang="es-VE" sz="2000" b="1" dirty="0" err="1">
+                <a:solidFill>
+                  <a:schemeClr val="accent1"/>
+                </a:solidFill>
+                <a:latin typeface="Andalus" pitchFamily="18" charset="-78"/>
+                <a:cs typeface="Andalus" pitchFamily="18" charset="-78"/>
+              </a:rPr>
+              <a:t>Gn</a:t>
+            </a:r>
+            <a:r>
+              <a:rPr lang="es-VE" sz="2000" b="1" dirty="0">
+                <a:solidFill>
+                  <a:schemeClr val="accent1"/>
+                </a:solidFill>
+                <a:latin typeface="Andalus" pitchFamily="18" charset="-78"/>
+                <a:cs typeface="Andalus" pitchFamily="18" charset="-78"/>
+              </a:rPr>
+              <a:t> 11:24-32]</a:t>
+            </a:r>
+            <a:r>
+              <a:rPr lang="es-VE" sz="2000" dirty="0">
+                <a:latin typeface="Andalus" pitchFamily="18" charset="-78"/>
+                <a:cs typeface="Andalus" pitchFamily="18" charset="-78"/>
+              </a:rPr>
+              <a:t>, se hace una mención especial de Taré, quien era padre de Abram.</a:t>
+            </a:r>
           </a:p>
         </p:txBody>
       </p:sp>
@@ -11848,14 +11143,14 @@
             <p:ph idx="1"/>
             <p:extLst>
               <p:ext uri="{D42A27DB-BD31-4B8C-83A1-F6EECF244321}">
-                <p14:modId xmlns:p14="http://schemas.microsoft.com/office/powerpoint/2010/main" val="2197908942"/>
+                <p14:modId xmlns:p14="http://schemas.microsoft.com/office/powerpoint/2010/main" val="1527636107"/>
               </p:ext>
             </p:extLst>
           </p:nvPr>
         </p:nvGraphicFramePr>
         <p:xfrm>
-          <a:off x="755576" y="409228"/>
-          <a:ext cx="7543800" cy="3168352"/>
+          <a:off x="1547664" y="1849388"/>
+          <a:ext cx="5976664" cy="3096344"/>
         </p:xfrm>
         <a:graphic>
           <a:graphicData uri="http://schemas.openxmlformats.org/drawingml/2006/diagram">
@@ -11873,13 +11168,6 @@
   <p:clrMapOvr>
     <a:masterClrMapping/>
   </p:clrMapOvr>
-  <p:timing>
-    <p:tnLst>
-      <p:par>
-        <p:cTn id="1" dur="indefinite" restart="never" nodeType="tmRoot"/>
-      </p:par>
-    </p:tnLst>
-  </p:timing>
 </p:sld>
 </file>
 
@@ -11910,28 +11198,26 @@
             <p:ph type="title"/>
           </p:nvPr>
         </p:nvSpPr>
-        <p:spPr/>
+        <p:spPr>
+          <a:xfrm>
+            <a:off x="762000" y="337220"/>
+            <a:ext cx="7543800" cy="576064"/>
+          </a:xfrm>
+        </p:spPr>
         <p:txBody>
-          <a:bodyPr>
-            <a:normAutofit fontScale="90000"/>
+          <a:bodyPr anchor="ctr">
+            <a:noAutofit/>
           </a:bodyPr>
           <a:lstStyle/>
           <a:p>
             <a:r>
-              <a:rPr lang="es-VE" b="1" dirty="0" smtClean="0">
+              <a:rPr lang="es-VE" sz="4400" b="1" dirty="0">
                 <a:latin typeface="Andalus" pitchFamily="18" charset="-78"/>
                 <a:cs typeface="Andalus" pitchFamily="18" charset="-78"/>
               </a:rPr>
-              <a:t>2. LLAMADO </a:t>
-            </a:r>
-            <a:r>
-              <a:rPr lang="es-VE" b="1" dirty="0">
-                <a:latin typeface="Andalus" pitchFamily="18" charset="-78"/>
-                <a:cs typeface="Andalus" pitchFamily="18" charset="-78"/>
-              </a:rPr>
-              <a:t>DE ABRAM</a:t>
-            </a:r>
-            <a:endParaRPr lang="es-VE" dirty="0">
+              <a:t>2. LLAMADO DE ABRAM</a:t>
+            </a:r>
+            <a:endParaRPr lang="es-VE" sz="4400" dirty="0">
               <a:latin typeface="Andalus" pitchFamily="18" charset="-78"/>
               <a:cs typeface="Andalus" pitchFamily="18" charset="-78"/>
             </a:endParaRPr>
@@ -11948,10 +11234,15 @@
             <p:ph idx="1"/>
           </p:nvPr>
         </p:nvSpPr>
-        <p:spPr/>
+        <p:spPr>
+          <a:xfrm>
+            <a:off x="762000" y="1313394"/>
+            <a:ext cx="7543800" cy="3848362"/>
+          </a:xfrm>
+        </p:spPr>
         <p:txBody>
           <a:bodyPr>
-            <a:normAutofit fontScale="92500" lnSpcReduction="10000"/>
+            <a:normAutofit/>
           </a:bodyPr>
           <a:lstStyle/>
           <a:p>
@@ -11959,12 +11250,12 @@
               <a:buNone/>
             </a:pPr>
             <a:r>
-              <a:rPr lang="es-VE" dirty="0">
-                <a:latin typeface="Arial Rounded MT Bold" pitchFamily="34" charset="0"/>
-              </a:rPr>
-              <a:t>Es como si Dios le estuviere diciendo que debía irse de todo lo que le era conocido y familiar hasta ese momento.</a:t>
-            </a:r>
-            <a:endParaRPr lang="en-US" dirty="0">
+              <a:rPr lang="es-VE" sz="2000" dirty="0">
+                <a:latin typeface="Arial Rounded MT Bold" pitchFamily="34" charset="0"/>
+              </a:rPr>
+              <a:t>Dios le ordeno a Abram que debía irse de todo lo que le era conocido y familiar hasta ese momento.</a:t>
+            </a:r>
+            <a:endParaRPr lang="en-US" sz="2000" dirty="0">
               <a:latin typeface="Arial Rounded MT Bold" pitchFamily="34" charset="0"/>
             </a:endParaRPr>
           </a:p>
@@ -11972,7 +11263,7 @@
             <a:pPr marL="0" indent="0">
               <a:buNone/>
             </a:pPr>
-            <a:endParaRPr lang="es-VE" b="1" dirty="0" smtClean="0">
+            <a:endParaRPr lang="es-VE" sz="2000" b="1" dirty="0">
               <a:latin typeface="Arial Rounded MT Bold" pitchFamily="34" charset="0"/>
             </a:endParaRPr>
           </a:p>
@@ -11981,37 +11272,42 @@
               <a:buNone/>
             </a:pPr>
             <a:r>
-              <a:rPr lang="es-VE" b="1" dirty="0" smtClean="0">
-                <a:solidFill>
-                  <a:schemeClr val="bg2">
-                    <a:lumMod val="25000"/>
-                  </a:schemeClr>
-                </a:solidFill>
-                <a:latin typeface="Arial Rounded MT Bold" pitchFamily="34" charset="0"/>
-              </a:rPr>
-              <a:t>2.1</a:t>
-            </a:r>
-            <a:r>
-              <a:rPr lang="es-VE" b="1" dirty="0">
-                <a:solidFill>
-                  <a:schemeClr val="bg2">
-                    <a:lumMod val="25000"/>
-                  </a:schemeClr>
-                </a:solidFill>
-                <a:latin typeface="Arial Rounded MT Bold" pitchFamily="34" charset="0"/>
-              </a:rPr>
-              <a:t> </a:t>
-            </a:r>
-            <a:r>
-              <a:rPr lang="es-VE" b="1" dirty="0">
+              <a:rPr lang="es-VE" sz="2000" b="1" dirty="0">
                 <a:solidFill>
                   <a:schemeClr val="accent1"/>
                 </a:solidFill>
                 <a:latin typeface="Arial Rounded MT Bold" pitchFamily="34" charset="0"/>
               </a:rPr>
-              <a:t>¿De qué debía irse?</a:t>
-            </a:r>
-            <a:endParaRPr lang="en-US" dirty="0">
+              <a:t>¿De qué debía irse? </a:t>
+            </a:r>
+            <a:r>
+              <a:rPr lang="en-US" sz="2000" b="1" dirty="0">
+                <a:solidFill>
+                  <a:schemeClr val="accent1"/>
+                </a:solidFill>
+                <a:latin typeface="Arial Rounded MT Bold" pitchFamily="34" charset="0"/>
+              </a:rPr>
+              <a:t>[</a:t>
+            </a:r>
+            <a:r>
+              <a:rPr lang="en-US" sz="2000" b="1" dirty="0" err="1">
+                <a:solidFill>
+                  <a:schemeClr val="accent1"/>
+                </a:solidFill>
+                <a:latin typeface="Arial Rounded MT Bold" pitchFamily="34" charset="0"/>
+              </a:rPr>
+              <a:t>Gén</a:t>
+            </a:r>
+            <a:r>
+              <a:rPr lang="en-US" sz="2000" b="1" dirty="0">
+                <a:solidFill>
+                  <a:schemeClr val="accent1"/>
+                </a:solidFill>
+                <a:latin typeface="Arial Rounded MT Bold" pitchFamily="34" charset="0"/>
+              </a:rPr>
+              <a:t> 12:1]</a:t>
+            </a:r>
+            <a:endParaRPr lang="en-US" sz="2000" dirty="0">
               <a:solidFill>
                 <a:schemeClr val="accent1"/>
               </a:solidFill>
@@ -12019,75 +11315,105 @@
             </a:endParaRPr>
           </a:p>
           <a:p>
-            <a:pPr lvl="0"/>
-            <a:r>
-              <a:rPr lang="es-VE" dirty="0" smtClean="0">
-                <a:latin typeface="Arial Rounded MT Bold" pitchFamily="34" charset="0"/>
-              </a:rPr>
-              <a:t>de </a:t>
-            </a:r>
+            <a:pPr lvl="2"/>
             <a:r>
               <a:rPr lang="es-VE" dirty="0">
                 <a:latin typeface="Arial Rounded MT Bold" pitchFamily="34" charset="0"/>
               </a:rPr>
-              <a:t>tu tierra </a:t>
+              <a:t>de tu tierra.</a:t>
             </a:r>
             <a:endParaRPr lang="en-US" dirty="0">
               <a:latin typeface="Arial Rounded MT Bold" pitchFamily="34" charset="0"/>
             </a:endParaRPr>
           </a:p>
           <a:p>
-            <a:pPr lvl="0"/>
-            <a:r>
-              <a:rPr lang="es-VE" dirty="0" smtClean="0">
-                <a:latin typeface="Arial Rounded MT Bold" pitchFamily="34" charset="0"/>
-              </a:rPr>
-              <a:t>de </a:t>
-            </a:r>
+            <a:pPr lvl="2"/>
             <a:r>
               <a:rPr lang="es-VE" dirty="0">
                 <a:latin typeface="Arial Rounded MT Bold" pitchFamily="34" charset="0"/>
               </a:rPr>
-              <a:t>tu parentela </a:t>
+              <a:t>de tu parentela.</a:t>
             </a:r>
             <a:endParaRPr lang="en-US" dirty="0">
               <a:latin typeface="Arial Rounded MT Bold" pitchFamily="34" charset="0"/>
             </a:endParaRPr>
           </a:p>
           <a:p>
-            <a:pPr lvl="0"/>
-            <a:r>
-              <a:rPr lang="es-VE" dirty="0" smtClean="0">
-                <a:latin typeface="Arial Rounded MT Bold" pitchFamily="34" charset="0"/>
-              </a:rPr>
-              <a:t>de </a:t>
-            </a:r>
+            <a:pPr lvl="2"/>
             <a:r>
               <a:rPr lang="es-VE" dirty="0">
                 <a:latin typeface="Arial Rounded MT Bold" pitchFamily="34" charset="0"/>
               </a:rPr>
-              <a:t>la casa de tu padre </a:t>
+              <a:t>de la casa de tu padre.</a:t>
             </a:r>
             <a:endParaRPr lang="en-US" dirty="0">
               <a:latin typeface="Arial Rounded MT Bold" pitchFamily="34" charset="0"/>
             </a:endParaRPr>
           </a:p>
           <a:p>
-            <a:pPr lvl="0"/>
-            <a:r>
-              <a:rPr lang="es-VE" dirty="0" smtClean="0">
-                <a:latin typeface="Arial Rounded MT Bold" pitchFamily="34" charset="0"/>
-              </a:rPr>
-              <a:t>de </a:t>
-            </a:r>
+            <a:pPr lvl="2"/>
             <a:r>
               <a:rPr lang="es-VE" dirty="0">
                 <a:latin typeface="Arial Rounded MT Bold" pitchFamily="34" charset="0"/>
               </a:rPr>
-              <a:t>lo que había estado haciendo hasta entonces </a:t>
+              <a:t>de lo que había estado haciendo hasta entonces.</a:t>
             </a:r>
             <a:endParaRPr lang="en-US" dirty="0">
               <a:latin typeface="Arial Rounded MT Bold" pitchFamily="34" charset="0"/>
+            </a:endParaRPr>
+          </a:p>
+        </p:txBody>
+      </p:sp>
+      <p:sp>
+        <p:nvSpPr>
+          <p:cNvPr id="4" name="CuadroTexto 3">
+            <a:extLst>
+              <a:ext uri="{FF2B5EF4-FFF2-40B4-BE49-F238E27FC236}">
+                <a16:creationId xmlns:a16="http://schemas.microsoft.com/office/drawing/2014/main" id="{C50E534B-7729-A682-94E6-5DAB1BCA02EF}"/>
+              </a:ext>
+            </a:extLst>
+          </p:cNvPr>
+          <p:cNvSpPr txBox="1"/>
+          <p:nvPr/>
+        </p:nvSpPr>
+        <p:spPr>
+          <a:xfrm>
+            <a:off x="762000" y="913284"/>
+            <a:ext cx="7543800" cy="400110"/>
+          </a:xfrm>
+          <a:prstGeom prst="rect">
+            <a:avLst/>
+          </a:prstGeom>
+          <a:noFill/>
+        </p:spPr>
+        <p:txBody>
+          <a:bodyPr wrap="square" rtlCol="0">
+            <a:spAutoFit/>
+          </a:bodyPr>
+          <a:lstStyle/>
+          <a:p>
+            <a:r>
+              <a:rPr lang="es-VE" sz="2000" b="1" dirty="0">
+                <a:solidFill>
+                  <a:schemeClr val="accent1"/>
+                </a:solidFill>
+                <a:latin typeface="Arial Rounded MT Bold" pitchFamily="34" charset="0"/>
+              </a:rPr>
+              <a:t>2.1. </a:t>
+            </a:r>
+            <a:r>
+              <a:rPr lang="es-419" sz="2000" b="1" dirty="0">
+                <a:solidFill>
+                  <a:schemeClr val="accent1"/>
+                </a:solidFill>
+                <a:latin typeface="Arial Rounded MT Bold" pitchFamily="34" charset="0"/>
+              </a:rPr>
+              <a:t>Dios llama a Abram</a:t>
+            </a:r>
+            <a:endParaRPr lang="es-419" sz="2000" b="1" dirty="0">
+              <a:solidFill>
+                <a:schemeClr val="accent1"/>
+              </a:solidFill>
             </a:endParaRPr>
           </a:p>
         </p:txBody>
@@ -12102,13 +11428,6 @@
   <p:clrMapOvr>
     <a:masterClrMapping/>
   </p:clrMapOvr>
-  <p:timing>
-    <p:tnLst>
-      <p:par>
-        <p:cTn id="1" dur="indefinite" restart="never" nodeType="tmRoot"/>
-      </p:par>
-    </p:tnLst>
-  </p:timing>
 </p:sld>
 </file>
 
@@ -12131,44 +11450,6 @@
       </p:grpSpPr>
       <p:sp>
         <p:nvSpPr>
-          <p:cNvPr id="2" name="1 Título"/>
-          <p:cNvSpPr>
-            <a:spLocks noGrp="1"/>
-          </p:cNvSpPr>
-          <p:nvPr>
-            <p:ph type="title"/>
-          </p:nvPr>
-        </p:nvSpPr>
-        <p:spPr/>
-        <p:txBody>
-          <a:bodyPr>
-            <a:normAutofit fontScale="90000"/>
-          </a:bodyPr>
-          <a:lstStyle/>
-          <a:p>
-            <a:r>
-              <a:rPr lang="es-VE" b="1" dirty="0" smtClean="0">
-                <a:latin typeface="Andalus" pitchFamily="18" charset="-78"/>
-                <a:cs typeface="Andalus" pitchFamily="18" charset="-78"/>
-              </a:rPr>
-              <a:t>2. LLAMADO </a:t>
-            </a:r>
-            <a:r>
-              <a:rPr lang="es-VE" b="1" dirty="0">
-                <a:latin typeface="Andalus" pitchFamily="18" charset="-78"/>
-                <a:cs typeface="Andalus" pitchFamily="18" charset="-78"/>
-              </a:rPr>
-              <a:t>DE ABRAM</a:t>
-            </a:r>
-            <a:endParaRPr lang="es-VE" dirty="0">
-              <a:latin typeface="Andalus" pitchFamily="18" charset="-78"/>
-              <a:cs typeface="Andalus" pitchFamily="18" charset="-78"/>
-            </a:endParaRPr>
-          </a:p>
-        </p:txBody>
-      </p:sp>
-      <p:sp>
-        <p:nvSpPr>
           <p:cNvPr id="3" name="2 Marcador de contenido"/>
           <p:cNvSpPr>
             <a:spLocks noGrp="1"/>
@@ -12177,7 +11458,12 @@
             <p:ph idx="1"/>
           </p:nvPr>
         </p:nvSpPr>
-        <p:spPr/>
+        <p:spPr>
+          <a:xfrm>
+            <a:off x="762000" y="1313394"/>
+            <a:ext cx="7543800" cy="3848362"/>
+          </a:xfrm>
+        </p:spPr>
         <p:txBody>
           <a:bodyPr>
             <a:noAutofit/>
@@ -12188,97 +11474,277 @@
               <a:buNone/>
             </a:pPr>
             <a:r>
-              <a:rPr lang="es-VE" sz="2800" b="1" dirty="0">
-                <a:solidFill>
-                  <a:schemeClr val="bg2">
-                    <a:lumMod val="25000"/>
-                  </a:schemeClr>
-                </a:solidFill>
-                <a:latin typeface="Arial Rounded MT Bold" pitchFamily="34" charset="0"/>
-              </a:rPr>
-              <a:t>2.2 </a:t>
-            </a:r>
-            <a:r>
-              <a:rPr lang="es-VE" sz="2800" b="1" dirty="0">
+              <a:rPr lang="es-ES" sz="2000" dirty="0">
+                <a:latin typeface="Arial Rounded MT Bold" pitchFamily="34" charset="0"/>
+              </a:rPr>
+              <a:t>Tare fue un idolatra el cual servía a dioses extraños </a:t>
+            </a:r>
+            <a:r>
+              <a:rPr lang="es-ES" sz="2000" dirty="0">
                 <a:solidFill>
                   <a:schemeClr val="accent1"/>
                 </a:solidFill>
                 <a:latin typeface="Arial Rounded MT Bold" pitchFamily="34" charset="0"/>
               </a:rPr>
-              <a:t>El padre de Abram era un hacedor de ídolos</a:t>
-            </a:r>
-            <a:r>
-              <a:rPr lang="es-VE" sz="2800" dirty="0" smtClean="0">
+              <a:t>[Jos 24:2]</a:t>
+            </a:r>
+            <a:r>
+              <a:rPr lang="es-ES" sz="2000" dirty="0">
+                <a:latin typeface="Arial Rounded MT Bold" pitchFamily="34" charset="0"/>
+              </a:rPr>
+              <a:t>, que vivió en </a:t>
+            </a:r>
+            <a:r>
+              <a:rPr lang="es-ES" sz="2000" dirty="0" err="1">
+                <a:latin typeface="Arial Rounded MT Bold" pitchFamily="34" charset="0"/>
+              </a:rPr>
+              <a:t>Ur</a:t>
+            </a:r>
+            <a:r>
+              <a:rPr lang="es-ES" sz="2000" dirty="0">
+                <a:latin typeface="Arial Rounded MT Bold" pitchFamily="34" charset="0"/>
+              </a:rPr>
+              <a:t> de los caldeos donde nacieron sus hijos Abram, </a:t>
+            </a:r>
+            <a:r>
+              <a:rPr lang="es-ES" sz="2000" dirty="0" err="1">
+                <a:latin typeface="Arial Rounded MT Bold" pitchFamily="34" charset="0"/>
+              </a:rPr>
+              <a:t>Nacor</a:t>
+            </a:r>
+            <a:r>
+              <a:rPr lang="es-ES" sz="2000" dirty="0">
+                <a:latin typeface="Arial Rounded MT Bold" pitchFamily="34" charset="0"/>
+              </a:rPr>
+              <a:t> y Harán </a:t>
+            </a:r>
+            <a:r>
+              <a:rPr lang="en-US" sz="2000" dirty="0">
+                <a:latin typeface="Arial Rounded MT Bold" pitchFamily="34" charset="0"/>
+              </a:rPr>
+              <a:t>(</a:t>
+            </a:r>
+            <a:r>
+              <a:rPr lang="es-ES" sz="2000" dirty="0">
+                <a:latin typeface="Arial Rounded MT Bold" pitchFamily="34" charset="0"/>
+              </a:rPr>
+              <a:t>el cual murió en su presencia </a:t>
+            </a:r>
+            <a:r>
+              <a:rPr lang="es-ES" sz="2000" dirty="0">
                 <a:solidFill>
                   <a:schemeClr val="accent1"/>
                 </a:solidFill>
                 <a:latin typeface="Arial Rounded MT Bold" pitchFamily="34" charset="0"/>
               </a:rPr>
-              <a:t>.</a:t>
+              <a:t>[</a:t>
+            </a:r>
+            <a:r>
+              <a:rPr lang="es-ES" sz="2000" dirty="0" err="1">
+                <a:solidFill>
+                  <a:schemeClr val="accent1"/>
+                </a:solidFill>
+                <a:latin typeface="Arial Rounded MT Bold" pitchFamily="34" charset="0"/>
+              </a:rPr>
+              <a:t>Gn</a:t>
+            </a:r>
+            <a:r>
+              <a:rPr lang="es-ES" sz="2000" dirty="0">
+                <a:solidFill>
+                  <a:schemeClr val="accent1"/>
+                </a:solidFill>
+                <a:latin typeface="Arial Rounded MT Bold" pitchFamily="34" charset="0"/>
+              </a:rPr>
+              <a:t> 11:28]</a:t>
+            </a:r>
+            <a:r>
+              <a:rPr lang="es-ES" sz="2000" dirty="0">
+                <a:latin typeface="Arial Rounded MT Bold" pitchFamily="34" charset="0"/>
+              </a:rPr>
+              <a:t>).</a:t>
             </a:r>
           </a:p>
           <a:p>
             <a:pPr marL="0" indent="0">
               <a:buNone/>
             </a:pPr>
-            <a:endParaRPr lang="es-VE" sz="2800" b="1" dirty="0">
+            <a:endParaRPr lang="es-ES" sz="2000" dirty="0">
               <a:latin typeface="Arial Rounded MT Bold" pitchFamily="34" charset="0"/>
             </a:endParaRPr>
           </a:p>
           <a:p>
-            <a:pPr marL="320040" lvl="1" indent="0">
+            <a:pPr marL="0" indent="0">
               <a:buNone/>
             </a:pPr>
             <a:r>
-              <a:rPr lang="es-VE" sz="2400" b="1" dirty="0" smtClean="0">
-                <a:latin typeface="Arial Rounded MT Bold" pitchFamily="34" charset="0"/>
-              </a:rPr>
-              <a:t>(</a:t>
-            </a:r>
-            <a:r>
-              <a:rPr lang="es-VE" sz="2400" b="1" dirty="0" err="1">
-                <a:latin typeface="Arial Rounded MT Bold" pitchFamily="34" charset="0"/>
-              </a:rPr>
-              <a:t>Jos</a:t>
-            </a:r>
-            <a:r>
-              <a:rPr lang="es-VE" sz="2400" b="1" dirty="0">
-                <a:latin typeface="Arial Rounded MT Bold" pitchFamily="34" charset="0"/>
-              </a:rPr>
-              <a:t> 24:2)</a:t>
-            </a:r>
-            <a:r>
-              <a:rPr lang="es-VE" sz="2400" dirty="0">
-                <a:latin typeface="Arial Rounded MT Bold" pitchFamily="34" charset="0"/>
-              </a:rPr>
-              <a:t>  </a:t>
-            </a:r>
-            <a:r>
-              <a:rPr lang="es-VE" sz="2400" dirty="0" smtClean="0">
-                <a:latin typeface="Arial Rounded MT Bold" pitchFamily="34" charset="0"/>
-              </a:rPr>
-              <a:t>“Y </a:t>
-            </a:r>
-            <a:r>
-              <a:rPr lang="es-VE" sz="2400" dirty="0">
-                <a:latin typeface="Arial Rounded MT Bold" pitchFamily="34" charset="0"/>
-              </a:rPr>
-              <a:t>dijo Josué a todo el pueblo: Así dice Jehová, Dios de Israel: Vuestros padres habitaron antiguamente al otro lado del río, esto es, Taré, padre de Abraham y de </a:t>
-            </a:r>
-            <a:r>
-              <a:rPr lang="es-VE" sz="2400" dirty="0" err="1">
-                <a:latin typeface="Arial Rounded MT Bold" pitchFamily="34" charset="0"/>
-              </a:rPr>
-              <a:t>Nacor</a:t>
-            </a:r>
-            <a:r>
-              <a:rPr lang="es-VE" sz="2400" dirty="0">
-                <a:latin typeface="Arial Rounded MT Bold" pitchFamily="34" charset="0"/>
-              </a:rPr>
-              <a:t>; y servían a dioses extraños.”</a:t>
-            </a:r>
-            <a:endParaRPr lang="en-US" sz="2400" dirty="0">
+              <a:rPr lang="es-ES" sz="2000" dirty="0">
+                <a:latin typeface="Arial Rounded MT Bold" pitchFamily="34" charset="0"/>
+              </a:rPr>
+              <a:t>Tare emprendió un viaje hacia Canaán junto con su hijo Abram, su nieto Lot y su nuera </a:t>
+            </a:r>
+            <a:r>
+              <a:rPr lang="es-ES" sz="2000" dirty="0" err="1">
+                <a:latin typeface="Arial Rounded MT Bold" pitchFamily="34" charset="0"/>
+              </a:rPr>
+              <a:t>Sarai</a:t>
+            </a:r>
+            <a:r>
+              <a:rPr lang="es-ES" sz="2000" dirty="0">
+                <a:latin typeface="Arial Rounded MT Bold" pitchFamily="34" charset="0"/>
+              </a:rPr>
+              <a:t> </a:t>
+            </a:r>
+            <a:r>
+              <a:rPr lang="es-ES" sz="2000" dirty="0">
+                <a:solidFill>
+                  <a:schemeClr val="accent1"/>
+                </a:solidFill>
+                <a:latin typeface="Arial Rounded MT Bold" pitchFamily="34" charset="0"/>
+              </a:rPr>
+              <a:t>[</a:t>
+            </a:r>
+            <a:r>
+              <a:rPr lang="es-ES" sz="2000" dirty="0" err="1">
+                <a:solidFill>
+                  <a:schemeClr val="accent1"/>
+                </a:solidFill>
+                <a:latin typeface="Arial Rounded MT Bold" pitchFamily="34" charset="0"/>
+              </a:rPr>
+              <a:t>Gn</a:t>
+            </a:r>
+            <a:r>
+              <a:rPr lang="es-ES" sz="2000">
+                <a:solidFill>
+                  <a:schemeClr val="accent1"/>
+                </a:solidFill>
+                <a:latin typeface="Arial Rounded MT Bold" pitchFamily="34" charset="0"/>
+              </a:rPr>
+              <a:t> 11:31]</a:t>
+            </a:r>
+            <a:r>
+              <a:rPr lang="es-ES" sz="2000">
+                <a:latin typeface="Arial Rounded MT Bold" pitchFamily="34" charset="0"/>
+              </a:rPr>
+              <a:t>. </a:t>
+            </a:r>
+            <a:r>
+              <a:rPr lang="es-ES" sz="2000" dirty="0">
+                <a:latin typeface="Arial Rounded MT Bold" pitchFamily="34" charset="0"/>
+              </a:rPr>
+              <a:t>Sin embargo, en lugar de llegar a Canaán, se establecieron en Harán, donde murió a los 205 años de edad.</a:t>
+            </a:r>
+          </a:p>
+          <a:p>
+            <a:pPr marL="0" indent="0">
+              <a:buNone/>
+            </a:pPr>
+            <a:endParaRPr lang="es-VE" sz="2000" b="1" dirty="0">
               <a:latin typeface="Arial Rounded MT Bold" pitchFamily="34" charset="0"/>
+            </a:endParaRPr>
+          </a:p>
+        </p:txBody>
+      </p:sp>
+      <p:sp>
+        <p:nvSpPr>
+          <p:cNvPr id="6" name="1 Título">
+            <a:extLst>
+              <a:ext uri="{FF2B5EF4-FFF2-40B4-BE49-F238E27FC236}">
+                <a16:creationId xmlns:a16="http://schemas.microsoft.com/office/drawing/2014/main" id="{2D0C0E0D-D7B5-9E0B-D5E8-DB6D6B226A74}"/>
+              </a:ext>
+            </a:extLst>
+          </p:cNvPr>
+          <p:cNvSpPr>
+            <a:spLocks noGrp="1"/>
+          </p:cNvSpPr>
+          <p:nvPr>
+            <p:ph type="title"/>
+          </p:nvPr>
+        </p:nvSpPr>
+        <p:spPr>
+          <a:xfrm>
+            <a:off x="762000" y="337220"/>
+            <a:ext cx="7543800" cy="576064"/>
+          </a:xfrm>
+        </p:spPr>
+        <p:txBody>
+          <a:bodyPr anchor="ctr">
+            <a:noAutofit/>
+          </a:bodyPr>
+          <a:lstStyle/>
+          <a:p>
+            <a:r>
+              <a:rPr lang="es-VE" sz="4400" b="1" dirty="0">
+                <a:latin typeface="Andalus" pitchFamily="18" charset="-78"/>
+                <a:cs typeface="Andalus" pitchFamily="18" charset="-78"/>
+              </a:rPr>
+              <a:t>2. LLAMADO DE ABRAM</a:t>
+            </a:r>
+            <a:endParaRPr lang="es-VE" sz="4400" dirty="0">
+              <a:latin typeface="Andalus" pitchFamily="18" charset="-78"/>
+              <a:cs typeface="Andalus" pitchFamily="18" charset="-78"/>
+            </a:endParaRPr>
+          </a:p>
+        </p:txBody>
+      </p:sp>
+      <p:sp>
+        <p:nvSpPr>
+          <p:cNvPr id="7" name="CuadroTexto 6">
+            <a:extLst>
+              <a:ext uri="{FF2B5EF4-FFF2-40B4-BE49-F238E27FC236}">
+                <a16:creationId xmlns:a16="http://schemas.microsoft.com/office/drawing/2014/main" id="{8C05F2A2-A0C9-A05B-9D67-B75453F56AC6}"/>
+              </a:ext>
+            </a:extLst>
+          </p:cNvPr>
+          <p:cNvSpPr txBox="1"/>
+          <p:nvPr/>
+        </p:nvSpPr>
+        <p:spPr>
+          <a:xfrm>
+            <a:off x="762000" y="913284"/>
+            <a:ext cx="7543800" cy="400110"/>
+          </a:xfrm>
+          <a:prstGeom prst="rect">
+            <a:avLst/>
+          </a:prstGeom>
+          <a:noFill/>
+        </p:spPr>
+        <p:txBody>
+          <a:bodyPr wrap="square" rtlCol="0">
+            <a:spAutoFit/>
+          </a:bodyPr>
+          <a:lstStyle/>
+          <a:p>
+            <a:r>
+              <a:rPr lang="es-VE" sz="2000" b="1" dirty="0">
+                <a:solidFill>
+                  <a:schemeClr val="accent1"/>
+                </a:solidFill>
+                <a:latin typeface="Arial Rounded MT Bold" pitchFamily="34" charset="0"/>
+              </a:rPr>
+              <a:t>2.2. El padre de Abram </a:t>
+            </a:r>
+            <a:r>
+              <a:rPr lang="es-VE" sz="2000" b="1" dirty="0" err="1">
+                <a:solidFill>
+                  <a:schemeClr val="accent1"/>
+                </a:solidFill>
+                <a:latin typeface="Arial Rounded MT Bold" pitchFamily="34" charset="0"/>
+              </a:rPr>
+              <a:t>servia</a:t>
+            </a:r>
+            <a:r>
+              <a:rPr lang="es-VE" sz="2000" b="1" dirty="0">
+                <a:solidFill>
+                  <a:schemeClr val="accent1"/>
+                </a:solidFill>
+                <a:latin typeface="Arial Rounded MT Bold" pitchFamily="34" charset="0"/>
+              </a:rPr>
+              <a:t> a dioses extraños</a:t>
+            </a:r>
+            <a:endParaRPr lang="es-419" sz="2000" b="1" dirty="0">
+              <a:solidFill>
+                <a:schemeClr val="accent1"/>
+              </a:solidFill>
             </a:endParaRPr>
           </a:p>
         </p:txBody>
@@ -12293,13 +11759,6 @@
   <p:clrMapOvr>
     <a:masterClrMapping/>
   </p:clrMapOvr>
-  <p:timing>
-    <p:tnLst>
-      <p:par>
-        <p:cTn id="1" dur="indefinite" restart="never" nodeType="tmRoot"/>
-      </p:par>
-    </p:tnLst>
-  </p:timing>
 </p:sld>
 </file>
 
@@ -12333,25 +11792,18 @@
         <p:spPr/>
         <p:txBody>
           <a:bodyPr>
-            <a:normAutofit fontScale="90000"/>
+            <a:noAutofit/>
           </a:bodyPr>
           <a:lstStyle/>
           <a:p>
             <a:r>
-              <a:rPr lang="es-VE" b="1" dirty="0" smtClean="0">
+              <a:rPr lang="es-VE" sz="4400" b="1" dirty="0">
                 <a:latin typeface="Andalus" pitchFamily="18" charset="-78"/>
                 <a:cs typeface="Andalus" pitchFamily="18" charset="-78"/>
               </a:rPr>
-              <a:t>2. LLAMADO </a:t>
-            </a:r>
-            <a:r>
-              <a:rPr lang="es-VE" b="1" dirty="0">
-                <a:latin typeface="Andalus" pitchFamily="18" charset="-78"/>
-                <a:cs typeface="Andalus" pitchFamily="18" charset="-78"/>
-              </a:rPr>
-              <a:t>DE ABRAM</a:t>
-            </a:r>
-            <a:endParaRPr lang="es-VE" dirty="0">
+              <a:t>2. LLAMADO DE ABRAM</a:t>
+            </a:r>
+            <a:endParaRPr lang="es-VE" sz="4400" dirty="0">
               <a:latin typeface="Andalus" pitchFamily="18" charset="-78"/>
               <a:cs typeface="Andalus" pitchFamily="18" charset="-78"/>
             </a:endParaRPr>
@@ -12391,18 +11843,9 @@
                 </a:solidFill>
                 <a:latin typeface="Arial Rounded MT Bold" pitchFamily="34" charset="0"/>
               </a:rPr>
-              <a:t>¿A dónde debía </a:t>
-            </a:r>
-            <a:r>
-              <a:rPr lang="es-VE" sz="4400" b="1" dirty="0" smtClean="0">
-                <a:solidFill>
-                  <a:schemeClr val="accent1"/>
-                </a:solidFill>
-                <a:latin typeface="Arial Rounded MT Bold" pitchFamily="34" charset="0"/>
-              </a:rPr>
-              <a:t>ir?</a:t>
-            </a:r>
-            <a:endParaRPr lang="es-VE" sz="4000" dirty="0" smtClean="0">
+              <a:t>¿A dónde debía ir?</a:t>
+            </a:r>
+            <a:endParaRPr lang="es-VE" sz="4000" dirty="0">
               <a:solidFill>
                 <a:schemeClr val="accent1"/>
               </a:solidFill>
@@ -12414,28 +11857,16 @@
               <a:buNone/>
             </a:pPr>
             <a:r>
-              <a:rPr lang="es-VE" sz="3600" dirty="0" smtClean="0">
-                <a:latin typeface="Arial Rounded MT Bold" pitchFamily="34" charset="0"/>
-              </a:rPr>
-              <a:t>No </a:t>
-            </a:r>
-            <a:r>
               <a:rPr lang="es-VE" sz="3600" dirty="0">
                 <a:latin typeface="Arial Rounded MT Bold" pitchFamily="34" charset="0"/>
               </a:rPr>
-              <a:t>lo sabía, pues Dios no se lo había revelado.  Todo lo que sabía es que </a:t>
+              <a:t>No lo sabía, pues Dios no se lo había revelado.  Todo lo que sabía es que </a:t>
             </a:r>
             <a:r>
               <a:rPr lang="es-VE" sz="3600">
                 <a:latin typeface="Arial Rounded MT Bold" pitchFamily="34" charset="0"/>
               </a:rPr>
-              <a:t>iría </a:t>
-            </a:r>
-            <a:r>
-              <a:rPr lang="es-VE" sz="3600" smtClean="0">
-                <a:latin typeface="Arial Rounded MT Bold" pitchFamily="34" charset="0"/>
-              </a:rPr>
-              <a:t>a </a:t>
+              <a:t>iría a </a:t>
             </a:r>
             <a:r>
               <a:rPr lang="es-VE" sz="3600" dirty="0">
@@ -12456,13 +11887,6 @@
   <p:clrMapOvr>
     <a:masterClrMapping/>
   </p:clrMapOvr>
-  <p:timing>
-    <p:tnLst>
-      <p:par>
-        <p:cTn id="1" dur="indefinite" restart="never" nodeType="tmRoot"/>
-      </p:par>
-    </p:tnLst>
-  </p:timing>
 </p:sld>
 </file>
 
@@ -12496,25 +11920,18 @@
         <p:spPr/>
         <p:txBody>
           <a:bodyPr>
-            <a:normAutofit fontScale="90000"/>
+            <a:noAutofit/>
           </a:bodyPr>
           <a:lstStyle/>
           <a:p>
             <a:r>
-              <a:rPr lang="es-VE" b="1" dirty="0" smtClean="0">
+              <a:rPr lang="es-VE" sz="4400" b="1" dirty="0">
                 <a:latin typeface="Andalus" pitchFamily="18" charset="-78"/>
                 <a:cs typeface="Andalus" pitchFamily="18" charset="-78"/>
               </a:rPr>
-              <a:t>2. LLAMADO </a:t>
-            </a:r>
-            <a:r>
-              <a:rPr lang="es-VE" b="1" dirty="0">
-                <a:latin typeface="Andalus" pitchFamily="18" charset="-78"/>
-                <a:cs typeface="Andalus" pitchFamily="18" charset="-78"/>
-              </a:rPr>
-              <a:t>DE ABRAM</a:t>
-            </a:r>
-            <a:endParaRPr lang="es-VE" dirty="0">
+              <a:t>2. LLAMADO DE ABRAM</a:t>
+            </a:r>
+            <a:endParaRPr lang="es-VE" sz="4400" dirty="0">
               <a:latin typeface="Andalus" pitchFamily="18" charset="-78"/>
               <a:cs typeface="Andalus" pitchFamily="18" charset="-78"/>
             </a:endParaRPr>
@@ -12571,13 +11988,7 @@
               <a:rPr lang="es-VE" sz="2000" dirty="0">
                 <a:latin typeface="Arial Rounded MT Bold" pitchFamily="34" charset="0"/>
               </a:rPr>
-              <a:t>Dios le prometió varias cosas a Abram si él obedecía y dejaba todo para seguirlo a Él</a:t>
-            </a:r>
-            <a:r>
-              <a:rPr lang="es-VE" sz="2000" dirty="0" smtClean="0">
-                <a:latin typeface="Arial Rounded MT Bold" pitchFamily="34" charset="0"/>
-              </a:rPr>
-              <a:t>:</a:t>
+              <a:t>Dios le prometió varias cosas a Abram si él obedecía y dejaba todo para seguirlo a Él:</a:t>
             </a:r>
           </a:p>
           <a:p>
@@ -12591,16 +12002,10 @@
           <a:p>
             <a:pPr lvl="0"/>
             <a:r>
-              <a:rPr lang="es-VE" sz="1600" dirty="0" smtClean="0">
-                <a:latin typeface="Arial Rounded MT Bold" pitchFamily="34" charset="0"/>
-              </a:rPr>
-              <a:t>Haré </a:t>
-            </a:r>
-            <a:r>
               <a:rPr lang="es-VE" sz="1600" dirty="0">
                 <a:latin typeface="Arial Rounded MT Bold" pitchFamily="34" charset="0"/>
               </a:rPr>
-              <a:t>de ti una nación grande.</a:t>
+              <a:t>Haré de ti una nación grande.</a:t>
             </a:r>
             <a:endParaRPr lang="en-US" sz="1600" dirty="0">
               <a:latin typeface="Arial Rounded MT Bold" pitchFamily="34" charset="0"/>
@@ -12609,16 +12014,10 @@
           <a:p>
             <a:pPr lvl="0"/>
             <a:r>
-              <a:rPr lang="es-VE" sz="1600" dirty="0" smtClean="0">
-                <a:latin typeface="Arial Rounded MT Bold" pitchFamily="34" charset="0"/>
-              </a:rPr>
-              <a:t>Te </a:t>
-            </a:r>
-            <a:r>
               <a:rPr lang="es-VE" sz="1600" dirty="0">
                 <a:latin typeface="Arial Rounded MT Bold" pitchFamily="34" charset="0"/>
               </a:rPr>
-              <a:t>bendeciré.</a:t>
+              <a:t>Te bendeciré.</a:t>
             </a:r>
             <a:endParaRPr lang="en-US" sz="1600" dirty="0">
               <a:latin typeface="Arial Rounded MT Bold" pitchFamily="34" charset="0"/>
@@ -12627,16 +12026,10 @@
           <a:p>
             <a:pPr lvl="0"/>
             <a:r>
-              <a:rPr lang="es-VE" sz="1600" dirty="0" smtClean="0">
-                <a:latin typeface="Arial Rounded MT Bold" pitchFamily="34" charset="0"/>
-              </a:rPr>
-              <a:t>Engrandeceré </a:t>
-            </a:r>
-            <a:r>
               <a:rPr lang="es-VE" sz="1600" dirty="0">
                 <a:latin typeface="Arial Rounded MT Bold" pitchFamily="34" charset="0"/>
               </a:rPr>
-              <a:t>tu nombre.</a:t>
+              <a:t>Engrandeceré tu nombre.</a:t>
             </a:r>
             <a:endParaRPr lang="en-US" sz="1600" dirty="0">
               <a:latin typeface="Arial Rounded MT Bold" pitchFamily="34" charset="0"/>
@@ -12645,16 +12038,10 @@
           <a:p>
             <a:pPr lvl="0"/>
             <a:r>
-              <a:rPr lang="es-VE" sz="1600" dirty="0" smtClean="0">
-                <a:latin typeface="Arial Rounded MT Bold" pitchFamily="34" charset="0"/>
-              </a:rPr>
-              <a:t>Serás </a:t>
-            </a:r>
-            <a:r>
               <a:rPr lang="es-VE" sz="1600" dirty="0">
                 <a:latin typeface="Arial Rounded MT Bold" pitchFamily="34" charset="0"/>
               </a:rPr>
-              <a:t>bendición.</a:t>
+              <a:t>Serás bendición.</a:t>
             </a:r>
             <a:endParaRPr lang="en-US" sz="1600" dirty="0">
               <a:latin typeface="Arial Rounded MT Bold" pitchFamily="34" charset="0"/>
@@ -12663,16 +12050,10 @@
           <a:p>
             <a:pPr lvl="0"/>
             <a:r>
-              <a:rPr lang="es-VE" sz="1600" dirty="0" smtClean="0">
-                <a:latin typeface="Arial Rounded MT Bold" pitchFamily="34" charset="0"/>
-              </a:rPr>
-              <a:t>Bendeciré </a:t>
-            </a:r>
-            <a:r>
               <a:rPr lang="es-VE" sz="1600" dirty="0">
                 <a:latin typeface="Arial Rounded MT Bold" pitchFamily="34" charset="0"/>
               </a:rPr>
-              <a:t>a los que te bendigan, y al que te maldiga, maldeciré.</a:t>
+              <a:t>Bendeciré a los que te bendigan, y al que te maldiga, maldeciré.</a:t>
             </a:r>
             <a:endParaRPr lang="en-US" sz="1600" dirty="0">
               <a:latin typeface="Arial Rounded MT Bold" pitchFamily="34" charset="0"/>
@@ -12681,22 +12062,10 @@
           <a:p>
             <a:pPr lvl="0"/>
             <a:r>
-              <a:rPr lang="es-VE" sz="1600" dirty="0" smtClean="0">
-                <a:latin typeface="Arial Rounded MT Bold" pitchFamily="34" charset="0"/>
-              </a:rPr>
-              <a:t>En </a:t>
-            </a:r>
-            <a:r>
               <a:rPr lang="es-VE" sz="1600" dirty="0">
                 <a:latin typeface="Arial Rounded MT Bold" pitchFamily="34" charset="0"/>
               </a:rPr>
-              <a:t>ti serán benditas todas las familias de la tierra</a:t>
-            </a:r>
-            <a:r>
-              <a:rPr lang="es-VE" sz="1600" dirty="0" smtClean="0">
-                <a:latin typeface="Arial Rounded MT Bold" pitchFamily="34" charset="0"/>
-              </a:rPr>
-              <a:t>.</a:t>
+              <a:t>En ti serán benditas todas las familias de la tierra.</a:t>
             </a:r>
           </a:p>
           <a:p>
@@ -12745,13 +12114,7 @@
               <a:rPr lang="es-VE" sz="1800" dirty="0">
                 <a:latin typeface="Arial Rounded MT Bold" pitchFamily="34" charset="0"/>
               </a:rPr>
-              <a:t> a todos al final</a:t>
-            </a:r>
-            <a:r>
-              <a:rPr lang="es-VE" sz="1800" dirty="0" smtClean="0">
-                <a:latin typeface="Arial Rounded MT Bold" pitchFamily="34" charset="0"/>
-              </a:rPr>
-              <a:t>.</a:t>
+              <a:t> a todos al final.</a:t>
             </a:r>
             <a:endParaRPr lang="en-US" sz="1800" dirty="0">
               <a:latin typeface="Arial Rounded MT Bold" pitchFamily="34" charset="0"/>
@@ -12769,13 +12132,6 @@
   <p:clrMapOvr>
     <a:masterClrMapping/>
   </p:clrMapOvr>
-  <p:timing>
-    <p:tnLst>
-      <p:par>
-        <p:cTn id="1" dur="indefinite" restart="never" nodeType="tmRoot"/>
-      </p:par>
-    </p:tnLst>
-  </p:timing>
 </p:sld>
 </file>
 
@@ -12809,23 +12165,16 @@
         <p:spPr/>
         <p:txBody>
           <a:bodyPr>
-            <a:normAutofit fontScale="90000"/>
+            <a:noAutofit/>
           </a:bodyPr>
           <a:lstStyle/>
           <a:p>
             <a:r>
-              <a:rPr lang="es-VE" b="1" dirty="0" smtClean="0">
+              <a:rPr lang="es-VE" sz="4400" b="1" dirty="0">
                 <a:latin typeface="Andalus" pitchFamily="18" charset="-78"/>
                 <a:cs typeface="Andalus" pitchFamily="18" charset="-78"/>
               </a:rPr>
-              <a:t>2. LLAMADO </a:t>
-            </a:r>
-            <a:r>
-              <a:rPr lang="es-VE" b="1" dirty="0">
-                <a:latin typeface="Andalus" pitchFamily="18" charset="-78"/>
-                <a:cs typeface="Andalus" pitchFamily="18" charset="-78"/>
-              </a:rPr>
-              <a:t>DE ABRAM</a:t>
+              <a:t>2. LLAMADO DE ABRAM</a:t>
             </a:r>
           </a:p>
         </p:txBody>
@@ -12880,23 +12229,8 @@
               <a:rPr lang="es-VE" dirty="0">
                 <a:latin typeface="Arial Rounded MT Bold" pitchFamily="34" charset="0"/>
               </a:rPr>
-              <a:t>¿Qué hizo Abram? </a:t>
-            </a:r>
-            <a:r>
-              <a:rPr lang="es-VE" dirty="0" smtClean="0">
-                <a:latin typeface="Arial Rounded MT Bold" pitchFamily="34" charset="0"/>
-              </a:rPr>
-              <a:t>¿</a:t>
-            </a:r>
-            <a:r>
-              <a:rPr lang="es-VE" dirty="0">
-                <a:latin typeface="Arial Rounded MT Bold" pitchFamily="34" charset="0"/>
-              </a:rPr>
-              <a:t>Respondió al llamado de Dios? </a:t>
-            </a:r>
-            <a:endParaRPr lang="es-VE" dirty="0" smtClean="0">
-              <a:latin typeface="Arial Rounded MT Bold" pitchFamily="34" charset="0"/>
-            </a:endParaRPr>
+              <a:t>¿Qué hizo Abram? ¿Respondió al llamado de Dios? </a:t>
+            </a:r>
           </a:p>
         </p:txBody>
       </p:sp>
@@ -13176,19 +12510,7 @@
                 <a:latin typeface="BrowalliaUPC" pitchFamily="34" charset="-34"/>
                 <a:cs typeface="BrowalliaUPC" pitchFamily="34" charset="-34"/>
               </a:rPr>
-              <a:t> cuando salió de Harán</a:t>
-            </a:r>
-            <a:r>
-              <a:rPr lang="es-VE" dirty="0" smtClean="0">
-                <a:solidFill>
-                  <a:schemeClr val="bg2">
-                    <a:lumMod val="25000"/>
-                  </a:schemeClr>
-                </a:solidFill>
-                <a:latin typeface="BrowalliaUPC" pitchFamily="34" charset="-34"/>
-                <a:cs typeface="BrowalliaUPC" pitchFamily="34" charset="-34"/>
-              </a:rPr>
-              <a:t>.”</a:t>
+              <a:t> cuando salió de Harán.”</a:t>
             </a:r>
             <a:endParaRPr lang="en-US" dirty="0">
               <a:solidFill>
@@ -13437,13 +12759,6 @@
   <p:clrMapOvr>
     <a:masterClrMapping/>
   </p:clrMapOvr>
-  <p:timing>
-    <p:tnLst>
-      <p:par>
-        <p:cTn id="1" dur="indefinite" restart="never" nodeType="tmRoot"/>
-      </p:par>
-    </p:tnLst>
-  </p:timing>
 </p:sld>
 </file>
 
@@ -13484,38 +12799,17 @@
                 <a:latin typeface="Andalus" pitchFamily="18" charset="-78"/>
                 <a:cs typeface="Andalus" pitchFamily="18" charset="-78"/>
               </a:rPr>
-              <a:t>3</a:t>
-            </a:r>
-            <a:r>
-              <a:rPr lang="es-VE" b="1" dirty="0" smtClean="0">
+              <a:t>3. SARA (שָׂ</a:t>
+            </a:r>
+            <a:r>
+              <a:rPr lang="es-VE" b="1" dirty="0" err="1">
                 <a:latin typeface="Andalus" pitchFamily="18" charset="-78"/>
                 <a:cs typeface="Andalus" pitchFamily="18" charset="-78"/>
               </a:rPr>
-              <a:t>. SARA </a:t>
+              <a:t>רָה</a:t>
             </a:r>
             <a:r>
               <a:rPr lang="es-VE" b="1" dirty="0">
-                <a:latin typeface="Andalus" pitchFamily="18" charset="-78"/>
-                <a:cs typeface="Andalus" pitchFamily="18" charset="-78"/>
-              </a:rPr>
-              <a:t>(</a:t>
-            </a:r>
-            <a:r>
-              <a:rPr lang="es-VE" b="1" dirty="0" smtClean="0">
-                <a:latin typeface="Andalus" pitchFamily="18" charset="-78"/>
-                <a:cs typeface="Andalus" pitchFamily="18" charset="-78"/>
-              </a:rPr>
-              <a:t>שָׂ</a:t>
-            </a:r>
-            <a:r>
-              <a:rPr lang="es-VE" b="1" dirty="0" err="1" smtClean="0">
-                <a:latin typeface="Andalus" pitchFamily="18" charset="-78"/>
-                <a:cs typeface="Andalus" pitchFamily="18" charset="-78"/>
-              </a:rPr>
-              <a:t>רָה</a:t>
-            </a:r>
-            <a:r>
-              <a:rPr lang="es-VE" b="1" dirty="0" smtClean="0">
                 <a:latin typeface="Andalus" pitchFamily="18" charset="-78"/>
                 <a:cs typeface="Andalus" pitchFamily="18" charset="-78"/>
               </a:rPr>
@@ -13549,7 +12843,7 @@
               <a:buNone/>
             </a:pPr>
             <a:r>
-              <a:rPr lang="es-VE" sz="3600" dirty="0" smtClean="0">
+              <a:rPr lang="es-VE" sz="3600" dirty="0">
                 <a:solidFill>
                   <a:schemeClr val="accent1"/>
                 </a:solidFill>
@@ -13557,7 +12851,7 @@
               </a:rPr>
               <a:t>¿Quién era Sara?</a:t>
             </a:r>
-            <a:endParaRPr lang="es-VE" sz="1900" dirty="0" smtClean="0">
+            <a:endParaRPr lang="es-VE" sz="1900" dirty="0">
               <a:solidFill>
                 <a:schemeClr val="accent1"/>
               </a:solidFill>
@@ -13568,7 +12862,7 @@
             <a:pPr marL="0" indent="0">
               <a:buNone/>
             </a:pPr>
-            <a:endParaRPr lang="es-VE" sz="1300" dirty="0" smtClean="0">
+            <a:endParaRPr lang="es-VE" sz="1300" dirty="0">
               <a:latin typeface="Arial Rounded MT Bold" pitchFamily="34" charset="0"/>
             </a:endParaRPr>
           </a:p>
@@ -13577,16 +12871,10 @@
               <a:buNone/>
             </a:pPr>
             <a:r>
-              <a:rPr lang="es-VE" dirty="0" smtClean="0">
-                <a:latin typeface="Arial Rounded MT Bold" pitchFamily="34" charset="0"/>
-              </a:rPr>
-              <a:t>Fue </a:t>
-            </a:r>
-            <a:r>
               <a:rPr lang="es-VE" dirty="0">
                 <a:latin typeface="Arial Rounded MT Bold" pitchFamily="34" charset="0"/>
               </a:rPr>
-              <a:t>la esposa de </a:t>
+              <a:t>Fue la esposa de </a:t>
             </a:r>
             <a:r>
               <a:rPr lang="es-VE" b="1" dirty="0">
@@ -13601,7 +12889,7 @@
               <a:t> y medio hermana de su esposo </a:t>
             </a:r>
             <a:r>
-              <a:rPr lang="es-VE" b="1" dirty="0" smtClean="0">
+              <a:rPr lang="es-VE" b="1" dirty="0">
                 <a:solidFill>
                   <a:schemeClr val="accent1">
                     <a:lumMod val="75000"/>
@@ -13612,19 +12900,13 @@
               <a:t>Génesis 20:12 </a:t>
             </a:r>
             <a:r>
-              <a:rPr lang="es-VE" dirty="0" smtClean="0">
-                <a:latin typeface="Arial Rounded MT Bold" pitchFamily="34" charset="0"/>
-              </a:rPr>
-              <a:t>y </a:t>
-            </a:r>
-            <a:r>
               <a:rPr lang="es-VE" dirty="0">
                 <a:latin typeface="Arial Rounded MT Bold" pitchFamily="34" charset="0"/>
               </a:rPr>
-              <a:t>unos diez años más joven </a:t>
-            </a:r>
-            <a:r>
-              <a:rPr lang="es-VE" b="1" dirty="0" smtClean="0">
+              <a:t>y unos diez años más joven </a:t>
+            </a:r>
+            <a:r>
+              <a:rPr lang="es-VE" b="1" dirty="0">
                 <a:solidFill>
                   <a:schemeClr val="accent1">
                     <a:lumMod val="75000"/>
@@ -13635,7 +12917,7 @@
               <a:t>Génesis 17:17</a:t>
             </a:r>
             <a:r>
-              <a:rPr lang="es-VE" dirty="0" smtClean="0">
+              <a:rPr lang="es-VE" dirty="0">
                 <a:latin typeface="Arial Rounded MT Bold" pitchFamily="34" charset="0"/>
               </a:rPr>
               <a:t>.</a:t>
@@ -13654,16 +12936,10 @@
               <a:buNone/>
             </a:pPr>
             <a:r>
-              <a:rPr lang="es-VE" dirty="0" smtClean="0">
-                <a:latin typeface="Arial Rounded MT Bold" pitchFamily="34" charset="0"/>
-              </a:rPr>
-              <a:t>Su </a:t>
-            </a:r>
-            <a:r>
               <a:rPr lang="es-VE" dirty="0">
                 <a:latin typeface="Arial Rounded MT Bold" pitchFamily="34" charset="0"/>
               </a:rPr>
-              <a:t>nombre original era </a:t>
+              <a:t>Su nombre original era </a:t>
             </a:r>
             <a:r>
               <a:rPr lang="es-VE" b="1" dirty="0" err="1">
@@ -13717,13 +12993,6 @@
   <p:clrMapOvr>
     <a:masterClrMapping/>
   </p:clrMapOvr>
-  <p:timing>
-    <p:tnLst>
-      <p:par>
-        <p:cTn id="1" dur="indefinite" restart="never" nodeType="tmRoot"/>
-      </p:par>
-    </p:tnLst>
-  </p:timing>
 </p:sld>
 </file>
 

--- a/slideshow/Estudios Biblicos/3.-Genesis_1.pptx
+++ b/slideshow/Estudios Biblicos/3.-Genesis_1.pptx
@@ -12,8 +12,8 @@
     <p:sldId id="263" r:id="rId3"/>
     <p:sldId id="264" r:id="rId4"/>
     <p:sldId id="257" r:id="rId5"/>
-    <p:sldId id="258" r:id="rId6"/>
-    <p:sldId id="259" r:id="rId7"/>
+    <p:sldId id="259" r:id="rId6"/>
+    <p:sldId id="258" r:id="rId7"/>
     <p:sldId id="260" r:id="rId8"/>
     <p:sldId id="261" r:id="rId9"/>
     <p:sldId id="262" r:id="rId10"/>
@@ -4561,7 +4561,7 @@
           <a:p>
             <a:fld id="{1766D823-1C34-4252-B037-76F3066DD816}" type="datetimeFigureOut">
               <a:rPr lang="es-VE" smtClean="0"/>
-              <a:t>10/5/2023</a:t>
+              <a:t>12/5/2023</a:t>
             </a:fld>
             <a:endParaRPr lang="es-VE"/>
           </a:p>
@@ -5143,7 +5143,7 @@
           <a:p>
             <a:fld id="{43F51AC5-15E3-4F55-8A92-E1B4CFFA43F6}" type="datetimeFigureOut">
               <a:rPr lang="es-VE" smtClean="0"/>
-              <a:t>10/5/2023</a:t>
+              <a:t>12/5/2023</a:t>
             </a:fld>
             <a:endParaRPr lang="es-VE"/>
           </a:p>
@@ -5356,7 +5356,7 @@
           <a:p>
             <a:fld id="{43F51AC5-15E3-4F55-8A92-E1B4CFFA43F6}" type="datetimeFigureOut">
               <a:rPr lang="es-VE" smtClean="0"/>
-              <a:t>10/5/2023</a:t>
+              <a:t>12/5/2023</a:t>
             </a:fld>
             <a:endParaRPr lang="es-VE"/>
           </a:p>
@@ -5531,7 +5531,7 @@
           <a:p>
             <a:fld id="{43F51AC5-15E3-4F55-8A92-E1B4CFFA43F6}" type="datetimeFigureOut">
               <a:rPr lang="es-VE" smtClean="0"/>
-              <a:t>10/5/2023</a:t>
+              <a:t>12/5/2023</a:t>
             </a:fld>
             <a:endParaRPr lang="es-VE"/>
           </a:p>
@@ -5696,7 +5696,7 @@
           <a:p>
             <a:fld id="{43F51AC5-15E3-4F55-8A92-E1B4CFFA43F6}" type="datetimeFigureOut">
               <a:rPr lang="es-VE" smtClean="0"/>
-              <a:t>10/5/2023</a:t>
+              <a:t>12/5/2023</a:t>
             </a:fld>
             <a:endParaRPr lang="es-VE"/>
           </a:p>
@@ -5980,7 +5980,7 @@
           <a:p>
             <a:fld id="{43F51AC5-15E3-4F55-8A92-E1B4CFFA43F6}" type="datetimeFigureOut">
               <a:rPr lang="es-VE" smtClean="0"/>
-              <a:t>10/5/2023</a:t>
+              <a:t>12/5/2023</a:t>
             </a:fld>
             <a:endParaRPr lang="es-VE"/>
           </a:p>
@@ -6306,7 +6306,7 @@
           <a:p>
             <a:fld id="{43F51AC5-15E3-4F55-8A92-E1B4CFFA43F6}" type="datetimeFigureOut">
               <a:rPr lang="es-VE" smtClean="0"/>
-              <a:t>10/5/2023</a:t>
+              <a:t>12/5/2023</a:t>
             </a:fld>
             <a:endParaRPr lang="es-VE"/>
           </a:p>
@@ -6731,7 +6731,7 @@
           <a:p>
             <a:fld id="{43F51AC5-15E3-4F55-8A92-E1B4CFFA43F6}" type="datetimeFigureOut">
               <a:rPr lang="es-VE" smtClean="0"/>
-              <a:t>10/5/2023</a:t>
+              <a:t>12/5/2023</a:t>
             </a:fld>
             <a:endParaRPr lang="es-VE"/>
           </a:p>
@@ -6904,7 +6904,7 @@
           <a:p>
             <a:fld id="{43F51AC5-15E3-4F55-8A92-E1B4CFFA43F6}" type="datetimeFigureOut">
               <a:rPr lang="es-VE" smtClean="0"/>
-              <a:t>10/5/2023</a:t>
+              <a:t>12/5/2023</a:t>
             </a:fld>
             <a:endParaRPr lang="es-VE"/>
           </a:p>
@@ -6994,7 +6994,7 @@
           <a:p>
             <a:fld id="{43F51AC5-15E3-4F55-8A92-E1B4CFFA43F6}" type="datetimeFigureOut">
               <a:rPr lang="es-VE" smtClean="0"/>
-              <a:t>10/5/2023</a:t>
+              <a:t>12/5/2023</a:t>
             </a:fld>
             <a:endParaRPr lang="es-VE"/>
           </a:p>
@@ -7274,7 +7274,7 @@
           <a:p>
             <a:fld id="{43F51AC5-15E3-4F55-8A92-E1B4CFFA43F6}" type="datetimeFigureOut">
               <a:rPr lang="es-VE" smtClean="0"/>
-              <a:t>10/5/2023</a:t>
+              <a:t>12/5/2023</a:t>
             </a:fld>
             <a:endParaRPr lang="es-VE"/>
           </a:p>
@@ -7573,7 +7573,7 @@
           <a:p>
             <a:fld id="{43F51AC5-15E3-4F55-8A92-E1B4CFFA43F6}" type="datetimeFigureOut">
               <a:rPr lang="es-VE" smtClean="0"/>
-              <a:t>10/5/2023</a:t>
+              <a:t>12/5/2023</a:t>
             </a:fld>
             <a:endParaRPr lang="es-VE"/>
           </a:p>
@@ -7783,7 +7783,7 @@
           <a:p>
             <a:fld id="{43F51AC5-15E3-4F55-8A92-E1B4CFFA43F6}" type="datetimeFigureOut">
               <a:rPr lang="es-VE" smtClean="0"/>
-              <a:t>10/5/2023</a:t>
+              <a:t>12/5/2023</a:t>
             </a:fld>
             <a:endParaRPr lang="es-VE"/>
           </a:p>
@@ -8461,42 +8461,6 @@
       </p:grpSpPr>
       <p:sp>
         <p:nvSpPr>
-          <p:cNvPr id="2" name="1 Título"/>
-          <p:cNvSpPr>
-            <a:spLocks noGrp="1"/>
-          </p:cNvSpPr>
-          <p:nvPr>
-            <p:ph type="title"/>
-          </p:nvPr>
-        </p:nvSpPr>
-        <p:spPr>
-          <a:xfrm>
-            <a:off x="762000" y="3810000"/>
-            <a:ext cx="7554416" cy="1333500"/>
-          </a:xfrm>
-        </p:spPr>
-        <p:txBody>
-          <a:bodyPr>
-            <a:noAutofit/>
-          </a:bodyPr>
-          <a:lstStyle/>
-          <a:p>
-            <a:r>
-              <a:rPr lang="es-VE" sz="4800" b="1" dirty="0">
-                <a:latin typeface="Andalus" pitchFamily="18" charset="-78"/>
-                <a:cs typeface="Andalus" pitchFamily="18" charset="-78"/>
-              </a:rPr>
-              <a:t>4. Abram llega a Canaán</a:t>
-            </a:r>
-            <a:endParaRPr lang="es-VE" sz="4800" dirty="0">
-              <a:latin typeface="Andalus" pitchFamily="18" charset="-78"/>
-              <a:cs typeface="Andalus" pitchFamily="18" charset="-78"/>
-            </a:endParaRPr>
-          </a:p>
-        </p:txBody>
-      </p:sp>
-      <p:sp>
-        <p:nvSpPr>
           <p:cNvPr id="3" name="2 Marcador de contenido"/>
           <p:cNvSpPr>
             <a:spLocks noGrp="1"/>
@@ -8507,13 +8471,13 @@
         </p:nvSpPr>
         <p:spPr>
           <a:xfrm>
-            <a:off x="762000" y="571500"/>
+            <a:off x="762000" y="1344116"/>
             <a:ext cx="4530080" cy="3601616"/>
           </a:xfrm>
         </p:spPr>
         <p:txBody>
           <a:bodyPr>
-            <a:normAutofit fontScale="62500" lnSpcReduction="20000"/>
+            <a:normAutofit/>
           </a:bodyPr>
           <a:lstStyle/>
           <a:p>
@@ -8521,7 +8485,7 @@
               <a:buNone/>
             </a:pPr>
             <a:r>
-              <a:rPr lang="es-VE" sz="3600" dirty="0">
+              <a:rPr lang="es-VE" sz="2000" dirty="0">
                 <a:solidFill>
                   <a:schemeClr val="accent1"/>
                 </a:solidFill>
@@ -8530,13 +8494,13 @@
               <a:t>Abram</a:t>
             </a:r>
             <a:r>
-              <a:rPr lang="es-VE" sz="3600" dirty="0">
-                <a:latin typeface="Arial Rounded MT Bold" pitchFamily="34" charset="0"/>
-              </a:rPr>
-              <a:t> no sabía exactamente a dónde iba.  Pero al entrar en </a:t>
-            </a:r>
-            <a:r>
-              <a:rPr lang="es-VE" sz="3600" dirty="0">
+              <a:rPr lang="es-VE" sz="2000" dirty="0">
+                <a:latin typeface="Arial Rounded MT Bold" pitchFamily="34" charset="0"/>
+              </a:rPr>
+              <a:t> no sabía exactamente a dónde iba. Pero luego de entrar en </a:t>
+            </a:r>
+            <a:r>
+              <a:rPr lang="es-VE" sz="2000" dirty="0">
                 <a:solidFill>
                   <a:schemeClr val="accent1"/>
                 </a:solidFill>
@@ -8545,32 +8509,80 @@
               <a:t>Canaán</a:t>
             </a:r>
             <a:r>
-              <a:rPr lang="es-VE" sz="3600" dirty="0">
-                <a:latin typeface="Arial Rounded MT Bold" pitchFamily="34" charset="0"/>
-              </a:rPr>
-              <a:t>, Dios le reveló que la tierra en donde estaba parado era la </a:t>
-            </a:r>
-            <a:r>
-              <a:rPr lang="es-VE" sz="3600" dirty="0">
+              <a:rPr lang="es-VE" sz="2000" dirty="0">
+                <a:latin typeface="Arial Rounded MT Bold" pitchFamily="34" charset="0"/>
+              </a:rPr>
+              <a:t>, y llegar específicamente a </a:t>
+            </a:r>
+            <a:r>
+              <a:rPr lang="es-VE" sz="2000" dirty="0" err="1">
                 <a:solidFill>
                   <a:schemeClr val="accent1"/>
                 </a:solidFill>
                 <a:latin typeface="Arial Rounded MT Bold" pitchFamily="34" charset="0"/>
               </a:rPr>
+              <a:t>Siquem</a:t>
+            </a:r>
+            <a:r>
+              <a:rPr lang="es-VE" sz="2000" dirty="0">
+                <a:latin typeface="Arial Rounded MT Bold" pitchFamily="34" charset="0"/>
+              </a:rPr>
+              <a:t> Dios le reveló que la tierra en donde estaba parado era la </a:t>
+            </a:r>
+            <a:r>
+              <a:rPr lang="es-VE" sz="2000" dirty="0">
+                <a:solidFill>
+                  <a:schemeClr val="accent1"/>
+                </a:solidFill>
+                <a:latin typeface="Arial Rounded MT Bold" pitchFamily="34" charset="0"/>
+              </a:rPr>
               <a:t>Tierra Prometida</a:t>
             </a:r>
             <a:r>
-              <a:rPr lang="es-VE" sz="3600" dirty="0">
-                <a:latin typeface="Arial Rounded MT Bold" pitchFamily="34" charset="0"/>
-              </a:rPr>
-              <a:t>.</a:t>
-            </a:r>
+              <a:rPr lang="es-VE" sz="2000" dirty="0">
+                <a:latin typeface="Arial Rounded MT Bold" pitchFamily="34" charset="0"/>
+              </a:rPr>
+              <a:t>. </a:t>
+            </a:r>
+            <a:r>
+              <a:rPr lang="es-ES" sz="2000" dirty="0">
+                <a:solidFill>
+                  <a:schemeClr val="accent1"/>
+                </a:solidFill>
+                <a:latin typeface="Arial Rounded MT Bold" pitchFamily="34" charset="0"/>
+              </a:rPr>
+              <a:t>[</a:t>
+            </a:r>
+            <a:r>
+              <a:rPr lang="es-ES" sz="2000" dirty="0" err="1">
+                <a:solidFill>
+                  <a:schemeClr val="accent1"/>
+                </a:solidFill>
+                <a:latin typeface="Arial Rounded MT Bold" pitchFamily="34" charset="0"/>
+              </a:rPr>
+              <a:t>Gn</a:t>
+            </a:r>
+            <a:r>
+              <a:rPr lang="es-ES" sz="2000" dirty="0">
+                <a:solidFill>
+                  <a:schemeClr val="accent1"/>
+                </a:solidFill>
+                <a:latin typeface="Arial Rounded MT Bold" pitchFamily="34" charset="0"/>
+              </a:rPr>
+              <a:t> 12:7]</a:t>
+            </a:r>
+            <a:endParaRPr lang="es-VE" sz="2000" dirty="0">
+              <a:latin typeface="Arial Rounded MT Bold" pitchFamily="34" charset="0"/>
+            </a:endParaRPr>
           </a:p>
           <a:p>
             <a:pPr marL="0" indent="0">
               <a:buNone/>
             </a:pPr>
-            <a:endParaRPr lang="es-VE" sz="3600" i="1" dirty="0">
+            <a:endParaRPr lang="es-ES" sz="2000" dirty="0">
+              <a:solidFill>
+                <a:schemeClr val="accent1"/>
+              </a:solidFill>
               <a:latin typeface="Arial Rounded MT Bold" pitchFamily="34" charset="0"/>
             </a:endParaRPr>
           </a:p>
@@ -8579,66 +8591,36 @@
               <a:buNone/>
             </a:pPr>
             <a:r>
-              <a:rPr lang="es-VE" sz="3600" dirty="0">
-                <a:solidFill>
-                  <a:schemeClr val="tx1">
-                    <a:lumMod val="85000"/>
-                    <a:lumOff val="15000"/>
-                  </a:schemeClr>
-                </a:solidFill>
-                <a:latin typeface="Arial Rounded MT Bold" pitchFamily="34" charset="0"/>
-              </a:rPr>
-              <a:t>Este es el mismo lugar donde los </a:t>
-            </a:r>
-            <a:r>
-              <a:rPr lang="es-VE" sz="3600" dirty="0">
-                <a:solidFill>
-                  <a:schemeClr val="accent1"/>
-                </a:solidFill>
-                <a:latin typeface="Arial Rounded MT Bold" pitchFamily="34" charset="0"/>
-              </a:rPr>
-              <a:t>israelitas</a:t>
-            </a:r>
-            <a:r>
-              <a:rPr lang="es-VE" sz="3600" dirty="0">
-                <a:solidFill>
-                  <a:schemeClr val="tx1">
-                    <a:lumMod val="85000"/>
-                    <a:lumOff val="15000"/>
-                  </a:schemeClr>
-                </a:solidFill>
-                <a:latin typeface="Arial Rounded MT Bold" pitchFamily="34" charset="0"/>
-              </a:rPr>
-              <a:t>, descendientes de Abram, luego van a confirmar el pacto con Dios, luego de haber conquistado la </a:t>
-            </a:r>
-            <a:r>
-              <a:rPr lang="es-VE" sz="3600" dirty="0">
-                <a:solidFill>
-                  <a:schemeClr val="accent1"/>
-                </a:solidFill>
-                <a:latin typeface="Arial Rounded MT Bold" pitchFamily="34" charset="0"/>
-              </a:rPr>
-              <a:t>Tierra Prometida</a:t>
-            </a:r>
-            <a:r>
-              <a:rPr lang="es-VE" sz="3600" dirty="0">
-                <a:solidFill>
-                  <a:schemeClr val="tx1">
-                    <a:lumMod val="85000"/>
-                    <a:lumOff val="15000"/>
-                  </a:schemeClr>
-                </a:solidFill>
-                <a:latin typeface="Arial Rounded MT Bold" pitchFamily="34" charset="0"/>
-              </a:rPr>
-              <a:t>.</a:t>
-            </a:r>
-            <a:endParaRPr lang="es-VE" dirty="0">
-              <a:solidFill>
-                <a:schemeClr val="tx1">
-                  <a:lumMod val="85000"/>
-                  <a:lumOff val="15000"/>
-                </a:schemeClr>
-              </a:solidFill>
+              <a:rPr lang="es-ES" sz="2000" dirty="0">
+                <a:latin typeface="Arial Rounded MT Bold" pitchFamily="34" charset="0"/>
+              </a:rPr>
+              <a:t>Después de esta revelación, Abram construyó un </a:t>
+            </a:r>
+            <a:r>
+              <a:rPr lang="es-ES" sz="2000" b="1" dirty="0">
+                <a:latin typeface="Arial Rounded MT Bold" pitchFamily="34" charset="0"/>
+              </a:rPr>
+              <a:t>altar al Señor </a:t>
+            </a:r>
+            <a:r>
+              <a:rPr lang="es-ES" sz="2000" dirty="0">
+                <a:latin typeface="Arial Rounded MT Bold" pitchFamily="34" charset="0"/>
+              </a:rPr>
+              <a:t>en </a:t>
+            </a:r>
+            <a:r>
+              <a:rPr lang="es-ES" sz="2000" dirty="0" err="1">
+                <a:latin typeface="Arial Rounded MT Bold" pitchFamily="34" charset="0"/>
+              </a:rPr>
+              <a:t>Siquem</a:t>
+            </a:r>
+            <a:r>
+              <a:rPr lang="es-ES" sz="2000" dirty="0">
+                <a:latin typeface="Arial Rounded MT Bold" pitchFamily="34" charset="0"/>
+              </a:rPr>
+              <a:t> como señal de su adoración y reconocimiento a Dios.</a:t>
+            </a:r>
+            <a:endParaRPr lang="es-VE" sz="2000" dirty="0">
               <a:latin typeface="Arial Rounded MT Bold" pitchFamily="34" charset="0"/>
             </a:endParaRPr>
           </a:p>
@@ -8667,13 +8649,38 @@
         </p:blipFill>
         <p:spPr bwMode="auto">
           <a:xfrm>
-            <a:off x="5436096" y="624790"/>
+            <a:off x="5436096" y="1325860"/>
             <a:ext cx="2885306" cy="3600862"/>
           </a:xfrm>
-          <a:prstGeom prst="rect">
-            <a:avLst/>
+          <a:prstGeom prst="roundRect">
+            <a:avLst>
+              <a:gd name="adj" fmla="val 4167"/>
+            </a:avLst>
           </a:prstGeom>
-          <a:noFill/>
+          <a:solidFill>
+            <a:srgbClr val="FFFFFF"/>
+          </a:solidFill>
+          <a:ln w="76200" cap="sq">
+            <a:solidFill>
+              <a:srgbClr val="292929"/>
+            </a:solidFill>
+            <a:miter lim="800000"/>
+          </a:ln>
+          <a:effectLst>
+            <a:reflection blurRad="12700" stA="28000" endPos="28000" dist="5000" dir="5400000" sy="-100000" algn="bl" rotWithShape="0"/>
+          </a:effectLst>
+          <a:scene3d>
+            <a:camera prst="orthographicFront"/>
+            <a:lightRig rig="threePt" dir="t">
+              <a:rot lat="0" lon="0" rev="2700000"/>
+            </a:lightRig>
+          </a:scene3d>
+          <a:sp3d>
+            <a:bevelT h="38100"/>
+            <a:contourClr>
+              <a:srgbClr val="C0C0C0"/>
+            </a:contourClr>
+          </a:sp3d>
           <a:extLst>
             <a:ext uri="{909E8E84-426E-40DD-AFC4-6F175D3DCCD1}">
               <a14:hiddenFill xmlns:a14="http://schemas.microsoft.com/office/drawing/2010/main">
@@ -8685,6 +8692,123 @@
           </a:extLst>
         </p:spPr>
       </p:pic>
+      <p:sp>
+        <p:nvSpPr>
+          <p:cNvPr id="4" name="1 Título">
+            <a:extLst>
+              <a:ext uri="{FF2B5EF4-FFF2-40B4-BE49-F238E27FC236}">
+                <a16:creationId xmlns:a16="http://schemas.microsoft.com/office/drawing/2014/main" id="{0B69C014-88C9-1E59-C4F8-09F2EA83D448}"/>
+              </a:ext>
+            </a:extLst>
+          </p:cNvPr>
+          <p:cNvSpPr txBox="1">
+            <a:spLocks/>
+          </p:cNvSpPr>
+          <p:nvPr/>
+        </p:nvSpPr>
+        <p:spPr>
+          <a:xfrm>
+            <a:off x="762000" y="389756"/>
+            <a:ext cx="7543800" cy="576064"/>
+          </a:xfrm>
+          <a:prstGeom prst="rect">
+            <a:avLst/>
+          </a:prstGeom>
+        </p:spPr>
+        <p:txBody>
+          <a:bodyPr vert="horz" lIns="91440" tIns="45720" rIns="91440" bIns="45720" rtlCol="0" anchor="ctr" anchorCtr="0">
+            <a:noAutofit/>
+          </a:bodyPr>
+          <a:lstStyle>
+            <a:lvl1pPr algn="l" defTabSz="914400" rtl="0" eaLnBrk="1" latinLnBrk="0" hangingPunct="1">
+              <a:spcBef>
+                <a:spcPct val="0"/>
+              </a:spcBef>
+              <a:buNone/>
+              <a:defRPr sz="5400" kern="1200">
+                <a:solidFill>
+                  <a:schemeClr val="tx1">
+                    <a:lumMod val="85000"/>
+                    <a:lumOff val="15000"/>
+                  </a:schemeClr>
+                </a:solidFill>
+                <a:latin typeface="+mj-lt"/>
+                <a:ea typeface="+mj-ea"/>
+                <a:cs typeface="+mj-cs"/>
+              </a:defRPr>
+            </a:lvl1pPr>
+            <a:lvl2pPr eaLnBrk="1" hangingPunct="1">
+              <a:defRPr>
+                <a:solidFill>
+                  <a:schemeClr val="tx2"/>
+                </a:solidFill>
+              </a:defRPr>
+            </a:lvl2pPr>
+            <a:lvl3pPr eaLnBrk="1" hangingPunct="1">
+              <a:defRPr>
+                <a:solidFill>
+                  <a:schemeClr val="tx2"/>
+                </a:solidFill>
+              </a:defRPr>
+            </a:lvl3pPr>
+            <a:lvl4pPr eaLnBrk="1" hangingPunct="1">
+              <a:defRPr>
+                <a:solidFill>
+                  <a:schemeClr val="tx2"/>
+                </a:solidFill>
+              </a:defRPr>
+            </a:lvl4pPr>
+            <a:lvl5pPr eaLnBrk="1" hangingPunct="1">
+              <a:defRPr>
+                <a:solidFill>
+                  <a:schemeClr val="tx2"/>
+                </a:solidFill>
+              </a:defRPr>
+            </a:lvl5pPr>
+            <a:lvl6pPr eaLnBrk="1" hangingPunct="1">
+              <a:defRPr>
+                <a:solidFill>
+                  <a:schemeClr val="tx2"/>
+                </a:solidFill>
+              </a:defRPr>
+            </a:lvl6pPr>
+            <a:lvl7pPr eaLnBrk="1" hangingPunct="1">
+              <a:defRPr>
+                <a:solidFill>
+                  <a:schemeClr val="tx2"/>
+                </a:solidFill>
+              </a:defRPr>
+            </a:lvl7pPr>
+            <a:lvl8pPr eaLnBrk="1" hangingPunct="1">
+              <a:defRPr>
+                <a:solidFill>
+                  <a:schemeClr val="tx2"/>
+                </a:solidFill>
+              </a:defRPr>
+            </a:lvl8pPr>
+            <a:lvl9pPr eaLnBrk="1" hangingPunct="1">
+              <a:defRPr>
+                <a:solidFill>
+                  <a:schemeClr val="tx2"/>
+                </a:solidFill>
+              </a:defRPr>
+            </a:lvl9pPr>
+          </a:lstStyle>
+          <a:p>
+            <a:r>
+              <a:rPr lang="es-VE" sz="4400" b="1" dirty="0">
+                <a:latin typeface="Andalus" pitchFamily="18" charset="-78"/>
+                <a:cs typeface="Andalus" pitchFamily="18" charset="-78"/>
+              </a:rPr>
+              <a:t>4. Abram llega a Canaán</a:t>
+            </a:r>
+            <a:endParaRPr lang="es-VE" sz="4400" dirty="0">
+              <a:latin typeface="Andalus" pitchFamily="18" charset="-78"/>
+              <a:cs typeface="Andalus" pitchFamily="18" charset="-78"/>
+            </a:endParaRPr>
+          </a:p>
+        </p:txBody>
+      </p:sp>
     </p:spTree>
     <p:extLst>
       <p:ext uri="{BB962C8B-B14F-4D97-AF65-F5344CB8AC3E}">
@@ -8717,37 +8841,6 @@
       </p:grpSpPr>
       <p:sp>
         <p:nvSpPr>
-          <p:cNvPr id="2" name="1 Título"/>
-          <p:cNvSpPr>
-            <a:spLocks noGrp="1"/>
-          </p:cNvSpPr>
-          <p:nvPr>
-            <p:ph type="title"/>
-          </p:nvPr>
-        </p:nvSpPr>
-        <p:spPr/>
-        <p:txBody>
-          <a:bodyPr>
-            <a:normAutofit/>
-          </a:bodyPr>
-          <a:lstStyle/>
-          <a:p>
-            <a:r>
-              <a:rPr lang="es-VE" b="1" dirty="0">
-                <a:latin typeface="Andalus" pitchFamily="18" charset="-78"/>
-                <a:cs typeface="Andalus" pitchFamily="18" charset="-78"/>
-              </a:rPr>
-              <a:t>5. Promesa doble</a:t>
-            </a:r>
-            <a:endParaRPr lang="es-VE" dirty="0">
-              <a:latin typeface="Andalus" pitchFamily="18" charset="-78"/>
-              <a:cs typeface="Andalus" pitchFamily="18" charset="-78"/>
-            </a:endParaRPr>
-          </a:p>
-        </p:txBody>
-      </p:sp>
-      <p:sp>
-        <p:nvSpPr>
           <p:cNvPr id="4" name="2 Marcador de contenido"/>
           <p:cNvSpPr txBox="1">
             <a:spLocks/>
@@ -8756,8 +8849,8 @@
         </p:nvSpPr>
         <p:spPr>
           <a:xfrm>
-            <a:off x="755576" y="481236"/>
-            <a:ext cx="7543800" cy="3672408"/>
+            <a:off x="755576" y="965820"/>
+            <a:ext cx="7543800" cy="4195936"/>
           </a:xfrm>
           <a:prstGeom prst="rect">
             <a:avLst/>
@@ -8936,7 +9029,7 @@
               <a:buNone/>
             </a:pPr>
             <a:r>
-              <a:rPr lang="es-VE" dirty="0">
+              <a:rPr lang="es-VE" sz="1800" dirty="0">
                 <a:solidFill>
                   <a:schemeClr val="accent1"/>
                 </a:solidFill>
@@ -8945,13 +9038,13 @@
               <a:t>Dios amplió su promesa</a:t>
             </a:r>
             <a:r>
-              <a:rPr lang="es-VE" b="1" dirty="0">
+              <a:rPr lang="es-VE" sz="1800" b="1" dirty="0">
                 <a:latin typeface="Arial Rounded MT Bold" pitchFamily="34" charset="0"/>
               </a:rPr>
               <a:t>: </a:t>
             </a:r>
             <a:r>
-              <a:rPr lang="es-VE" dirty="0">
+              <a:rPr lang="es-VE" sz="1800" dirty="0">
                 <a:solidFill>
                   <a:schemeClr val="bg2">
                     <a:lumMod val="25000"/>
@@ -8962,7 +9055,7 @@
               <a:t> En Siquem </a:t>
             </a:r>
             <a:r>
-              <a:rPr lang="es-VE" dirty="0">
+              <a:rPr lang="es-VE" sz="1800" dirty="0">
                 <a:latin typeface="Arial Rounded MT Bold" pitchFamily="34" charset="0"/>
               </a:rPr>
               <a:t>Dios amplio lo prometido a Abram:</a:t>
@@ -8973,13 +9066,13 @@
               <a:buFont typeface="Arial" pitchFamily="34" charset="0"/>
               <a:buNone/>
             </a:pPr>
-            <a:endParaRPr lang="en-US" sz="1600" dirty="0">
+            <a:endParaRPr lang="en-US" sz="1800" dirty="0">
               <a:latin typeface="Arial Rounded MT Bold" pitchFamily="34" charset="0"/>
             </a:endParaRPr>
           </a:p>
           <a:p>
             <a:r>
-              <a:rPr lang="es-VE" sz="1600" i="1" dirty="0">
+              <a:rPr lang="es-VE" sz="1800" i="1" dirty="0">
                 <a:solidFill>
                   <a:schemeClr val="accent1"/>
                 </a:solidFill>
@@ -8987,7 +9080,7 @@
               </a:rPr>
               <a:t>… 4 Promesas anteriores.</a:t>
             </a:r>
-            <a:endParaRPr lang="en-US" sz="1600" i="1" dirty="0">
+            <a:endParaRPr lang="en-US" sz="1800" i="1" dirty="0">
               <a:solidFill>
                 <a:schemeClr val="accent1"/>
               </a:solidFill>
@@ -8996,18 +9089,18 @@
           </a:p>
           <a:p>
             <a:r>
-              <a:rPr lang="es-VE" sz="1600" dirty="0">
+              <a:rPr lang="es-VE" sz="1800" dirty="0">
                 <a:latin typeface="Arial Rounded MT Bold" pitchFamily="34" charset="0"/>
               </a:rPr>
               <a:t>Bendeciré a los que te bendigan, y al que te maldiga, maldeciré.</a:t>
             </a:r>
-            <a:endParaRPr lang="en-US" sz="1600" dirty="0">
+            <a:endParaRPr lang="en-US" sz="1800" dirty="0">
               <a:latin typeface="Arial Rounded MT Bold" pitchFamily="34" charset="0"/>
             </a:endParaRPr>
           </a:p>
           <a:p>
             <a:r>
-              <a:rPr lang="es-VE" sz="1600" dirty="0">
+              <a:rPr lang="es-VE" sz="1800" dirty="0">
                 <a:latin typeface="Arial Rounded MT Bold" pitchFamily="34" charset="0"/>
               </a:rPr>
               <a:t>En ti serán benditas todas las familias de la tierra.</a:t>
@@ -9022,7 +9115,7 @@
               <a:buChar char="+"/>
             </a:pPr>
             <a:r>
-              <a:rPr lang="es-VE" sz="1600" dirty="0">
+              <a:rPr lang="es-VE" sz="1800" dirty="0">
                 <a:solidFill>
                   <a:srgbClr val="006030"/>
                 </a:solidFill>
@@ -9031,7 +9124,7 @@
               <a:t>A tu descendencia le daré esta tierra. </a:t>
             </a:r>
             <a:r>
-              <a:rPr lang="es-VE" sz="1600" b="1" dirty="0">
+              <a:rPr lang="es-VE" sz="1800" b="1" dirty="0">
                 <a:solidFill>
                   <a:srgbClr val="006030"/>
                 </a:solidFill>
@@ -9045,7 +9138,7 @@
               <a:buFont typeface="Arial" pitchFamily="34" charset="0"/>
               <a:buNone/>
             </a:pPr>
-            <a:endParaRPr lang="en-US" sz="1600" dirty="0">
+            <a:endParaRPr lang="en-US" sz="1800" dirty="0">
               <a:latin typeface="Arial Rounded MT Bold" pitchFamily="34" charset="0"/>
             </a:endParaRPr>
           </a:p>
@@ -9054,7 +9147,7 @@
               <a:buNone/>
             </a:pPr>
             <a:r>
-              <a:rPr lang="es-VE" sz="1600" dirty="0">
+              <a:rPr lang="es-VE" sz="1800" dirty="0">
                 <a:solidFill>
                   <a:schemeClr val="bg2">
                     <a:lumMod val="25000"/>
@@ -9065,7 +9158,7 @@
               <a:t>Seguramente Abram se preguntaba cómo sería eso posible, ya que </a:t>
             </a:r>
             <a:r>
-              <a:rPr lang="es-VE" sz="1600" dirty="0">
+              <a:rPr lang="es-VE" sz="1800" dirty="0">
                 <a:solidFill>
                   <a:schemeClr val="accent1"/>
                 </a:solidFill>
@@ -9074,7 +9167,7 @@
               <a:t>él no tenía hijos</a:t>
             </a:r>
             <a:r>
-              <a:rPr lang="es-VE" sz="1600" dirty="0">
+              <a:rPr lang="es-VE" sz="1800" dirty="0">
                 <a:solidFill>
                   <a:schemeClr val="bg2">
                     <a:lumMod val="25000"/>
@@ -9085,7 +9178,7 @@
               <a:t>, y ya tenía </a:t>
             </a:r>
             <a:r>
-              <a:rPr lang="es-VE" sz="1600" dirty="0">
+              <a:rPr lang="es-VE" sz="1800" dirty="0">
                 <a:solidFill>
                   <a:schemeClr val="accent1"/>
                 </a:solidFill>
@@ -9094,7 +9187,7 @@
               <a:t>75 años de edad</a:t>
             </a:r>
             <a:r>
-              <a:rPr lang="es-VE" sz="1600" dirty="0">
+              <a:rPr lang="es-VE" sz="1800" dirty="0">
                 <a:solidFill>
                   <a:schemeClr val="bg2">
                     <a:lumMod val="25000"/>
@@ -9104,8 +9197,125 @@
               </a:rPr>
               <a:t>.  Por otro lado, en ese entonces la tierra les pertenecía a los cananeos, y como a extranjero, a él no se le daba la oportunidad de poder comprar tierra.</a:t>
             </a:r>
-            <a:endParaRPr lang="en-US" sz="1600" dirty="0">
+            <a:endParaRPr lang="en-US" sz="1800" dirty="0">
               <a:latin typeface="Arial Rounded MT Bold" pitchFamily="34" charset="0"/>
+            </a:endParaRPr>
+          </a:p>
+        </p:txBody>
+      </p:sp>
+      <p:sp>
+        <p:nvSpPr>
+          <p:cNvPr id="3" name="1 Título">
+            <a:extLst>
+              <a:ext uri="{FF2B5EF4-FFF2-40B4-BE49-F238E27FC236}">
+                <a16:creationId xmlns:a16="http://schemas.microsoft.com/office/drawing/2014/main" id="{EE770E45-A98C-99AE-6F27-CA488AAA04D2}"/>
+              </a:ext>
+            </a:extLst>
+          </p:cNvPr>
+          <p:cNvSpPr txBox="1">
+            <a:spLocks/>
+          </p:cNvSpPr>
+          <p:nvPr/>
+        </p:nvSpPr>
+        <p:spPr>
+          <a:xfrm>
+            <a:off x="762000" y="389756"/>
+            <a:ext cx="7543800" cy="576064"/>
+          </a:xfrm>
+          <a:prstGeom prst="rect">
+            <a:avLst/>
+          </a:prstGeom>
+        </p:spPr>
+        <p:txBody>
+          <a:bodyPr vert="horz" lIns="91440" tIns="45720" rIns="91440" bIns="45720" rtlCol="0" anchor="ctr" anchorCtr="0">
+            <a:noAutofit/>
+          </a:bodyPr>
+          <a:lstStyle>
+            <a:lvl1pPr algn="l" defTabSz="914400" rtl="0" eaLnBrk="1" latinLnBrk="0" hangingPunct="1">
+              <a:spcBef>
+                <a:spcPct val="0"/>
+              </a:spcBef>
+              <a:buNone/>
+              <a:defRPr sz="5400" kern="1200">
+                <a:solidFill>
+                  <a:schemeClr val="tx1">
+                    <a:lumMod val="85000"/>
+                    <a:lumOff val="15000"/>
+                  </a:schemeClr>
+                </a:solidFill>
+                <a:latin typeface="+mj-lt"/>
+                <a:ea typeface="+mj-ea"/>
+                <a:cs typeface="+mj-cs"/>
+              </a:defRPr>
+            </a:lvl1pPr>
+            <a:lvl2pPr eaLnBrk="1" hangingPunct="1">
+              <a:defRPr>
+                <a:solidFill>
+                  <a:schemeClr val="tx2"/>
+                </a:solidFill>
+              </a:defRPr>
+            </a:lvl2pPr>
+            <a:lvl3pPr eaLnBrk="1" hangingPunct="1">
+              <a:defRPr>
+                <a:solidFill>
+                  <a:schemeClr val="tx2"/>
+                </a:solidFill>
+              </a:defRPr>
+            </a:lvl3pPr>
+            <a:lvl4pPr eaLnBrk="1" hangingPunct="1">
+              <a:defRPr>
+                <a:solidFill>
+                  <a:schemeClr val="tx2"/>
+                </a:solidFill>
+              </a:defRPr>
+            </a:lvl4pPr>
+            <a:lvl5pPr eaLnBrk="1" hangingPunct="1">
+              <a:defRPr>
+                <a:solidFill>
+                  <a:schemeClr val="tx2"/>
+                </a:solidFill>
+              </a:defRPr>
+            </a:lvl5pPr>
+            <a:lvl6pPr eaLnBrk="1" hangingPunct="1">
+              <a:defRPr>
+                <a:solidFill>
+                  <a:schemeClr val="tx2"/>
+                </a:solidFill>
+              </a:defRPr>
+            </a:lvl6pPr>
+            <a:lvl7pPr eaLnBrk="1" hangingPunct="1">
+              <a:defRPr>
+                <a:solidFill>
+                  <a:schemeClr val="tx2"/>
+                </a:solidFill>
+              </a:defRPr>
+            </a:lvl7pPr>
+            <a:lvl8pPr eaLnBrk="1" hangingPunct="1">
+              <a:defRPr>
+                <a:solidFill>
+                  <a:schemeClr val="tx2"/>
+                </a:solidFill>
+              </a:defRPr>
+            </a:lvl8pPr>
+            <a:lvl9pPr eaLnBrk="1" hangingPunct="1">
+              <a:defRPr>
+                <a:solidFill>
+                  <a:schemeClr val="tx2"/>
+                </a:solidFill>
+              </a:defRPr>
+            </a:lvl9pPr>
+          </a:lstStyle>
+          <a:p>
+            <a:r>
+              <a:rPr lang="es-VE" sz="4400" b="1" dirty="0">
+                <a:latin typeface="Andalus" pitchFamily="18" charset="-78"/>
+                <a:cs typeface="Andalus" pitchFamily="18" charset="-78"/>
+              </a:rPr>
+              <a:t>5. Promesa doble</a:t>
+            </a:r>
+            <a:endParaRPr lang="es-VE" sz="4400" dirty="0">
+              <a:latin typeface="Andalus" pitchFamily="18" charset="-78"/>
+              <a:cs typeface="Andalus" pitchFamily="18" charset="-78"/>
             </a:endParaRPr>
           </a:p>
         </p:txBody>
@@ -9142,42 +9352,6 @@
       </p:grpSpPr>
       <p:sp>
         <p:nvSpPr>
-          <p:cNvPr id="2" name="1 Título"/>
-          <p:cNvSpPr>
-            <a:spLocks noGrp="1"/>
-          </p:cNvSpPr>
-          <p:nvPr>
-            <p:ph type="title"/>
-          </p:nvPr>
-        </p:nvSpPr>
-        <p:spPr>
-          <a:xfrm>
-            <a:off x="762000" y="4225652"/>
-            <a:ext cx="6781800" cy="917848"/>
-          </a:xfrm>
-        </p:spPr>
-        <p:txBody>
-          <a:bodyPr>
-            <a:normAutofit/>
-          </a:bodyPr>
-          <a:lstStyle/>
-          <a:p>
-            <a:r>
-              <a:rPr lang="es-VE" b="1" dirty="0">
-                <a:latin typeface="Andalus" pitchFamily="18" charset="-78"/>
-                <a:cs typeface="Andalus" pitchFamily="18" charset="-78"/>
-              </a:rPr>
-              <a:t>6. Siguió su camino</a:t>
-            </a:r>
-            <a:endParaRPr lang="es-VE" dirty="0">
-              <a:latin typeface="Andalus" pitchFamily="18" charset="-78"/>
-              <a:cs typeface="Andalus" pitchFamily="18" charset="-78"/>
-            </a:endParaRPr>
-          </a:p>
-        </p:txBody>
-      </p:sp>
-      <p:sp>
-        <p:nvSpPr>
           <p:cNvPr id="3" name="2 Marcador de contenido"/>
           <p:cNvSpPr>
             <a:spLocks noGrp="1"/>
@@ -9188,13 +9362,13 @@
         </p:nvSpPr>
         <p:spPr>
           <a:xfrm>
-            <a:off x="762000" y="481236"/>
-            <a:ext cx="4890120" cy="2664296"/>
+            <a:off x="762000" y="1129308"/>
+            <a:ext cx="4674096" cy="3960440"/>
           </a:xfrm>
         </p:spPr>
         <p:txBody>
           <a:bodyPr>
-            <a:normAutofit fontScale="55000" lnSpcReduction="20000"/>
+            <a:normAutofit fontScale="92500" lnSpcReduction="10000"/>
           </a:bodyPr>
           <a:lstStyle/>
           <a:p>
@@ -9202,7 +9376,7 @@
               <a:buNone/>
             </a:pPr>
             <a:r>
-              <a:rPr lang="es-VE" sz="3600" dirty="0">
+              <a:rPr lang="es-VE" sz="1800" dirty="0">
                 <a:solidFill>
                   <a:schemeClr val="bg2">
                     <a:lumMod val="25000"/>
@@ -9213,16 +9387,34 @@
               <a:t>Siquem es un valle, pero luego de oír la promesa, Abram subió a un monte cercano, probablemente para apreciar la Tierra que Dios le ofrecía </a:t>
             </a:r>
             <a:r>
-              <a:rPr lang="es-VE" sz="3600" b="1" dirty="0">
-                <a:solidFill>
-                  <a:srgbClr val="006030"/>
-                </a:solidFill>
-                <a:latin typeface="Arial Rounded MT Bold" pitchFamily="34" charset="0"/>
-              </a:rPr>
-              <a:t>(Génesis 12:8)</a:t>
-            </a:r>
-            <a:r>
-              <a:rPr lang="es-VE" sz="3600" dirty="0">
+              <a:rPr lang="es-ES" sz="1800" dirty="0">
+                <a:solidFill>
+                  <a:schemeClr val="accent1"/>
+                </a:solidFill>
+                <a:latin typeface="Arial Rounded MT Bold" pitchFamily="34" charset="0"/>
+              </a:rPr>
+              <a:t>[</a:t>
+            </a:r>
+            <a:r>
+              <a:rPr lang="es-ES" sz="1800" dirty="0" err="1">
+                <a:solidFill>
+                  <a:schemeClr val="accent1"/>
+                </a:solidFill>
+                <a:latin typeface="Arial Rounded MT Bold" pitchFamily="34" charset="0"/>
+              </a:rPr>
+              <a:t>Gn</a:t>
+            </a:r>
+            <a:r>
+              <a:rPr lang="es-ES" sz="1800" dirty="0">
+                <a:solidFill>
+                  <a:schemeClr val="accent1"/>
+                </a:solidFill>
+                <a:latin typeface="Arial Rounded MT Bold" pitchFamily="34" charset="0"/>
+              </a:rPr>
+              <a:t> 12:8]</a:t>
+            </a:r>
+            <a:r>
+              <a:rPr lang="es-VE" sz="1800" dirty="0">
                 <a:solidFill>
                   <a:srgbClr val="006030"/>
                 </a:solidFill>
@@ -9235,7 +9427,7 @@
             <a:pPr marL="0" indent="0">
               <a:buNone/>
             </a:pPr>
-            <a:endParaRPr lang="es-VE" sz="3600" dirty="0">
+            <a:endParaRPr lang="es-VE" sz="1800" dirty="0">
               <a:solidFill>
                 <a:srgbClr val="006030"/>
               </a:solidFill>
@@ -9247,7 +9439,7 @@
               <a:buNone/>
             </a:pPr>
             <a:r>
-              <a:rPr lang="es-VE" sz="3600" dirty="0">
+              <a:rPr lang="es-VE" sz="1800" dirty="0">
                 <a:solidFill>
                   <a:schemeClr val="bg2">
                     <a:lumMod val="25000"/>
@@ -9258,7 +9450,7 @@
               <a:t>Luego que el Señor le mostrara a Abram la </a:t>
             </a:r>
             <a:r>
-              <a:rPr lang="es-VE" sz="3600" dirty="0">
+              <a:rPr lang="es-VE" sz="1800" dirty="0">
                 <a:solidFill>
                   <a:schemeClr val="accent1"/>
                 </a:solidFill>
@@ -9267,7 +9459,7 @@
               <a:t>Tierra Prometida</a:t>
             </a:r>
             <a:r>
-              <a:rPr lang="es-VE" sz="3600" dirty="0">
+              <a:rPr lang="es-VE" sz="1800" dirty="0">
                 <a:solidFill>
                   <a:schemeClr val="bg2">
                     <a:lumMod val="25000"/>
@@ -9275,33 +9467,174 @@
                 </a:solidFill>
                 <a:latin typeface="Arial Rounded MT Bold" pitchFamily="34" charset="0"/>
               </a:rPr>
-              <a:t>, él no se quedó allí.</a:t>
-            </a:r>
-            <a:r>
-              <a:rPr lang="es-VE" sz="3600" b="1" dirty="0">
+              <a:t>, él no se quedó allí sino que siguió hasta el </a:t>
+            </a:r>
+            <a:r>
+              <a:rPr lang="es-VE" sz="1800" dirty="0" err="1">
+                <a:solidFill>
+                  <a:srgbClr val="006030"/>
+                </a:solidFill>
+                <a:latin typeface="Arial Rounded MT Bold" pitchFamily="34" charset="0"/>
+              </a:rPr>
+              <a:t>Neguev</a:t>
+            </a:r>
+            <a:r>
+              <a:rPr lang="es-VE" sz="1800" dirty="0">
                 <a:solidFill>
                   <a:schemeClr val="bg2">
                     <a:lumMod val="25000"/>
                   </a:schemeClr>
                 </a:solidFill>
                 <a:latin typeface="Arial Rounded MT Bold" pitchFamily="34" charset="0"/>
+              </a:rPr>
+              <a:t>.</a:t>
+            </a:r>
+            <a:r>
+              <a:rPr lang="es-VE" sz="1800" b="1" dirty="0">
+                <a:solidFill>
+                  <a:schemeClr val="bg2">
+                    <a:lumMod val="25000"/>
+                  </a:schemeClr>
+                </a:solidFill>
+                <a:latin typeface="Arial Rounded MT Bold" pitchFamily="34" charset="0"/>
                 <a:cs typeface="Arial" pitchFamily="34" charset="0"/>
               </a:rPr>
               <a:t> </a:t>
             </a:r>
             <a:r>
-              <a:rPr lang="es-VE" sz="3600" b="1" dirty="0">
-                <a:solidFill>
-                  <a:srgbClr val="006030"/>
-                </a:solidFill>
-                <a:latin typeface="Arial Rounded MT Bold" pitchFamily="34" charset="0"/>
-                <a:cs typeface="Arial" pitchFamily="34" charset="0"/>
-              </a:rPr>
-              <a:t>(Gen. 12:9)</a:t>
-            </a:r>
-            <a:endParaRPr lang="es-VE" sz="3600" dirty="0">
+              <a:rPr lang="es-ES" sz="1800" dirty="0">
+                <a:solidFill>
+                  <a:schemeClr val="accent1"/>
+                </a:solidFill>
+                <a:latin typeface="Arial Rounded MT Bold" pitchFamily="34" charset="0"/>
+              </a:rPr>
+              <a:t>[</a:t>
+            </a:r>
+            <a:r>
+              <a:rPr lang="es-ES" sz="1800" dirty="0" err="1">
+                <a:solidFill>
+                  <a:schemeClr val="accent1"/>
+                </a:solidFill>
+                <a:latin typeface="Arial Rounded MT Bold" pitchFamily="34" charset="0"/>
+              </a:rPr>
+              <a:t>Gn</a:t>
+            </a:r>
+            <a:r>
+              <a:rPr lang="es-ES" sz="1800" dirty="0">
+                <a:solidFill>
+                  <a:schemeClr val="accent1"/>
+                </a:solidFill>
+                <a:latin typeface="Arial Rounded MT Bold" pitchFamily="34" charset="0"/>
+              </a:rPr>
+              <a:t> 12:9]</a:t>
+            </a:r>
+            <a:endParaRPr lang="es-VE" sz="1800" b="1" dirty="0">
               <a:solidFill>
                 <a:srgbClr val="006030"/>
+              </a:solidFill>
+              <a:latin typeface="Arial Rounded MT Bold" pitchFamily="34" charset="0"/>
+              <a:cs typeface="Arial" pitchFamily="34" charset="0"/>
+            </a:endParaRPr>
+          </a:p>
+          <a:p>
+            <a:pPr marL="0" indent="0">
+              <a:buNone/>
+            </a:pPr>
+            <a:endParaRPr lang="es-VE" sz="1800" b="1" dirty="0">
+              <a:solidFill>
+                <a:srgbClr val="006030"/>
+              </a:solidFill>
+              <a:latin typeface="Arial Rounded MT Bold" pitchFamily="34" charset="0"/>
+              <a:cs typeface="Arial" pitchFamily="34" charset="0"/>
+            </a:endParaRPr>
+          </a:p>
+          <a:p>
+            <a:pPr marL="0" indent="0">
+              <a:buNone/>
+            </a:pPr>
+            <a:r>
+              <a:rPr lang="es-VE" sz="1800" dirty="0">
+                <a:solidFill>
+                  <a:schemeClr val="bg2">
+                    <a:lumMod val="25000"/>
+                  </a:schemeClr>
+                </a:solidFill>
+                <a:latin typeface="Arial Rounded MT Bold" pitchFamily="34" charset="0"/>
+              </a:rPr>
+              <a:t>El </a:t>
+            </a:r>
+            <a:r>
+              <a:rPr lang="es-VE" sz="1800" dirty="0" err="1">
+                <a:solidFill>
+                  <a:srgbClr val="006030"/>
+                </a:solidFill>
+                <a:latin typeface="Arial Rounded MT Bold" pitchFamily="34" charset="0"/>
+              </a:rPr>
+              <a:t>Neguev</a:t>
+            </a:r>
+            <a:r>
+              <a:rPr lang="es-VE" sz="1800" dirty="0">
+                <a:solidFill>
+                  <a:schemeClr val="accent1"/>
+                </a:solidFill>
+                <a:latin typeface="Arial Rounded MT Bold" pitchFamily="34" charset="0"/>
+              </a:rPr>
+              <a:t> </a:t>
+            </a:r>
+            <a:r>
+              <a:rPr lang="es-VE" sz="1800" dirty="0">
+                <a:solidFill>
+                  <a:schemeClr val="bg2">
+                    <a:lumMod val="25000"/>
+                  </a:schemeClr>
+                </a:solidFill>
+                <a:latin typeface="Arial Rounded MT Bold" pitchFamily="34" charset="0"/>
+              </a:rPr>
+              <a:t>es el desierto al sur de Israel; la palabra literalmente significa “</a:t>
+            </a:r>
+            <a:r>
+              <a:rPr lang="es-VE" sz="1800" dirty="0">
+                <a:solidFill>
+                  <a:schemeClr val="accent1"/>
+                </a:solidFill>
+                <a:latin typeface="Arial Rounded MT Bold" pitchFamily="34" charset="0"/>
+              </a:rPr>
+              <a:t>árido, reseco</a:t>
+            </a:r>
+            <a:r>
+              <a:rPr lang="es-VE" sz="1800" dirty="0">
+                <a:solidFill>
+                  <a:schemeClr val="bg2">
+                    <a:lumMod val="25000"/>
+                  </a:schemeClr>
+                </a:solidFill>
+                <a:latin typeface="Arial Rounded MT Bold" pitchFamily="34" charset="0"/>
+              </a:rPr>
+              <a:t>”. Para complicar la situación, </a:t>
+            </a:r>
+            <a:r>
+              <a:rPr lang="es-VE" sz="1800" b="1" dirty="0">
+                <a:solidFill>
+                  <a:schemeClr val="accent1"/>
+                </a:solidFill>
+                <a:latin typeface="Arial Rounded MT Bold" pitchFamily="34" charset="0"/>
+              </a:rPr>
+              <a:t>hubo hambre en la tierra</a:t>
+            </a:r>
+            <a:r>
+              <a:rPr lang="es-VE" sz="1800" dirty="0">
+                <a:solidFill>
+                  <a:schemeClr val="bg2">
+                    <a:lumMod val="25000"/>
+                  </a:schemeClr>
+                </a:solidFill>
+                <a:latin typeface="Arial Rounded MT Bold" pitchFamily="34" charset="0"/>
+              </a:rPr>
+              <a:t>, lo cual sucede generalmente como consecuencia de una sequía.</a:t>
+            </a:r>
+            <a:endParaRPr lang="es-VE" sz="1800" dirty="0">
+              <a:solidFill>
+                <a:srgbClr val="7030A0"/>
               </a:solidFill>
               <a:latin typeface="Arial Rounded MT Bold" pitchFamily="34" charset="0"/>
             </a:endParaRPr>
@@ -9329,13 +9662,38 @@
         </p:blipFill>
         <p:spPr bwMode="auto">
           <a:xfrm>
-            <a:off x="5847577" y="481236"/>
-            <a:ext cx="2479394" cy="2664296"/>
+            <a:off x="5652120" y="1345332"/>
+            <a:ext cx="2674851" cy="3528392"/>
           </a:xfrm>
-          <a:prstGeom prst="rect">
-            <a:avLst/>
+          <a:prstGeom prst="roundRect">
+            <a:avLst>
+              <a:gd name="adj" fmla="val 4167"/>
+            </a:avLst>
           </a:prstGeom>
-          <a:noFill/>
+          <a:solidFill>
+            <a:srgbClr val="FFFFFF"/>
+          </a:solidFill>
+          <a:ln w="76200" cap="sq">
+            <a:solidFill>
+              <a:srgbClr val="292929"/>
+            </a:solidFill>
+            <a:miter lim="800000"/>
+          </a:ln>
+          <a:effectLst>
+            <a:reflection blurRad="12700" stA="28000" endPos="28000" dist="5000" dir="5400000" sy="-100000" algn="bl" rotWithShape="0"/>
+          </a:effectLst>
+          <a:scene3d>
+            <a:camera prst="orthographicFront"/>
+            <a:lightRig rig="threePt" dir="t">
+              <a:rot lat="0" lon="0" rev="2700000"/>
+            </a:lightRig>
+          </a:scene3d>
+          <a:sp3d>
+            <a:bevelT h="38100"/>
+            <a:contourClr>
+              <a:srgbClr val="C0C0C0"/>
+            </a:contourClr>
+          </a:sp3d>
           <a:extLst>
             <a:ext uri="{909E8E84-426E-40DD-AFC4-6F175D3DCCD1}">
               <a14:hiddenFill xmlns:a14="http://schemas.microsoft.com/office/drawing/2010/main">
@@ -9349,7 +9707,13 @@
       </p:pic>
       <p:sp>
         <p:nvSpPr>
-          <p:cNvPr id="5" name="2 Marcador de contenido"/>
+          <p:cNvPr id="4" name="1 Título">
+            <a:extLst>
+              <a:ext uri="{FF2B5EF4-FFF2-40B4-BE49-F238E27FC236}">
+                <a16:creationId xmlns:a16="http://schemas.microsoft.com/office/drawing/2014/main" id="{8D4470F4-9F88-5644-4B1E-5EF51F4F9B91}"/>
+              </a:ext>
+            </a:extLst>
+          </p:cNvPr>
           <p:cNvSpPr txBox="1">
             <a:spLocks/>
           </p:cNvSpPr>
@@ -9357,8 +9721,8 @@
         </p:nvSpPr>
         <p:spPr>
           <a:xfrm>
-            <a:off x="756064" y="3289548"/>
-            <a:ext cx="7591473" cy="1008112"/>
+            <a:off x="762000" y="389756"/>
+            <a:ext cx="7543800" cy="576064"/>
           </a:xfrm>
           <a:prstGeom prst="rect">
             <a:avLst/>
@@ -9366,232 +9730,94 @@
         </p:spPr>
         <p:txBody>
           <a:bodyPr vert="horz" lIns="91440" tIns="45720" rIns="91440" bIns="45720" rtlCol="0" anchor="ctr" anchorCtr="0">
-            <a:normAutofit fontScale="47500" lnSpcReduction="20000"/>
+            <a:noAutofit/>
           </a:bodyPr>
           <a:lstStyle>
-            <a:lvl1pPr marL="274320" indent="-274320" algn="l" defTabSz="914400" rtl="0" eaLnBrk="1" latinLnBrk="0" hangingPunct="1">
+            <a:lvl1pPr algn="l" defTabSz="914400" rtl="0" eaLnBrk="1" latinLnBrk="0" hangingPunct="1">
               <a:spcBef>
-                <a:spcPct val="20000"/>
+                <a:spcPct val="0"/>
               </a:spcBef>
-              <a:buClr>
-                <a:schemeClr val="accent1"/>
-              </a:buClr>
-              <a:buFont typeface="Arial" pitchFamily="34" charset="0"/>
-              <a:buChar char="•"/>
-              <a:defRPr sz="2400" kern="1200">
-                <a:solidFill>
-                  <a:schemeClr val="tx2"/>
-                </a:solidFill>
-                <a:latin typeface="+mn-lt"/>
-                <a:ea typeface="+mn-ea"/>
-                <a:cs typeface="+mn-cs"/>
+              <a:buNone/>
+              <a:defRPr sz="5400" kern="1200">
+                <a:solidFill>
+                  <a:schemeClr val="tx1">
+                    <a:lumMod val="85000"/>
+                    <a:lumOff val="15000"/>
+                  </a:schemeClr>
+                </a:solidFill>
+                <a:latin typeface="+mj-lt"/>
+                <a:ea typeface="+mj-ea"/>
+                <a:cs typeface="+mj-cs"/>
               </a:defRPr>
             </a:lvl1pPr>
-            <a:lvl2pPr marL="594360" indent="-274320" algn="l" defTabSz="914400" rtl="0" eaLnBrk="1" latinLnBrk="0" hangingPunct="1">
-              <a:spcBef>
-                <a:spcPct val="20000"/>
-              </a:spcBef>
-              <a:buClr>
-                <a:schemeClr val="accent1"/>
-              </a:buClr>
-              <a:buFont typeface="Arial" pitchFamily="34" charset="0"/>
-              <a:buChar char="•"/>
-              <a:defRPr sz="2200" kern="1200">
+            <a:lvl2pPr eaLnBrk="1" hangingPunct="1">
+              <a:defRPr>
                 <a:solidFill>
                   <a:schemeClr val="tx2"/>
                 </a:solidFill>
-                <a:latin typeface="+mn-lt"/>
-                <a:ea typeface="+mn-ea"/>
-                <a:cs typeface="+mn-cs"/>
               </a:defRPr>
             </a:lvl2pPr>
-            <a:lvl3pPr marL="868680" indent="-228600" algn="l" defTabSz="914400" rtl="0" eaLnBrk="1" latinLnBrk="0" hangingPunct="1">
-              <a:spcBef>
-                <a:spcPct val="20000"/>
-              </a:spcBef>
-              <a:buClr>
-                <a:schemeClr val="accent1"/>
-              </a:buClr>
-              <a:buFont typeface="Arial" pitchFamily="34" charset="0"/>
-              <a:buChar char="•"/>
-              <a:defRPr sz="2000" kern="1200">
+            <a:lvl3pPr eaLnBrk="1" hangingPunct="1">
+              <a:defRPr>
                 <a:solidFill>
                   <a:schemeClr val="tx2"/>
                 </a:solidFill>
-                <a:latin typeface="+mn-lt"/>
-                <a:ea typeface="+mn-ea"/>
-                <a:cs typeface="+mn-cs"/>
               </a:defRPr>
             </a:lvl3pPr>
-            <a:lvl4pPr marL="1143000" indent="-228600" algn="l" defTabSz="914400" rtl="0" eaLnBrk="1" latinLnBrk="0" hangingPunct="1">
-              <a:spcBef>
-                <a:spcPct val="20000"/>
-              </a:spcBef>
-              <a:buClr>
-                <a:schemeClr val="accent1"/>
-              </a:buClr>
-              <a:buFont typeface="Arial" pitchFamily="34" charset="0"/>
-              <a:buChar char="•"/>
-              <a:defRPr sz="1800" kern="1200">
+            <a:lvl4pPr eaLnBrk="1" hangingPunct="1">
+              <a:defRPr>
                 <a:solidFill>
                   <a:schemeClr val="tx2"/>
                 </a:solidFill>
-                <a:latin typeface="+mn-lt"/>
-                <a:ea typeface="+mn-ea"/>
-                <a:cs typeface="+mn-cs"/>
               </a:defRPr>
             </a:lvl4pPr>
-            <a:lvl5pPr marL="1371600" indent="-228600" algn="l" defTabSz="914400" rtl="0" eaLnBrk="1" latinLnBrk="0" hangingPunct="1">
-              <a:spcBef>
-                <a:spcPct val="20000"/>
-              </a:spcBef>
-              <a:buClr>
-                <a:schemeClr val="accent1"/>
-              </a:buClr>
-              <a:buFont typeface="Arial" pitchFamily="34" charset="0"/>
-              <a:buChar char="•"/>
-              <a:defRPr sz="1800" kern="1200" baseline="0">
+            <a:lvl5pPr eaLnBrk="1" hangingPunct="1">
+              <a:defRPr>
                 <a:solidFill>
                   <a:schemeClr val="tx2"/>
                 </a:solidFill>
-                <a:latin typeface="+mn-lt"/>
-                <a:ea typeface="+mn-ea"/>
-                <a:cs typeface="+mn-cs"/>
               </a:defRPr>
             </a:lvl5pPr>
-            <a:lvl6pPr marL="1645920" indent="-228600" algn="l" defTabSz="914400" rtl="0" eaLnBrk="1" latinLnBrk="0" hangingPunct="1">
-              <a:spcBef>
-                <a:spcPct val="20000"/>
-              </a:spcBef>
-              <a:buClr>
-                <a:schemeClr val="accent1"/>
-              </a:buClr>
-              <a:buFont typeface="Arial" pitchFamily="34" charset="0"/>
-              <a:buChar char="•"/>
-              <a:defRPr sz="1600" kern="1200">
+            <a:lvl6pPr eaLnBrk="1" hangingPunct="1">
+              <a:defRPr>
                 <a:solidFill>
                   <a:schemeClr val="tx2"/>
                 </a:solidFill>
-                <a:latin typeface="+mn-lt"/>
-                <a:ea typeface="+mn-ea"/>
-                <a:cs typeface="+mn-cs"/>
               </a:defRPr>
             </a:lvl6pPr>
-            <a:lvl7pPr marL="1901952" indent="-228600" algn="l" defTabSz="914400" rtl="0" eaLnBrk="1" latinLnBrk="0" hangingPunct="1">
-              <a:spcBef>
-                <a:spcPct val="20000"/>
-              </a:spcBef>
-              <a:buClr>
-                <a:schemeClr val="accent1"/>
-              </a:buClr>
-              <a:buFont typeface="Arial" pitchFamily="34" charset="0"/>
-              <a:buChar char="•"/>
-              <a:defRPr sz="1600" kern="1200">
+            <a:lvl7pPr eaLnBrk="1" hangingPunct="1">
+              <a:defRPr>
                 <a:solidFill>
                   <a:schemeClr val="tx2"/>
                 </a:solidFill>
-                <a:latin typeface="+mn-lt"/>
-                <a:ea typeface="+mn-ea"/>
-                <a:cs typeface="+mn-cs"/>
               </a:defRPr>
             </a:lvl7pPr>
-            <a:lvl8pPr marL="2194560" indent="-228600" algn="l" defTabSz="914400" rtl="0" eaLnBrk="1" latinLnBrk="0" hangingPunct="1">
-              <a:spcBef>
-                <a:spcPct val="20000"/>
-              </a:spcBef>
-              <a:buClr>
-                <a:schemeClr val="accent1"/>
-              </a:buClr>
-              <a:buFont typeface="Arial" pitchFamily="34" charset="0"/>
-              <a:buChar char="•"/>
-              <a:defRPr sz="1600" kern="1200">
+            <a:lvl8pPr eaLnBrk="1" hangingPunct="1">
+              <a:defRPr>
                 <a:solidFill>
                   <a:schemeClr val="tx2"/>
                 </a:solidFill>
-                <a:latin typeface="+mn-lt"/>
-                <a:ea typeface="+mn-ea"/>
-                <a:cs typeface="+mn-cs"/>
               </a:defRPr>
             </a:lvl8pPr>
-            <a:lvl9pPr marL="2468880" indent="-228600" algn="l" defTabSz="914400" rtl="0" eaLnBrk="1" latinLnBrk="0" hangingPunct="1">
-              <a:spcBef>
-                <a:spcPct val="20000"/>
-              </a:spcBef>
-              <a:buClr>
-                <a:schemeClr val="accent1"/>
-              </a:buClr>
-              <a:buFont typeface="Arial" pitchFamily="34" charset="0"/>
-              <a:buChar char="•"/>
-              <a:defRPr sz="1600" kern="1200">
+            <a:lvl9pPr eaLnBrk="1" hangingPunct="1">
+              <a:defRPr>
                 <a:solidFill>
                   <a:schemeClr val="tx2"/>
                 </a:solidFill>
-                <a:latin typeface="+mn-lt"/>
-                <a:ea typeface="+mn-ea"/>
-                <a:cs typeface="+mn-cs"/>
               </a:defRPr>
             </a:lvl9pPr>
           </a:lstStyle>
           <a:p>
-            <a:pPr marL="0" indent="0">
-              <a:buNone/>
-            </a:pPr>
-            <a:r>
-              <a:rPr lang="es-VE" sz="3600" dirty="0">
-                <a:solidFill>
-                  <a:schemeClr val="bg2">
-                    <a:lumMod val="25000"/>
-                  </a:schemeClr>
-                </a:solidFill>
-                <a:latin typeface="Arial Rounded MT Bold" pitchFamily="34" charset="0"/>
-              </a:rPr>
-              <a:t>El </a:t>
-            </a:r>
-            <a:r>
-              <a:rPr lang="es-VE" sz="3600" dirty="0">
-                <a:solidFill>
-                  <a:schemeClr val="accent1"/>
-                </a:solidFill>
-                <a:latin typeface="Arial Rounded MT Bold" pitchFamily="34" charset="0"/>
-              </a:rPr>
-              <a:t>Neguev </a:t>
-            </a:r>
-            <a:r>
-              <a:rPr lang="es-VE" sz="3600" dirty="0">
-                <a:solidFill>
-                  <a:schemeClr val="bg2">
-                    <a:lumMod val="25000"/>
-                  </a:schemeClr>
-                </a:solidFill>
-                <a:latin typeface="Arial Rounded MT Bold" pitchFamily="34" charset="0"/>
-              </a:rPr>
-              <a:t>es el desierto al sur de Israel; la palabra literalmente significa “</a:t>
-            </a:r>
-            <a:r>
-              <a:rPr lang="es-VE" sz="3600" dirty="0">
-                <a:solidFill>
-                  <a:schemeClr val="accent1"/>
-                </a:solidFill>
-                <a:latin typeface="Arial Rounded MT Bold" pitchFamily="34" charset="0"/>
-              </a:rPr>
-              <a:t>árido, reseco</a:t>
-            </a:r>
-            <a:r>
-              <a:rPr lang="es-VE" sz="3600" dirty="0">
-                <a:solidFill>
-                  <a:schemeClr val="bg2">
-                    <a:lumMod val="25000"/>
-                  </a:schemeClr>
-                </a:solidFill>
-                <a:latin typeface="Arial Rounded MT Bold" pitchFamily="34" charset="0"/>
-              </a:rPr>
-              <a:t>”. Para complicar la situación, hubo hambre en la tierra, lo cual sucede generalmente como consecuencia de una sequía.</a:t>
-            </a:r>
-            <a:endParaRPr lang="es-VE" sz="3600" dirty="0">
-              <a:solidFill>
-                <a:srgbClr val="7030A0"/>
-              </a:solidFill>
-              <a:latin typeface="Arial Rounded MT Bold" pitchFamily="34" charset="0"/>
+            <a:r>
+              <a:rPr lang="es-VE" sz="4400" b="1" dirty="0">
+                <a:latin typeface="Andalus" pitchFamily="18" charset="-78"/>
+                <a:cs typeface="Andalus" pitchFamily="18" charset="-78"/>
+              </a:rPr>
+              <a:t>6. Siguió su camino</a:t>
+            </a:r>
+            <a:endParaRPr lang="es-VE" sz="4400" dirty="0">
+              <a:latin typeface="Andalus" pitchFamily="18" charset="-78"/>
+              <a:cs typeface="Andalus" pitchFamily="18" charset="-78"/>
             </a:endParaRPr>
           </a:p>
         </p:txBody>
@@ -9628,42 +9854,6 @@
       </p:grpSpPr>
       <p:sp>
         <p:nvSpPr>
-          <p:cNvPr id="2" name="1 Título"/>
-          <p:cNvSpPr>
-            <a:spLocks noGrp="1"/>
-          </p:cNvSpPr>
-          <p:nvPr>
-            <p:ph type="title"/>
-          </p:nvPr>
-        </p:nvSpPr>
-        <p:spPr>
-          <a:xfrm>
-            <a:off x="762000" y="4153644"/>
-            <a:ext cx="6781800" cy="989856"/>
-          </a:xfrm>
-        </p:spPr>
-        <p:txBody>
-          <a:bodyPr>
-            <a:noAutofit/>
-          </a:bodyPr>
-          <a:lstStyle/>
-          <a:p>
-            <a:r>
-              <a:rPr lang="es-VE" sz="4800" b="1" dirty="0">
-                <a:latin typeface="Andalus" pitchFamily="18" charset="-78"/>
-                <a:cs typeface="Andalus" pitchFamily="18" charset="-78"/>
-              </a:rPr>
-              <a:t>7. Hambre en la tierra</a:t>
-            </a:r>
-            <a:endParaRPr lang="es-VE" sz="1800" dirty="0">
-              <a:latin typeface="Arial Rounded MT Bold" pitchFamily="34" charset="0"/>
-              <a:cs typeface="Andalus" pitchFamily="18" charset="-78"/>
-            </a:endParaRPr>
-          </a:p>
-        </p:txBody>
-      </p:sp>
-      <p:sp>
-        <p:nvSpPr>
           <p:cNvPr id="3" name="2 Marcador de contenido"/>
           <p:cNvSpPr>
             <a:spLocks noGrp="1"/>
@@ -9674,13 +9864,13 @@
         </p:nvSpPr>
         <p:spPr>
           <a:xfrm>
-            <a:off x="762000" y="337220"/>
-            <a:ext cx="7543800" cy="3816424"/>
+            <a:off x="762000" y="1364673"/>
+            <a:ext cx="5034136" cy="3725075"/>
           </a:xfrm>
         </p:spPr>
         <p:txBody>
           <a:bodyPr>
-            <a:normAutofit fontScale="85000" lnSpcReduction="10000"/>
+            <a:normAutofit/>
           </a:bodyPr>
           <a:lstStyle/>
           <a:p>
@@ -9688,268 +9878,431 @@
               <a:buNone/>
             </a:pPr>
             <a:r>
-              <a:rPr lang="es-VE" sz="2000" b="1" dirty="0">
+              <a:rPr lang="es-VE" sz="1600" dirty="0">
+                <a:latin typeface="Arial Rounded MT Bold" pitchFamily="34" charset="0"/>
+                <a:cs typeface="Arial" pitchFamily="34" charset="0"/>
+              </a:rPr>
+              <a:t>Cuando la Biblia habla de ir a </a:t>
+            </a:r>
+            <a:r>
+              <a:rPr lang="es-VE" sz="1600" dirty="0">
+                <a:solidFill>
+                  <a:schemeClr val="accent1"/>
+                </a:solidFill>
+                <a:latin typeface="Arial Rounded MT Bold" pitchFamily="34" charset="0"/>
+                <a:cs typeface="Arial" pitchFamily="34" charset="0"/>
+              </a:rPr>
+              <a:t>Jerusalén</a:t>
+            </a:r>
+            <a:r>
+              <a:rPr lang="es-VE" sz="1600" dirty="0">
+                <a:latin typeface="Arial Rounded MT Bold" pitchFamily="34" charset="0"/>
+                <a:cs typeface="Arial" pitchFamily="34" charset="0"/>
+              </a:rPr>
+              <a:t>, siempre lo describe como “subir”, pero cuando se refiere a ir a </a:t>
+            </a:r>
+            <a:r>
+              <a:rPr lang="es-VE" sz="1600" dirty="0">
+                <a:solidFill>
+                  <a:schemeClr val="accent1"/>
+                </a:solidFill>
+                <a:latin typeface="Arial Rounded MT Bold" pitchFamily="34" charset="0"/>
+                <a:cs typeface="Arial" pitchFamily="34" charset="0"/>
+              </a:rPr>
+              <a:t>Egipto</a:t>
+            </a:r>
+            <a:r>
+              <a:rPr lang="es-VE" sz="1600" dirty="0">
+                <a:solidFill>
+                  <a:srgbClr val="FF0000"/>
+                </a:solidFill>
+                <a:latin typeface="Arial Rounded MT Bold" pitchFamily="34" charset="0"/>
+                <a:cs typeface="Arial" pitchFamily="34" charset="0"/>
+              </a:rPr>
+              <a:t> </a:t>
+            </a:r>
+            <a:r>
+              <a:rPr lang="es-VE" sz="1600" dirty="0">
+                <a:solidFill>
+                  <a:schemeClr val="accent1"/>
+                </a:solidFill>
+                <a:latin typeface="Arial Rounded MT Bold" pitchFamily="34" charset="0"/>
+                <a:cs typeface="Arial" pitchFamily="34" charset="0"/>
+              </a:rPr>
+              <a:t>o</a:t>
+            </a:r>
+            <a:r>
+              <a:rPr lang="es-VE" sz="1600" dirty="0">
+                <a:solidFill>
+                  <a:srgbClr val="FF0000"/>
+                </a:solidFill>
+                <a:latin typeface="Arial Rounded MT Bold" pitchFamily="34" charset="0"/>
+                <a:cs typeface="Arial" pitchFamily="34" charset="0"/>
+              </a:rPr>
+              <a:t> </a:t>
+            </a:r>
+            <a:r>
+              <a:rPr lang="es-VE" sz="1600" dirty="0">
+                <a:solidFill>
+                  <a:schemeClr val="accent1"/>
+                </a:solidFill>
+                <a:latin typeface="Arial Rounded MT Bold" pitchFamily="34" charset="0"/>
+                <a:cs typeface="Arial" pitchFamily="34" charset="0"/>
+              </a:rPr>
+              <a:t>Babilonia</a:t>
+            </a:r>
+            <a:r>
+              <a:rPr lang="es-VE" sz="1600" dirty="0">
+                <a:latin typeface="Arial Rounded MT Bold" pitchFamily="34" charset="0"/>
+                <a:cs typeface="Arial" pitchFamily="34" charset="0"/>
+              </a:rPr>
+              <a:t>, como “descender”. </a:t>
+            </a:r>
+          </a:p>
+          <a:p>
+            <a:pPr marL="0" indent="0">
+              <a:buNone/>
+            </a:pPr>
+            <a:endParaRPr lang="es-VE" sz="1600" dirty="0">
+              <a:latin typeface="Arial Rounded MT Bold" pitchFamily="34" charset="0"/>
+              <a:cs typeface="Arial" pitchFamily="34" charset="0"/>
+            </a:endParaRPr>
+          </a:p>
+          <a:p>
+            <a:pPr marL="0" indent="0">
+              <a:buNone/>
+            </a:pPr>
+            <a:r>
+              <a:rPr lang="es-VE" sz="1600" dirty="0">
+                <a:latin typeface="Arial Rounded MT Bold" pitchFamily="34" charset="0"/>
+                <a:cs typeface="Arial" pitchFamily="34" charset="0"/>
+              </a:rPr>
+              <a:t>Esta descripción no tiene nada que ver con la dirección de donde uno venga </a:t>
+            </a:r>
+            <a:r>
+              <a:rPr lang="es-VE" sz="1600" dirty="0">
+                <a:solidFill>
+                  <a:srgbClr val="006030"/>
+                </a:solidFill>
+                <a:latin typeface="Arial Rounded MT Bold" pitchFamily="34" charset="0"/>
+                <a:cs typeface="Arial" pitchFamily="34" charset="0"/>
+              </a:rPr>
+              <a:t>(norte, sur, este, oeste)</a:t>
+            </a:r>
+            <a:r>
+              <a:rPr lang="es-VE" sz="1600" dirty="0">
+                <a:latin typeface="Arial Rounded MT Bold" pitchFamily="34" charset="0"/>
+                <a:cs typeface="Arial" pitchFamily="34" charset="0"/>
+              </a:rPr>
+              <a:t> porque es una expresión espiritual.</a:t>
+            </a:r>
+          </a:p>
+          <a:p>
+            <a:pPr marL="0" indent="0">
+              <a:buNone/>
+            </a:pPr>
+            <a:endParaRPr lang="es-VE" sz="1600" dirty="0">
+              <a:latin typeface="Arial Rounded MT Bold" pitchFamily="34" charset="0"/>
+              <a:cs typeface="Arial" pitchFamily="34" charset="0"/>
+            </a:endParaRPr>
+          </a:p>
+          <a:p>
+            <a:pPr marL="0" indent="0">
+              <a:buNone/>
+            </a:pPr>
+            <a:r>
+              <a:rPr lang="es-VE" sz="1600" dirty="0">
+                <a:latin typeface="Arial Rounded MT Bold" pitchFamily="34" charset="0"/>
+                <a:cs typeface="Arial" pitchFamily="34" charset="0"/>
+              </a:rPr>
+              <a:t>Egipto y Babilonia representan el mundo, y por eso uno “baja”; mientras que Jerusalén es el lugar que Dios escogió para poner allí Su Nombre </a:t>
+            </a:r>
+            <a:r>
+              <a:rPr lang="es-VE" sz="1600" dirty="0">
+                <a:solidFill>
+                  <a:srgbClr val="006030"/>
+                </a:solidFill>
+                <a:latin typeface="Arial Rounded MT Bold" pitchFamily="34" charset="0"/>
+                <a:cs typeface="Arial" pitchFamily="34" charset="0"/>
+              </a:rPr>
+              <a:t>(</a:t>
+            </a:r>
+            <a:r>
+              <a:rPr lang="es-VE" sz="1600" dirty="0" err="1">
+                <a:solidFill>
+                  <a:srgbClr val="006030"/>
+                </a:solidFill>
+                <a:latin typeface="Arial Rounded MT Bold" pitchFamily="34" charset="0"/>
+                <a:cs typeface="Arial" pitchFamily="34" charset="0"/>
+              </a:rPr>
+              <a:t>Deu</a:t>
+            </a:r>
+            <a:r>
+              <a:rPr lang="es-VE" sz="1600" dirty="0">
+                <a:solidFill>
+                  <a:srgbClr val="006030"/>
+                </a:solidFill>
+                <a:latin typeface="Arial Rounded MT Bold" pitchFamily="34" charset="0"/>
+                <a:cs typeface="Arial" pitchFamily="34" charset="0"/>
+              </a:rPr>
+              <a:t>. 12:5; I Reyes 14:21)</a:t>
+            </a:r>
+            <a:r>
+              <a:rPr lang="es-VE" sz="1600" dirty="0">
+                <a:latin typeface="Arial Rounded MT Bold" pitchFamily="34" charset="0"/>
+                <a:cs typeface="Arial" pitchFamily="34" charset="0"/>
+              </a:rPr>
+              <a:t>, el Templo, la capital de Su Reino en la Tierra, y por eso uno “sube”.</a:t>
+            </a:r>
+          </a:p>
+        </p:txBody>
+      </p:sp>
+      <p:sp>
+        <p:nvSpPr>
+          <p:cNvPr id="4" name="1 Título">
+            <a:extLst>
+              <a:ext uri="{FF2B5EF4-FFF2-40B4-BE49-F238E27FC236}">
+                <a16:creationId xmlns:a16="http://schemas.microsoft.com/office/drawing/2014/main" id="{8FCC5F08-6EC1-001B-466F-2484FBAC0478}"/>
+              </a:ext>
+            </a:extLst>
+          </p:cNvPr>
+          <p:cNvSpPr txBox="1">
+            <a:spLocks/>
+          </p:cNvSpPr>
+          <p:nvPr/>
+        </p:nvSpPr>
+        <p:spPr>
+          <a:xfrm>
+            <a:off x="762000" y="389756"/>
+            <a:ext cx="7543800" cy="576064"/>
+          </a:xfrm>
+          <a:prstGeom prst="rect">
+            <a:avLst/>
+          </a:prstGeom>
+        </p:spPr>
+        <p:txBody>
+          <a:bodyPr vert="horz" lIns="91440" tIns="45720" rIns="91440" bIns="45720" rtlCol="0" anchor="ctr" anchorCtr="0">
+            <a:noAutofit/>
+          </a:bodyPr>
+          <a:lstStyle>
+            <a:lvl1pPr algn="l" defTabSz="914400" rtl="0" eaLnBrk="1" latinLnBrk="0" hangingPunct="1">
+              <a:spcBef>
+                <a:spcPct val="0"/>
+              </a:spcBef>
+              <a:buNone/>
+              <a:defRPr sz="5400" kern="1200">
                 <a:solidFill>
                   <a:schemeClr val="tx1">
                     <a:lumMod val="85000"/>
                     <a:lumOff val="15000"/>
                   </a:schemeClr>
                 </a:solidFill>
-                <a:latin typeface="Arial Rounded MT Bold" pitchFamily="34" charset="0"/>
-                <a:cs typeface="Arial" pitchFamily="34" charset="0"/>
-              </a:rPr>
-              <a:t>7.1</a:t>
-            </a:r>
-            <a:r>
-              <a:rPr lang="es-VE" sz="2000" dirty="0">
-                <a:solidFill>
-                  <a:schemeClr val="tx1">
-                    <a:lumMod val="85000"/>
-                    <a:lumOff val="15000"/>
-                  </a:schemeClr>
-                </a:solidFill>
-                <a:latin typeface="Arial Rounded MT Bold" pitchFamily="34" charset="0"/>
-                <a:cs typeface="Arial" pitchFamily="34" charset="0"/>
-              </a:rPr>
-              <a:t> </a:t>
-            </a:r>
-            <a:r>
-              <a:rPr lang="es-VE" sz="2000" b="1" dirty="0">
-                <a:solidFill>
-                  <a:srgbClr val="C00000"/>
-                </a:solidFill>
-                <a:latin typeface="Arial Rounded MT Bold" pitchFamily="34" charset="0"/>
-                <a:cs typeface="Arial" pitchFamily="34" charset="0"/>
-              </a:rPr>
-              <a:t>¿Que es subir y descender?:</a:t>
-            </a:r>
-            <a:r>
-              <a:rPr lang="es-VE" sz="2000" b="1" dirty="0">
-                <a:solidFill>
-                  <a:schemeClr val="tx1">
-                    <a:lumMod val="85000"/>
-                    <a:lumOff val="15000"/>
-                  </a:schemeClr>
-                </a:solidFill>
-                <a:latin typeface="Arial Rounded MT Bold" pitchFamily="34" charset="0"/>
-                <a:cs typeface="Arial" pitchFamily="34" charset="0"/>
-              </a:rPr>
-              <a:t>  </a:t>
-            </a:r>
-            <a:r>
-              <a:rPr lang="es-VE" sz="2000" dirty="0">
-                <a:latin typeface="Arial Rounded MT Bold" pitchFamily="34" charset="0"/>
-                <a:cs typeface="Arial" pitchFamily="34" charset="0"/>
-              </a:rPr>
-              <a:t>Cuando la Biblia habla de ir a </a:t>
-            </a:r>
-            <a:r>
-              <a:rPr lang="es-VE" sz="2000" dirty="0">
-                <a:solidFill>
-                  <a:schemeClr val="accent1"/>
-                </a:solidFill>
-                <a:latin typeface="Arial Rounded MT Bold" pitchFamily="34" charset="0"/>
-                <a:cs typeface="Arial" pitchFamily="34" charset="0"/>
-              </a:rPr>
-              <a:t>Jerusalén</a:t>
-            </a:r>
-            <a:r>
-              <a:rPr lang="es-VE" sz="2000" dirty="0">
-                <a:latin typeface="Arial Rounded MT Bold" pitchFamily="34" charset="0"/>
-                <a:cs typeface="Arial" pitchFamily="34" charset="0"/>
-              </a:rPr>
-              <a:t>, siempre lo describe como “subir”, pero cuando se refiere a ir a </a:t>
-            </a:r>
-            <a:r>
-              <a:rPr lang="es-VE" sz="2000" dirty="0">
-                <a:solidFill>
-                  <a:schemeClr val="accent1"/>
-                </a:solidFill>
-                <a:latin typeface="Arial Rounded MT Bold" pitchFamily="34" charset="0"/>
-                <a:cs typeface="Arial" pitchFamily="34" charset="0"/>
-              </a:rPr>
-              <a:t>Egipto</a:t>
-            </a:r>
-            <a:r>
-              <a:rPr lang="es-VE" sz="2000" dirty="0">
-                <a:solidFill>
-                  <a:srgbClr val="FF0000"/>
-                </a:solidFill>
-                <a:latin typeface="Arial Rounded MT Bold" pitchFamily="34" charset="0"/>
-                <a:cs typeface="Arial" pitchFamily="34" charset="0"/>
-              </a:rPr>
-              <a:t> </a:t>
-            </a:r>
-            <a:r>
-              <a:rPr lang="es-VE" sz="2000" dirty="0">
-                <a:solidFill>
-                  <a:schemeClr val="accent1"/>
-                </a:solidFill>
-                <a:latin typeface="Arial Rounded MT Bold" pitchFamily="34" charset="0"/>
-                <a:cs typeface="Arial" pitchFamily="34" charset="0"/>
-              </a:rPr>
-              <a:t>o</a:t>
-            </a:r>
-            <a:r>
-              <a:rPr lang="es-VE" sz="2000" dirty="0">
-                <a:solidFill>
-                  <a:srgbClr val="FF0000"/>
-                </a:solidFill>
-                <a:latin typeface="Arial Rounded MT Bold" pitchFamily="34" charset="0"/>
-                <a:cs typeface="Arial" pitchFamily="34" charset="0"/>
-              </a:rPr>
-              <a:t> </a:t>
-            </a:r>
-            <a:r>
-              <a:rPr lang="es-VE" sz="2000" dirty="0">
-                <a:solidFill>
-                  <a:schemeClr val="accent1"/>
-                </a:solidFill>
-                <a:latin typeface="Arial Rounded MT Bold" pitchFamily="34" charset="0"/>
-                <a:cs typeface="Arial" pitchFamily="34" charset="0"/>
-              </a:rPr>
-              <a:t>Babilonia</a:t>
-            </a:r>
-            <a:r>
-              <a:rPr lang="es-VE" sz="2000" dirty="0">
-                <a:latin typeface="Arial Rounded MT Bold" pitchFamily="34" charset="0"/>
-                <a:cs typeface="Arial" pitchFamily="34" charset="0"/>
-              </a:rPr>
-              <a:t>, como “descender”. </a:t>
-            </a:r>
-          </a:p>
+                <a:latin typeface="+mj-lt"/>
+                <a:ea typeface="+mj-ea"/>
+                <a:cs typeface="+mj-cs"/>
+              </a:defRPr>
+            </a:lvl1pPr>
+            <a:lvl2pPr eaLnBrk="1" hangingPunct="1">
+              <a:defRPr>
+                <a:solidFill>
+                  <a:schemeClr val="tx2"/>
+                </a:solidFill>
+              </a:defRPr>
+            </a:lvl2pPr>
+            <a:lvl3pPr eaLnBrk="1" hangingPunct="1">
+              <a:defRPr>
+                <a:solidFill>
+                  <a:schemeClr val="tx2"/>
+                </a:solidFill>
+              </a:defRPr>
+            </a:lvl3pPr>
+            <a:lvl4pPr eaLnBrk="1" hangingPunct="1">
+              <a:defRPr>
+                <a:solidFill>
+                  <a:schemeClr val="tx2"/>
+                </a:solidFill>
+              </a:defRPr>
+            </a:lvl4pPr>
+            <a:lvl5pPr eaLnBrk="1" hangingPunct="1">
+              <a:defRPr>
+                <a:solidFill>
+                  <a:schemeClr val="tx2"/>
+                </a:solidFill>
+              </a:defRPr>
+            </a:lvl5pPr>
+            <a:lvl6pPr eaLnBrk="1" hangingPunct="1">
+              <a:defRPr>
+                <a:solidFill>
+                  <a:schemeClr val="tx2"/>
+                </a:solidFill>
+              </a:defRPr>
+            </a:lvl6pPr>
+            <a:lvl7pPr eaLnBrk="1" hangingPunct="1">
+              <a:defRPr>
+                <a:solidFill>
+                  <a:schemeClr val="tx2"/>
+                </a:solidFill>
+              </a:defRPr>
+            </a:lvl7pPr>
+            <a:lvl8pPr eaLnBrk="1" hangingPunct="1">
+              <a:defRPr>
+                <a:solidFill>
+                  <a:schemeClr val="tx2"/>
+                </a:solidFill>
+              </a:defRPr>
+            </a:lvl8pPr>
+            <a:lvl9pPr eaLnBrk="1" hangingPunct="1">
+              <a:defRPr>
+                <a:solidFill>
+                  <a:schemeClr val="tx2"/>
+                </a:solidFill>
+              </a:defRPr>
+            </a:lvl9pPr>
+          </a:lstStyle>
+          <a:p>
+            <a:r>
+              <a:rPr lang="es-VE" sz="4400" b="1" dirty="0">
+                <a:latin typeface="Andalus" pitchFamily="18" charset="-78"/>
+                <a:cs typeface="Andalus" pitchFamily="18" charset="-78"/>
+              </a:rPr>
+              <a:t>7. Hambre en la tierra</a:t>
+            </a:r>
+            <a:endParaRPr lang="es-VE" sz="4400" dirty="0">
+              <a:latin typeface="Andalus" pitchFamily="18" charset="-78"/>
+              <a:cs typeface="Andalus" pitchFamily="18" charset="-78"/>
+            </a:endParaRPr>
+          </a:p>
+        </p:txBody>
+      </p:sp>
+      <p:sp>
+        <p:nvSpPr>
+          <p:cNvPr id="7" name="CuadroTexto 6">
+            <a:extLst>
+              <a:ext uri="{FF2B5EF4-FFF2-40B4-BE49-F238E27FC236}">
+                <a16:creationId xmlns:a16="http://schemas.microsoft.com/office/drawing/2014/main" id="{1F0BCCA4-ED60-32E8-362D-8387E402B365}"/>
+              </a:ext>
+            </a:extLst>
+          </p:cNvPr>
+          <p:cNvSpPr txBox="1"/>
+          <p:nvPr/>
+        </p:nvSpPr>
+        <p:spPr>
+          <a:xfrm>
+            <a:off x="762000" y="964563"/>
+            <a:ext cx="7543800" cy="400110"/>
+          </a:xfrm>
+          <a:prstGeom prst="rect">
+            <a:avLst/>
+          </a:prstGeom>
+          <a:noFill/>
+        </p:spPr>
+        <p:txBody>
+          <a:bodyPr wrap="square" rtlCol="0">
+            <a:spAutoFit/>
+          </a:bodyPr>
+          <a:lstStyle/>
           <a:p>
             <a:pPr marL="0" indent="0">
               <a:buNone/>
             </a:pPr>
+            <a:r>
+              <a:rPr lang="es-VE" sz="2000" b="1" dirty="0">
+                <a:solidFill>
+                  <a:schemeClr val="accent1"/>
+                </a:solidFill>
+                <a:latin typeface="Arial Rounded MT Bold" pitchFamily="34" charset="0"/>
+              </a:rPr>
+              <a:t>7.1. </a:t>
+            </a:r>
+            <a:r>
+              <a:rPr lang="es-VE" sz="2000" b="1" dirty="0">
+                <a:solidFill>
+                  <a:srgbClr val="C00000"/>
+                </a:solidFill>
+                <a:latin typeface="Arial Rounded MT Bold" pitchFamily="34" charset="0"/>
+                <a:cs typeface="Arial" pitchFamily="34" charset="0"/>
+              </a:rPr>
+              <a:t>¿Que es subir y descender?</a:t>
+            </a:r>
             <a:endParaRPr lang="es-VE" sz="2000" dirty="0">
-              <a:latin typeface="Arial Rounded MT Bold" pitchFamily="34" charset="0"/>
-              <a:cs typeface="Arial" pitchFamily="34" charset="0"/>
-            </a:endParaRPr>
-          </a:p>
-          <a:p>
-            <a:pPr marL="0" indent="0">
-              <a:buNone/>
-            </a:pPr>
-            <a:r>
-              <a:rPr lang="es-VE" sz="2000" dirty="0">
-                <a:latin typeface="Arial Rounded MT Bold" pitchFamily="34" charset="0"/>
-                <a:cs typeface="Arial" pitchFamily="34" charset="0"/>
-              </a:rPr>
-              <a:t>Esta descripción no tiene nada que ver con la dirección de donde uno venga </a:t>
-            </a:r>
-            <a:r>
-              <a:rPr lang="es-VE" sz="2000" dirty="0">
-                <a:solidFill>
-                  <a:srgbClr val="006030"/>
-                </a:solidFill>
-                <a:latin typeface="Arial Rounded MT Bold" pitchFamily="34" charset="0"/>
-                <a:cs typeface="Arial" pitchFamily="34" charset="0"/>
-              </a:rPr>
-              <a:t>(norte, sur, este, oeste)</a:t>
-            </a:r>
-            <a:r>
-              <a:rPr lang="es-VE" sz="2000" dirty="0">
-                <a:latin typeface="Arial Rounded MT Bold" pitchFamily="34" charset="0"/>
-                <a:cs typeface="Arial" pitchFamily="34" charset="0"/>
-              </a:rPr>
-              <a:t> porque es una expresión espiritual.</a:t>
-            </a:r>
-          </a:p>
-          <a:p>
-            <a:pPr marL="0" indent="0">
-              <a:buNone/>
-            </a:pPr>
-            <a:endParaRPr lang="es-VE" sz="2000" dirty="0">
-              <a:latin typeface="Arial Rounded MT Bold" pitchFamily="34" charset="0"/>
-              <a:cs typeface="Arial" pitchFamily="34" charset="0"/>
-            </a:endParaRPr>
-          </a:p>
-          <a:p>
-            <a:pPr marL="0" indent="0">
-              <a:buNone/>
-            </a:pPr>
-            <a:r>
-              <a:rPr lang="es-VE" sz="2000" dirty="0">
-                <a:latin typeface="Arial Rounded MT Bold" pitchFamily="34" charset="0"/>
-                <a:cs typeface="Arial" pitchFamily="34" charset="0"/>
-              </a:rPr>
-              <a:t>Egipto y Babilonia representan el mundo, y por eso uno “baja”; mientras que Jerusalén es el lugar que Dios escogió para poner allí Su Nombre </a:t>
-            </a:r>
-            <a:r>
-              <a:rPr lang="es-VE" sz="2000" dirty="0">
-                <a:solidFill>
-                  <a:srgbClr val="006030"/>
-                </a:solidFill>
-                <a:latin typeface="Arial Rounded MT Bold" pitchFamily="34" charset="0"/>
-                <a:cs typeface="Arial" pitchFamily="34" charset="0"/>
-              </a:rPr>
-              <a:t>(</a:t>
-            </a:r>
-            <a:r>
-              <a:rPr lang="es-VE" sz="2000" dirty="0" err="1">
-                <a:solidFill>
-                  <a:srgbClr val="006030"/>
-                </a:solidFill>
-                <a:latin typeface="Arial Rounded MT Bold" pitchFamily="34" charset="0"/>
-                <a:cs typeface="Arial" pitchFamily="34" charset="0"/>
-              </a:rPr>
-              <a:t>Deu</a:t>
-            </a:r>
-            <a:r>
-              <a:rPr lang="es-VE" sz="2000" dirty="0">
-                <a:solidFill>
-                  <a:srgbClr val="006030"/>
-                </a:solidFill>
-                <a:latin typeface="Arial Rounded MT Bold" pitchFamily="34" charset="0"/>
-                <a:cs typeface="Arial" pitchFamily="34" charset="0"/>
-              </a:rPr>
-              <a:t>. 12:5; I Reyes 14:21)</a:t>
-            </a:r>
-            <a:r>
-              <a:rPr lang="es-VE" sz="2000" dirty="0">
-                <a:latin typeface="Arial Rounded MT Bold" pitchFamily="34" charset="0"/>
-                <a:cs typeface="Arial" pitchFamily="34" charset="0"/>
-              </a:rPr>
-              <a:t>, el Templo, la capital de Su Reino en la Tierra, y por eso uno “sube”.</a:t>
-            </a:r>
-          </a:p>
-          <a:p>
-            <a:pPr marL="0" indent="0">
-              <a:buNone/>
-            </a:pPr>
-            <a:endParaRPr lang="es-VE" sz="2000" b="1" dirty="0">
               <a:solidFill>
                 <a:schemeClr val="accent1"/>
               </a:solidFill>
               <a:latin typeface="Arial Rounded MT Bold" pitchFamily="34" charset="0"/>
-              <a:cs typeface="Arial" pitchFamily="34" charset="0"/>
-            </a:endParaRPr>
-          </a:p>
-          <a:p>
-            <a:pPr marL="0" indent="0">
-              <a:buNone/>
-            </a:pPr>
-            <a:r>
-              <a:rPr lang="es-VE" sz="2000" b="1" dirty="0">
-                <a:solidFill>
-                  <a:schemeClr val="accent1"/>
-                </a:solidFill>
-                <a:latin typeface="Arial Rounded MT Bold" pitchFamily="34" charset="0"/>
-                <a:cs typeface="Arial" pitchFamily="34" charset="0"/>
-              </a:rPr>
-              <a:t>Abram “descendió” a Egipto.  Bajó de nivel, pues no era el lugar donde debía estar.  Abram se topó con un desierto.</a:t>
-            </a:r>
-            <a:endParaRPr lang="en-US" sz="2000" dirty="0">
-              <a:solidFill>
-                <a:srgbClr val="006030"/>
-              </a:solidFill>
-              <a:latin typeface="Arial Rounded MT Bold" pitchFamily="34" charset="0"/>
-              <a:cs typeface="Arial" pitchFamily="34" charset="0"/>
             </a:endParaRPr>
           </a:p>
         </p:txBody>
       </p:sp>
+      <p:pic>
+        <p:nvPicPr>
+          <p:cNvPr id="3074" name="Picture 2" descr="LAMPARAS ENCENDIDAS: abril 2014">
+            <a:extLst>
+              <a:ext uri="{FF2B5EF4-FFF2-40B4-BE49-F238E27FC236}">
+                <a16:creationId xmlns:a16="http://schemas.microsoft.com/office/drawing/2014/main" id="{223A02A8-5E50-F217-5854-47BABF019E21}"/>
+              </a:ext>
+            </a:extLst>
+          </p:cNvPr>
+          <p:cNvPicPr>
+            <a:picLocks noChangeAspect="1" noChangeArrowheads="1"/>
+          </p:cNvPicPr>
+          <p:nvPr/>
+        </p:nvPicPr>
+        <p:blipFill rotWithShape="1">
+          <a:blip r:embed="rId2">
+            <a:extLst>
+              <a:ext uri="{28A0092B-C50C-407E-A947-70E740481C1C}">
+                <a14:useLocalDpi xmlns:a14="http://schemas.microsoft.com/office/drawing/2010/main" val="0"/>
+              </a:ext>
+            </a:extLst>
+          </a:blip>
+          <a:srcRect l="18943" r="40192"/>
+          <a:stretch/>
+        </p:blipFill>
+        <p:spPr bwMode="auto">
+          <a:xfrm>
+            <a:off x="5868142" y="1763527"/>
+            <a:ext cx="2437658" cy="2678149"/>
+          </a:xfrm>
+          <a:prstGeom prst="roundRect">
+            <a:avLst>
+              <a:gd name="adj" fmla="val 4167"/>
+            </a:avLst>
+          </a:prstGeom>
+          <a:solidFill>
+            <a:srgbClr val="FFFFFF"/>
+          </a:solidFill>
+          <a:ln w="76200" cap="sq">
+            <a:solidFill>
+              <a:srgbClr val="292929"/>
+            </a:solidFill>
+            <a:miter lim="800000"/>
+          </a:ln>
+          <a:effectLst>
+            <a:reflection blurRad="12700" stA="28000" endPos="28000" dist="5000" dir="5400000" sy="-100000" algn="bl" rotWithShape="0"/>
+          </a:effectLst>
+          <a:scene3d>
+            <a:camera prst="orthographicFront"/>
+            <a:lightRig rig="threePt" dir="t">
+              <a:rot lat="0" lon="0" rev="2700000"/>
+            </a:lightRig>
+          </a:scene3d>
+          <a:sp3d>
+            <a:bevelT h="38100"/>
+            <a:contourClr>
+              <a:srgbClr val="C0C0C0"/>
+            </a:contourClr>
+          </a:sp3d>
+          <a:extLst>
+            <a:ext uri="{909E8E84-426E-40DD-AFC4-6F175D3DCCD1}">
+              <a14:hiddenFill xmlns:a14="http://schemas.microsoft.com/office/drawing/2010/main">
+                <a:solidFill>
+                  <a:srgbClr val="FFFFFF"/>
+                </a:solidFill>
+              </a14:hiddenFill>
+            </a:ext>
+          </a:extLst>
+        </p:spPr>
+      </p:pic>
     </p:spTree>
     <p:extLst>
       <p:ext uri="{BB962C8B-B14F-4D97-AF65-F5344CB8AC3E}">
@@ -9982,42 +10335,6 @@
       </p:grpSpPr>
       <p:sp>
         <p:nvSpPr>
-          <p:cNvPr id="2" name="1 Título"/>
-          <p:cNvSpPr>
-            <a:spLocks noGrp="1"/>
-          </p:cNvSpPr>
-          <p:nvPr>
-            <p:ph type="title"/>
-          </p:nvPr>
-        </p:nvSpPr>
-        <p:spPr>
-          <a:xfrm>
-            <a:off x="762000" y="4225652"/>
-            <a:ext cx="6781800" cy="917848"/>
-          </a:xfrm>
-        </p:spPr>
-        <p:txBody>
-          <a:bodyPr>
-            <a:noAutofit/>
-          </a:bodyPr>
-          <a:lstStyle/>
-          <a:p>
-            <a:r>
-              <a:rPr lang="es-VE" sz="4800" b="1" dirty="0">
-                <a:latin typeface="Andalus" pitchFamily="18" charset="-78"/>
-                <a:cs typeface="Andalus" pitchFamily="18" charset="-78"/>
-              </a:rPr>
-              <a:t>7. Hambre en la tierra</a:t>
-            </a:r>
-            <a:endParaRPr lang="es-VE" sz="1800" dirty="0">
-              <a:latin typeface="Arial Rounded MT Bold" pitchFamily="34" charset="0"/>
-              <a:cs typeface="Andalus" pitchFamily="18" charset="-78"/>
-            </a:endParaRPr>
-          </a:p>
-        </p:txBody>
-      </p:sp>
-      <p:sp>
-        <p:nvSpPr>
           <p:cNvPr id="3" name="2 Marcador de contenido"/>
           <p:cNvSpPr>
             <a:spLocks noGrp="1"/>
@@ -10028,13 +10345,13 @@
         </p:nvSpPr>
         <p:spPr>
           <a:xfrm>
-            <a:off x="762000" y="337220"/>
-            <a:ext cx="4602088" cy="3960440"/>
+            <a:off x="762000" y="1364672"/>
+            <a:ext cx="4458072" cy="3725075"/>
           </a:xfrm>
         </p:spPr>
         <p:txBody>
           <a:bodyPr>
-            <a:normAutofit fontScale="85000" lnSpcReduction="10000"/>
+            <a:normAutofit lnSpcReduction="10000"/>
           </a:bodyPr>
           <a:lstStyle/>
           <a:p>
@@ -10042,51 +10359,103 @@
               <a:buNone/>
             </a:pPr>
             <a:r>
-              <a:rPr lang="es-VE" sz="2000" b="1" dirty="0">
-                <a:solidFill>
-                  <a:schemeClr val="tx1">
-                    <a:lumMod val="85000"/>
-                    <a:lumOff val="15000"/>
-                  </a:schemeClr>
-                </a:solidFill>
+              <a:rPr lang="es-VE" sz="1800" dirty="0">
                 <a:latin typeface="Arial Rounded MT Bold" pitchFamily="34" charset="0"/>
                 <a:cs typeface="Arial" pitchFamily="34" charset="0"/>
               </a:rPr>
-              <a:t>7.2 </a:t>
-            </a:r>
-            <a:r>
-              <a:rPr lang="es-VE" sz="2000" b="1" dirty="0">
+              <a:t>Los egipcios vieron que </a:t>
+            </a:r>
+            <a:r>
+              <a:rPr lang="es-VE" sz="1800" dirty="0">
                 <a:solidFill>
                   <a:schemeClr val="accent1"/>
                 </a:solidFill>
                 <a:latin typeface="Arial Rounded MT Bold" pitchFamily="34" charset="0"/>
                 <a:cs typeface="Arial" pitchFamily="34" charset="0"/>
               </a:rPr>
-              <a:t>Abram negó a Sara como su esposa </a:t>
-            </a:r>
-            <a:r>
-              <a:rPr lang="es-VE" sz="2000" b="1" dirty="0">
-                <a:solidFill>
-                  <a:srgbClr val="006030"/>
-                </a:solidFill>
+              <a:t>Sara</a:t>
+            </a:r>
+            <a:r>
+              <a:rPr lang="es-VE" sz="1800" dirty="0">
                 <a:latin typeface="Arial Rounded MT Bold" pitchFamily="34" charset="0"/>
                 <a:cs typeface="Arial" pitchFamily="34" charset="0"/>
               </a:rPr>
-              <a:t>(Gen. 12:11-13)</a:t>
-            </a:r>
-            <a:r>
-              <a:rPr lang="es-VE" sz="2000" b="1" dirty="0">
+              <a:t> era muy hermosa y fue llevada a la casa del </a:t>
+            </a:r>
+            <a:r>
+              <a:rPr lang="es-VE" sz="1800" dirty="0">
+                <a:solidFill>
+                  <a:schemeClr val="accent1"/>
+                </a:solidFill>
                 <a:latin typeface="Arial Rounded MT Bold" pitchFamily="34" charset="0"/>
                 <a:cs typeface="Arial" pitchFamily="34" charset="0"/>
               </a:rPr>
-              <a:t>:</a:t>
+              <a:t>faraón</a:t>
+            </a:r>
+            <a:r>
+              <a:rPr lang="es-VE" sz="1800" dirty="0">
+                <a:latin typeface="Arial Rounded MT Bold" pitchFamily="34" charset="0"/>
+                <a:cs typeface="Arial" pitchFamily="34" charset="0"/>
+              </a:rPr>
+              <a:t>, y por esto </a:t>
+            </a:r>
+            <a:r>
+              <a:rPr lang="es-VE" sz="1800" dirty="0">
+                <a:solidFill>
+                  <a:schemeClr val="accent1"/>
+                </a:solidFill>
+                <a:latin typeface="Arial Rounded MT Bold" pitchFamily="34" charset="0"/>
+                <a:cs typeface="Arial" pitchFamily="34" charset="0"/>
+              </a:rPr>
+              <a:t>Abram</a:t>
+            </a:r>
+            <a:r>
+              <a:rPr lang="es-VE" sz="1800" dirty="0">
+                <a:latin typeface="Arial Rounded MT Bold" pitchFamily="34" charset="0"/>
+                <a:cs typeface="Arial" pitchFamily="34" charset="0"/>
+              </a:rPr>
+              <a:t> recibió ovejas, vacas, asnos, siervos, criadas, asnas y camellos. </a:t>
+            </a:r>
+            <a:r>
+              <a:rPr lang="es-ES" sz="1800" dirty="0">
+                <a:solidFill>
+                  <a:schemeClr val="accent1"/>
+                </a:solidFill>
+                <a:latin typeface="Arial Rounded MT Bold" pitchFamily="34" charset="0"/>
+              </a:rPr>
+              <a:t>[</a:t>
+            </a:r>
+            <a:r>
+              <a:rPr lang="es-ES" sz="1800" dirty="0" err="1">
+                <a:solidFill>
+                  <a:schemeClr val="accent1"/>
+                </a:solidFill>
+                <a:latin typeface="Arial Rounded MT Bold" pitchFamily="34" charset="0"/>
+              </a:rPr>
+              <a:t>Gn</a:t>
+            </a:r>
+            <a:r>
+              <a:rPr lang="es-ES" sz="1800" dirty="0">
+                <a:solidFill>
+                  <a:schemeClr val="accent1"/>
+                </a:solidFill>
+                <a:latin typeface="Arial Rounded MT Bold" pitchFamily="34" charset="0"/>
+              </a:rPr>
+              <a:t> 12:14-16]</a:t>
+            </a:r>
+            <a:r>
+              <a:rPr lang="es-VE" sz="1800" dirty="0">
+                <a:latin typeface="Arial Rounded MT Bold" pitchFamily="34" charset="0"/>
+                <a:cs typeface="Arial" pitchFamily="34" charset="0"/>
+              </a:rPr>
+              <a:t>.</a:t>
             </a:r>
           </a:p>
           <a:p>
             <a:pPr marL="0" indent="0">
               <a:buNone/>
             </a:pPr>
-            <a:endParaRPr lang="es-VE" sz="2000" dirty="0">
+            <a:endParaRPr lang="es-VE" sz="1800" dirty="0">
               <a:latin typeface="Arial Rounded MT Bold" pitchFamily="34" charset="0"/>
               <a:cs typeface="Arial" pitchFamily="34" charset="0"/>
             </a:endParaRPr>
@@ -10096,112 +10465,13 @@
               <a:buNone/>
             </a:pPr>
             <a:r>
-              <a:rPr lang="es-VE" sz="2000" dirty="0">
+              <a:rPr lang="es-VE" sz="1800" dirty="0">
                 <a:latin typeface="Arial Rounded MT Bold" pitchFamily="34" charset="0"/>
                 <a:cs typeface="Arial" pitchFamily="34" charset="0"/>
               </a:rPr>
-              <a:t>los egipcios vieron que </a:t>
-            </a:r>
-            <a:r>
-              <a:rPr lang="es-VE" sz="2000" dirty="0">
-                <a:solidFill>
-                  <a:schemeClr val="accent1"/>
-                </a:solidFill>
-                <a:latin typeface="Arial Rounded MT Bold" pitchFamily="34" charset="0"/>
-                <a:cs typeface="Arial" pitchFamily="34" charset="0"/>
-              </a:rPr>
-              <a:t>Sara</a:t>
-            </a:r>
-            <a:r>
-              <a:rPr lang="es-VE" sz="2000" dirty="0">
-                <a:latin typeface="Arial Rounded MT Bold" pitchFamily="34" charset="0"/>
-                <a:cs typeface="Arial" pitchFamily="34" charset="0"/>
-              </a:rPr>
-              <a:t> era muy hermosa y fue llevada a la casa del </a:t>
-            </a:r>
-            <a:r>
-              <a:rPr lang="es-VE" sz="2000" dirty="0">
-                <a:solidFill>
-                  <a:schemeClr val="accent1"/>
-                </a:solidFill>
-                <a:latin typeface="Arial Rounded MT Bold" pitchFamily="34" charset="0"/>
-                <a:cs typeface="Arial" pitchFamily="34" charset="0"/>
-              </a:rPr>
-              <a:t>faraón</a:t>
-            </a:r>
-            <a:r>
-              <a:rPr lang="es-VE" sz="2000" dirty="0">
-                <a:latin typeface="Arial Rounded MT Bold" pitchFamily="34" charset="0"/>
-                <a:cs typeface="Arial" pitchFamily="34" charset="0"/>
-              </a:rPr>
-              <a:t>, y por esto </a:t>
-            </a:r>
-            <a:r>
-              <a:rPr lang="es-VE" sz="2000" dirty="0">
-                <a:solidFill>
-                  <a:schemeClr val="accent1"/>
-                </a:solidFill>
-                <a:latin typeface="Arial Rounded MT Bold" pitchFamily="34" charset="0"/>
-                <a:cs typeface="Arial" pitchFamily="34" charset="0"/>
-              </a:rPr>
-              <a:t>Abram</a:t>
-            </a:r>
-            <a:r>
-              <a:rPr lang="es-VE" sz="2000" dirty="0">
-                <a:latin typeface="Arial Rounded MT Bold" pitchFamily="34" charset="0"/>
-                <a:cs typeface="Arial" pitchFamily="34" charset="0"/>
-              </a:rPr>
-              <a:t> recibió ovejas, vacas, asnos, siervos, criadas, asnas y camellos. </a:t>
-            </a:r>
-            <a:r>
-              <a:rPr lang="es-VE" sz="2000" b="1" dirty="0">
-                <a:solidFill>
-                  <a:srgbClr val="006030"/>
-                </a:solidFill>
-                <a:latin typeface="Arial Rounded MT Bold" pitchFamily="34" charset="0"/>
-                <a:cs typeface="Arial" pitchFamily="34" charset="0"/>
-              </a:rPr>
-              <a:t>(Gen. 12:14-16</a:t>
-            </a:r>
-            <a:r>
-              <a:rPr lang="es-VE" sz="2000" dirty="0">
-                <a:solidFill>
-                  <a:srgbClr val="006030"/>
-                </a:solidFill>
-                <a:latin typeface="Arial Rounded MT Bold" pitchFamily="34" charset="0"/>
-                <a:cs typeface="Arial" pitchFamily="34" charset="0"/>
-              </a:rPr>
-              <a:t>)</a:t>
-            </a:r>
-            <a:r>
-              <a:rPr lang="es-VE" sz="2000" dirty="0">
-                <a:latin typeface="Arial Rounded MT Bold" pitchFamily="34" charset="0"/>
-                <a:cs typeface="Arial" pitchFamily="34" charset="0"/>
-              </a:rPr>
-              <a:t>.</a:t>
-            </a:r>
-          </a:p>
-          <a:p>
-            <a:pPr marL="0" indent="0">
-              <a:buNone/>
-            </a:pPr>
-            <a:endParaRPr lang="es-VE" sz="2000" dirty="0">
-              <a:latin typeface="Arial Rounded MT Bold" pitchFamily="34" charset="0"/>
-              <a:cs typeface="Arial" pitchFamily="34" charset="0"/>
-            </a:endParaRPr>
-          </a:p>
-          <a:p>
-            <a:pPr marL="0" indent="0">
-              <a:buNone/>
-            </a:pPr>
-            <a:r>
-              <a:rPr lang="es-VE" sz="2000" dirty="0">
-                <a:latin typeface="Arial Rounded MT Bold" pitchFamily="34" charset="0"/>
-                <a:cs typeface="Arial" pitchFamily="34" charset="0"/>
-              </a:rPr>
               <a:t>Algunos podrían considerar que Abram fue muy “listo”.  El problema está cuando uno confía más en la astucia propia que en la protección de Dios.  Cuando el hombre “mete sus manos” y manipula, las cosas no suelen salir bien…</a:t>
             </a:r>
-            <a:endParaRPr lang="en-US" sz="2000" dirty="0">
+            <a:endParaRPr lang="en-US" sz="1800" dirty="0">
               <a:latin typeface="Arial Rounded MT Bold" pitchFamily="34" charset="0"/>
               <a:cs typeface="Arial" pitchFamily="34" charset="0"/>
             </a:endParaRPr>
@@ -10229,24 +10499,249 @@
         </p:blipFill>
         <p:spPr bwMode="auto">
           <a:xfrm>
-            <a:off x="5364088" y="481237"/>
-            <a:ext cx="2930752" cy="3798042"/>
+            <a:off x="5436096" y="1633364"/>
+            <a:ext cx="2812799" cy="3230524"/>
+          </a:xfrm>
+          <a:prstGeom prst="roundRect">
+            <a:avLst>
+              <a:gd name="adj" fmla="val 4167"/>
+            </a:avLst>
+          </a:prstGeom>
+          <a:solidFill>
+            <a:srgbClr val="FFFFFF"/>
+          </a:solidFill>
+          <a:ln w="76200" cap="sq">
+            <a:solidFill>
+              <a:srgbClr val="292929"/>
+            </a:solidFill>
+            <a:miter lim="800000"/>
+          </a:ln>
+          <a:effectLst>
+            <a:reflection blurRad="12700" stA="28000" endPos="28000" dist="5000" dir="5400000" sy="-100000" algn="bl" rotWithShape="0"/>
+          </a:effectLst>
+          <a:scene3d>
+            <a:camera prst="orthographicFront"/>
+            <a:lightRig rig="threePt" dir="t">
+              <a:rot lat="0" lon="0" rev="2700000"/>
+            </a:lightRig>
+          </a:scene3d>
+          <a:sp3d>
+            <a:bevelT h="38100"/>
+            <a:contourClr>
+              <a:srgbClr val="C0C0C0"/>
+            </a:contourClr>
+          </a:sp3d>
+          <a:extLst>
+            <a:ext uri="{909E8E84-426E-40DD-AFC4-6F175D3DCCD1}">
+              <a14:hiddenFill xmlns:a14="http://schemas.microsoft.com/office/drawing/2010/main">
+                <a:solidFill>
+                  <a:srgbClr val="FFFFFF"/>
+                </a:solidFill>
+              </a14:hiddenFill>
+            </a:ext>
+          </a:extLst>
+        </p:spPr>
+      </p:pic>
+      <p:sp>
+        <p:nvSpPr>
+          <p:cNvPr id="8" name="1 Título">
+            <a:extLst>
+              <a:ext uri="{FF2B5EF4-FFF2-40B4-BE49-F238E27FC236}">
+                <a16:creationId xmlns:a16="http://schemas.microsoft.com/office/drawing/2014/main" id="{28B873FC-5038-76E8-7651-81D63313A05E}"/>
+              </a:ext>
+            </a:extLst>
+          </p:cNvPr>
+          <p:cNvSpPr txBox="1">
+            <a:spLocks/>
+          </p:cNvSpPr>
+          <p:nvPr/>
+        </p:nvSpPr>
+        <p:spPr>
+          <a:xfrm>
+            <a:off x="762000" y="389756"/>
+            <a:ext cx="7543800" cy="576064"/>
+          </a:xfrm>
+          <a:prstGeom prst="rect">
+            <a:avLst/>
+          </a:prstGeom>
+        </p:spPr>
+        <p:txBody>
+          <a:bodyPr vert="horz" lIns="91440" tIns="45720" rIns="91440" bIns="45720" rtlCol="0" anchor="ctr" anchorCtr="0">
+            <a:noAutofit/>
+          </a:bodyPr>
+          <a:lstStyle>
+            <a:lvl1pPr algn="l" defTabSz="914400" rtl="0" eaLnBrk="1" latinLnBrk="0" hangingPunct="1">
+              <a:spcBef>
+                <a:spcPct val="0"/>
+              </a:spcBef>
+              <a:buNone/>
+              <a:defRPr sz="5400" kern="1200">
+                <a:solidFill>
+                  <a:schemeClr val="tx1">
+                    <a:lumMod val="85000"/>
+                    <a:lumOff val="15000"/>
+                  </a:schemeClr>
+                </a:solidFill>
+                <a:latin typeface="+mj-lt"/>
+                <a:ea typeface="+mj-ea"/>
+                <a:cs typeface="+mj-cs"/>
+              </a:defRPr>
+            </a:lvl1pPr>
+            <a:lvl2pPr eaLnBrk="1" hangingPunct="1">
+              <a:defRPr>
+                <a:solidFill>
+                  <a:schemeClr val="tx2"/>
+                </a:solidFill>
+              </a:defRPr>
+            </a:lvl2pPr>
+            <a:lvl3pPr eaLnBrk="1" hangingPunct="1">
+              <a:defRPr>
+                <a:solidFill>
+                  <a:schemeClr val="tx2"/>
+                </a:solidFill>
+              </a:defRPr>
+            </a:lvl3pPr>
+            <a:lvl4pPr eaLnBrk="1" hangingPunct="1">
+              <a:defRPr>
+                <a:solidFill>
+                  <a:schemeClr val="tx2"/>
+                </a:solidFill>
+              </a:defRPr>
+            </a:lvl4pPr>
+            <a:lvl5pPr eaLnBrk="1" hangingPunct="1">
+              <a:defRPr>
+                <a:solidFill>
+                  <a:schemeClr val="tx2"/>
+                </a:solidFill>
+              </a:defRPr>
+            </a:lvl5pPr>
+            <a:lvl6pPr eaLnBrk="1" hangingPunct="1">
+              <a:defRPr>
+                <a:solidFill>
+                  <a:schemeClr val="tx2"/>
+                </a:solidFill>
+              </a:defRPr>
+            </a:lvl6pPr>
+            <a:lvl7pPr eaLnBrk="1" hangingPunct="1">
+              <a:defRPr>
+                <a:solidFill>
+                  <a:schemeClr val="tx2"/>
+                </a:solidFill>
+              </a:defRPr>
+            </a:lvl7pPr>
+            <a:lvl8pPr eaLnBrk="1" hangingPunct="1">
+              <a:defRPr>
+                <a:solidFill>
+                  <a:schemeClr val="tx2"/>
+                </a:solidFill>
+              </a:defRPr>
+            </a:lvl8pPr>
+            <a:lvl9pPr eaLnBrk="1" hangingPunct="1">
+              <a:defRPr>
+                <a:solidFill>
+                  <a:schemeClr val="tx2"/>
+                </a:solidFill>
+              </a:defRPr>
+            </a:lvl9pPr>
+          </a:lstStyle>
+          <a:p>
+            <a:r>
+              <a:rPr lang="es-VE" sz="4400" b="1" dirty="0">
+                <a:latin typeface="Andalus" pitchFamily="18" charset="-78"/>
+                <a:cs typeface="Andalus" pitchFamily="18" charset="-78"/>
+              </a:rPr>
+              <a:t>7. Hambre en la tierra</a:t>
+            </a:r>
+            <a:endParaRPr lang="es-VE" sz="4400" dirty="0">
+              <a:latin typeface="Andalus" pitchFamily="18" charset="-78"/>
+              <a:cs typeface="Andalus" pitchFamily="18" charset="-78"/>
+            </a:endParaRPr>
+          </a:p>
+        </p:txBody>
+      </p:sp>
+      <p:sp>
+        <p:nvSpPr>
+          <p:cNvPr id="9" name="CuadroTexto 8">
+            <a:extLst>
+              <a:ext uri="{FF2B5EF4-FFF2-40B4-BE49-F238E27FC236}">
+                <a16:creationId xmlns:a16="http://schemas.microsoft.com/office/drawing/2014/main" id="{F155B09D-C875-B350-A327-C09DAA4ABA9B}"/>
+              </a:ext>
+            </a:extLst>
+          </p:cNvPr>
+          <p:cNvSpPr txBox="1"/>
+          <p:nvPr/>
+        </p:nvSpPr>
+        <p:spPr>
+          <a:xfrm>
+            <a:off x="762000" y="964563"/>
+            <a:ext cx="7543800" cy="400110"/>
           </a:xfrm>
           <a:prstGeom prst="rect">
             <a:avLst/>
           </a:prstGeom>
           <a:noFill/>
-          <a:extLst>
-            <a:ext uri="{909E8E84-426E-40DD-AFC4-6F175D3DCCD1}">
-              <a14:hiddenFill xmlns:a14="http://schemas.microsoft.com/office/drawing/2010/main">
-                <a:solidFill>
-                  <a:srgbClr val="FFFFFF"/>
-                </a:solidFill>
-              </a14:hiddenFill>
-            </a:ext>
-          </a:extLst>
         </p:spPr>
-      </p:pic>
+        <p:txBody>
+          <a:bodyPr wrap="square" rtlCol="0">
+            <a:spAutoFit/>
+          </a:bodyPr>
+          <a:lstStyle/>
+          <a:p>
+            <a:r>
+              <a:rPr lang="es-VE" sz="2000" b="1" dirty="0">
+                <a:solidFill>
+                  <a:schemeClr val="accent1"/>
+                </a:solidFill>
+                <a:latin typeface="Arial Rounded MT Bold" pitchFamily="34" charset="0"/>
+              </a:rPr>
+              <a:t>7.2. </a:t>
+            </a:r>
+            <a:r>
+              <a:rPr lang="es-VE" sz="2000" b="1" dirty="0">
+                <a:solidFill>
+                  <a:schemeClr val="accent1"/>
+                </a:solidFill>
+                <a:latin typeface="Arial Rounded MT Bold" pitchFamily="34" charset="0"/>
+                <a:cs typeface="Arial" pitchFamily="34" charset="0"/>
+              </a:rPr>
+              <a:t>Abram negó a Sara como su esposa </a:t>
+            </a:r>
+            <a:r>
+              <a:rPr lang="es-ES" sz="2000" b="1" dirty="0">
+                <a:solidFill>
+                  <a:schemeClr val="accent1"/>
+                </a:solidFill>
+                <a:latin typeface="Arial Rounded MT Bold" pitchFamily="34" charset="0"/>
+              </a:rPr>
+              <a:t>[</a:t>
+            </a:r>
+            <a:r>
+              <a:rPr lang="es-ES" sz="2000" b="1" dirty="0" err="1">
+                <a:solidFill>
+                  <a:schemeClr val="accent1"/>
+                </a:solidFill>
+                <a:latin typeface="Arial Rounded MT Bold" pitchFamily="34" charset="0"/>
+              </a:rPr>
+              <a:t>Gn</a:t>
+            </a:r>
+            <a:r>
+              <a:rPr lang="es-ES" sz="2000" b="1" dirty="0">
+                <a:solidFill>
+                  <a:schemeClr val="accent1"/>
+                </a:solidFill>
+                <a:latin typeface="Arial Rounded MT Bold" pitchFamily="34" charset="0"/>
+              </a:rPr>
+              <a:t> 12:11-13]</a:t>
+            </a:r>
+            <a:endParaRPr lang="es-VE" sz="2000" b="1" dirty="0">
+              <a:solidFill>
+                <a:srgbClr val="006030"/>
+              </a:solidFill>
+              <a:latin typeface="Arial Rounded MT Bold" pitchFamily="34" charset="0"/>
+            </a:endParaRPr>
+          </a:p>
+        </p:txBody>
+      </p:sp>
     </p:spTree>
     <p:extLst>
       <p:ext uri="{BB962C8B-B14F-4D97-AF65-F5344CB8AC3E}">
@@ -10279,42 +10774,6 @@
       </p:grpSpPr>
       <p:sp>
         <p:nvSpPr>
-          <p:cNvPr id="2" name="1 Título"/>
-          <p:cNvSpPr>
-            <a:spLocks noGrp="1"/>
-          </p:cNvSpPr>
-          <p:nvPr>
-            <p:ph type="title"/>
-          </p:nvPr>
-        </p:nvSpPr>
-        <p:spPr>
-          <a:xfrm>
-            <a:off x="762000" y="4225652"/>
-            <a:ext cx="6781800" cy="917848"/>
-          </a:xfrm>
-        </p:spPr>
-        <p:txBody>
-          <a:bodyPr>
-            <a:noAutofit/>
-          </a:bodyPr>
-          <a:lstStyle/>
-          <a:p>
-            <a:r>
-              <a:rPr lang="es-VE" sz="4800" b="1" dirty="0">
-                <a:latin typeface="Andalus" pitchFamily="18" charset="-78"/>
-                <a:cs typeface="Andalus" pitchFamily="18" charset="-78"/>
-              </a:rPr>
-              <a:t>7. Hambre en la tierra</a:t>
-            </a:r>
-            <a:endParaRPr lang="es-VE" sz="1800" dirty="0">
-              <a:latin typeface="Arial Rounded MT Bold" pitchFamily="34" charset="0"/>
-              <a:cs typeface="Andalus" pitchFamily="18" charset="-78"/>
-            </a:endParaRPr>
-          </a:p>
-        </p:txBody>
-      </p:sp>
-      <p:sp>
-        <p:nvSpPr>
           <p:cNvPr id="3" name="2 Marcador de contenido"/>
           <p:cNvSpPr>
             <a:spLocks noGrp="1"/>
@@ -10325,13 +10784,13 @@
         </p:nvSpPr>
         <p:spPr>
           <a:xfrm>
-            <a:off x="762000" y="337220"/>
-            <a:ext cx="7554416" cy="3960440"/>
+            <a:off x="762000" y="1540627"/>
+            <a:ext cx="7554416" cy="3333098"/>
           </a:xfrm>
         </p:spPr>
         <p:txBody>
-          <a:bodyPr anchor="t">
-            <a:normAutofit fontScale="92500" lnSpcReduction="20000"/>
+          <a:bodyPr anchor="ctr">
+            <a:normAutofit/>
           </a:bodyPr>
           <a:lstStyle/>
           <a:p>
@@ -10339,280 +10798,386 @@
               <a:buNone/>
             </a:pPr>
             <a:r>
-              <a:rPr lang="es-VE" sz="2800" b="1" dirty="0">
+              <a:rPr lang="es-VE" sz="1800" dirty="0">
+                <a:latin typeface="Arial Rounded MT Bold" pitchFamily="34" charset="0"/>
+                <a:cs typeface="Arial" pitchFamily="34" charset="0"/>
+              </a:rPr>
+              <a:t>Las </a:t>
+            </a:r>
+            <a:r>
+              <a:rPr lang="es-VE" sz="1800" b="1" dirty="0">
+                <a:solidFill>
+                  <a:srgbClr val="C00000"/>
+                </a:solidFill>
+                <a:latin typeface="Arial Rounded MT Bold" pitchFamily="34" charset="0"/>
+                <a:cs typeface="Arial" pitchFamily="34" charset="0"/>
+              </a:rPr>
+              <a:t>decisiones de Abram</a:t>
+            </a:r>
+            <a:r>
+              <a:rPr lang="es-VE" sz="1800" dirty="0">
+                <a:latin typeface="Arial Rounded MT Bold" pitchFamily="34" charset="0"/>
+                <a:cs typeface="Arial" pitchFamily="34" charset="0"/>
+              </a:rPr>
+              <a:t> fuera del </a:t>
+            </a:r>
+            <a:r>
+              <a:rPr lang="es-VE" sz="1800" b="1" dirty="0">
+                <a:solidFill>
+                  <a:srgbClr val="C00000"/>
+                </a:solidFill>
+                <a:latin typeface="Arial Rounded MT Bold" pitchFamily="34" charset="0"/>
+                <a:cs typeface="Arial" pitchFamily="34" charset="0"/>
+              </a:rPr>
+              <a:t>Plan de Dios </a:t>
+            </a:r>
+            <a:r>
+              <a:rPr lang="es-VE" sz="1800" dirty="0">
+                <a:latin typeface="Arial Rounded MT Bold" pitchFamily="34" charset="0"/>
+                <a:cs typeface="Arial" pitchFamily="34" charset="0"/>
+              </a:rPr>
+              <a:t>llevaron a un desenlace de eventos que </a:t>
+            </a:r>
+            <a:r>
+              <a:rPr lang="es-VE" sz="1800" dirty="0">
+                <a:solidFill>
+                  <a:srgbClr val="C00000"/>
+                </a:solidFill>
+                <a:latin typeface="Arial Rounded MT Bold" pitchFamily="34" charset="0"/>
+                <a:cs typeface="Arial" pitchFamily="34" charset="0"/>
+              </a:rPr>
+              <a:t>afectaron a Faraón y su casa [</a:t>
+            </a:r>
+            <a:r>
+              <a:rPr lang="es-VE" sz="1800" dirty="0" err="1">
+                <a:solidFill>
+                  <a:srgbClr val="C00000"/>
+                </a:solidFill>
+                <a:latin typeface="Arial Rounded MT Bold" pitchFamily="34" charset="0"/>
+                <a:cs typeface="Arial" pitchFamily="34" charset="0"/>
+              </a:rPr>
+              <a:t>Gn</a:t>
+            </a:r>
+            <a:r>
+              <a:rPr lang="es-VE" sz="1800" dirty="0">
+                <a:solidFill>
+                  <a:srgbClr val="C00000"/>
+                </a:solidFill>
+                <a:latin typeface="Arial Rounded MT Bold" pitchFamily="34" charset="0"/>
+                <a:cs typeface="Arial" pitchFamily="34" charset="0"/>
+              </a:rPr>
+              <a:t> 12:17-19]</a:t>
+            </a:r>
+            <a:r>
+              <a:rPr lang="es-VE" sz="1800" dirty="0">
+                <a:latin typeface="Arial Rounded MT Bold" pitchFamily="34" charset="0"/>
+                <a:cs typeface="Arial" pitchFamily="34" charset="0"/>
+              </a:rPr>
+              <a:t>, debido a que Faraón estuvo en ocasión de tomar a </a:t>
+            </a:r>
+            <a:r>
+              <a:rPr lang="es-VE" sz="1800" dirty="0" err="1">
+                <a:latin typeface="Arial Rounded MT Bold" pitchFamily="34" charset="0"/>
+                <a:cs typeface="Arial" pitchFamily="34" charset="0"/>
+              </a:rPr>
+              <a:t>Sarai</a:t>
+            </a:r>
+            <a:r>
+              <a:rPr lang="es-VE" sz="1800" dirty="0">
+                <a:latin typeface="Arial Rounded MT Bold" pitchFamily="34" charset="0"/>
+                <a:cs typeface="Arial" pitchFamily="34" charset="0"/>
+              </a:rPr>
+              <a:t> por mujer.</a:t>
+            </a:r>
+          </a:p>
+          <a:p>
+            <a:pPr marL="0" indent="0">
+              <a:buNone/>
+            </a:pPr>
+            <a:endParaRPr lang="es-VE" sz="1800" dirty="0">
+              <a:latin typeface="Arial Rounded MT Bold" pitchFamily="34" charset="0"/>
+              <a:cs typeface="Arial" pitchFamily="34" charset="0"/>
+            </a:endParaRPr>
+          </a:p>
+          <a:p>
+            <a:pPr marL="0" indent="0">
+              <a:buNone/>
+            </a:pPr>
+            <a:r>
+              <a:rPr lang="es-VE" sz="1800" dirty="0">
+                <a:latin typeface="Arial Rounded MT Bold" pitchFamily="34" charset="0"/>
+                <a:cs typeface="Arial" pitchFamily="34" charset="0"/>
+              </a:rPr>
+              <a:t>Dios en su infinita misericordia libró a Abram, </a:t>
+            </a:r>
+            <a:r>
+              <a:rPr lang="es-VE" sz="1800" dirty="0" err="1">
+                <a:latin typeface="Arial Rounded MT Bold" pitchFamily="34" charset="0"/>
+                <a:cs typeface="Arial" pitchFamily="34" charset="0"/>
+              </a:rPr>
+              <a:t>Sarai</a:t>
+            </a:r>
+            <a:r>
+              <a:rPr lang="es-VE" sz="1800" dirty="0">
+                <a:latin typeface="Arial Rounded MT Bold" pitchFamily="34" charset="0"/>
+                <a:cs typeface="Arial" pitchFamily="34" charset="0"/>
+              </a:rPr>
+              <a:t> e inclusive a Faraón enviando las plagas.</a:t>
+            </a:r>
+          </a:p>
+          <a:p>
+            <a:pPr marL="0" indent="0">
+              <a:buNone/>
+            </a:pPr>
+            <a:endParaRPr lang="es-VE" sz="1800" dirty="0">
+              <a:latin typeface="Arial Rounded MT Bold" pitchFamily="34" charset="0"/>
+              <a:cs typeface="Arial" pitchFamily="34" charset="0"/>
+            </a:endParaRPr>
+          </a:p>
+          <a:p>
+            <a:pPr marL="0" indent="0">
+              <a:buNone/>
+            </a:pPr>
+            <a:r>
+              <a:rPr lang="es-VE" sz="1800" dirty="0">
+                <a:latin typeface="Arial Rounded MT Bold" pitchFamily="34" charset="0"/>
+                <a:cs typeface="Arial" pitchFamily="34" charset="0"/>
+              </a:rPr>
+              <a:t>Todo esto llevo a que Faraón enviara gente para que acompañaran a Abram y </a:t>
+            </a:r>
+            <a:r>
+              <a:rPr lang="es-VE" sz="1800" dirty="0" err="1">
+                <a:latin typeface="Arial Rounded MT Bold" pitchFamily="34" charset="0"/>
+                <a:cs typeface="Arial" pitchFamily="34" charset="0"/>
+              </a:rPr>
+              <a:t>Sarai</a:t>
+            </a:r>
+            <a:r>
+              <a:rPr lang="es-VE" sz="1800" dirty="0">
+                <a:latin typeface="Arial Rounded MT Bold" pitchFamily="34" charset="0"/>
+                <a:cs typeface="Arial" pitchFamily="34" charset="0"/>
+              </a:rPr>
+              <a:t> para abandonar la tierra de Egipto. </a:t>
+            </a:r>
+            <a:r>
+              <a:rPr lang="es-ES" sz="1800" dirty="0">
+                <a:solidFill>
+                  <a:schemeClr val="accent1"/>
+                </a:solidFill>
+                <a:latin typeface="Arial Rounded MT Bold" pitchFamily="34" charset="0"/>
+              </a:rPr>
+              <a:t>[</a:t>
+            </a:r>
+            <a:r>
+              <a:rPr lang="es-ES" sz="1800" dirty="0" err="1">
+                <a:solidFill>
+                  <a:schemeClr val="accent1"/>
+                </a:solidFill>
+                <a:latin typeface="Arial Rounded MT Bold" pitchFamily="34" charset="0"/>
+              </a:rPr>
+              <a:t>Gn</a:t>
+            </a:r>
+            <a:r>
+              <a:rPr lang="es-ES" sz="1800" dirty="0">
+                <a:solidFill>
+                  <a:schemeClr val="accent1"/>
+                </a:solidFill>
+                <a:latin typeface="Arial Rounded MT Bold" pitchFamily="34" charset="0"/>
+              </a:rPr>
+              <a:t> 12:20]</a:t>
+            </a:r>
+            <a:endParaRPr lang="es-VE" sz="1800" b="1" dirty="0">
+              <a:solidFill>
+                <a:srgbClr val="006030"/>
+              </a:solidFill>
+              <a:latin typeface="Arial Rounded MT Bold" pitchFamily="34" charset="0"/>
+            </a:endParaRPr>
+          </a:p>
+        </p:txBody>
+      </p:sp>
+      <p:sp>
+        <p:nvSpPr>
+          <p:cNvPr id="6" name="1 Título">
+            <a:extLst>
+              <a:ext uri="{FF2B5EF4-FFF2-40B4-BE49-F238E27FC236}">
+                <a16:creationId xmlns:a16="http://schemas.microsoft.com/office/drawing/2014/main" id="{08F6E50F-B2CA-EDD3-DD1F-135638E56AAA}"/>
+              </a:ext>
+            </a:extLst>
+          </p:cNvPr>
+          <p:cNvSpPr txBox="1">
+            <a:spLocks/>
+          </p:cNvSpPr>
+          <p:nvPr/>
+        </p:nvSpPr>
+        <p:spPr>
+          <a:xfrm>
+            <a:off x="762000" y="389756"/>
+            <a:ext cx="7543800" cy="576064"/>
+          </a:xfrm>
+          <a:prstGeom prst="rect">
+            <a:avLst/>
+          </a:prstGeom>
+        </p:spPr>
+        <p:txBody>
+          <a:bodyPr vert="horz" lIns="91440" tIns="45720" rIns="91440" bIns="45720" rtlCol="0" anchor="ctr" anchorCtr="0">
+            <a:noAutofit/>
+          </a:bodyPr>
+          <a:lstStyle>
+            <a:lvl1pPr algn="l" defTabSz="914400" rtl="0" eaLnBrk="1" latinLnBrk="0" hangingPunct="1">
+              <a:spcBef>
+                <a:spcPct val="0"/>
+              </a:spcBef>
+              <a:buNone/>
+              <a:defRPr sz="5400" kern="1200">
                 <a:solidFill>
                   <a:schemeClr val="tx1">
                     <a:lumMod val="85000"/>
                     <a:lumOff val="15000"/>
                   </a:schemeClr>
                 </a:solidFill>
+                <a:latin typeface="+mj-lt"/>
+                <a:ea typeface="+mj-ea"/>
+                <a:cs typeface="+mj-cs"/>
+              </a:defRPr>
+            </a:lvl1pPr>
+            <a:lvl2pPr eaLnBrk="1" hangingPunct="1">
+              <a:defRPr>
+                <a:solidFill>
+                  <a:schemeClr val="tx2"/>
+                </a:solidFill>
+              </a:defRPr>
+            </a:lvl2pPr>
+            <a:lvl3pPr eaLnBrk="1" hangingPunct="1">
+              <a:defRPr>
+                <a:solidFill>
+                  <a:schemeClr val="tx2"/>
+                </a:solidFill>
+              </a:defRPr>
+            </a:lvl3pPr>
+            <a:lvl4pPr eaLnBrk="1" hangingPunct="1">
+              <a:defRPr>
+                <a:solidFill>
+                  <a:schemeClr val="tx2"/>
+                </a:solidFill>
+              </a:defRPr>
+            </a:lvl4pPr>
+            <a:lvl5pPr eaLnBrk="1" hangingPunct="1">
+              <a:defRPr>
+                <a:solidFill>
+                  <a:schemeClr val="tx2"/>
+                </a:solidFill>
+              </a:defRPr>
+            </a:lvl5pPr>
+            <a:lvl6pPr eaLnBrk="1" hangingPunct="1">
+              <a:defRPr>
+                <a:solidFill>
+                  <a:schemeClr val="tx2"/>
+                </a:solidFill>
+              </a:defRPr>
+            </a:lvl6pPr>
+            <a:lvl7pPr eaLnBrk="1" hangingPunct="1">
+              <a:defRPr>
+                <a:solidFill>
+                  <a:schemeClr val="tx2"/>
+                </a:solidFill>
+              </a:defRPr>
+            </a:lvl7pPr>
+            <a:lvl8pPr eaLnBrk="1" hangingPunct="1">
+              <a:defRPr>
+                <a:solidFill>
+                  <a:schemeClr val="tx2"/>
+                </a:solidFill>
+              </a:defRPr>
+            </a:lvl8pPr>
+            <a:lvl9pPr eaLnBrk="1" hangingPunct="1">
+              <a:defRPr>
+                <a:solidFill>
+                  <a:schemeClr val="tx2"/>
+                </a:solidFill>
+              </a:defRPr>
+            </a:lvl9pPr>
+          </a:lstStyle>
+          <a:p>
+            <a:r>
+              <a:rPr lang="es-VE" sz="4400" b="1" dirty="0">
+                <a:latin typeface="Andalus" pitchFamily="18" charset="-78"/>
+                <a:cs typeface="Andalus" pitchFamily="18" charset="-78"/>
+              </a:rPr>
+              <a:t>7. Hambre en la tierra</a:t>
+            </a:r>
+            <a:endParaRPr lang="es-VE" sz="4400" dirty="0">
+              <a:latin typeface="Andalus" pitchFamily="18" charset="-78"/>
+              <a:cs typeface="Andalus" pitchFamily="18" charset="-78"/>
+            </a:endParaRPr>
+          </a:p>
+        </p:txBody>
+      </p:sp>
+      <p:sp>
+        <p:nvSpPr>
+          <p:cNvPr id="7" name="CuadroTexto 6">
+            <a:extLst>
+              <a:ext uri="{FF2B5EF4-FFF2-40B4-BE49-F238E27FC236}">
+                <a16:creationId xmlns:a16="http://schemas.microsoft.com/office/drawing/2014/main" id="{AC63DD09-D598-562F-9630-5E736887C167}"/>
+              </a:ext>
+            </a:extLst>
+          </p:cNvPr>
+          <p:cNvSpPr txBox="1"/>
+          <p:nvPr/>
+        </p:nvSpPr>
+        <p:spPr>
+          <a:xfrm>
+            <a:off x="762000" y="964563"/>
+            <a:ext cx="7543800" cy="400110"/>
+          </a:xfrm>
+          <a:prstGeom prst="rect">
+            <a:avLst/>
+          </a:prstGeom>
+          <a:noFill/>
+        </p:spPr>
+        <p:txBody>
+          <a:bodyPr wrap="square" rtlCol="0">
+            <a:spAutoFit/>
+          </a:bodyPr>
+          <a:lstStyle/>
+          <a:p>
+            <a:r>
+              <a:rPr lang="es-VE" sz="2000" b="1" dirty="0">
+                <a:solidFill>
+                  <a:schemeClr val="accent1"/>
+                </a:solidFill>
+                <a:latin typeface="Arial Rounded MT Bold" pitchFamily="34" charset="0"/>
+              </a:rPr>
+              <a:t>7.3. </a:t>
+            </a:r>
+            <a:r>
+              <a:rPr lang="es-ES" sz="2000" b="1" dirty="0">
+                <a:solidFill>
+                  <a:schemeClr val="accent1"/>
+                </a:solidFill>
                 <a:latin typeface="Arial Rounded MT Bold" pitchFamily="34" charset="0"/>
                 <a:cs typeface="Arial" pitchFamily="34" charset="0"/>
               </a:rPr>
-              <a:t>7.3 </a:t>
-            </a:r>
-            <a:r>
-              <a:rPr lang="es-VE" sz="2800" b="1" dirty="0">
-                <a:solidFill>
-                  <a:srgbClr val="C00000"/>
+              <a:t>Dios hiere a Faraón y a su casa por causa de </a:t>
+            </a:r>
+            <a:r>
+              <a:rPr lang="es-ES" sz="2000" b="1" dirty="0" err="1">
+                <a:solidFill>
+                  <a:schemeClr val="accent1"/>
                 </a:solidFill>
                 <a:latin typeface="Arial Rounded MT Bold" pitchFamily="34" charset="0"/>
                 <a:cs typeface="Arial" pitchFamily="34" charset="0"/>
               </a:rPr>
-              <a:t>Dios </a:t>
-            </a:r>
-            <a:r>
-              <a:rPr lang="es-VE" sz="2800" b="1" dirty="0">
+              <a:t>Sarai</a:t>
+            </a:r>
+            <a:r>
+              <a:rPr lang="es-ES" sz="2000" b="1" dirty="0">
                 <a:solidFill>
                   <a:schemeClr val="accent1"/>
                 </a:solidFill>
                 <a:latin typeface="Arial Rounded MT Bold" pitchFamily="34" charset="0"/>
                 <a:cs typeface="Arial" pitchFamily="34" charset="0"/>
               </a:rPr>
-              <a:t>hiere a Faraón y a su casa por causa de </a:t>
-            </a:r>
-            <a:r>
-              <a:rPr lang="es-VE" sz="2800" b="1" dirty="0" err="1">
-                <a:solidFill>
-                  <a:schemeClr val="accent1"/>
-                </a:solidFill>
-                <a:latin typeface="Arial Rounded MT Bold" pitchFamily="34" charset="0"/>
-                <a:cs typeface="Arial" pitchFamily="34" charset="0"/>
-              </a:rPr>
-              <a:t>Sarai</a:t>
-            </a:r>
-            <a:r>
-              <a:rPr lang="es-VE" sz="2800" b="1" dirty="0">
-                <a:solidFill>
-                  <a:schemeClr val="accent1"/>
-                </a:solidFill>
-                <a:latin typeface="Arial Rounded MT Bold" pitchFamily="34" charset="0"/>
-                <a:cs typeface="Arial" pitchFamily="34" charset="0"/>
-              </a:rPr>
-              <a:t> </a:t>
-            </a:r>
-            <a:r>
-              <a:rPr lang="es-VE" sz="2800" b="1" dirty="0">
-                <a:solidFill>
-                  <a:srgbClr val="006030"/>
-                </a:solidFill>
-                <a:latin typeface="Arial Rounded MT Bold" pitchFamily="34" charset="0"/>
-                <a:cs typeface="Arial" pitchFamily="34" charset="0"/>
-              </a:rPr>
-              <a:t>(</a:t>
-            </a:r>
-            <a:r>
-              <a:rPr lang="es-VE" sz="2800" b="1" dirty="0" err="1">
-                <a:solidFill>
-                  <a:srgbClr val="006030"/>
-                </a:solidFill>
-                <a:latin typeface="Arial Rounded MT Bold" pitchFamily="34" charset="0"/>
-                <a:cs typeface="Arial" pitchFamily="34" charset="0"/>
-              </a:rPr>
-              <a:t>Gén</a:t>
-            </a:r>
-            <a:r>
-              <a:rPr lang="es-VE" sz="2800" b="1" dirty="0">
-                <a:solidFill>
-                  <a:srgbClr val="006030"/>
-                </a:solidFill>
-                <a:latin typeface="Arial Rounded MT Bold" pitchFamily="34" charset="0"/>
-                <a:cs typeface="Arial" pitchFamily="34" charset="0"/>
-              </a:rPr>
-              <a:t> 12:17-19)</a:t>
-            </a:r>
-            <a:r>
-              <a:rPr lang="es-VE" sz="2800" b="1" dirty="0">
-                <a:latin typeface="Arial Rounded MT Bold" pitchFamily="34" charset="0"/>
-                <a:cs typeface="Arial" pitchFamily="34" charset="0"/>
-              </a:rPr>
-              <a:t>: </a:t>
-            </a:r>
-          </a:p>
-          <a:p>
-            <a:pPr marL="0" indent="0">
-              <a:buNone/>
-            </a:pPr>
-            <a:endParaRPr lang="es-VE" sz="2000" b="1" dirty="0">
-              <a:latin typeface="Arial Rounded MT Bold" pitchFamily="34" charset="0"/>
-              <a:cs typeface="Arial" pitchFamily="34" charset="0"/>
-            </a:endParaRPr>
-          </a:p>
-          <a:p>
-            <a:pPr marL="0" indent="0">
-              <a:buNone/>
-            </a:pPr>
-            <a:r>
-              <a:rPr lang="es-VE" sz="2000" dirty="0">
-                <a:latin typeface="Arial Rounded MT Bold" pitchFamily="34" charset="0"/>
-                <a:cs typeface="Arial" pitchFamily="34" charset="0"/>
-              </a:rPr>
-              <a:t>Las </a:t>
-            </a:r>
-            <a:r>
-              <a:rPr lang="es-VE" sz="2000" b="1" dirty="0">
-                <a:solidFill>
-                  <a:srgbClr val="C00000"/>
-                </a:solidFill>
-                <a:latin typeface="Arial Rounded MT Bold" pitchFamily="34" charset="0"/>
-                <a:cs typeface="Arial" pitchFamily="34" charset="0"/>
-              </a:rPr>
-              <a:t>decisiones de Abram</a:t>
-            </a:r>
-            <a:r>
-              <a:rPr lang="es-VE" sz="2000" dirty="0">
-                <a:latin typeface="Arial Rounded MT Bold" pitchFamily="34" charset="0"/>
-                <a:cs typeface="Arial" pitchFamily="34" charset="0"/>
-              </a:rPr>
-              <a:t> fuera del </a:t>
-            </a:r>
-            <a:r>
-              <a:rPr lang="es-VE" sz="2000" b="1" dirty="0">
-                <a:solidFill>
-                  <a:srgbClr val="C00000"/>
-                </a:solidFill>
-                <a:latin typeface="Arial Rounded MT Bold" pitchFamily="34" charset="0"/>
-                <a:cs typeface="Arial" pitchFamily="34" charset="0"/>
-              </a:rPr>
-              <a:t>Plan de Dios </a:t>
-            </a:r>
-            <a:r>
-              <a:rPr lang="es-VE" sz="2000" dirty="0">
-                <a:latin typeface="Arial Rounded MT Bold" pitchFamily="34" charset="0"/>
-                <a:cs typeface="Arial" pitchFamily="34" charset="0"/>
-              </a:rPr>
-              <a:t>llevaron a un desenlace de eventos que </a:t>
-            </a:r>
-            <a:r>
-              <a:rPr lang="es-VE" sz="2000" dirty="0">
-                <a:solidFill>
-                  <a:srgbClr val="C00000"/>
-                </a:solidFill>
-                <a:latin typeface="Arial Rounded MT Bold" pitchFamily="34" charset="0"/>
-                <a:cs typeface="Arial" pitchFamily="34" charset="0"/>
-              </a:rPr>
-              <a:t>afectaron a Faraón y su casa</a:t>
-            </a:r>
-            <a:r>
-              <a:rPr lang="es-VE" sz="2000" dirty="0">
-                <a:latin typeface="Arial Rounded MT Bold" pitchFamily="34" charset="0"/>
-                <a:cs typeface="Arial" pitchFamily="34" charset="0"/>
-              </a:rPr>
-              <a:t>,  debido a que Faraón estuvo en ocasión de tomar a </a:t>
-            </a:r>
-            <a:r>
-              <a:rPr lang="es-VE" sz="2000" dirty="0" err="1">
-                <a:latin typeface="Arial Rounded MT Bold" pitchFamily="34" charset="0"/>
-                <a:cs typeface="Arial" pitchFamily="34" charset="0"/>
-              </a:rPr>
-              <a:t>Sarai</a:t>
-            </a:r>
-            <a:r>
-              <a:rPr lang="es-VE" sz="2000" dirty="0">
-                <a:latin typeface="Arial Rounded MT Bold" pitchFamily="34" charset="0"/>
-                <a:cs typeface="Arial" pitchFamily="34" charset="0"/>
-              </a:rPr>
-              <a:t> por mujer.</a:t>
-            </a:r>
-          </a:p>
-          <a:p>
-            <a:pPr marL="0" indent="0">
-              <a:buNone/>
-            </a:pPr>
-            <a:endParaRPr lang="es-VE" sz="2000" dirty="0">
-              <a:latin typeface="Arial Rounded MT Bold" pitchFamily="34" charset="0"/>
-              <a:cs typeface="Arial" pitchFamily="34" charset="0"/>
-            </a:endParaRPr>
-          </a:p>
-          <a:p>
-            <a:pPr marL="0" indent="0">
-              <a:buNone/>
-            </a:pPr>
-            <a:r>
-              <a:rPr lang="es-VE" sz="2000" dirty="0">
-                <a:latin typeface="Arial Rounded MT Bold" pitchFamily="34" charset="0"/>
-                <a:cs typeface="Arial" pitchFamily="34" charset="0"/>
-              </a:rPr>
-              <a:t>Dios en su infinita misericordia libró a Abram, </a:t>
-            </a:r>
-            <a:r>
-              <a:rPr lang="es-VE" sz="2000" dirty="0" err="1">
-                <a:latin typeface="Arial Rounded MT Bold" pitchFamily="34" charset="0"/>
-                <a:cs typeface="Arial" pitchFamily="34" charset="0"/>
-              </a:rPr>
-              <a:t>Sarai</a:t>
-            </a:r>
-            <a:r>
-              <a:rPr lang="es-VE" sz="2000" dirty="0">
-                <a:latin typeface="Arial Rounded MT Bold" pitchFamily="34" charset="0"/>
-                <a:cs typeface="Arial" pitchFamily="34" charset="0"/>
-              </a:rPr>
-              <a:t> e inclusive a Faraón enviando las plagas.</a:t>
-            </a:r>
-          </a:p>
-          <a:p>
-            <a:pPr marL="0" indent="0">
-              <a:buNone/>
-            </a:pPr>
-            <a:endParaRPr lang="es-VE" sz="2000" dirty="0">
-              <a:latin typeface="Arial Rounded MT Bold" pitchFamily="34" charset="0"/>
-              <a:cs typeface="Arial" pitchFamily="34" charset="0"/>
-            </a:endParaRPr>
-          </a:p>
-          <a:p>
-            <a:pPr marL="0" indent="0">
-              <a:buNone/>
-            </a:pPr>
-            <a:r>
-              <a:rPr lang="es-VE" sz="2000" dirty="0">
-                <a:latin typeface="Arial Rounded MT Bold" pitchFamily="34" charset="0"/>
-                <a:cs typeface="Arial" pitchFamily="34" charset="0"/>
-              </a:rPr>
-              <a:t>Todo esto llevo a que Faraón enviara gente para que acompañaran a Abram y </a:t>
-            </a:r>
-            <a:r>
-              <a:rPr lang="es-VE" sz="2000" dirty="0" err="1">
-                <a:latin typeface="Arial Rounded MT Bold" pitchFamily="34" charset="0"/>
-                <a:cs typeface="Arial" pitchFamily="34" charset="0"/>
-              </a:rPr>
-              <a:t>Sarai</a:t>
-            </a:r>
-            <a:r>
-              <a:rPr lang="es-VE" sz="2000" dirty="0">
-                <a:latin typeface="Arial Rounded MT Bold" pitchFamily="34" charset="0"/>
-                <a:cs typeface="Arial" pitchFamily="34" charset="0"/>
-              </a:rPr>
-              <a:t> para abandonar la tierra de Egipto. </a:t>
-            </a:r>
-            <a:r>
-              <a:rPr lang="es-VE" sz="2000" b="1" dirty="0">
-                <a:solidFill>
-                  <a:srgbClr val="006030"/>
-                </a:solidFill>
-                <a:latin typeface="Arial Rounded MT Bold" pitchFamily="34" charset="0"/>
-                <a:cs typeface="Arial" pitchFamily="34" charset="0"/>
-              </a:rPr>
-              <a:t>(</a:t>
-            </a:r>
-            <a:r>
-              <a:rPr lang="es-VE" sz="2000" b="1" dirty="0" err="1">
-                <a:solidFill>
-                  <a:srgbClr val="006030"/>
-                </a:solidFill>
-                <a:latin typeface="Arial Rounded MT Bold" pitchFamily="34" charset="0"/>
-                <a:cs typeface="Arial" pitchFamily="34" charset="0"/>
-              </a:rPr>
-              <a:t>Gén</a:t>
-            </a:r>
-            <a:r>
-              <a:rPr lang="es-VE" sz="2000" b="1" dirty="0">
-                <a:solidFill>
-                  <a:srgbClr val="006030"/>
-                </a:solidFill>
-                <a:latin typeface="Arial Rounded MT Bold" pitchFamily="34" charset="0"/>
-                <a:cs typeface="Arial" pitchFamily="34" charset="0"/>
-              </a:rPr>
-              <a:t> 12:20)</a:t>
+              <a:t>.</a:t>
             </a:r>
           </a:p>
         </p:txBody>
@@ -10649,38 +11214,6 @@
       </p:grpSpPr>
       <p:sp>
         <p:nvSpPr>
-          <p:cNvPr id="2" name="1 Título"/>
-          <p:cNvSpPr>
-            <a:spLocks noGrp="1"/>
-          </p:cNvSpPr>
-          <p:nvPr>
-            <p:ph type="title"/>
-          </p:nvPr>
-        </p:nvSpPr>
-        <p:spPr>
-          <a:xfrm>
-            <a:off x="762000" y="4225652"/>
-            <a:ext cx="6781800" cy="917848"/>
-          </a:xfrm>
-        </p:spPr>
-        <p:txBody>
-          <a:bodyPr>
-            <a:normAutofit/>
-          </a:bodyPr>
-          <a:lstStyle/>
-          <a:p>
-            <a:r>
-              <a:rPr lang="es-VE" b="1" dirty="0">
-                <a:latin typeface="Andalus" pitchFamily="18" charset="-78"/>
-                <a:cs typeface="Andalus" pitchFamily="18" charset="-78"/>
-              </a:rPr>
-              <a:t>Conclusión</a:t>
-            </a:r>
-          </a:p>
-        </p:txBody>
-      </p:sp>
-      <p:sp>
-        <p:nvSpPr>
           <p:cNvPr id="3" name="2 Marcador de contenido"/>
           <p:cNvSpPr>
             <a:spLocks noGrp="1"/>
@@ -10691,8 +11224,8 @@
         </p:nvSpPr>
         <p:spPr>
           <a:xfrm>
-            <a:off x="762000" y="337220"/>
-            <a:ext cx="7543800" cy="3744416"/>
+            <a:off x="762000" y="965820"/>
+            <a:ext cx="7543800" cy="4195936"/>
           </a:xfrm>
         </p:spPr>
         <p:txBody>
@@ -10802,7 +11335,7 @@
               <a:rPr lang="es-VE" sz="1800" dirty="0">
                 <a:latin typeface="Arial Rounded MT Bold" pitchFamily="34" charset="0"/>
               </a:rPr>
-              <a:t>La clave está en confiar en Dios.  Pero </a:t>
+              <a:t>La clave está en confiar en Dios. Pero </a:t>
             </a:r>
             <a:r>
               <a:rPr lang="es-VE" sz="1800" b="1" dirty="0">
@@ -10821,6 +11354,123 @@
             </a:r>
             <a:endParaRPr lang="en-US" sz="1800" dirty="0">
               <a:latin typeface="Arial Rounded MT Bold" pitchFamily="34" charset="0"/>
+            </a:endParaRPr>
+          </a:p>
+        </p:txBody>
+      </p:sp>
+      <p:sp>
+        <p:nvSpPr>
+          <p:cNvPr id="6" name="1 Título">
+            <a:extLst>
+              <a:ext uri="{FF2B5EF4-FFF2-40B4-BE49-F238E27FC236}">
+                <a16:creationId xmlns:a16="http://schemas.microsoft.com/office/drawing/2014/main" id="{92D39969-D486-2087-7A6B-2B9FCA631120}"/>
+              </a:ext>
+            </a:extLst>
+          </p:cNvPr>
+          <p:cNvSpPr txBox="1">
+            <a:spLocks/>
+          </p:cNvSpPr>
+          <p:nvPr/>
+        </p:nvSpPr>
+        <p:spPr>
+          <a:xfrm>
+            <a:off x="762000" y="389756"/>
+            <a:ext cx="7543800" cy="576064"/>
+          </a:xfrm>
+          <a:prstGeom prst="rect">
+            <a:avLst/>
+          </a:prstGeom>
+        </p:spPr>
+        <p:txBody>
+          <a:bodyPr vert="horz" lIns="91440" tIns="45720" rIns="91440" bIns="45720" rtlCol="0" anchor="ctr" anchorCtr="0">
+            <a:noAutofit/>
+          </a:bodyPr>
+          <a:lstStyle>
+            <a:lvl1pPr algn="l" defTabSz="914400" rtl="0" eaLnBrk="1" latinLnBrk="0" hangingPunct="1">
+              <a:spcBef>
+                <a:spcPct val="0"/>
+              </a:spcBef>
+              <a:buNone/>
+              <a:defRPr sz="5400" kern="1200">
+                <a:solidFill>
+                  <a:schemeClr val="tx1">
+                    <a:lumMod val="85000"/>
+                    <a:lumOff val="15000"/>
+                  </a:schemeClr>
+                </a:solidFill>
+                <a:latin typeface="+mj-lt"/>
+                <a:ea typeface="+mj-ea"/>
+                <a:cs typeface="+mj-cs"/>
+              </a:defRPr>
+            </a:lvl1pPr>
+            <a:lvl2pPr eaLnBrk="1" hangingPunct="1">
+              <a:defRPr>
+                <a:solidFill>
+                  <a:schemeClr val="tx2"/>
+                </a:solidFill>
+              </a:defRPr>
+            </a:lvl2pPr>
+            <a:lvl3pPr eaLnBrk="1" hangingPunct="1">
+              <a:defRPr>
+                <a:solidFill>
+                  <a:schemeClr val="tx2"/>
+                </a:solidFill>
+              </a:defRPr>
+            </a:lvl3pPr>
+            <a:lvl4pPr eaLnBrk="1" hangingPunct="1">
+              <a:defRPr>
+                <a:solidFill>
+                  <a:schemeClr val="tx2"/>
+                </a:solidFill>
+              </a:defRPr>
+            </a:lvl4pPr>
+            <a:lvl5pPr eaLnBrk="1" hangingPunct="1">
+              <a:defRPr>
+                <a:solidFill>
+                  <a:schemeClr val="tx2"/>
+                </a:solidFill>
+              </a:defRPr>
+            </a:lvl5pPr>
+            <a:lvl6pPr eaLnBrk="1" hangingPunct="1">
+              <a:defRPr>
+                <a:solidFill>
+                  <a:schemeClr val="tx2"/>
+                </a:solidFill>
+              </a:defRPr>
+            </a:lvl6pPr>
+            <a:lvl7pPr eaLnBrk="1" hangingPunct="1">
+              <a:defRPr>
+                <a:solidFill>
+                  <a:schemeClr val="tx2"/>
+                </a:solidFill>
+              </a:defRPr>
+            </a:lvl7pPr>
+            <a:lvl8pPr eaLnBrk="1" hangingPunct="1">
+              <a:defRPr>
+                <a:solidFill>
+                  <a:schemeClr val="tx2"/>
+                </a:solidFill>
+              </a:defRPr>
+            </a:lvl8pPr>
+            <a:lvl9pPr eaLnBrk="1" hangingPunct="1">
+              <a:defRPr>
+                <a:solidFill>
+                  <a:schemeClr val="tx2"/>
+                </a:solidFill>
+              </a:defRPr>
+            </a:lvl9pPr>
+          </a:lstStyle>
+          <a:p>
+            <a:r>
+              <a:rPr lang="es-VE" sz="4400" b="1" dirty="0">
+                <a:latin typeface="Andalus" pitchFamily="18" charset="-78"/>
+                <a:cs typeface="Andalus" pitchFamily="18" charset="-78"/>
+              </a:rPr>
+              <a:t>Conclusión</a:t>
+            </a:r>
+            <a:endParaRPr lang="es-VE" sz="4400" dirty="0">
+              <a:latin typeface="Andalus" pitchFamily="18" charset="-78"/>
+              <a:cs typeface="Andalus" pitchFamily="18" charset="-78"/>
             </a:endParaRPr>
           </a:p>
         </p:txBody>
@@ -11200,7 +11850,7 @@
         </p:nvSpPr>
         <p:spPr>
           <a:xfrm>
-            <a:off x="762000" y="337220"/>
+            <a:off x="762000" y="409228"/>
             <a:ext cx="7543800" cy="576064"/>
           </a:xfrm>
         </p:spPr>
@@ -11236,7 +11886,7 @@
         </p:nvSpPr>
         <p:spPr>
           <a:xfrm>
-            <a:off x="762000" y="1313394"/>
+            <a:off x="762000" y="1385402"/>
             <a:ext cx="7543800" cy="3848362"/>
           </a:xfrm>
         </p:spPr>
@@ -11378,7 +12028,7 @@
         </p:nvSpPr>
         <p:spPr>
           <a:xfrm>
-            <a:off x="762000" y="913284"/>
+            <a:off x="762000" y="985292"/>
             <a:ext cx="7543800" cy="400110"/>
           </a:xfrm>
           <a:prstGeom prst="rect">
@@ -11460,8 +12110,8 @@
         </p:nvSpPr>
         <p:spPr>
           <a:xfrm>
-            <a:off x="762000" y="1313394"/>
-            <a:ext cx="7543800" cy="3848362"/>
+            <a:off x="762000" y="1809111"/>
+            <a:ext cx="3810000" cy="2611157"/>
           </a:xfrm>
         </p:spPr>
         <p:txBody>
@@ -11474,101 +12124,17 @@
               <a:buNone/>
             </a:pPr>
             <a:r>
-              <a:rPr lang="es-ES" sz="2000" dirty="0">
-                <a:latin typeface="Arial Rounded MT Bold" pitchFamily="34" charset="0"/>
-              </a:rPr>
-              <a:t>Tare fue un idolatra el cual servía a dioses extraños </a:t>
-            </a:r>
-            <a:r>
-              <a:rPr lang="es-ES" sz="2000" dirty="0">
-                <a:solidFill>
-                  <a:schemeClr val="accent1"/>
-                </a:solidFill>
-                <a:latin typeface="Arial Rounded MT Bold" pitchFamily="34" charset="0"/>
-              </a:rPr>
-              <a:t>[Jos 24:2]</a:t>
-            </a:r>
-            <a:r>
-              <a:rPr lang="es-ES" sz="2000" dirty="0">
-                <a:latin typeface="Arial Rounded MT Bold" pitchFamily="34" charset="0"/>
-              </a:rPr>
-              <a:t>, que vivió en </a:t>
-            </a:r>
-            <a:r>
-              <a:rPr lang="es-ES" sz="2000" dirty="0" err="1">
-                <a:latin typeface="Arial Rounded MT Bold" pitchFamily="34" charset="0"/>
-              </a:rPr>
-              <a:t>Ur</a:t>
-            </a:r>
-            <a:r>
-              <a:rPr lang="es-ES" sz="2000" dirty="0">
-                <a:latin typeface="Arial Rounded MT Bold" pitchFamily="34" charset="0"/>
-              </a:rPr>
-              <a:t> de los caldeos donde nacieron sus hijos Abram, </a:t>
-            </a:r>
-            <a:r>
-              <a:rPr lang="es-ES" sz="2000" dirty="0" err="1">
-                <a:latin typeface="Arial Rounded MT Bold" pitchFamily="34" charset="0"/>
-              </a:rPr>
-              <a:t>Nacor</a:t>
-            </a:r>
-            <a:r>
-              <a:rPr lang="es-ES" sz="2000" dirty="0">
-                <a:latin typeface="Arial Rounded MT Bold" pitchFamily="34" charset="0"/>
-              </a:rPr>
-              <a:t> y Harán </a:t>
-            </a:r>
-            <a:r>
-              <a:rPr lang="en-US" sz="2000" dirty="0">
-                <a:latin typeface="Arial Rounded MT Bold" pitchFamily="34" charset="0"/>
-              </a:rPr>
-              <a:t>(</a:t>
-            </a:r>
-            <a:r>
-              <a:rPr lang="es-ES" sz="2000" dirty="0">
-                <a:latin typeface="Arial Rounded MT Bold" pitchFamily="34" charset="0"/>
-              </a:rPr>
-              <a:t>el cual murió en su presencia </a:t>
-            </a:r>
-            <a:r>
-              <a:rPr lang="es-ES" sz="2000" dirty="0">
-                <a:solidFill>
-                  <a:schemeClr val="accent1"/>
-                </a:solidFill>
-                <a:latin typeface="Arial Rounded MT Bold" pitchFamily="34" charset="0"/>
-              </a:rPr>
-              <a:t>[</a:t>
-            </a:r>
-            <a:r>
-              <a:rPr lang="es-ES" sz="2000" dirty="0" err="1">
-                <a:solidFill>
-                  <a:schemeClr val="accent1"/>
-                </a:solidFill>
-                <a:latin typeface="Arial Rounded MT Bold" pitchFamily="34" charset="0"/>
-              </a:rPr>
-              <a:t>Gn</a:t>
-            </a:r>
-            <a:r>
-              <a:rPr lang="es-ES" sz="2000" dirty="0">
-                <a:solidFill>
-                  <a:schemeClr val="accent1"/>
-                </a:solidFill>
-                <a:latin typeface="Arial Rounded MT Bold" pitchFamily="34" charset="0"/>
-              </a:rPr>
-              <a:t> 11:28]</a:t>
-            </a:r>
-            <a:r>
-              <a:rPr lang="es-ES" sz="2000" dirty="0">
-                <a:latin typeface="Arial Rounded MT Bold" pitchFamily="34" charset="0"/>
-              </a:rPr>
-              <a:t>).</a:t>
+              <a:rPr lang="es-VE" sz="2000" dirty="0">
+                <a:latin typeface="Arial Rounded MT Bold" pitchFamily="34" charset="0"/>
+              </a:rPr>
+              <a:t>No lo sabía, pues Dios no se lo había revelado.</a:t>
             </a:r>
           </a:p>
           <a:p>
             <a:pPr marL="0" indent="0">
               <a:buNone/>
             </a:pPr>
-            <a:endParaRPr lang="es-ES" sz="2000" dirty="0">
+            <a:endParaRPr lang="es-VE" sz="2200" dirty="0">
               <a:latin typeface="Arial Rounded MT Bold" pitchFamily="34" charset="0"/>
             </a:endParaRPr>
           </a:p>
@@ -11577,79 +12143,125 @@
               <a:buNone/>
             </a:pPr>
             <a:r>
+              <a:rPr lang="es-VE" sz="2000" dirty="0">
+                <a:latin typeface="Arial Rounded MT Bold" pitchFamily="34" charset="0"/>
+              </a:rPr>
+              <a:t>Todo lo que sabía es que iría a un lugar que el Señor le iba a mostrar </a:t>
+            </a:r>
+            <a:r>
               <a:rPr lang="es-ES" sz="2000" dirty="0">
-                <a:latin typeface="Arial Rounded MT Bold" pitchFamily="34" charset="0"/>
-              </a:rPr>
-              <a:t>Tare emprendió un viaje hacia Canaán junto con su hijo Abram, su nieto Lot y su nuera </a:t>
+                <a:solidFill>
+                  <a:schemeClr val="accent1"/>
+                </a:solidFill>
+                <a:latin typeface="Arial Rounded MT Bold" pitchFamily="34" charset="0"/>
+              </a:rPr>
+              <a:t>[</a:t>
             </a:r>
             <a:r>
               <a:rPr lang="es-ES" sz="2000" dirty="0" err="1">
-                <a:latin typeface="Arial Rounded MT Bold" pitchFamily="34" charset="0"/>
-              </a:rPr>
-              <a:t>Sarai</a:t>
+                <a:solidFill>
+                  <a:schemeClr val="accent1"/>
+                </a:solidFill>
+                <a:latin typeface="Arial Rounded MT Bold" pitchFamily="34" charset="0"/>
+              </a:rPr>
+              <a:t>Gn</a:t>
             </a:r>
             <a:r>
               <a:rPr lang="es-ES" sz="2000" dirty="0">
-                <a:latin typeface="Arial Rounded MT Bold" pitchFamily="34" charset="0"/>
-              </a:rPr>
-              <a:t> </a:t>
-            </a:r>
-            <a:r>
-              <a:rPr lang="es-ES" sz="2000" dirty="0">
                 <a:solidFill>
                   <a:schemeClr val="accent1"/>
                 </a:solidFill>
                 <a:latin typeface="Arial Rounded MT Bold" pitchFamily="34" charset="0"/>
               </a:rPr>
-              <a:t>[</a:t>
-            </a:r>
-            <a:r>
-              <a:rPr lang="es-ES" sz="2000" dirty="0" err="1">
-                <a:solidFill>
-                  <a:schemeClr val="accent1"/>
-                </a:solidFill>
-                <a:latin typeface="Arial Rounded MT Bold" pitchFamily="34" charset="0"/>
-              </a:rPr>
-              <a:t>Gn</a:t>
-            </a:r>
-            <a:r>
-              <a:rPr lang="es-ES" sz="2000">
-                <a:solidFill>
-                  <a:schemeClr val="accent1"/>
-                </a:solidFill>
-                <a:latin typeface="Arial Rounded MT Bold" pitchFamily="34" charset="0"/>
-              </a:rPr>
-              <a:t> 11:31]</a:t>
-            </a:r>
-            <a:r>
-              <a:rPr lang="es-ES" sz="2000">
-                <a:latin typeface="Arial Rounded MT Bold" pitchFamily="34" charset="0"/>
-              </a:rPr>
-              <a:t>. </a:t>
-            </a:r>
-            <a:r>
-              <a:rPr lang="es-ES" sz="2000" dirty="0">
-                <a:latin typeface="Arial Rounded MT Bold" pitchFamily="34" charset="0"/>
-              </a:rPr>
-              <a:t>Sin embargo, en lugar de llegar a Canaán, se establecieron en Harán, donde murió a los 205 años de edad.</a:t>
-            </a:r>
-          </a:p>
-          <a:p>
-            <a:pPr marL="0" indent="0">
-              <a:buNone/>
-            </a:pPr>
-            <a:endParaRPr lang="es-VE" sz="2000" b="1" dirty="0">
-              <a:latin typeface="Arial Rounded MT Bold" pitchFamily="34" charset="0"/>
-            </a:endParaRPr>
+              <a:t> 12:1]</a:t>
+            </a:r>
+            <a:r>
+              <a:rPr lang="es-VE" sz="2000" dirty="0">
+                <a:latin typeface="Arial Rounded MT Bold" pitchFamily="34" charset="0"/>
+              </a:rPr>
+              <a:t>.</a:t>
+            </a:r>
           </a:p>
         </p:txBody>
       </p:sp>
+      <p:pic>
+        <p:nvPicPr>
+          <p:cNvPr id="1026" name="Picture 2" descr="Abraham (personaje bíblico) - EcuRed">
+            <a:extLst>
+              <a:ext uri="{FF2B5EF4-FFF2-40B4-BE49-F238E27FC236}">
+                <a16:creationId xmlns:a16="http://schemas.microsoft.com/office/drawing/2014/main" id="{EAC66494-3C20-629A-0FAE-5FC2737A8AD4}"/>
+              </a:ext>
+            </a:extLst>
+          </p:cNvPr>
+          <p:cNvPicPr>
+            <a:picLocks noChangeAspect="1" noChangeArrowheads="1"/>
+          </p:cNvPicPr>
+          <p:nvPr/>
+        </p:nvPicPr>
+        <p:blipFill>
+          <a:blip r:embed="rId2">
+            <a:extLst>
+              <a:ext uri="{28A0092B-C50C-407E-A947-70E740481C1C}">
+                <a14:useLocalDpi xmlns:a14="http://schemas.microsoft.com/office/drawing/2010/main" val="0"/>
+              </a:ext>
+            </a:extLst>
+          </a:blip>
+          <a:srcRect/>
+          <a:stretch>
+            <a:fillRect/>
+          </a:stretch>
+        </p:blipFill>
+        <p:spPr bwMode="auto">
+          <a:xfrm>
+            <a:off x="4832298" y="1777380"/>
+            <a:ext cx="3528814" cy="2642888"/>
+          </a:xfrm>
+          <a:prstGeom prst="roundRect">
+            <a:avLst>
+              <a:gd name="adj" fmla="val 4167"/>
+            </a:avLst>
+          </a:prstGeom>
+          <a:solidFill>
+            <a:srgbClr val="FFFFFF"/>
+          </a:solidFill>
+          <a:ln w="76200" cap="sq">
+            <a:solidFill>
+              <a:srgbClr val="292929"/>
+            </a:solidFill>
+            <a:miter lim="800000"/>
+          </a:ln>
+          <a:effectLst>
+            <a:reflection blurRad="12700" stA="28000" endPos="28000" dist="5000" dir="5400000" sy="-100000" algn="bl" rotWithShape="0"/>
+          </a:effectLst>
+          <a:scene3d>
+            <a:camera prst="orthographicFront"/>
+            <a:lightRig rig="threePt" dir="t">
+              <a:rot lat="0" lon="0" rev="2700000"/>
+            </a:lightRig>
+          </a:scene3d>
+          <a:sp3d>
+            <a:bevelT h="38100"/>
+            <a:contourClr>
+              <a:srgbClr val="C0C0C0"/>
+            </a:contourClr>
+          </a:sp3d>
+          <a:extLst>
+            <a:ext uri="{909E8E84-426E-40DD-AFC4-6F175D3DCCD1}">
+              <a14:hiddenFill xmlns:a14="http://schemas.microsoft.com/office/drawing/2010/main">
+                <a:solidFill>
+                  <a:srgbClr val="FFFFFF"/>
+                </a:solidFill>
+              </a14:hiddenFill>
+            </a:ext>
+          </a:extLst>
+        </p:spPr>
+      </p:pic>
       <p:sp>
         <p:nvSpPr>
-          <p:cNvPr id="6" name="1 Título">
+          <p:cNvPr id="7" name="1 Título">
             <a:extLst>
               <a:ext uri="{FF2B5EF4-FFF2-40B4-BE49-F238E27FC236}">
-                <a16:creationId xmlns:a16="http://schemas.microsoft.com/office/drawing/2014/main" id="{2D0C0E0D-D7B5-9E0B-D5E8-DB6D6B226A74}"/>
+                <a16:creationId xmlns:a16="http://schemas.microsoft.com/office/drawing/2014/main" id="{7635626D-ECA6-3E15-8FF7-E4AD99CCA474}"/>
               </a:ext>
             </a:extLst>
           </p:cNvPr>
@@ -11662,7 +12274,7 @@
         </p:nvSpPr>
         <p:spPr>
           <a:xfrm>
-            <a:off x="762000" y="337220"/>
+            <a:off x="762000" y="388499"/>
             <a:ext cx="7543800" cy="576064"/>
           </a:xfrm>
         </p:spPr>
@@ -11688,10 +12300,10 @@
       </p:sp>
       <p:sp>
         <p:nvSpPr>
-          <p:cNvPr id="7" name="CuadroTexto 6">
+          <p:cNvPr id="8" name="CuadroTexto 7">
             <a:extLst>
               <a:ext uri="{FF2B5EF4-FFF2-40B4-BE49-F238E27FC236}">
-                <a16:creationId xmlns:a16="http://schemas.microsoft.com/office/drawing/2014/main" id="{8C05F2A2-A0C9-A05B-9D67-B75453F56AC6}"/>
+                <a16:creationId xmlns:a16="http://schemas.microsoft.com/office/drawing/2014/main" id="{A6EF231D-D8BB-298F-BB2F-3E7ECE81BE08}"/>
               </a:ext>
             </a:extLst>
           </p:cNvPr>
@@ -11700,7 +12312,7 @@
         </p:nvSpPr>
         <p:spPr>
           <a:xfrm>
-            <a:off x="762000" y="913284"/>
+            <a:off x="762000" y="964563"/>
             <a:ext cx="7543800" cy="400110"/>
           </a:xfrm>
           <a:prstGeom prst="rect">
@@ -11714,6 +12326,9 @@
           </a:bodyPr>
           <a:lstStyle/>
           <a:p>
+            <a:pPr marL="0" indent="0">
+              <a:buNone/>
+            </a:pPr>
             <a:r>
               <a:rPr lang="es-VE" sz="2000" b="1" dirty="0">
                 <a:solidFill>
@@ -11721,30 +12336,13 @@
                 </a:solidFill>
                 <a:latin typeface="Arial Rounded MT Bold" pitchFamily="34" charset="0"/>
               </a:rPr>
-              <a:t>2.2. El padre de Abram </a:t>
-            </a:r>
-            <a:r>
-              <a:rPr lang="es-VE" sz="2000" b="1" dirty="0" err="1">
-                <a:solidFill>
-                  <a:schemeClr val="accent1"/>
-                </a:solidFill>
-                <a:latin typeface="Arial Rounded MT Bold" pitchFamily="34" charset="0"/>
-              </a:rPr>
-              <a:t>servia</a:t>
-            </a:r>
-            <a:r>
-              <a:rPr lang="es-VE" sz="2000" b="1" dirty="0">
-                <a:solidFill>
-                  <a:schemeClr val="accent1"/>
-                </a:solidFill>
-                <a:latin typeface="Arial Rounded MT Bold" pitchFamily="34" charset="0"/>
-              </a:rPr>
-              <a:t> a dioses extraños</a:t>
-            </a:r>
-            <a:endParaRPr lang="es-419" sz="2000" b="1" dirty="0">
+              <a:t>2.2. ¿A dónde debía ir?</a:t>
+            </a:r>
+            <a:endParaRPr lang="es-VE" sz="2000" dirty="0">
               <a:solidFill>
                 <a:schemeClr val="accent1"/>
               </a:solidFill>
+              <a:latin typeface="Arial Rounded MT Bold" pitchFamily="34" charset="0"/>
             </a:endParaRPr>
           </a:p>
         </p:txBody>
@@ -11752,7 +12350,7 @@
     </p:spTree>
     <p:extLst>
       <p:ext uri="{BB962C8B-B14F-4D97-AF65-F5344CB8AC3E}">
-        <p14:creationId xmlns:p14="http://schemas.microsoft.com/office/powerpoint/2010/main" val="4018751906"/>
+        <p14:creationId xmlns:p14="http://schemas.microsoft.com/office/powerpoint/2010/main" val="3708118451"/>
       </p:ext>
     </p:extLst>
   </p:cSld>
@@ -11781,37 +12379,6 @@
       </p:grpSpPr>
       <p:sp>
         <p:nvSpPr>
-          <p:cNvPr id="2" name="1 Título"/>
-          <p:cNvSpPr>
-            <a:spLocks noGrp="1"/>
-          </p:cNvSpPr>
-          <p:nvPr>
-            <p:ph type="title"/>
-          </p:nvPr>
-        </p:nvSpPr>
-        <p:spPr/>
-        <p:txBody>
-          <a:bodyPr>
-            <a:noAutofit/>
-          </a:bodyPr>
-          <a:lstStyle/>
-          <a:p>
-            <a:r>
-              <a:rPr lang="es-VE" sz="4400" b="1" dirty="0">
-                <a:latin typeface="Andalus" pitchFamily="18" charset="-78"/>
-                <a:cs typeface="Andalus" pitchFamily="18" charset="-78"/>
-              </a:rPr>
-              <a:t>2. LLAMADO DE ABRAM</a:t>
-            </a:r>
-            <a:endParaRPr lang="es-VE" sz="4400" dirty="0">
-              <a:latin typeface="Andalus" pitchFamily="18" charset="-78"/>
-              <a:cs typeface="Andalus" pitchFamily="18" charset="-78"/>
-            </a:endParaRPr>
-          </a:p>
-        </p:txBody>
-      </p:sp>
-      <p:sp>
-        <p:nvSpPr>
           <p:cNvPr id="3" name="2 Marcador de contenido"/>
           <p:cNvSpPr>
             <a:spLocks noGrp="1"/>
@@ -11820,7 +12387,12 @@
             <p:ph idx="1"/>
           </p:nvPr>
         </p:nvSpPr>
-        <p:spPr/>
+        <p:spPr>
+          <a:xfrm>
+            <a:off x="762000" y="1385402"/>
+            <a:ext cx="7543800" cy="3704346"/>
+          </a:xfrm>
+        </p:spPr>
         <p:txBody>
           <a:bodyPr>
             <a:noAutofit/>
@@ -11831,56 +12403,279 @@
               <a:buNone/>
             </a:pPr>
             <a:r>
+              <a:rPr lang="es-ES" sz="2000" dirty="0">
+                <a:latin typeface="Arial Rounded MT Bold" pitchFamily="34" charset="0"/>
+              </a:rPr>
+              <a:t>Tare fue un idolatra el cual servía a dioses extraños </a:t>
+            </a:r>
+            <a:r>
+              <a:rPr lang="es-ES" sz="2000" dirty="0">
+                <a:solidFill>
+                  <a:schemeClr val="accent1"/>
+                </a:solidFill>
+                <a:latin typeface="Arial Rounded MT Bold" pitchFamily="34" charset="0"/>
+              </a:rPr>
+              <a:t>[Jos 24:2]</a:t>
+            </a:r>
+            <a:r>
+              <a:rPr lang="es-ES" sz="2000" dirty="0">
+                <a:latin typeface="Arial Rounded MT Bold" pitchFamily="34" charset="0"/>
+              </a:rPr>
+              <a:t>, que vivió en </a:t>
+            </a:r>
+            <a:r>
+              <a:rPr lang="es-ES" sz="2000" dirty="0" err="1">
+                <a:latin typeface="Arial Rounded MT Bold" pitchFamily="34" charset="0"/>
+              </a:rPr>
+              <a:t>Ur</a:t>
+            </a:r>
+            <a:r>
+              <a:rPr lang="es-ES" sz="2000" dirty="0">
+                <a:latin typeface="Arial Rounded MT Bold" pitchFamily="34" charset="0"/>
+              </a:rPr>
+              <a:t> de los caldeos donde nacieron sus hijos Abram, </a:t>
+            </a:r>
+            <a:r>
+              <a:rPr lang="es-ES" sz="2000" dirty="0" err="1">
+                <a:latin typeface="Arial Rounded MT Bold" pitchFamily="34" charset="0"/>
+              </a:rPr>
+              <a:t>Nacor</a:t>
+            </a:r>
+            <a:r>
+              <a:rPr lang="es-ES" sz="2000" dirty="0">
+                <a:latin typeface="Arial Rounded MT Bold" pitchFamily="34" charset="0"/>
+              </a:rPr>
+              <a:t> y Harán </a:t>
+            </a:r>
+            <a:r>
+              <a:rPr lang="en-US" sz="2000" dirty="0">
+                <a:latin typeface="Arial Rounded MT Bold" pitchFamily="34" charset="0"/>
+              </a:rPr>
+              <a:t>(</a:t>
+            </a:r>
+            <a:r>
+              <a:rPr lang="es-ES" sz="2000" dirty="0">
+                <a:latin typeface="Arial Rounded MT Bold" pitchFamily="34" charset="0"/>
+              </a:rPr>
+              <a:t>el cual murió en su presencia </a:t>
+            </a:r>
+            <a:r>
+              <a:rPr lang="es-ES" sz="2000" dirty="0">
+                <a:solidFill>
+                  <a:schemeClr val="accent1"/>
+                </a:solidFill>
+                <a:latin typeface="Arial Rounded MT Bold" pitchFamily="34" charset="0"/>
+              </a:rPr>
+              <a:t>[</a:t>
+            </a:r>
+            <a:r>
+              <a:rPr lang="es-ES" sz="2000" dirty="0" err="1">
+                <a:solidFill>
+                  <a:schemeClr val="accent1"/>
+                </a:solidFill>
+                <a:latin typeface="Arial Rounded MT Bold" pitchFamily="34" charset="0"/>
+              </a:rPr>
+              <a:t>Gn</a:t>
+            </a:r>
+            <a:r>
+              <a:rPr lang="es-ES" sz="2000" dirty="0">
+                <a:solidFill>
+                  <a:schemeClr val="accent1"/>
+                </a:solidFill>
+                <a:latin typeface="Arial Rounded MT Bold" pitchFamily="34" charset="0"/>
+              </a:rPr>
+              <a:t> 11:28]</a:t>
+            </a:r>
+            <a:r>
+              <a:rPr lang="es-ES" sz="2000" dirty="0">
+                <a:latin typeface="Arial Rounded MT Bold" pitchFamily="34" charset="0"/>
+              </a:rPr>
+              <a:t>).</a:t>
+            </a:r>
+          </a:p>
+          <a:p>
+            <a:pPr marL="0" indent="0">
+              <a:buNone/>
+            </a:pPr>
+            <a:endParaRPr lang="es-ES" sz="2000" dirty="0">
+              <a:latin typeface="Arial Rounded MT Bold" pitchFamily="34" charset="0"/>
+            </a:endParaRPr>
+          </a:p>
+          <a:p>
+            <a:pPr marL="0" indent="0">
+              <a:buNone/>
+            </a:pPr>
+            <a:r>
+              <a:rPr lang="es-ES" sz="2000" dirty="0">
+                <a:latin typeface="Arial Rounded MT Bold" pitchFamily="34" charset="0"/>
+              </a:rPr>
+              <a:t>Tare emprendió un viaje hacia Canaán junto con su hijo Abram, su nieto Lot y su nuera </a:t>
+            </a:r>
+            <a:r>
+              <a:rPr lang="es-ES" sz="2000" dirty="0" err="1">
+                <a:latin typeface="Arial Rounded MT Bold" pitchFamily="34" charset="0"/>
+              </a:rPr>
+              <a:t>Sarai</a:t>
+            </a:r>
+            <a:r>
+              <a:rPr lang="es-ES" sz="2000" dirty="0">
+                <a:latin typeface="Arial Rounded MT Bold" pitchFamily="34" charset="0"/>
+              </a:rPr>
+              <a:t> </a:t>
+            </a:r>
+            <a:r>
+              <a:rPr lang="es-ES" sz="2000" dirty="0">
+                <a:solidFill>
+                  <a:schemeClr val="accent1"/>
+                </a:solidFill>
+                <a:latin typeface="Arial Rounded MT Bold" pitchFamily="34" charset="0"/>
+              </a:rPr>
+              <a:t>[</a:t>
+            </a:r>
+            <a:r>
+              <a:rPr lang="es-ES" sz="2000" dirty="0" err="1">
+                <a:solidFill>
+                  <a:schemeClr val="accent1"/>
+                </a:solidFill>
+                <a:latin typeface="Arial Rounded MT Bold" pitchFamily="34" charset="0"/>
+              </a:rPr>
+              <a:t>Gn</a:t>
+            </a:r>
+            <a:r>
+              <a:rPr lang="es-ES" sz="2000" dirty="0">
+                <a:solidFill>
+                  <a:schemeClr val="accent1"/>
+                </a:solidFill>
+                <a:latin typeface="Arial Rounded MT Bold" pitchFamily="34" charset="0"/>
+              </a:rPr>
+              <a:t> 11:31]</a:t>
+            </a:r>
+            <a:r>
+              <a:rPr lang="es-ES" sz="2000" dirty="0">
+                <a:latin typeface="Arial Rounded MT Bold" pitchFamily="34" charset="0"/>
+              </a:rPr>
+              <a:t>. Sin embargo, en lugar de llegar a Canaán, se establecieron en Harán, donde murió a los 205 años de edad.</a:t>
+            </a:r>
+          </a:p>
+          <a:p>
+            <a:pPr marL="0" indent="0">
+              <a:buNone/>
+            </a:pPr>
+            <a:endParaRPr lang="es-VE" sz="2000" b="1" dirty="0">
+              <a:latin typeface="Arial Rounded MT Bold" pitchFamily="34" charset="0"/>
+            </a:endParaRPr>
+          </a:p>
+        </p:txBody>
+      </p:sp>
+      <p:sp>
+        <p:nvSpPr>
+          <p:cNvPr id="6" name="1 Título">
+            <a:extLst>
+              <a:ext uri="{FF2B5EF4-FFF2-40B4-BE49-F238E27FC236}">
+                <a16:creationId xmlns:a16="http://schemas.microsoft.com/office/drawing/2014/main" id="{2D0C0E0D-D7B5-9E0B-D5E8-DB6D6B226A74}"/>
+              </a:ext>
+            </a:extLst>
+          </p:cNvPr>
+          <p:cNvSpPr>
+            <a:spLocks noGrp="1"/>
+          </p:cNvSpPr>
+          <p:nvPr>
+            <p:ph type="title"/>
+          </p:nvPr>
+        </p:nvSpPr>
+        <p:spPr>
+          <a:xfrm>
+            <a:off x="762000" y="409228"/>
+            <a:ext cx="7543800" cy="576064"/>
+          </a:xfrm>
+        </p:spPr>
+        <p:txBody>
+          <a:bodyPr anchor="ctr">
+            <a:noAutofit/>
+          </a:bodyPr>
+          <a:lstStyle/>
+          <a:p>
+            <a:r>
               <a:rPr lang="es-VE" sz="4400" b="1" dirty="0">
-                <a:latin typeface="Arial Rounded MT Bold" pitchFamily="34" charset="0"/>
-              </a:rPr>
-              <a:t>2.3 </a:t>
-            </a:r>
-            <a:r>
-              <a:rPr lang="es-VE" sz="4400" b="1" dirty="0">
+                <a:latin typeface="Andalus" pitchFamily="18" charset="-78"/>
+                <a:cs typeface="Andalus" pitchFamily="18" charset="-78"/>
+              </a:rPr>
+              <a:t>2. LLAMADO DE ABRAM</a:t>
+            </a:r>
+            <a:endParaRPr lang="es-VE" sz="4400" dirty="0">
+              <a:latin typeface="Andalus" pitchFamily="18" charset="-78"/>
+              <a:cs typeface="Andalus" pitchFamily="18" charset="-78"/>
+            </a:endParaRPr>
+          </a:p>
+        </p:txBody>
+      </p:sp>
+      <p:sp>
+        <p:nvSpPr>
+          <p:cNvPr id="7" name="CuadroTexto 6">
+            <a:extLst>
+              <a:ext uri="{FF2B5EF4-FFF2-40B4-BE49-F238E27FC236}">
+                <a16:creationId xmlns:a16="http://schemas.microsoft.com/office/drawing/2014/main" id="{8C05F2A2-A0C9-A05B-9D67-B75453F56AC6}"/>
+              </a:ext>
+            </a:extLst>
+          </p:cNvPr>
+          <p:cNvSpPr txBox="1"/>
+          <p:nvPr/>
+        </p:nvSpPr>
+        <p:spPr>
+          <a:xfrm>
+            <a:off x="762000" y="985292"/>
+            <a:ext cx="7543800" cy="400110"/>
+          </a:xfrm>
+          <a:prstGeom prst="rect">
+            <a:avLst/>
+          </a:prstGeom>
+          <a:noFill/>
+        </p:spPr>
+        <p:txBody>
+          <a:bodyPr wrap="square" rtlCol="0">
+            <a:spAutoFit/>
+          </a:bodyPr>
+          <a:lstStyle/>
+          <a:p>
+            <a:r>
+              <a:rPr lang="es-VE" sz="2000" b="1" dirty="0">
                 <a:solidFill>
                   <a:schemeClr val="accent1"/>
                 </a:solidFill>
                 <a:latin typeface="Arial Rounded MT Bold" pitchFamily="34" charset="0"/>
               </a:rPr>
-              <a:t>¿A dónde debía ir?</a:t>
-            </a:r>
-            <a:endParaRPr lang="es-VE" sz="4000" dirty="0">
+              <a:t>2.3. El padre de Abram </a:t>
+            </a:r>
+            <a:r>
+              <a:rPr lang="es-VE" sz="2000" b="1" dirty="0" err="1">
+                <a:solidFill>
+                  <a:schemeClr val="accent1"/>
+                </a:solidFill>
+                <a:latin typeface="Arial Rounded MT Bold" pitchFamily="34" charset="0"/>
+              </a:rPr>
+              <a:t>servia</a:t>
+            </a:r>
+            <a:r>
+              <a:rPr lang="es-VE" sz="2000" b="1" dirty="0">
+                <a:solidFill>
+                  <a:schemeClr val="accent1"/>
+                </a:solidFill>
+                <a:latin typeface="Arial Rounded MT Bold" pitchFamily="34" charset="0"/>
+              </a:rPr>
+              <a:t> a dioses extraños</a:t>
+            </a:r>
+            <a:endParaRPr lang="es-419" sz="2000" b="1" dirty="0">
               <a:solidFill>
                 <a:schemeClr val="accent1"/>
               </a:solidFill>
-              <a:latin typeface="Arial Rounded MT Bold" pitchFamily="34" charset="0"/>
             </a:endParaRPr>
-          </a:p>
-          <a:p>
-            <a:pPr marL="320040" lvl="1" indent="0">
-              <a:buNone/>
-            </a:pPr>
-            <a:r>
-              <a:rPr lang="es-VE" sz="3600" dirty="0">
-                <a:latin typeface="Arial Rounded MT Bold" pitchFamily="34" charset="0"/>
-              </a:rPr>
-              <a:t>No lo sabía, pues Dios no se lo había revelado.  Todo lo que sabía es que </a:t>
-            </a:r>
-            <a:r>
-              <a:rPr lang="es-VE" sz="3600">
-                <a:latin typeface="Arial Rounded MT Bold" pitchFamily="34" charset="0"/>
-              </a:rPr>
-              <a:t>iría a </a:t>
-            </a:r>
-            <a:r>
-              <a:rPr lang="es-VE" sz="3600" dirty="0">
-                <a:latin typeface="Arial Rounded MT Bold" pitchFamily="34" charset="0"/>
-              </a:rPr>
-              <a:t>un lugar que el Señor le iba a mostrar.</a:t>
-            </a:r>
           </a:p>
         </p:txBody>
       </p:sp>
     </p:spTree>
     <p:extLst>
       <p:ext uri="{BB962C8B-B14F-4D97-AF65-F5344CB8AC3E}">
-        <p14:creationId xmlns:p14="http://schemas.microsoft.com/office/powerpoint/2010/main" val="3708118451"/>
+        <p14:creationId xmlns:p14="http://schemas.microsoft.com/office/powerpoint/2010/main" val="4018751906"/>
       </p:ext>
     </p:extLst>
   </p:cSld>
@@ -11909,37 +12704,6 @@
       </p:grpSpPr>
       <p:sp>
         <p:nvSpPr>
-          <p:cNvPr id="2" name="1 Título"/>
-          <p:cNvSpPr>
-            <a:spLocks noGrp="1"/>
-          </p:cNvSpPr>
-          <p:nvPr>
-            <p:ph type="title"/>
-          </p:nvPr>
-        </p:nvSpPr>
-        <p:spPr/>
-        <p:txBody>
-          <a:bodyPr>
-            <a:noAutofit/>
-          </a:bodyPr>
-          <a:lstStyle/>
-          <a:p>
-            <a:r>
-              <a:rPr lang="es-VE" sz="4400" b="1" dirty="0">
-                <a:latin typeface="Andalus" pitchFamily="18" charset="-78"/>
-                <a:cs typeface="Andalus" pitchFamily="18" charset="-78"/>
-              </a:rPr>
-              <a:t>2. LLAMADO DE ABRAM</a:t>
-            </a:r>
-            <a:endParaRPr lang="es-VE" sz="4400" dirty="0">
-              <a:latin typeface="Andalus" pitchFamily="18" charset="-78"/>
-              <a:cs typeface="Andalus" pitchFamily="18" charset="-78"/>
-            </a:endParaRPr>
-          </a:p>
-        </p:txBody>
-      </p:sp>
-      <p:sp>
-        <p:nvSpPr>
           <p:cNvPr id="3" name="2 Marcador de contenido"/>
           <p:cNvSpPr>
             <a:spLocks noGrp="1"/>
@@ -11950,8 +12714,8 @@
         </p:nvSpPr>
         <p:spPr>
           <a:xfrm>
-            <a:off x="762000" y="337220"/>
-            <a:ext cx="7543800" cy="3960440"/>
+            <a:off x="762000" y="1385402"/>
+            <a:ext cx="7543800" cy="3776354"/>
           </a:xfrm>
         </p:spPr>
         <p:txBody>
@@ -11964,31 +12728,43 @@
               <a:buNone/>
             </a:pPr>
             <a:r>
-              <a:rPr lang="es-VE" sz="2000" b="1" dirty="0">
-                <a:latin typeface="Arial Rounded MT Bold" pitchFamily="34" charset="0"/>
-              </a:rPr>
-              <a:t>2.4 </a:t>
-            </a:r>
-            <a:r>
-              <a:rPr lang="es-VE" sz="2000" b="1" dirty="0">
+              <a:rPr lang="es-VE" sz="1600" dirty="0">
+                <a:latin typeface="Arial Rounded MT Bold" pitchFamily="34" charset="0"/>
+              </a:rPr>
+              <a:t>Dios le prometió varias cosas </a:t>
+            </a:r>
+            <a:r>
+              <a:rPr lang="es-ES" sz="1600" dirty="0">
                 <a:solidFill>
                   <a:schemeClr val="accent1"/>
                 </a:solidFill>
                 <a:latin typeface="Arial Rounded MT Bold" pitchFamily="34" charset="0"/>
               </a:rPr>
-              <a:t>La Promesa</a:t>
-            </a:r>
-            <a:r>
-              <a:rPr lang="es-VE" sz="2000" b="1" dirty="0">
-                <a:latin typeface="Arial Rounded MT Bold" pitchFamily="34" charset="0"/>
-              </a:rPr>
-              <a:t>: </a:t>
-            </a:r>
-            <a:r>
-              <a:rPr lang="es-VE" sz="2000" dirty="0">
-                <a:latin typeface="Arial Rounded MT Bold" pitchFamily="34" charset="0"/>
-              </a:rPr>
-              <a:t>Dios le prometió varias cosas a Abram si él obedecía y dejaba todo para seguirlo a Él:</a:t>
+              <a:t>[</a:t>
+            </a:r>
+            <a:r>
+              <a:rPr lang="es-ES" sz="1600" dirty="0" err="1">
+                <a:solidFill>
+                  <a:schemeClr val="accent1"/>
+                </a:solidFill>
+                <a:latin typeface="Arial Rounded MT Bold" pitchFamily="34" charset="0"/>
+              </a:rPr>
+              <a:t>Gn</a:t>
+            </a:r>
+            <a:r>
+              <a:rPr lang="es-ES" sz="1600" dirty="0">
+                <a:solidFill>
+                  <a:schemeClr val="accent1"/>
+                </a:solidFill>
+                <a:latin typeface="Arial Rounded MT Bold" pitchFamily="34" charset="0"/>
+              </a:rPr>
+              <a:t> 12:2-3] </a:t>
+            </a:r>
+            <a:r>
+              <a:rPr lang="es-VE" sz="1600" dirty="0">
+                <a:latin typeface="Arial Rounded MT Bold" pitchFamily="34" charset="0"/>
+              </a:rPr>
+              <a:t>a Abram si él obedecía y dejaba todo para seguirlo a Él:</a:t>
             </a:r>
           </a:p>
           <a:p>
@@ -12000,7 +12776,10 @@
             </a:endParaRPr>
           </a:p>
           <a:p>
-            <a:pPr lvl="0"/>
+            <a:pPr marL="342900" lvl="0" indent="-342900">
+              <a:buFont typeface="+mj-lt"/>
+              <a:buAutoNum type="arabicPeriod"/>
+            </a:pPr>
             <a:r>
               <a:rPr lang="es-VE" sz="1600" dirty="0">
                 <a:latin typeface="Arial Rounded MT Bold" pitchFamily="34" charset="0"/>
@@ -12012,7 +12791,10 @@
             </a:endParaRPr>
           </a:p>
           <a:p>
-            <a:pPr lvl="0"/>
+            <a:pPr marL="342900" lvl="0" indent="-342900">
+              <a:buFont typeface="+mj-lt"/>
+              <a:buAutoNum type="arabicPeriod"/>
+            </a:pPr>
             <a:r>
               <a:rPr lang="es-VE" sz="1600" dirty="0">
                 <a:latin typeface="Arial Rounded MT Bold" pitchFamily="34" charset="0"/>
@@ -12024,7 +12806,10 @@
             </a:endParaRPr>
           </a:p>
           <a:p>
-            <a:pPr lvl="0"/>
+            <a:pPr marL="342900" lvl="0" indent="-342900">
+              <a:buFont typeface="+mj-lt"/>
+              <a:buAutoNum type="arabicPeriod"/>
+            </a:pPr>
             <a:r>
               <a:rPr lang="es-VE" sz="1600" dirty="0">
                 <a:latin typeface="Arial Rounded MT Bold" pitchFamily="34" charset="0"/>
@@ -12036,7 +12821,10 @@
             </a:endParaRPr>
           </a:p>
           <a:p>
-            <a:pPr lvl="0"/>
+            <a:pPr marL="342900" lvl="0" indent="-342900">
+              <a:buFont typeface="+mj-lt"/>
+              <a:buAutoNum type="arabicPeriod"/>
+            </a:pPr>
             <a:r>
               <a:rPr lang="es-VE" sz="1600" dirty="0">
                 <a:latin typeface="Arial Rounded MT Bold" pitchFamily="34" charset="0"/>
@@ -12048,7 +12836,10 @@
             </a:endParaRPr>
           </a:p>
           <a:p>
-            <a:pPr lvl="0"/>
+            <a:pPr marL="342900" lvl="0" indent="-342900">
+              <a:buFont typeface="+mj-lt"/>
+              <a:buAutoNum type="arabicPeriod"/>
+            </a:pPr>
             <a:r>
               <a:rPr lang="es-VE" sz="1600" dirty="0">
                 <a:latin typeface="Arial Rounded MT Bold" pitchFamily="34" charset="0"/>
@@ -12060,7 +12851,10 @@
             </a:endParaRPr>
           </a:p>
           <a:p>
-            <a:pPr lvl="0"/>
+            <a:pPr marL="342900" lvl="0" indent="-342900">
+              <a:buFont typeface="+mj-lt"/>
+              <a:buAutoNum type="arabicPeriod"/>
+            </a:pPr>
             <a:r>
               <a:rPr lang="es-VE" sz="1600" dirty="0">
                 <a:latin typeface="Arial Rounded MT Bold" pitchFamily="34" charset="0"/>
@@ -12081,13 +12875,13 @@
               <a:buNone/>
             </a:pPr>
             <a:r>
-              <a:rPr lang="es-VE" sz="1800" dirty="0">
+              <a:rPr lang="es-VE" sz="1600" dirty="0">
                 <a:latin typeface="Arial Rounded MT Bold" pitchFamily="34" charset="0"/>
               </a:rPr>
               <a:t>Aunque </a:t>
             </a:r>
             <a:r>
-              <a:rPr lang="es-VE" sz="1800" b="1" dirty="0">
+              <a:rPr lang="es-VE" sz="1600" b="1" dirty="0">
                 <a:solidFill>
                   <a:schemeClr val="accent1"/>
                 </a:solidFill>
@@ -12096,13 +12890,13 @@
               <a:t>Dios apartó a Abram y su descendencia</a:t>
             </a:r>
             <a:r>
-              <a:rPr lang="es-VE" sz="1800" dirty="0">
+              <a:rPr lang="es-VE" sz="1600" dirty="0">
                 <a:latin typeface="Arial Rounded MT Bold" pitchFamily="34" charset="0"/>
               </a:rPr>
               <a:t> de entre todas las familias del mundo, lo hizo </a:t>
             </a:r>
             <a:r>
-              <a:rPr lang="es-VE" sz="1800" b="1" dirty="0">
+              <a:rPr lang="es-VE" sz="1600" b="1" dirty="0">
                 <a:solidFill>
                   <a:schemeClr val="accent1"/>
                 </a:solidFill>
@@ -12111,13 +12905,100 @@
               <a:t>con el propósito de bendecir</a:t>
             </a:r>
             <a:r>
-              <a:rPr lang="es-VE" sz="1800" dirty="0">
+              <a:rPr lang="es-VE" sz="1600" dirty="0">
                 <a:latin typeface="Arial Rounded MT Bold" pitchFamily="34" charset="0"/>
               </a:rPr>
               <a:t> a todos al final.</a:t>
             </a:r>
-            <a:endParaRPr lang="en-US" sz="1800" dirty="0">
+            <a:endParaRPr lang="en-US" sz="1600" dirty="0">
               <a:latin typeface="Arial Rounded MT Bold" pitchFamily="34" charset="0"/>
+            </a:endParaRPr>
+          </a:p>
+        </p:txBody>
+      </p:sp>
+      <p:sp>
+        <p:nvSpPr>
+          <p:cNvPr id="6" name="1 Título">
+            <a:extLst>
+              <a:ext uri="{FF2B5EF4-FFF2-40B4-BE49-F238E27FC236}">
+                <a16:creationId xmlns:a16="http://schemas.microsoft.com/office/drawing/2014/main" id="{4CF2B9E5-3DA3-4A87-E6EC-AAA69EDC418C}"/>
+              </a:ext>
+            </a:extLst>
+          </p:cNvPr>
+          <p:cNvSpPr>
+            <a:spLocks noGrp="1"/>
+          </p:cNvSpPr>
+          <p:nvPr>
+            <p:ph type="title"/>
+          </p:nvPr>
+        </p:nvSpPr>
+        <p:spPr>
+          <a:xfrm>
+            <a:off x="762000" y="409228"/>
+            <a:ext cx="7543800" cy="576064"/>
+          </a:xfrm>
+        </p:spPr>
+        <p:txBody>
+          <a:bodyPr anchor="ctr">
+            <a:noAutofit/>
+          </a:bodyPr>
+          <a:lstStyle/>
+          <a:p>
+            <a:r>
+              <a:rPr lang="es-VE" sz="4400" b="1" dirty="0">
+                <a:latin typeface="Andalus" pitchFamily="18" charset="-78"/>
+                <a:cs typeface="Andalus" pitchFamily="18" charset="-78"/>
+              </a:rPr>
+              <a:t>2. LLAMADO DE ABRAM</a:t>
+            </a:r>
+            <a:endParaRPr lang="es-VE" sz="4400" dirty="0">
+              <a:latin typeface="Andalus" pitchFamily="18" charset="-78"/>
+              <a:cs typeface="Andalus" pitchFamily="18" charset="-78"/>
+            </a:endParaRPr>
+          </a:p>
+        </p:txBody>
+      </p:sp>
+      <p:sp>
+        <p:nvSpPr>
+          <p:cNvPr id="7" name="CuadroTexto 6">
+            <a:extLst>
+              <a:ext uri="{FF2B5EF4-FFF2-40B4-BE49-F238E27FC236}">
+                <a16:creationId xmlns:a16="http://schemas.microsoft.com/office/drawing/2014/main" id="{438D48D6-148C-D634-3FDD-D128B07DFD1A}"/>
+              </a:ext>
+            </a:extLst>
+          </p:cNvPr>
+          <p:cNvSpPr txBox="1"/>
+          <p:nvPr/>
+        </p:nvSpPr>
+        <p:spPr>
+          <a:xfrm>
+            <a:off x="762000" y="985292"/>
+            <a:ext cx="7543800" cy="400110"/>
+          </a:xfrm>
+          <a:prstGeom prst="rect">
+            <a:avLst/>
+          </a:prstGeom>
+          <a:noFill/>
+        </p:spPr>
+        <p:txBody>
+          <a:bodyPr wrap="square" rtlCol="0">
+            <a:spAutoFit/>
+          </a:bodyPr>
+          <a:lstStyle/>
+          <a:p>
+            <a:r>
+              <a:rPr lang="es-VE" sz="2000" b="1" dirty="0">
+                <a:solidFill>
+                  <a:schemeClr val="accent1"/>
+                </a:solidFill>
+                <a:latin typeface="Arial Rounded MT Bold" pitchFamily="34" charset="0"/>
+              </a:rPr>
+              <a:t>2.4. La promesa</a:t>
+            </a:r>
+            <a:endParaRPr lang="es-419" sz="2000" b="1" dirty="0">
+              <a:solidFill>
+                <a:schemeClr val="accent1"/>
+              </a:solidFill>
             </a:endParaRPr>
           </a:p>
         </p:txBody>
@@ -12152,88 +13033,6 @@
           <a:chExt cx="0" cy="0"/>
         </a:xfrm>
       </p:grpSpPr>
-      <p:sp>
-        <p:nvSpPr>
-          <p:cNvPr id="2" name="1 Título"/>
-          <p:cNvSpPr>
-            <a:spLocks noGrp="1"/>
-          </p:cNvSpPr>
-          <p:nvPr>
-            <p:ph type="title"/>
-          </p:nvPr>
-        </p:nvSpPr>
-        <p:spPr/>
-        <p:txBody>
-          <a:bodyPr>
-            <a:noAutofit/>
-          </a:bodyPr>
-          <a:lstStyle/>
-          <a:p>
-            <a:r>
-              <a:rPr lang="es-VE" sz="4400" b="1" dirty="0">
-                <a:latin typeface="Andalus" pitchFamily="18" charset="-78"/>
-                <a:cs typeface="Andalus" pitchFamily="18" charset="-78"/>
-              </a:rPr>
-              <a:t>2. LLAMADO DE ABRAM</a:t>
-            </a:r>
-          </a:p>
-        </p:txBody>
-      </p:sp>
-      <p:sp>
-        <p:nvSpPr>
-          <p:cNvPr id="3" name="2 Marcador de contenido"/>
-          <p:cNvSpPr>
-            <a:spLocks noGrp="1"/>
-          </p:cNvSpPr>
-          <p:nvPr>
-            <p:ph idx="1"/>
-          </p:nvPr>
-        </p:nvSpPr>
-        <p:spPr>
-          <a:xfrm>
-            <a:off x="762000" y="571500"/>
-            <a:ext cx="7543800" cy="773832"/>
-          </a:xfrm>
-        </p:spPr>
-        <p:txBody>
-          <a:bodyPr>
-            <a:normAutofit lnSpcReduction="10000"/>
-          </a:bodyPr>
-          <a:lstStyle/>
-          <a:p>
-            <a:pPr marL="0" indent="0">
-              <a:buNone/>
-            </a:pPr>
-            <a:r>
-              <a:rPr lang="es-VE" b="1" dirty="0">
-                <a:latin typeface="Arial Rounded MT Bold" pitchFamily="34" charset="0"/>
-              </a:rPr>
-              <a:t>2.5 </a:t>
-            </a:r>
-            <a:r>
-              <a:rPr lang="es-VE" b="1" dirty="0">
-                <a:solidFill>
-                  <a:schemeClr val="accent1"/>
-                </a:solidFill>
-                <a:latin typeface="Arial Rounded MT Bold" pitchFamily="34" charset="0"/>
-              </a:rPr>
-              <a:t>Propósito</a:t>
-            </a:r>
-            <a:r>
-              <a:rPr lang="es-VE" b="1" dirty="0">
-                <a:latin typeface="Arial Rounded MT Bold" pitchFamily="34" charset="0"/>
-              </a:rPr>
-              <a:t>:  </a:t>
-            </a:r>
-            <a:r>
-              <a:rPr lang="es-VE" dirty="0">
-                <a:latin typeface="Arial Rounded MT Bold" pitchFamily="34" charset="0"/>
-              </a:rPr>
-              <a:t>¿Qué hizo Abram? ¿Respondió al llamado de Dios? </a:t>
-            </a:r>
-          </a:p>
-        </p:txBody>
-      </p:sp>
       <p:pic>
         <p:nvPicPr>
           <p:cNvPr id="1026" name="Picture 2" descr="C:\Users\Luis\Desktop\1.jpg"/>
@@ -12257,13 +13056,38 @@
         </p:blipFill>
         <p:spPr bwMode="auto">
           <a:xfrm>
-            <a:off x="5004048" y="1108809"/>
-            <a:ext cx="3269959" cy="2932744"/>
+            <a:off x="5035841" y="1777380"/>
+            <a:ext cx="3269959" cy="2860736"/>
           </a:xfrm>
-          <a:prstGeom prst="rect">
-            <a:avLst/>
+          <a:prstGeom prst="roundRect">
+            <a:avLst>
+              <a:gd name="adj" fmla="val 4167"/>
+            </a:avLst>
           </a:prstGeom>
-          <a:noFill/>
+          <a:solidFill>
+            <a:srgbClr val="FFFFFF"/>
+          </a:solidFill>
+          <a:ln w="76200" cap="sq">
+            <a:solidFill>
+              <a:srgbClr val="292929"/>
+            </a:solidFill>
+            <a:miter lim="800000"/>
+          </a:ln>
+          <a:effectLst>
+            <a:reflection blurRad="12700" stA="28000" endPos="28000" dist="5000" dir="5400000" sy="-100000" algn="bl" rotWithShape="0"/>
+          </a:effectLst>
+          <a:scene3d>
+            <a:camera prst="orthographicFront"/>
+            <a:lightRig rig="threePt" dir="t">
+              <a:rot lat="0" lon="0" rev="2700000"/>
+            </a:lightRig>
+          </a:scene3d>
+          <a:sp3d>
+            <a:bevelT h="38100"/>
+            <a:contourClr>
+              <a:srgbClr val="C0C0C0"/>
+            </a:contourClr>
+          </a:sp3d>
           <a:extLst>
             <a:ext uri="{909E8E84-426E-40DD-AFC4-6F175D3DCCD1}">
               <a14:hiddenFill xmlns:a14="http://schemas.microsoft.com/office/drawing/2010/main">
@@ -12275,255 +13099,6 @@
           </a:extLst>
         </p:spPr>
       </p:pic>
-      <p:sp>
-        <p:nvSpPr>
-          <p:cNvPr id="5" name="2 Marcador de contenido"/>
-          <p:cNvSpPr txBox="1">
-            <a:spLocks/>
-          </p:cNvSpPr>
-          <p:nvPr/>
-        </p:nvSpPr>
-        <p:spPr>
-          <a:xfrm>
-            <a:off x="1115617" y="1451894"/>
-            <a:ext cx="3672408" cy="1189582"/>
-          </a:xfrm>
-          <a:prstGeom prst="rect">
-            <a:avLst/>
-          </a:prstGeom>
-        </p:spPr>
-        <p:txBody>
-          <a:bodyPr vert="horz" lIns="91440" tIns="45720" rIns="91440" bIns="45720" rtlCol="0" anchor="ctr" anchorCtr="0">
-            <a:normAutofit fontScale="92500" lnSpcReduction="20000"/>
-          </a:bodyPr>
-          <a:lstStyle>
-            <a:lvl1pPr marL="274320" indent="-274320" algn="l" defTabSz="914400" rtl="0" eaLnBrk="1" latinLnBrk="0" hangingPunct="1">
-              <a:spcBef>
-                <a:spcPct val="20000"/>
-              </a:spcBef>
-              <a:buClr>
-                <a:schemeClr val="accent1"/>
-              </a:buClr>
-              <a:buFont typeface="Arial" pitchFamily="34" charset="0"/>
-              <a:buChar char="•"/>
-              <a:defRPr sz="2400" kern="1200">
-                <a:solidFill>
-                  <a:schemeClr val="tx2"/>
-                </a:solidFill>
-                <a:latin typeface="+mn-lt"/>
-                <a:ea typeface="+mn-ea"/>
-                <a:cs typeface="+mn-cs"/>
-              </a:defRPr>
-            </a:lvl1pPr>
-            <a:lvl2pPr marL="594360" indent="-274320" algn="l" defTabSz="914400" rtl="0" eaLnBrk="1" latinLnBrk="0" hangingPunct="1">
-              <a:spcBef>
-                <a:spcPct val="20000"/>
-              </a:spcBef>
-              <a:buClr>
-                <a:schemeClr val="accent1"/>
-              </a:buClr>
-              <a:buFont typeface="Arial" pitchFamily="34" charset="0"/>
-              <a:buChar char="•"/>
-              <a:defRPr sz="2200" kern="1200">
-                <a:solidFill>
-                  <a:schemeClr val="tx2"/>
-                </a:solidFill>
-                <a:latin typeface="+mn-lt"/>
-                <a:ea typeface="+mn-ea"/>
-                <a:cs typeface="+mn-cs"/>
-              </a:defRPr>
-            </a:lvl2pPr>
-            <a:lvl3pPr marL="868680" indent="-228600" algn="l" defTabSz="914400" rtl="0" eaLnBrk="1" latinLnBrk="0" hangingPunct="1">
-              <a:spcBef>
-                <a:spcPct val="20000"/>
-              </a:spcBef>
-              <a:buClr>
-                <a:schemeClr val="accent1"/>
-              </a:buClr>
-              <a:buFont typeface="Arial" pitchFamily="34" charset="0"/>
-              <a:buChar char="•"/>
-              <a:defRPr sz="2000" kern="1200">
-                <a:solidFill>
-                  <a:schemeClr val="tx2"/>
-                </a:solidFill>
-                <a:latin typeface="+mn-lt"/>
-                <a:ea typeface="+mn-ea"/>
-                <a:cs typeface="+mn-cs"/>
-              </a:defRPr>
-            </a:lvl3pPr>
-            <a:lvl4pPr marL="1143000" indent="-228600" algn="l" defTabSz="914400" rtl="0" eaLnBrk="1" latinLnBrk="0" hangingPunct="1">
-              <a:spcBef>
-                <a:spcPct val="20000"/>
-              </a:spcBef>
-              <a:buClr>
-                <a:schemeClr val="accent1"/>
-              </a:buClr>
-              <a:buFont typeface="Arial" pitchFamily="34" charset="0"/>
-              <a:buChar char="•"/>
-              <a:defRPr sz="1800" kern="1200">
-                <a:solidFill>
-                  <a:schemeClr val="tx2"/>
-                </a:solidFill>
-                <a:latin typeface="+mn-lt"/>
-                <a:ea typeface="+mn-ea"/>
-                <a:cs typeface="+mn-cs"/>
-              </a:defRPr>
-            </a:lvl4pPr>
-            <a:lvl5pPr marL="1371600" indent="-228600" algn="l" defTabSz="914400" rtl="0" eaLnBrk="1" latinLnBrk="0" hangingPunct="1">
-              <a:spcBef>
-                <a:spcPct val="20000"/>
-              </a:spcBef>
-              <a:buClr>
-                <a:schemeClr val="accent1"/>
-              </a:buClr>
-              <a:buFont typeface="Arial" pitchFamily="34" charset="0"/>
-              <a:buChar char="•"/>
-              <a:defRPr sz="1800" kern="1200" baseline="0">
-                <a:solidFill>
-                  <a:schemeClr val="tx2"/>
-                </a:solidFill>
-                <a:latin typeface="+mn-lt"/>
-                <a:ea typeface="+mn-ea"/>
-                <a:cs typeface="+mn-cs"/>
-              </a:defRPr>
-            </a:lvl5pPr>
-            <a:lvl6pPr marL="1645920" indent="-228600" algn="l" defTabSz="914400" rtl="0" eaLnBrk="1" latinLnBrk="0" hangingPunct="1">
-              <a:spcBef>
-                <a:spcPct val="20000"/>
-              </a:spcBef>
-              <a:buClr>
-                <a:schemeClr val="accent1"/>
-              </a:buClr>
-              <a:buFont typeface="Arial" pitchFamily="34" charset="0"/>
-              <a:buChar char="•"/>
-              <a:defRPr sz="1600" kern="1200">
-                <a:solidFill>
-                  <a:schemeClr val="tx2"/>
-                </a:solidFill>
-                <a:latin typeface="+mn-lt"/>
-                <a:ea typeface="+mn-ea"/>
-                <a:cs typeface="+mn-cs"/>
-              </a:defRPr>
-            </a:lvl6pPr>
-            <a:lvl7pPr marL="1901952" indent="-228600" algn="l" defTabSz="914400" rtl="0" eaLnBrk="1" latinLnBrk="0" hangingPunct="1">
-              <a:spcBef>
-                <a:spcPct val="20000"/>
-              </a:spcBef>
-              <a:buClr>
-                <a:schemeClr val="accent1"/>
-              </a:buClr>
-              <a:buFont typeface="Arial" pitchFamily="34" charset="0"/>
-              <a:buChar char="•"/>
-              <a:defRPr sz="1600" kern="1200">
-                <a:solidFill>
-                  <a:schemeClr val="tx2"/>
-                </a:solidFill>
-                <a:latin typeface="+mn-lt"/>
-                <a:ea typeface="+mn-ea"/>
-                <a:cs typeface="+mn-cs"/>
-              </a:defRPr>
-            </a:lvl7pPr>
-            <a:lvl8pPr marL="2194560" indent="-228600" algn="l" defTabSz="914400" rtl="0" eaLnBrk="1" latinLnBrk="0" hangingPunct="1">
-              <a:spcBef>
-                <a:spcPct val="20000"/>
-              </a:spcBef>
-              <a:buClr>
-                <a:schemeClr val="accent1"/>
-              </a:buClr>
-              <a:buFont typeface="Arial" pitchFamily="34" charset="0"/>
-              <a:buChar char="•"/>
-              <a:defRPr sz="1600" kern="1200">
-                <a:solidFill>
-                  <a:schemeClr val="tx2"/>
-                </a:solidFill>
-                <a:latin typeface="+mn-lt"/>
-                <a:ea typeface="+mn-ea"/>
-                <a:cs typeface="+mn-cs"/>
-              </a:defRPr>
-            </a:lvl8pPr>
-            <a:lvl9pPr marL="2468880" indent="-228600" algn="l" defTabSz="914400" rtl="0" eaLnBrk="1" latinLnBrk="0" hangingPunct="1">
-              <a:spcBef>
-                <a:spcPct val="20000"/>
-              </a:spcBef>
-              <a:buClr>
-                <a:schemeClr val="accent1"/>
-              </a:buClr>
-              <a:buFont typeface="Arial" pitchFamily="34" charset="0"/>
-              <a:buChar char="•"/>
-              <a:defRPr sz="1600" kern="1200">
-                <a:solidFill>
-                  <a:schemeClr val="tx2"/>
-                </a:solidFill>
-                <a:latin typeface="+mn-lt"/>
-                <a:ea typeface="+mn-ea"/>
-                <a:cs typeface="+mn-cs"/>
-              </a:defRPr>
-            </a:lvl9pPr>
-          </a:lstStyle>
-          <a:p>
-            <a:pPr marL="0" indent="0">
-              <a:buNone/>
-            </a:pPr>
-            <a:r>
-              <a:rPr lang="es-VE" b="1" dirty="0">
-                <a:solidFill>
-                  <a:schemeClr val="bg2">
-                    <a:lumMod val="25000"/>
-                  </a:schemeClr>
-                </a:solidFill>
-                <a:latin typeface="BrowalliaUPC" pitchFamily="34" charset="-34"/>
-                <a:cs typeface="BrowalliaUPC" pitchFamily="34" charset="-34"/>
-              </a:rPr>
-              <a:t>(Gen. 12:4) </a:t>
-            </a:r>
-            <a:r>
-              <a:rPr lang="es-VE" dirty="0">
-                <a:solidFill>
-                  <a:schemeClr val="bg2">
-                    <a:lumMod val="25000"/>
-                  </a:schemeClr>
-                </a:solidFill>
-                <a:latin typeface="BrowalliaUPC" pitchFamily="34" charset="-34"/>
-                <a:cs typeface="BrowalliaUPC" pitchFamily="34" charset="-34"/>
-              </a:rPr>
-              <a:t>“Y se fue Abram, como Jehová le dijo; y Lot fue con él. Y era Abram de edad de </a:t>
-            </a:r>
-            <a:r>
-              <a:rPr lang="es-VE" b="1" dirty="0">
-                <a:solidFill>
-                  <a:schemeClr val="bg2">
-                    <a:lumMod val="25000"/>
-                  </a:schemeClr>
-                </a:solidFill>
-                <a:latin typeface="BrowalliaUPC" pitchFamily="34" charset="-34"/>
-                <a:cs typeface="BrowalliaUPC" pitchFamily="34" charset="-34"/>
-              </a:rPr>
-              <a:t>setenta y cinco años</a:t>
-            </a:r>
-            <a:r>
-              <a:rPr lang="es-VE" dirty="0">
-                <a:solidFill>
-                  <a:schemeClr val="bg2">
-                    <a:lumMod val="25000"/>
-                  </a:schemeClr>
-                </a:solidFill>
-                <a:latin typeface="BrowalliaUPC" pitchFamily="34" charset="-34"/>
-                <a:cs typeface="BrowalliaUPC" pitchFamily="34" charset="-34"/>
-              </a:rPr>
-              <a:t> cuando salió de Harán.”</a:t>
-            </a:r>
-            <a:endParaRPr lang="en-US" dirty="0">
-              <a:solidFill>
-                <a:schemeClr val="bg2">
-                  <a:lumMod val="25000"/>
-                </a:schemeClr>
-              </a:solidFill>
-              <a:latin typeface="BrowalliaUPC" pitchFamily="34" charset="-34"/>
-              <a:cs typeface="BrowalliaUPC" pitchFamily="34" charset="-34"/>
-            </a:endParaRPr>
-          </a:p>
-        </p:txBody>
-      </p:sp>
       <p:sp>
         <p:nvSpPr>
           <p:cNvPr id="6" name="2 Marcador de contenido"/>
@@ -12534,8 +13109,8 @@
         </p:nvSpPr>
         <p:spPr>
           <a:xfrm>
-            <a:off x="755577" y="2647190"/>
-            <a:ext cx="4182398" cy="1506454"/>
+            <a:off x="755577" y="1469764"/>
+            <a:ext cx="4182398" cy="3403960"/>
           </a:xfrm>
           <a:prstGeom prst="rect">
             <a:avLst/>
@@ -12714,37 +13289,249 @@
               <a:buNone/>
             </a:pPr>
             <a:r>
-              <a:rPr lang="es-VE" sz="1600" dirty="0">
-                <a:latin typeface="Arial Rounded MT Bold" pitchFamily="34" charset="0"/>
-              </a:rPr>
-              <a:t>A los ojos de Dios, allí comenzaba su vida.  El Señor </a:t>
-            </a:r>
-            <a:r>
-              <a:rPr lang="es-VE" sz="1600" b="1" dirty="0">
-                <a:latin typeface="Arial Rounded MT Bold" pitchFamily="34" charset="0"/>
-              </a:rPr>
-              <a:t>le dio cien años más de vida</a:t>
-            </a:r>
-            <a:r>
-              <a:rPr lang="es-VE" sz="1600" dirty="0">
-                <a:latin typeface="Arial Rounded MT Bold" pitchFamily="34" charset="0"/>
-              </a:rPr>
-              <a:t>; pero no sólo eso sino </a:t>
-            </a:r>
-            <a:r>
-              <a:rPr lang="es-VE" sz="1600" b="1" dirty="0">
-                <a:latin typeface="Arial Rounded MT Bold" pitchFamily="34" charset="0"/>
-              </a:rPr>
-              <a:t>un propósito de vida enorme</a:t>
-            </a:r>
-            <a:r>
-              <a:rPr lang="es-VE" sz="1600" dirty="0">
-                <a:latin typeface="Arial Rounded MT Bold" pitchFamily="34" charset="0"/>
-              </a:rPr>
-              <a:t>, que trascendería las generaciones.</a:t>
+              <a:rPr lang="es-ES" sz="1600" dirty="0">
+                <a:latin typeface="Arial Rounded MT Bold" pitchFamily="34" charset="0"/>
+              </a:rPr>
+              <a:t>Este es un momento clave en la historia de </a:t>
+            </a:r>
+            <a:r>
+              <a:rPr lang="es-ES" sz="1600" b="1" dirty="0">
+                <a:latin typeface="Arial Rounded MT Bold" pitchFamily="34" charset="0"/>
+              </a:rPr>
+              <a:t>Abram</a:t>
+            </a:r>
+            <a:r>
+              <a:rPr lang="es-ES" sz="1600" dirty="0">
+                <a:latin typeface="Arial Rounded MT Bold" pitchFamily="34" charset="0"/>
+              </a:rPr>
+              <a:t>, ya que marca el inicio de su </a:t>
+            </a:r>
+            <a:r>
+              <a:rPr lang="es-ES" sz="1600" b="1" dirty="0">
+                <a:latin typeface="Arial Rounded MT Bold" pitchFamily="34" charset="0"/>
+              </a:rPr>
+              <a:t>viaje de fe y obediencia a Dios</a:t>
+            </a:r>
+            <a:r>
+              <a:rPr lang="es-ES" sz="1600" dirty="0">
+                <a:latin typeface="Arial Rounded MT Bold" pitchFamily="34" charset="0"/>
+              </a:rPr>
+              <a:t>. </a:t>
+            </a:r>
+            <a:r>
+              <a:rPr lang="es-ES" sz="1600" dirty="0">
+                <a:solidFill>
+                  <a:schemeClr val="accent1"/>
+                </a:solidFill>
+                <a:latin typeface="Arial Rounded MT Bold" pitchFamily="34" charset="0"/>
+              </a:rPr>
+              <a:t>[</a:t>
+            </a:r>
+            <a:r>
+              <a:rPr lang="es-ES" sz="1600" dirty="0" err="1">
+                <a:solidFill>
+                  <a:schemeClr val="accent1"/>
+                </a:solidFill>
+                <a:latin typeface="Arial Rounded MT Bold" pitchFamily="34" charset="0"/>
+              </a:rPr>
+              <a:t>Gn</a:t>
+            </a:r>
+            <a:r>
+              <a:rPr lang="es-ES" sz="1600" dirty="0">
+                <a:solidFill>
+                  <a:schemeClr val="accent1"/>
+                </a:solidFill>
+                <a:latin typeface="Arial Rounded MT Bold" pitchFamily="34" charset="0"/>
+              </a:rPr>
+              <a:t> 12:4]</a:t>
+            </a:r>
+            <a:endParaRPr lang="es-ES" sz="1600" dirty="0">
+              <a:latin typeface="Arial Rounded MT Bold" pitchFamily="34" charset="0"/>
+            </a:endParaRPr>
+          </a:p>
+          <a:p>
+            <a:pPr marL="0" indent="0">
+              <a:buNone/>
+            </a:pPr>
+            <a:endParaRPr lang="es-ES" sz="1600" dirty="0">
+              <a:latin typeface="Arial Rounded MT Bold" pitchFamily="34" charset="0"/>
+            </a:endParaRPr>
+          </a:p>
+          <a:p>
+            <a:pPr marL="0" indent="0">
+              <a:buNone/>
+            </a:pPr>
+            <a:r>
+              <a:rPr lang="es-ES" sz="1600" dirty="0">
+                <a:latin typeface="Arial Rounded MT Bold" pitchFamily="34" charset="0"/>
+              </a:rPr>
+              <a:t>Abram deja atrás su </a:t>
+            </a:r>
+            <a:r>
+              <a:rPr lang="es-ES" sz="1600" b="1" dirty="0">
+                <a:solidFill>
+                  <a:schemeClr val="accent6"/>
+                </a:solidFill>
+                <a:latin typeface="Arial Rounded MT Bold" pitchFamily="34" charset="0"/>
+              </a:rPr>
+              <a:t>hogar</a:t>
+            </a:r>
+            <a:r>
+              <a:rPr lang="es-ES" sz="1600" dirty="0">
+                <a:latin typeface="Arial Rounded MT Bold" pitchFamily="34" charset="0"/>
+              </a:rPr>
+              <a:t> y su lugar de </a:t>
+            </a:r>
+            <a:r>
+              <a:rPr lang="es-ES" sz="1600" b="1" dirty="0">
+                <a:solidFill>
+                  <a:schemeClr val="accent6"/>
+                </a:solidFill>
+                <a:latin typeface="Arial Rounded MT Bold" pitchFamily="34" charset="0"/>
+              </a:rPr>
+              <a:t>comodidad</a:t>
+            </a:r>
+            <a:r>
+              <a:rPr lang="es-ES" sz="1600" dirty="0">
+                <a:latin typeface="Arial Rounded MT Bold" pitchFamily="34" charset="0"/>
+              </a:rPr>
+              <a:t> para seguir la </a:t>
+            </a:r>
+            <a:r>
+              <a:rPr lang="es-ES" sz="1600" dirty="0">
+                <a:solidFill>
+                  <a:srgbClr val="006030"/>
+                </a:solidFill>
+                <a:latin typeface="Arial Rounded MT Bold" pitchFamily="34" charset="0"/>
+              </a:rPr>
+              <a:t>dirección de Dios</a:t>
+            </a:r>
+            <a:r>
+              <a:rPr lang="es-ES" sz="1600" dirty="0">
+                <a:latin typeface="Arial Rounded MT Bold" pitchFamily="34" charset="0"/>
+              </a:rPr>
+              <a:t> hacia una tierra desconocida.</a:t>
+            </a:r>
+          </a:p>
+          <a:p>
+            <a:pPr marL="0" indent="0">
+              <a:buNone/>
+            </a:pPr>
+            <a:endParaRPr lang="es-ES" sz="1600" dirty="0">
+              <a:latin typeface="Arial Rounded MT Bold" pitchFamily="34" charset="0"/>
+            </a:endParaRPr>
+          </a:p>
+          <a:p>
+            <a:pPr marL="0" indent="0">
+              <a:buNone/>
+            </a:pPr>
+            <a:r>
+              <a:rPr lang="es-ES" sz="1600" dirty="0">
+                <a:latin typeface="Arial Rounded MT Bold" pitchFamily="34" charset="0"/>
+              </a:rPr>
+              <a:t>Esto es un ejemplo de la gran fe que Abram tenía en Dios y su disposición para obedecer </a:t>
+            </a:r>
+            <a:r>
+              <a:rPr lang="es-ES" sz="1600" b="1" dirty="0">
+                <a:latin typeface="Arial Rounded MT Bold" pitchFamily="34" charset="0"/>
+              </a:rPr>
+              <a:t>su llamado</a:t>
+            </a:r>
+            <a:r>
+              <a:rPr lang="es-ES" sz="1600" dirty="0">
+                <a:latin typeface="Arial Rounded MT Bold" pitchFamily="34" charset="0"/>
+              </a:rPr>
+              <a:t>.</a:t>
             </a:r>
             <a:endParaRPr lang="en-US" sz="1600" dirty="0">
               <a:latin typeface="Arial Rounded MT Bold" pitchFamily="34" charset="0"/>
+            </a:endParaRPr>
+          </a:p>
+        </p:txBody>
+      </p:sp>
+      <p:sp>
+        <p:nvSpPr>
+          <p:cNvPr id="8" name="1 Título">
+            <a:extLst>
+              <a:ext uri="{FF2B5EF4-FFF2-40B4-BE49-F238E27FC236}">
+                <a16:creationId xmlns:a16="http://schemas.microsoft.com/office/drawing/2014/main" id="{BD64C468-14C5-B9C4-0E44-B5B931186CD6}"/>
+              </a:ext>
+            </a:extLst>
+          </p:cNvPr>
+          <p:cNvSpPr>
+            <a:spLocks noGrp="1"/>
+          </p:cNvSpPr>
+          <p:nvPr>
+            <p:ph type="title"/>
+          </p:nvPr>
+        </p:nvSpPr>
+        <p:spPr>
+          <a:xfrm>
+            <a:off x="762000" y="409228"/>
+            <a:ext cx="7543800" cy="576064"/>
+          </a:xfrm>
+        </p:spPr>
+        <p:txBody>
+          <a:bodyPr anchor="ctr">
+            <a:noAutofit/>
+          </a:bodyPr>
+          <a:lstStyle/>
+          <a:p>
+            <a:r>
+              <a:rPr lang="es-VE" sz="4400" b="1" dirty="0">
+                <a:latin typeface="Andalus" pitchFamily="18" charset="-78"/>
+                <a:cs typeface="Andalus" pitchFamily="18" charset="-78"/>
+              </a:rPr>
+              <a:t>2. LLAMADO DE ABRAM</a:t>
+            </a:r>
+            <a:endParaRPr lang="es-VE" sz="4400" dirty="0">
+              <a:latin typeface="Andalus" pitchFamily="18" charset="-78"/>
+              <a:cs typeface="Andalus" pitchFamily="18" charset="-78"/>
+            </a:endParaRPr>
+          </a:p>
+        </p:txBody>
+      </p:sp>
+      <p:sp>
+        <p:nvSpPr>
+          <p:cNvPr id="9" name="CuadroTexto 8">
+            <a:extLst>
+              <a:ext uri="{FF2B5EF4-FFF2-40B4-BE49-F238E27FC236}">
+                <a16:creationId xmlns:a16="http://schemas.microsoft.com/office/drawing/2014/main" id="{AFA10A2C-41EE-B4CA-869C-DB63B52EA009}"/>
+              </a:ext>
+            </a:extLst>
+          </p:cNvPr>
+          <p:cNvSpPr txBox="1"/>
+          <p:nvPr/>
+        </p:nvSpPr>
+        <p:spPr>
+          <a:xfrm>
+            <a:off x="762000" y="985292"/>
+            <a:ext cx="7543800" cy="400110"/>
+          </a:xfrm>
+          <a:prstGeom prst="rect">
+            <a:avLst/>
+          </a:prstGeom>
+          <a:noFill/>
+        </p:spPr>
+        <p:txBody>
+          <a:bodyPr wrap="square" rtlCol="0">
+            <a:spAutoFit/>
+          </a:bodyPr>
+          <a:lstStyle/>
+          <a:p>
+            <a:r>
+              <a:rPr lang="es-VE" sz="2000" b="1" dirty="0">
+                <a:solidFill>
+                  <a:schemeClr val="accent1"/>
+                </a:solidFill>
+                <a:latin typeface="Arial Rounded MT Bold" pitchFamily="34" charset="0"/>
+              </a:rPr>
+              <a:t>2.5. Un nuevo propósito para Abram</a:t>
+            </a:r>
+            <a:endParaRPr lang="es-419" sz="2000" b="1" dirty="0">
+              <a:solidFill>
+                <a:schemeClr val="accent1"/>
+              </a:solidFill>
             </a:endParaRPr>
           </a:p>
         </p:txBody>
@@ -12781,49 +13568,6 @@
       </p:grpSpPr>
       <p:sp>
         <p:nvSpPr>
-          <p:cNvPr id="2" name="1 Título"/>
-          <p:cNvSpPr>
-            <a:spLocks noGrp="1"/>
-          </p:cNvSpPr>
-          <p:nvPr>
-            <p:ph type="title"/>
-          </p:nvPr>
-        </p:nvSpPr>
-        <p:spPr/>
-        <p:txBody>
-          <a:bodyPr/>
-          <a:lstStyle/>
-          <a:p>
-            <a:r>
-              <a:rPr lang="es-VE" b="1" dirty="0">
-                <a:latin typeface="Andalus" pitchFamily="18" charset="-78"/>
-                <a:cs typeface="Andalus" pitchFamily="18" charset="-78"/>
-              </a:rPr>
-              <a:t>3. SARA (שָׂ</a:t>
-            </a:r>
-            <a:r>
-              <a:rPr lang="es-VE" b="1" dirty="0" err="1">
-                <a:latin typeface="Andalus" pitchFamily="18" charset="-78"/>
-                <a:cs typeface="Andalus" pitchFamily="18" charset="-78"/>
-              </a:rPr>
-              <a:t>רָה</a:t>
-            </a:r>
-            <a:r>
-              <a:rPr lang="es-VE" b="1" dirty="0">
-                <a:latin typeface="Andalus" pitchFamily="18" charset="-78"/>
-                <a:cs typeface="Andalus" pitchFamily="18" charset="-78"/>
-              </a:rPr>
-              <a:t>)</a:t>
-            </a:r>
-            <a:endParaRPr lang="es-VE" dirty="0">
-              <a:latin typeface="Andalus" pitchFamily="18" charset="-78"/>
-              <a:cs typeface="Andalus" pitchFamily="18" charset="-78"/>
-            </a:endParaRPr>
-          </a:p>
-        </p:txBody>
-      </p:sp>
-      <p:sp>
-        <p:nvSpPr>
           <p:cNvPr id="3" name="2 Marcador de contenido"/>
           <p:cNvSpPr>
             <a:spLocks noGrp="1"/>
@@ -12832,10 +13576,15 @@
             <p:ph idx="1"/>
           </p:nvPr>
         </p:nvSpPr>
-        <p:spPr/>
+        <p:spPr>
+          <a:xfrm>
+            <a:off x="762000" y="1385402"/>
+            <a:ext cx="4746104" cy="3743325"/>
+          </a:xfrm>
+        </p:spPr>
         <p:txBody>
           <a:bodyPr>
-            <a:normAutofit fontScale="92500" lnSpcReduction="10000"/>
+            <a:normAutofit/>
           </a:bodyPr>
           <a:lstStyle/>
           <a:p>
@@ -12843,26 +13592,106 @@
               <a:buNone/>
             </a:pPr>
             <a:r>
-              <a:rPr lang="es-VE" sz="3600" dirty="0">
+              <a:rPr lang="es-VE" sz="2000" dirty="0">
+                <a:latin typeface="Arial Rounded MT Bold" pitchFamily="34" charset="0"/>
+              </a:rPr>
+              <a:t>Fue la esposa de </a:t>
+            </a:r>
+            <a:r>
+              <a:rPr lang="es-VE" sz="2000" b="1" dirty="0">
+                <a:latin typeface="Arial Rounded MT Bold" pitchFamily="34" charset="0"/>
+              </a:rPr>
+              <a:t>Abram</a:t>
+            </a:r>
+            <a:r>
+              <a:rPr lang="es-VE" sz="2000" dirty="0">
+                <a:latin typeface="Arial Rounded MT Bold" pitchFamily="34" charset="0"/>
+              </a:rPr>
+              <a:t> y medio hermana de su esposo </a:t>
+            </a:r>
+            <a:r>
+              <a:rPr lang="es-ES" sz="2000" dirty="0">
                 <a:solidFill>
                   <a:schemeClr val="accent1"/>
                 </a:solidFill>
                 <a:latin typeface="Arial Rounded MT Bold" pitchFamily="34" charset="0"/>
               </a:rPr>
-              <a:t>¿Quién era Sara?</a:t>
-            </a:r>
-            <a:endParaRPr lang="es-VE" sz="1900" dirty="0">
-              <a:solidFill>
-                <a:schemeClr val="accent1"/>
-              </a:solidFill>
-              <a:latin typeface="Arial Rounded MT Bold" pitchFamily="34" charset="0"/>
-            </a:endParaRPr>
+              <a:t>[</a:t>
+            </a:r>
+            <a:r>
+              <a:rPr lang="es-ES" sz="2000" dirty="0" err="1">
+                <a:solidFill>
+                  <a:schemeClr val="accent1"/>
+                </a:solidFill>
+                <a:latin typeface="Arial Rounded MT Bold" pitchFamily="34" charset="0"/>
+              </a:rPr>
+              <a:t>Gn</a:t>
+            </a:r>
+            <a:r>
+              <a:rPr lang="es-ES" sz="2000" dirty="0">
+                <a:solidFill>
+                  <a:schemeClr val="accent1"/>
+                </a:solidFill>
+                <a:latin typeface="Arial Rounded MT Bold" pitchFamily="34" charset="0"/>
+              </a:rPr>
+              <a:t> 20:12]</a:t>
+            </a:r>
+            <a:r>
+              <a:rPr lang="es-VE" sz="2000" b="1" dirty="0">
+                <a:solidFill>
+                  <a:schemeClr val="accent1">
+                    <a:lumMod val="75000"/>
+                  </a:schemeClr>
+                </a:solidFill>
+                <a:latin typeface="Arial Rounded MT Bold" pitchFamily="34" charset="0"/>
+              </a:rPr>
+              <a:t> </a:t>
+            </a:r>
+            <a:r>
+              <a:rPr lang="es-VE" sz="2000" dirty="0">
+                <a:latin typeface="Arial Rounded MT Bold" pitchFamily="34" charset="0"/>
+              </a:rPr>
+              <a:t>y unos diez años más joven </a:t>
+            </a:r>
+            <a:r>
+              <a:rPr lang="es-ES" sz="2000" dirty="0">
+                <a:solidFill>
+                  <a:schemeClr val="accent1"/>
+                </a:solidFill>
+                <a:latin typeface="Arial Rounded MT Bold" pitchFamily="34" charset="0"/>
+              </a:rPr>
+              <a:t>[</a:t>
+            </a:r>
+            <a:r>
+              <a:rPr lang="es-ES" sz="2000" dirty="0" err="1">
+                <a:solidFill>
+                  <a:schemeClr val="accent1"/>
+                </a:solidFill>
+                <a:latin typeface="Arial Rounded MT Bold" pitchFamily="34" charset="0"/>
+              </a:rPr>
+              <a:t>Gn</a:t>
+            </a:r>
+            <a:r>
+              <a:rPr lang="es-ES" sz="2000" dirty="0">
+                <a:solidFill>
+                  <a:schemeClr val="accent1"/>
+                </a:solidFill>
+                <a:latin typeface="Arial Rounded MT Bold" pitchFamily="34" charset="0"/>
+              </a:rPr>
+              <a:t> 17:17]</a:t>
+            </a:r>
+            <a:r>
+              <a:rPr lang="es-VE" sz="2000" dirty="0">
+                <a:latin typeface="Arial Rounded MT Bold" pitchFamily="34" charset="0"/>
+              </a:rPr>
+              <a:t>.</a:t>
+            </a:r>
           </a:p>
           <a:p>
             <a:pPr marL="0" indent="0">
               <a:buNone/>
             </a:pPr>
-            <a:endParaRPr lang="es-VE" sz="1300" dirty="0">
+            <a:endParaRPr lang="es-VE" sz="2000" b="1" dirty="0">
               <a:latin typeface="Arial Rounded MT Bold" pitchFamily="34" charset="0"/>
             </a:endParaRPr>
           </a:p>
@@ -12871,118 +13700,326 @@
               <a:buNone/>
             </a:pPr>
             <a:r>
-              <a:rPr lang="es-VE" dirty="0">
-                <a:latin typeface="Arial Rounded MT Bold" pitchFamily="34" charset="0"/>
-              </a:rPr>
-              <a:t>Fue la esposa de </a:t>
-            </a:r>
-            <a:r>
-              <a:rPr lang="es-VE" b="1" dirty="0">
-                <a:latin typeface="Arial Rounded MT Bold" pitchFamily="34" charset="0"/>
-              </a:rPr>
-              <a:t>Abram</a:t>
-            </a:r>
-            <a:r>
-              <a:rPr lang="es-VE" dirty="0">
-                <a:latin typeface="Arial Rounded MT Bold" pitchFamily="34" charset="0"/>
-              </a:rPr>
-              <a:t> y medio hermana de su esposo </a:t>
-            </a:r>
-            <a:r>
-              <a:rPr lang="es-VE" b="1" dirty="0">
-                <a:solidFill>
-                  <a:schemeClr val="accent1">
-                    <a:lumMod val="75000"/>
-                  </a:schemeClr>
-                </a:solidFill>
-                <a:latin typeface="Arial Rounded MT Bold" pitchFamily="34" charset="0"/>
-              </a:rPr>
-              <a:t>Génesis 20:12 </a:t>
-            </a:r>
-            <a:r>
-              <a:rPr lang="es-VE" dirty="0">
-                <a:latin typeface="Arial Rounded MT Bold" pitchFamily="34" charset="0"/>
-              </a:rPr>
-              <a:t>y unos diez años más joven </a:t>
-            </a:r>
-            <a:r>
-              <a:rPr lang="es-VE" b="1" dirty="0">
-                <a:solidFill>
-                  <a:schemeClr val="accent1">
-                    <a:lumMod val="75000"/>
-                  </a:schemeClr>
-                </a:solidFill>
-                <a:latin typeface="Arial Rounded MT Bold" pitchFamily="34" charset="0"/>
-              </a:rPr>
-              <a:t>Génesis 17:17</a:t>
-            </a:r>
-            <a:r>
-              <a:rPr lang="es-VE" dirty="0">
-                <a:latin typeface="Arial Rounded MT Bold" pitchFamily="34" charset="0"/>
-              </a:rPr>
-              <a:t>.</a:t>
-            </a:r>
-          </a:p>
-          <a:p>
-            <a:pPr marL="0" indent="0">
-              <a:buNone/>
-            </a:pPr>
-            <a:endParaRPr lang="es-VE" b="1" dirty="0">
+              <a:rPr lang="es-VE" sz="2000" dirty="0">
+                <a:latin typeface="Arial Rounded MT Bold" pitchFamily="34" charset="0"/>
+              </a:rPr>
+              <a:t>Su nombre original era </a:t>
+            </a:r>
+            <a:r>
+              <a:rPr lang="es-VE" sz="2000" b="1" dirty="0" err="1">
+                <a:solidFill>
+                  <a:schemeClr val="accent1"/>
+                </a:solidFill>
+                <a:latin typeface="Arial Rounded MT Bold" pitchFamily="34" charset="0"/>
+              </a:rPr>
+              <a:t>Sarai</a:t>
+            </a:r>
+            <a:r>
+              <a:rPr lang="es-VE" sz="2000" dirty="0">
+                <a:solidFill>
+                  <a:schemeClr val="accent1"/>
+                </a:solidFill>
+                <a:latin typeface="Arial Rounded MT Bold" pitchFamily="34" charset="0"/>
+              </a:rPr>
+              <a:t> </a:t>
+            </a:r>
+            <a:r>
+              <a:rPr lang="es-VE" sz="2000" dirty="0">
+                <a:latin typeface="Arial Rounded MT Bold" pitchFamily="34" charset="0"/>
+              </a:rPr>
+              <a:t>pero Dios lo cambió a "</a:t>
+            </a:r>
+            <a:r>
+              <a:rPr lang="es-VE" sz="2000" b="1" dirty="0">
+                <a:solidFill>
+                  <a:schemeClr val="accent1"/>
+                </a:solidFill>
+                <a:latin typeface="Arial Rounded MT Bold" pitchFamily="34" charset="0"/>
+              </a:rPr>
+              <a:t>Sara</a:t>
+            </a:r>
+            <a:r>
+              <a:rPr lang="es-VE" sz="2000" dirty="0">
+                <a:latin typeface="Arial Rounded MT Bold" pitchFamily="34" charset="0"/>
+              </a:rPr>
+              <a:t>" antes de concederle el milagro de tener un hijo a la edad de 90 años. </a:t>
+            </a:r>
+            <a:r>
+              <a:rPr lang="es-ES" sz="2000" dirty="0">
+                <a:solidFill>
+                  <a:schemeClr val="accent1"/>
+                </a:solidFill>
+                <a:latin typeface="Arial Rounded MT Bold" pitchFamily="34" charset="0"/>
+              </a:rPr>
+              <a:t>[</a:t>
+            </a:r>
+            <a:r>
+              <a:rPr lang="es-ES" sz="2000" dirty="0" err="1">
+                <a:solidFill>
+                  <a:schemeClr val="accent1"/>
+                </a:solidFill>
+                <a:latin typeface="Arial Rounded MT Bold" pitchFamily="34" charset="0"/>
+              </a:rPr>
+              <a:t>Gn</a:t>
+            </a:r>
+            <a:r>
+              <a:rPr lang="es-ES" sz="2000" dirty="0">
+                <a:solidFill>
+                  <a:schemeClr val="accent1"/>
+                </a:solidFill>
+                <a:latin typeface="Arial Rounded MT Bold" pitchFamily="34" charset="0"/>
+              </a:rPr>
+              <a:t> 21:2]</a:t>
+            </a:r>
+            <a:endParaRPr lang="es-VE" sz="2000" dirty="0">
               <a:latin typeface="Arial Rounded MT Bold" pitchFamily="34" charset="0"/>
             </a:endParaRPr>
           </a:p>
-          <a:p>
-            <a:pPr marL="0" indent="0">
-              <a:buNone/>
-            </a:pPr>
-            <a:r>
-              <a:rPr lang="es-VE" dirty="0">
-                <a:latin typeface="Arial Rounded MT Bold" pitchFamily="34" charset="0"/>
-              </a:rPr>
-              <a:t>Su nombre original era </a:t>
-            </a:r>
-            <a:r>
-              <a:rPr lang="es-VE" b="1" dirty="0" err="1">
-                <a:solidFill>
-                  <a:schemeClr val="accent1"/>
-                </a:solidFill>
-                <a:latin typeface="Arial Rounded MT Bold" pitchFamily="34" charset="0"/>
-              </a:rPr>
-              <a:t>Sarai</a:t>
-            </a:r>
-            <a:r>
-              <a:rPr lang="es-VE" dirty="0">
-                <a:solidFill>
-                  <a:schemeClr val="accent1"/>
-                </a:solidFill>
-                <a:latin typeface="Arial Rounded MT Bold" pitchFamily="34" charset="0"/>
-              </a:rPr>
-              <a:t> </a:t>
-            </a:r>
-            <a:r>
-              <a:rPr lang="es-VE" dirty="0">
-                <a:latin typeface="Arial Rounded MT Bold" pitchFamily="34" charset="0"/>
-              </a:rPr>
-              <a:t>pero Dios lo cambió a "</a:t>
-            </a:r>
-            <a:r>
-              <a:rPr lang="es-VE" b="1" dirty="0">
-                <a:solidFill>
-                  <a:schemeClr val="accent1"/>
-                </a:solidFill>
-                <a:latin typeface="Arial Rounded MT Bold" pitchFamily="34" charset="0"/>
-              </a:rPr>
-              <a:t>Sara</a:t>
-            </a:r>
-            <a:r>
-              <a:rPr lang="es-VE" dirty="0">
-                <a:latin typeface="Arial Rounded MT Bold" pitchFamily="34" charset="0"/>
-              </a:rPr>
-              <a:t>" antes de concederle el milagro de tener un hijo a la edad de 90 años.</a:t>
-            </a:r>
-          </a:p>
         </p:txBody>
       </p:sp>
+      <p:sp>
+        <p:nvSpPr>
+          <p:cNvPr id="4" name="1 Título">
+            <a:extLst>
+              <a:ext uri="{FF2B5EF4-FFF2-40B4-BE49-F238E27FC236}">
+                <a16:creationId xmlns:a16="http://schemas.microsoft.com/office/drawing/2014/main" id="{B16074E4-B006-FF1F-7E11-3C9A4164BD00}"/>
+              </a:ext>
+            </a:extLst>
+          </p:cNvPr>
+          <p:cNvSpPr txBox="1">
+            <a:spLocks/>
+          </p:cNvSpPr>
+          <p:nvPr/>
+        </p:nvSpPr>
+        <p:spPr>
+          <a:xfrm>
+            <a:off x="762000" y="409228"/>
+            <a:ext cx="7543800" cy="576064"/>
+          </a:xfrm>
+          <a:prstGeom prst="rect">
+            <a:avLst/>
+          </a:prstGeom>
+        </p:spPr>
+        <p:txBody>
+          <a:bodyPr vert="horz" lIns="91440" tIns="45720" rIns="91440" bIns="45720" rtlCol="0" anchor="ctr" anchorCtr="0">
+            <a:noAutofit/>
+          </a:bodyPr>
+          <a:lstStyle>
+            <a:lvl1pPr algn="l" defTabSz="914400" rtl="0" eaLnBrk="1" latinLnBrk="0" hangingPunct="1">
+              <a:spcBef>
+                <a:spcPct val="0"/>
+              </a:spcBef>
+              <a:buNone/>
+              <a:defRPr sz="5400" kern="1200">
+                <a:solidFill>
+                  <a:schemeClr val="tx1">
+                    <a:lumMod val="85000"/>
+                    <a:lumOff val="15000"/>
+                  </a:schemeClr>
+                </a:solidFill>
+                <a:latin typeface="+mj-lt"/>
+                <a:ea typeface="+mj-ea"/>
+                <a:cs typeface="+mj-cs"/>
+              </a:defRPr>
+            </a:lvl1pPr>
+            <a:lvl2pPr eaLnBrk="1" hangingPunct="1">
+              <a:defRPr>
+                <a:solidFill>
+                  <a:schemeClr val="tx2"/>
+                </a:solidFill>
+              </a:defRPr>
+            </a:lvl2pPr>
+            <a:lvl3pPr eaLnBrk="1" hangingPunct="1">
+              <a:defRPr>
+                <a:solidFill>
+                  <a:schemeClr val="tx2"/>
+                </a:solidFill>
+              </a:defRPr>
+            </a:lvl3pPr>
+            <a:lvl4pPr eaLnBrk="1" hangingPunct="1">
+              <a:defRPr>
+                <a:solidFill>
+                  <a:schemeClr val="tx2"/>
+                </a:solidFill>
+              </a:defRPr>
+            </a:lvl4pPr>
+            <a:lvl5pPr eaLnBrk="1" hangingPunct="1">
+              <a:defRPr>
+                <a:solidFill>
+                  <a:schemeClr val="tx2"/>
+                </a:solidFill>
+              </a:defRPr>
+            </a:lvl5pPr>
+            <a:lvl6pPr eaLnBrk="1" hangingPunct="1">
+              <a:defRPr>
+                <a:solidFill>
+                  <a:schemeClr val="tx2"/>
+                </a:solidFill>
+              </a:defRPr>
+            </a:lvl6pPr>
+            <a:lvl7pPr eaLnBrk="1" hangingPunct="1">
+              <a:defRPr>
+                <a:solidFill>
+                  <a:schemeClr val="tx2"/>
+                </a:solidFill>
+              </a:defRPr>
+            </a:lvl7pPr>
+            <a:lvl8pPr eaLnBrk="1" hangingPunct="1">
+              <a:defRPr>
+                <a:solidFill>
+                  <a:schemeClr val="tx2"/>
+                </a:solidFill>
+              </a:defRPr>
+            </a:lvl8pPr>
+            <a:lvl9pPr eaLnBrk="1" hangingPunct="1">
+              <a:defRPr>
+                <a:solidFill>
+                  <a:schemeClr val="tx2"/>
+                </a:solidFill>
+              </a:defRPr>
+            </a:lvl9pPr>
+          </a:lstStyle>
+          <a:p>
+            <a:r>
+              <a:rPr lang="es-VE" sz="4400" b="1" dirty="0">
+                <a:latin typeface="Andalus" pitchFamily="18" charset="-78"/>
+                <a:cs typeface="Andalus" pitchFamily="18" charset="-78"/>
+              </a:rPr>
+              <a:t>3. SARA (שָׂ</a:t>
+            </a:r>
+            <a:r>
+              <a:rPr lang="es-VE" sz="4400" b="1" dirty="0" err="1">
+                <a:latin typeface="Andalus" pitchFamily="18" charset="-78"/>
+                <a:cs typeface="Andalus" pitchFamily="18" charset="-78"/>
+              </a:rPr>
+              <a:t>רָה</a:t>
+            </a:r>
+            <a:r>
+              <a:rPr lang="es-VE" sz="4400" b="1" dirty="0">
+                <a:latin typeface="Andalus" pitchFamily="18" charset="-78"/>
+                <a:cs typeface="Andalus" pitchFamily="18" charset="-78"/>
+              </a:rPr>
+              <a:t>)</a:t>
+            </a:r>
+            <a:endParaRPr lang="es-VE" sz="4400" dirty="0">
+              <a:latin typeface="Andalus" pitchFamily="18" charset="-78"/>
+              <a:cs typeface="Andalus" pitchFamily="18" charset="-78"/>
+            </a:endParaRPr>
+          </a:p>
+        </p:txBody>
+      </p:sp>
+      <p:sp>
+        <p:nvSpPr>
+          <p:cNvPr id="5" name="CuadroTexto 4">
+            <a:extLst>
+              <a:ext uri="{FF2B5EF4-FFF2-40B4-BE49-F238E27FC236}">
+                <a16:creationId xmlns:a16="http://schemas.microsoft.com/office/drawing/2014/main" id="{FFAB3217-EEE4-D158-8B9C-A3017A144DD8}"/>
+              </a:ext>
+            </a:extLst>
+          </p:cNvPr>
+          <p:cNvSpPr txBox="1"/>
+          <p:nvPr/>
+        </p:nvSpPr>
+        <p:spPr>
+          <a:xfrm>
+            <a:off x="762000" y="985292"/>
+            <a:ext cx="7543800" cy="400110"/>
+          </a:xfrm>
+          <a:prstGeom prst="rect">
+            <a:avLst/>
+          </a:prstGeom>
+          <a:noFill/>
+        </p:spPr>
+        <p:txBody>
+          <a:bodyPr wrap="square" rtlCol="0">
+            <a:spAutoFit/>
+          </a:bodyPr>
+          <a:lstStyle/>
+          <a:p>
+            <a:r>
+              <a:rPr lang="es-VE" sz="2000" b="1" dirty="0">
+                <a:solidFill>
+                  <a:schemeClr val="accent1"/>
+                </a:solidFill>
+                <a:latin typeface="Arial Rounded MT Bold" pitchFamily="34" charset="0"/>
+              </a:rPr>
+              <a:t>¿Quién era Sara?</a:t>
+            </a:r>
+          </a:p>
+        </p:txBody>
+      </p:sp>
+      <p:pic>
+        <p:nvPicPr>
+          <p:cNvPr id="2050" name="Picture 2" descr="Pin by Digital2grow on mi Dios | Bible pictures, Biblical art, Bible ...">
+            <a:extLst>
+              <a:ext uri="{FF2B5EF4-FFF2-40B4-BE49-F238E27FC236}">
+                <a16:creationId xmlns:a16="http://schemas.microsoft.com/office/drawing/2014/main" id="{D9E5D6E5-512A-7848-5D35-D59FD03CD897}"/>
+              </a:ext>
+            </a:extLst>
+          </p:cNvPr>
+          <p:cNvPicPr>
+            <a:picLocks noChangeAspect="1" noChangeArrowheads="1"/>
+          </p:cNvPicPr>
+          <p:nvPr/>
+        </p:nvPicPr>
+        <p:blipFill>
+          <a:blip r:embed="rId2">
+            <a:extLst>
+              <a:ext uri="{28A0092B-C50C-407E-A947-70E740481C1C}">
+                <a14:useLocalDpi xmlns:a14="http://schemas.microsoft.com/office/drawing/2010/main" val="0"/>
+              </a:ext>
+            </a:extLst>
+          </a:blip>
+          <a:srcRect/>
+          <a:stretch>
+            <a:fillRect/>
+          </a:stretch>
+        </p:blipFill>
+        <p:spPr bwMode="auto">
+          <a:xfrm>
+            <a:off x="5591175" y="1129308"/>
+            <a:ext cx="2714625" cy="3743325"/>
+          </a:xfrm>
+          <a:prstGeom prst="roundRect">
+            <a:avLst>
+              <a:gd name="adj" fmla="val 4167"/>
+            </a:avLst>
+          </a:prstGeom>
+          <a:solidFill>
+            <a:srgbClr val="FFFFFF"/>
+          </a:solidFill>
+          <a:ln w="76200" cap="sq">
+            <a:solidFill>
+              <a:srgbClr val="292929"/>
+            </a:solidFill>
+            <a:miter lim="800000"/>
+          </a:ln>
+          <a:effectLst>
+            <a:reflection blurRad="12700" stA="28000" endPos="28000" dist="5000" dir="5400000" sy="-100000" algn="bl" rotWithShape="0"/>
+          </a:effectLst>
+          <a:scene3d>
+            <a:camera prst="orthographicFront"/>
+            <a:lightRig rig="threePt" dir="t">
+              <a:rot lat="0" lon="0" rev="2700000"/>
+            </a:lightRig>
+          </a:scene3d>
+          <a:sp3d>
+            <a:bevelT h="38100"/>
+            <a:contourClr>
+              <a:srgbClr val="C0C0C0"/>
+            </a:contourClr>
+          </a:sp3d>
+          <a:extLst>
+            <a:ext uri="{909E8E84-426E-40DD-AFC4-6F175D3DCCD1}">
+              <a14:hiddenFill xmlns:a14="http://schemas.microsoft.com/office/drawing/2010/main">
+                <a:solidFill>
+                  <a:srgbClr val="FFFFFF"/>
+                </a:solidFill>
+              </a14:hiddenFill>
+            </a:ext>
+          </a:extLst>
+        </p:spPr>
+      </p:pic>
     </p:spTree>
     <p:extLst>
       <p:ext uri="{BB962C8B-B14F-4D97-AF65-F5344CB8AC3E}">

--- a/slideshow/Estudios Biblicos/3.-Genesis_1.pptx
+++ b/slideshow/Estudios Biblicos/3.-Genesis_1.pptx
@@ -25,7 +25,7 @@
     <p:sldId id="271" r:id="rId16"/>
     <p:sldId id="269" r:id="rId17"/>
   </p:sldIdLst>
-  <p:sldSz cx="9144000" cy="5715000" type="screen16x10"/>
+  <p:sldSz cx="10160000" cy="5715000"/>
   <p:notesSz cx="6858000" cy="9144000"/>
   <p:defaultTextStyle>
     <a:defPPr>
@@ -125,12 +125,12 @@
   <p:extLst>
     <p:ext uri="{EFAFB233-063F-42B5-8137-9DF3F51BA10A}">
       <p15:sldGuideLst xmlns:p15="http://schemas.microsoft.com/office/powerpoint/2012/main">
-        <p15:guide id="1" orient="horz" pos="1800">
+        <p15:guide id="1" orient="horz" pos="1800" userDrawn="1">
           <p15:clr>
             <a:srgbClr val="A4A3A4"/>
           </p15:clr>
         </p15:guide>
-        <p15:guide id="2" pos="2880">
+        <p15:guide id="2" pos="3200" userDrawn="1">
           <p15:clr>
             <a:srgbClr val="A4A3A4"/>
           </p15:clr>
@@ -4561,7 +4561,7 @@
           <a:p>
             <a:fld id="{1766D823-1C34-4252-B037-76F3066DD816}" type="datetimeFigureOut">
               <a:rPr lang="es-VE" smtClean="0"/>
-              <a:t>12/5/2023</a:t>
+              <a:t>13/5/2023</a:t>
             </a:fld>
             <a:endParaRPr lang="es-VE"/>
           </a:p>
@@ -4579,8 +4579,8 @@
         </p:nvSpPr>
         <p:spPr>
           <a:xfrm>
-            <a:off x="685800" y="685800"/>
-            <a:ext cx="5486400" cy="3429000"/>
+            <a:off x="381000" y="685800"/>
+            <a:ext cx="6096000" cy="3429000"/>
           </a:xfrm>
           <a:prstGeom prst="rect">
             <a:avLst/>
@@ -4856,7 +4856,12 @@
             <p:ph type="sldImg"/>
           </p:nvPr>
         </p:nvSpPr>
-        <p:spPr/>
+        <p:spPr>
+          <a:xfrm>
+            <a:off x="381000" y="685800"/>
+            <a:ext cx="6096000" cy="3429000"/>
+          </a:xfrm>
+        </p:spPr>
       </p:sp>
       <p:sp>
         <p:nvSpPr>
@@ -4938,8 +4943,8 @@
         </p:nvSpPr>
         <p:spPr>
           <a:xfrm>
-            <a:off x="777240" y="0"/>
-            <a:ext cx="7543800" cy="2540000"/>
+            <a:off x="863600" y="0"/>
+            <a:ext cx="8382000" cy="2540000"/>
           </a:xfrm>
           <a:prstGeom prst="rect">
             <a:avLst/>
@@ -4969,7 +4974,7 @@
           <a:lstStyle/>
           <a:p>
             <a:pPr algn="ctr"/>
-            <a:endParaRPr lang="en-US"/>
+            <a:endParaRPr lang="en-US" sz="1800"/>
           </a:p>
         </p:txBody>
       </p:sp>
@@ -4985,8 +4990,8 @@
         </p:nvSpPr>
         <p:spPr>
           <a:xfrm>
-            <a:off x="762000" y="2667000"/>
-            <a:ext cx="7543800" cy="1270000"/>
+            <a:off x="846667" y="2667000"/>
+            <a:ext cx="8382000" cy="1270000"/>
           </a:xfrm>
         </p:spPr>
         <p:txBody>
@@ -5019,8 +5024,8 @@
         </p:nvSpPr>
         <p:spPr>
           <a:xfrm>
-            <a:off x="762000" y="3937000"/>
-            <a:ext cx="6858000" cy="825500"/>
+            <a:off x="846667" y="3937000"/>
+            <a:ext cx="7620000" cy="825500"/>
           </a:xfrm>
         </p:spPr>
         <p:txBody>
@@ -5143,7 +5148,7 @@
           <a:p>
             <a:fld id="{43F51AC5-15E3-4F55-8A92-E1B4CFFA43F6}" type="datetimeFigureOut">
               <a:rPr lang="es-VE" smtClean="0"/>
-              <a:t>12/5/2023</a:t>
+              <a:t>13/5/2023</a:t>
             </a:fld>
             <a:endParaRPr lang="es-VE"/>
           </a:p>
@@ -5199,8 +5204,8 @@
         </p:nvSpPr>
         <p:spPr>
           <a:xfrm>
-            <a:off x="777240" y="5143500"/>
-            <a:ext cx="7543800" cy="22860"/>
+            <a:off x="863600" y="5143500"/>
+            <a:ext cx="8382000" cy="22860"/>
           </a:xfrm>
           <a:prstGeom prst="rect">
             <a:avLst/>
@@ -5230,7 +5235,7 @@
           <a:lstStyle/>
           <a:p>
             <a:pPr algn="ctr"/>
-            <a:endParaRPr lang="en-US"/>
+            <a:endParaRPr lang="en-US" sz="1800"/>
           </a:p>
         </p:txBody>
       </p:sp>
@@ -5294,8 +5299,8 @@
         </p:nvSpPr>
         <p:spPr>
           <a:xfrm>
-            <a:off x="914400" y="571500"/>
-            <a:ext cx="7239000" cy="3238500"/>
+            <a:off x="1016000" y="571500"/>
+            <a:ext cx="8043333" cy="3238500"/>
           </a:xfrm>
         </p:spPr>
         <p:txBody>
@@ -5356,7 +5361,7 @@
           <a:p>
             <a:fld id="{43F51AC5-15E3-4F55-8A92-E1B4CFFA43F6}" type="datetimeFigureOut">
               <a:rPr lang="es-VE" smtClean="0"/>
-              <a:t>12/5/2023</a:t>
+              <a:t>13/5/2023</a:t>
             </a:fld>
             <a:endParaRPr lang="es-VE"/>
           </a:p>
@@ -5441,8 +5446,8 @@
         </p:nvSpPr>
         <p:spPr>
           <a:xfrm>
-            <a:off x="762000" y="571501"/>
-            <a:ext cx="1828800" cy="4508499"/>
+            <a:off x="846667" y="571502"/>
+            <a:ext cx="2032000" cy="4508499"/>
           </a:xfrm>
         </p:spPr>
         <p:txBody>
@@ -5469,8 +5474,8 @@
         </p:nvSpPr>
         <p:spPr>
           <a:xfrm>
-            <a:off x="2590800" y="571501"/>
-            <a:ext cx="5715000" cy="4064000"/>
+            <a:off x="2878667" y="571501"/>
+            <a:ext cx="6350000" cy="4064000"/>
           </a:xfrm>
         </p:spPr>
         <p:txBody>
@@ -5531,7 +5536,7 @@
           <a:p>
             <a:fld id="{43F51AC5-15E3-4F55-8A92-E1B4CFFA43F6}" type="datetimeFigureOut">
               <a:rPr lang="es-VE" smtClean="0"/>
-              <a:t>12/5/2023</a:t>
+              <a:t>13/5/2023</a:t>
             </a:fld>
             <a:endParaRPr lang="es-VE"/>
           </a:p>
@@ -5696,7 +5701,7 @@
           <a:p>
             <a:fld id="{43F51AC5-15E3-4F55-8A92-E1B4CFFA43F6}" type="datetimeFigureOut">
               <a:rPr lang="es-VE" smtClean="0"/>
-              <a:t>12/5/2023</a:t>
+              <a:t>13/5/2023</a:t>
             </a:fld>
             <a:endParaRPr lang="es-VE"/>
           </a:p>
@@ -5777,8 +5782,8 @@
         </p:nvSpPr>
         <p:spPr>
           <a:xfrm>
-            <a:off x="777240" y="0"/>
-            <a:ext cx="7543800" cy="2540000"/>
+            <a:off x="863600" y="0"/>
+            <a:ext cx="8382000" cy="2540000"/>
           </a:xfrm>
           <a:prstGeom prst="rect">
             <a:avLst/>
@@ -5808,7 +5813,7 @@
           <a:lstStyle/>
           <a:p>
             <a:pPr algn="ctr"/>
-            <a:endParaRPr lang="en-US"/>
+            <a:endParaRPr lang="en-US" sz="1800"/>
           </a:p>
         </p:txBody>
       </p:sp>
@@ -5824,8 +5829,8 @@
         </p:nvSpPr>
         <p:spPr>
           <a:xfrm>
-            <a:off x="762000" y="2730500"/>
-            <a:ext cx="7543800" cy="1397000"/>
+            <a:off x="846667" y="2730500"/>
+            <a:ext cx="8382000" cy="1397000"/>
           </a:xfrm>
         </p:spPr>
         <p:txBody>
@@ -5856,8 +5861,8 @@
         </p:nvSpPr>
         <p:spPr>
           <a:xfrm>
-            <a:off x="762000" y="4127500"/>
-            <a:ext cx="6858000" cy="762000"/>
+            <a:off x="846667" y="4127500"/>
+            <a:ext cx="7620000" cy="762000"/>
           </a:xfrm>
         </p:spPr>
         <p:txBody>
@@ -5980,7 +5985,7 @@
           <a:p>
             <a:fld id="{43F51AC5-15E3-4F55-8A92-E1B4CFFA43F6}" type="datetimeFigureOut">
               <a:rPr lang="es-VE" smtClean="0"/>
-              <a:t>12/5/2023</a:t>
+              <a:t>13/5/2023</a:t>
             </a:fld>
             <a:endParaRPr lang="es-VE"/>
           </a:p>
@@ -6036,8 +6041,8 @@
         </p:nvSpPr>
         <p:spPr>
           <a:xfrm>
-            <a:off x="777240" y="5143500"/>
-            <a:ext cx="7543800" cy="22860"/>
+            <a:off x="863600" y="5143500"/>
+            <a:ext cx="8382000" cy="22860"/>
           </a:xfrm>
           <a:prstGeom prst="rect">
             <a:avLst/>
@@ -6067,7 +6072,7 @@
           <a:lstStyle/>
           <a:p>
             <a:pPr algn="ctr"/>
-            <a:endParaRPr lang="en-US"/>
+            <a:endParaRPr lang="en-US" sz="1800"/>
           </a:p>
         </p:txBody>
       </p:sp>
@@ -6131,8 +6136,8 @@
         </p:nvSpPr>
         <p:spPr>
           <a:xfrm>
-            <a:off x="762000" y="508001"/>
-            <a:ext cx="3657600" cy="3139440"/>
+            <a:off x="846667" y="508001"/>
+            <a:ext cx="4064000" cy="3139440"/>
           </a:xfrm>
         </p:spPr>
         <p:txBody>
@@ -6216,8 +6221,8 @@
         </p:nvSpPr>
         <p:spPr>
           <a:xfrm>
-            <a:off x="4648200" y="508001"/>
-            <a:ext cx="3657600" cy="3139440"/>
+            <a:off x="5164667" y="508001"/>
+            <a:ext cx="4064000" cy="3139440"/>
           </a:xfrm>
         </p:spPr>
         <p:txBody>
@@ -6306,7 +6311,7 @@
           <a:p>
             <a:fld id="{43F51AC5-15E3-4F55-8A92-E1B4CFFA43F6}" type="datetimeFigureOut">
               <a:rPr lang="es-VE" smtClean="0"/>
-              <a:t>12/5/2023</a:t>
+              <a:t>13/5/2023</a:t>
             </a:fld>
             <a:endParaRPr lang="es-VE"/>
           </a:p>
@@ -6418,8 +6423,8 @@
         </p:nvSpPr>
         <p:spPr>
           <a:xfrm>
-            <a:off x="758952" y="508000"/>
-            <a:ext cx="3657600" cy="533135"/>
+            <a:off x="843280" y="508001"/>
+            <a:ext cx="4064000" cy="533135"/>
           </a:xfrm>
         </p:spPr>
         <p:txBody>
@@ -6487,8 +6492,8 @@
         </p:nvSpPr>
         <p:spPr>
           <a:xfrm>
-            <a:off x="758952" y="1107720"/>
-            <a:ext cx="3657600" cy="2540000"/>
+            <a:off x="843280" y="1107720"/>
+            <a:ext cx="4064000" cy="2540000"/>
           </a:xfrm>
         </p:spPr>
         <p:txBody>
@@ -6572,8 +6577,8 @@
         </p:nvSpPr>
         <p:spPr>
           <a:xfrm>
-            <a:off x="4645152" y="508000"/>
-            <a:ext cx="3657600" cy="533135"/>
+            <a:off x="5161280" y="508001"/>
+            <a:ext cx="4064000" cy="533135"/>
           </a:xfrm>
         </p:spPr>
         <p:txBody>
@@ -6641,8 +6646,8 @@
         </p:nvSpPr>
         <p:spPr>
           <a:xfrm>
-            <a:off x="4645152" y="1107720"/>
-            <a:ext cx="3657600" cy="2540000"/>
+            <a:off x="5161280" y="1107720"/>
+            <a:ext cx="4064000" cy="2540000"/>
           </a:xfrm>
         </p:spPr>
         <p:txBody>
@@ -6731,7 +6736,7 @@
           <a:p>
             <a:fld id="{43F51AC5-15E3-4F55-8A92-E1B4CFFA43F6}" type="datetimeFigureOut">
               <a:rPr lang="es-VE" smtClean="0"/>
-              <a:t>12/5/2023</a:t>
+              <a:t>13/5/2023</a:t>
             </a:fld>
             <a:endParaRPr lang="es-VE"/>
           </a:p>
@@ -6787,8 +6792,8 @@
         </p:nvCxnSpPr>
         <p:spPr>
           <a:xfrm>
-            <a:off x="758952" y="1041135"/>
-            <a:ext cx="3657600" cy="1323"/>
+            <a:off x="843280" y="1041136"/>
+            <a:ext cx="4064000" cy="1323"/>
           </a:xfrm>
           <a:prstGeom prst="line">
             <a:avLst/>
@@ -6817,8 +6822,8 @@
         </p:nvCxnSpPr>
         <p:spPr>
           <a:xfrm>
-            <a:off x="4645152" y="1041135"/>
-            <a:ext cx="3657600" cy="1323"/>
+            <a:off x="5161280" y="1041136"/>
+            <a:ext cx="4064000" cy="1323"/>
           </a:xfrm>
           <a:prstGeom prst="line">
             <a:avLst/>
@@ -6904,7 +6909,7 @@
           <a:p>
             <a:fld id="{43F51AC5-15E3-4F55-8A92-E1B4CFFA43F6}" type="datetimeFigureOut">
               <a:rPr lang="es-VE" smtClean="0"/>
-              <a:t>12/5/2023</a:t>
+              <a:t>13/5/2023</a:t>
             </a:fld>
             <a:endParaRPr lang="es-VE"/>
           </a:p>
@@ -6994,7 +6999,7 @@
           <a:p>
             <a:fld id="{43F51AC5-15E3-4F55-8A92-E1B4CFFA43F6}" type="datetimeFigureOut">
               <a:rPr lang="es-VE" smtClean="0"/>
-              <a:t>12/5/2023</a:t>
+              <a:t>13/5/2023</a:t>
             </a:fld>
             <a:endParaRPr lang="es-VE"/>
           </a:p>
@@ -7079,8 +7084,8 @@
         </p:nvSpPr>
         <p:spPr>
           <a:xfrm>
-            <a:off x="762000" y="3810000"/>
-            <a:ext cx="6784848" cy="1333500"/>
+            <a:off x="846667" y="3810000"/>
+            <a:ext cx="7538720" cy="1333500"/>
           </a:xfrm>
         </p:spPr>
         <p:txBody>
@@ -7113,8 +7118,8 @@
         </p:nvSpPr>
         <p:spPr>
           <a:xfrm>
-            <a:off x="3710866" y="381000"/>
-            <a:ext cx="4594934" cy="3428999"/>
+            <a:off x="4123185" y="381000"/>
+            <a:ext cx="5105482" cy="3428999"/>
           </a:xfrm>
         </p:spPr>
         <p:txBody>
@@ -7198,8 +7203,8 @@
         </p:nvSpPr>
         <p:spPr>
           <a:xfrm>
-            <a:off x="762002" y="381000"/>
-            <a:ext cx="2673657" cy="3429000"/>
+            <a:off x="846669" y="381000"/>
+            <a:ext cx="2970730" cy="3429000"/>
           </a:xfrm>
         </p:spPr>
         <p:txBody>
@@ -7274,7 +7279,7 @@
           <a:p>
             <a:fld id="{43F51AC5-15E3-4F55-8A92-E1B4CFFA43F6}" type="datetimeFigureOut">
               <a:rPr lang="es-VE" smtClean="0"/>
-              <a:t>12/5/2023</a:t>
+              <a:t>13/5/2023</a:t>
             </a:fld>
             <a:endParaRPr lang="es-VE"/>
           </a:p>
@@ -7330,8 +7335,8 @@
         </p:nvCxnSpPr>
         <p:spPr>
           <a:xfrm rot="5400000">
-            <a:off x="1994694" y="2095368"/>
-            <a:ext cx="3175000" cy="1588"/>
+            <a:off x="2392716" y="2095280"/>
+            <a:ext cx="3175000" cy="1764"/>
           </a:xfrm>
           <a:prstGeom prst="line">
             <a:avLst/>
@@ -7397,8 +7402,8 @@
         </p:nvSpPr>
         <p:spPr>
           <a:xfrm>
-            <a:off x="758952" y="3810000"/>
-            <a:ext cx="6784848" cy="1333500"/>
+            <a:off x="843280" y="3810000"/>
+            <a:ext cx="7538720" cy="1333500"/>
           </a:xfrm>
         </p:spPr>
         <p:txBody>
@@ -7431,8 +7436,8 @@
         </p:nvSpPr>
         <p:spPr>
           <a:xfrm>
-            <a:off x="777240" y="381000"/>
-            <a:ext cx="7543800" cy="2413000"/>
+            <a:off x="863600" y="381000"/>
+            <a:ext cx="8382000" cy="2413000"/>
           </a:xfrm>
           <a:ln w="6350">
             <a:solidFill>
@@ -7501,8 +7506,8 @@
         </p:nvSpPr>
         <p:spPr>
           <a:xfrm>
-            <a:off x="850392" y="2921000"/>
-            <a:ext cx="7391400" cy="670718"/>
+            <a:off x="944880" y="2921000"/>
+            <a:ext cx="8212667" cy="670718"/>
           </a:xfrm>
         </p:spPr>
         <p:txBody>
@@ -7573,7 +7578,7 @@
           <a:p>
             <a:fld id="{43F51AC5-15E3-4F55-8A92-E1B4CFFA43F6}" type="datetimeFigureOut">
               <a:rPr lang="es-VE" smtClean="0"/>
-              <a:t>12/5/2023</a:t>
+              <a:t>13/5/2023</a:t>
             </a:fld>
             <a:endParaRPr lang="es-VE"/>
           </a:p>
@@ -7663,8 +7668,8 @@
         </p:nvSpPr>
         <p:spPr>
           <a:xfrm>
-            <a:off x="762000" y="3810000"/>
-            <a:ext cx="6781800" cy="1333500"/>
+            <a:off x="846667" y="3810000"/>
+            <a:ext cx="7535333" cy="1333500"/>
           </a:xfrm>
           <a:prstGeom prst="rect">
             <a:avLst/>
@@ -7696,8 +7701,8 @@
         </p:nvSpPr>
         <p:spPr>
           <a:xfrm>
-            <a:off x="762000" y="571500"/>
-            <a:ext cx="7543800" cy="3238500"/>
+            <a:off x="846667" y="571500"/>
+            <a:ext cx="8382000" cy="3238500"/>
           </a:xfrm>
           <a:prstGeom prst="rect">
             <a:avLst/>
@@ -7758,8 +7763,8 @@
         </p:nvSpPr>
         <p:spPr>
           <a:xfrm>
-            <a:off x="6248400" y="5173980"/>
-            <a:ext cx="2133600" cy="304271"/>
+            <a:off x="6942667" y="5173981"/>
+            <a:ext cx="2370667" cy="304271"/>
           </a:xfrm>
           <a:prstGeom prst="rect">
             <a:avLst/>
@@ -7783,7 +7788,7 @@
           <a:p>
             <a:fld id="{43F51AC5-15E3-4F55-8A92-E1B4CFFA43F6}" type="datetimeFigureOut">
               <a:rPr lang="es-VE" smtClean="0"/>
-              <a:t>12/5/2023</a:t>
+              <a:t>13/5/2023</a:t>
             </a:fld>
             <a:endParaRPr lang="es-VE"/>
           </a:p>
@@ -7801,8 +7806,8 @@
         </p:nvSpPr>
         <p:spPr>
           <a:xfrm>
-            <a:off x="762000" y="5173980"/>
-            <a:ext cx="4873869" cy="304271"/>
+            <a:off x="846667" y="5173981"/>
+            <a:ext cx="5415410" cy="304271"/>
           </a:xfrm>
           <a:prstGeom prst="rect">
             <a:avLst/>
@@ -7839,8 +7844,8 @@
         </p:nvSpPr>
         <p:spPr>
           <a:xfrm>
-            <a:off x="7620000" y="4739640"/>
-            <a:ext cx="762000" cy="304271"/>
+            <a:off x="8466667" y="4739641"/>
+            <a:ext cx="846667" cy="304271"/>
           </a:xfrm>
           <a:prstGeom prst="rect">
             <a:avLst/>
@@ -7878,8 +7883,8 @@
         </p:nvSpPr>
         <p:spPr>
           <a:xfrm>
-            <a:off x="777240" y="0"/>
-            <a:ext cx="7543800" cy="317500"/>
+            <a:off x="863600" y="0"/>
+            <a:ext cx="8382000" cy="317500"/>
           </a:xfrm>
           <a:prstGeom prst="rect">
             <a:avLst/>
@@ -7909,7 +7914,7 @@
           <a:lstStyle/>
           <a:p>
             <a:pPr algn="ctr"/>
-            <a:endParaRPr lang="en-US"/>
+            <a:endParaRPr lang="en-US" sz="1800"/>
           </a:p>
         </p:txBody>
       </p:sp>
@@ -7921,8 +7926,8 @@
         </p:nvSpPr>
         <p:spPr>
           <a:xfrm>
-            <a:off x="777240" y="5143500"/>
-            <a:ext cx="7543800" cy="22860"/>
+            <a:off x="863600" y="5143500"/>
+            <a:ext cx="8382000" cy="22860"/>
           </a:xfrm>
           <a:prstGeom prst="rect">
             <a:avLst/>
@@ -7952,7 +7957,7 @@
           <a:lstStyle/>
           <a:p>
             <a:pPr algn="ctr"/>
-            <a:endParaRPr lang="en-US"/>
+            <a:endParaRPr lang="en-US" sz="1800"/>
           </a:p>
         </p:txBody>
       </p:sp>
@@ -8340,7 +8345,7 @@
         </p:nvSpPr>
         <p:spPr>
           <a:xfrm>
-            <a:off x="755576" y="507380"/>
+            <a:off x="1263576" y="507380"/>
             <a:ext cx="7543800" cy="1846064"/>
           </a:xfrm>
         </p:spPr>
@@ -8381,7 +8386,7 @@
         </p:nvSpPr>
         <p:spPr>
           <a:xfrm>
-            <a:off x="582755" y="3752374"/>
+            <a:off x="1090755" y="3752375"/>
             <a:ext cx="7733662" cy="1323439"/>
           </a:xfrm>
           <a:prstGeom prst="rect">
@@ -8439,6 +8444,9 @@
   <p:clrMapOvr>
     <a:masterClrMapping/>
   </p:clrMapOvr>
+  <p:transition spd="slow">
+    <p:cover/>
+  </p:transition>
 </p:sld>
 </file>
 
@@ -8471,7 +8479,7 @@
         </p:nvSpPr>
         <p:spPr>
           <a:xfrm>
-            <a:off x="762000" y="1344116"/>
+            <a:off x="1270000" y="1344116"/>
             <a:ext cx="4530080" cy="3601616"/>
           </a:xfrm>
         </p:spPr>
@@ -8649,7 +8657,7 @@
         </p:blipFill>
         <p:spPr bwMode="auto">
           <a:xfrm>
-            <a:off x="5436096" y="1325860"/>
+            <a:off x="5944096" y="1325860"/>
             <a:ext cx="2885306" cy="3600862"/>
           </a:xfrm>
           <a:prstGeom prst="roundRect">
@@ -8681,15 +8689,6 @@
               <a:srgbClr val="C0C0C0"/>
             </a:contourClr>
           </a:sp3d>
-          <a:extLst>
-            <a:ext uri="{909E8E84-426E-40DD-AFC4-6F175D3DCCD1}">
-              <a14:hiddenFill xmlns:a14="http://schemas.microsoft.com/office/drawing/2010/main">
-                <a:solidFill>
-                  <a:srgbClr val="FFFFFF"/>
-                </a:solidFill>
-              </a14:hiddenFill>
-            </a:ext>
-          </a:extLst>
         </p:spPr>
       </p:pic>
       <p:sp>
@@ -8708,7 +8707,7 @@
         </p:nvSpPr>
         <p:spPr>
           <a:xfrm>
-            <a:off x="762000" y="389756"/>
+            <a:off x="1270000" y="389756"/>
             <a:ext cx="7543800" cy="576064"/>
           </a:xfrm>
           <a:prstGeom prst="rect">
@@ -8819,6 +8818,9 @@
   <p:clrMapOvr>
     <a:masterClrMapping/>
   </p:clrMapOvr>
+  <p:transition spd="slow">
+    <p:cover/>
+  </p:transition>
 </p:sld>
 </file>
 
@@ -8849,7 +8851,7 @@
         </p:nvSpPr>
         <p:spPr>
           <a:xfrm>
-            <a:off x="755576" y="965820"/>
+            <a:off x="1263576" y="965820"/>
             <a:ext cx="7543800" cy="4195936"/>
           </a:xfrm>
           <a:prstGeom prst="rect">
@@ -9063,7 +9065,6 @@
           </a:p>
           <a:p>
             <a:pPr marL="0" indent="0">
-              <a:buFont typeface="Arial" pitchFamily="34" charset="0"/>
               <a:buNone/>
             </a:pPr>
             <a:endParaRPr lang="en-US" sz="1800" dirty="0">
@@ -9135,7 +9136,6 @@
           </a:p>
           <a:p>
             <a:pPr marL="0" indent="0">
-              <a:buFont typeface="Arial" pitchFamily="34" charset="0"/>
               <a:buNone/>
             </a:pPr>
             <a:endParaRPr lang="en-US" sz="1800" dirty="0">
@@ -9219,7 +9219,7 @@
         </p:nvSpPr>
         <p:spPr>
           <a:xfrm>
-            <a:off x="762000" y="389756"/>
+            <a:off x="1270000" y="389756"/>
             <a:ext cx="7543800" cy="576064"/>
           </a:xfrm>
           <a:prstGeom prst="rect">
@@ -9330,6 +9330,9 @@
   <p:clrMapOvr>
     <a:masterClrMapping/>
   </p:clrMapOvr>
+  <p:transition spd="slow">
+    <p:cover/>
+  </p:transition>
 </p:sld>
 </file>
 
@@ -9362,7 +9365,7 @@
         </p:nvSpPr>
         <p:spPr>
           <a:xfrm>
-            <a:off x="762000" y="1129308"/>
+            <a:off x="1270000" y="1129308"/>
             <a:ext cx="4674096" cy="3960440"/>
           </a:xfrm>
         </p:spPr>
@@ -9662,7 +9665,7 @@
         </p:blipFill>
         <p:spPr bwMode="auto">
           <a:xfrm>
-            <a:off x="5652120" y="1345332"/>
+            <a:off x="6160121" y="1345332"/>
             <a:ext cx="2674851" cy="3528392"/>
           </a:xfrm>
           <a:prstGeom prst="roundRect">
@@ -9694,15 +9697,6 @@
               <a:srgbClr val="C0C0C0"/>
             </a:contourClr>
           </a:sp3d>
-          <a:extLst>
-            <a:ext uri="{909E8E84-426E-40DD-AFC4-6F175D3DCCD1}">
-              <a14:hiddenFill xmlns:a14="http://schemas.microsoft.com/office/drawing/2010/main">
-                <a:solidFill>
-                  <a:srgbClr val="FFFFFF"/>
-                </a:solidFill>
-              </a14:hiddenFill>
-            </a:ext>
-          </a:extLst>
         </p:spPr>
       </p:pic>
       <p:sp>
@@ -9721,7 +9715,7 @@
         </p:nvSpPr>
         <p:spPr>
           <a:xfrm>
-            <a:off x="762000" y="389756"/>
+            <a:off x="1270000" y="389756"/>
             <a:ext cx="7543800" cy="576064"/>
           </a:xfrm>
           <a:prstGeom prst="rect">
@@ -9832,6 +9826,9 @@
   <p:clrMapOvr>
     <a:masterClrMapping/>
   </p:clrMapOvr>
+  <p:transition spd="slow">
+    <p:cover/>
+  </p:transition>
 </p:sld>
 </file>
 
@@ -9864,7 +9861,7 @@
         </p:nvSpPr>
         <p:spPr>
           <a:xfrm>
-            <a:off x="762000" y="1364673"/>
+            <a:off x="1270000" y="1364674"/>
             <a:ext cx="5034136" cy="3725075"/>
           </a:xfrm>
         </p:spPr>
@@ -10073,7 +10070,7 @@
         </p:nvSpPr>
         <p:spPr>
           <a:xfrm>
-            <a:off x="762000" y="389756"/>
+            <a:off x="1270000" y="389756"/>
             <a:ext cx="7543800" cy="576064"/>
           </a:xfrm>
           <a:prstGeom prst="rect">
@@ -10188,7 +10185,7 @@
         </p:nvSpPr>
         <p:spPr>
           <a:xfrm>
-            <a:off x="762000" y="964563"/>
+            <a:off x="1270000" y="964563"/>
             <a:ext cx="7543800" cy="400110"/>
           </a:xfrm>
           <a:prstGeom prst="rect">
@@ -10202,9 +10199,6 @@
           </a:bodyPr>
           <a:lstStyle/>
           <a:p>
-            <a:pPr marL="0" indent="0">
-              <a:buNone/>
-            </a:pPr>
             <a:r>
               <a:rPr lang="es-VE" sz="2000" b="1" dirty="0">
                 <a:solidFill>
@@ -10260,7 +10254,7 @@
         </p:blipFill>
         <p:spPr bwMode="auto">
           <a:xfrm>
-            <a:off x="5868142" y="1763527"/>
+            <a:off x="6376142" y="1763528"/>
             <a:ext cx="2437658" cy="2678149"/>
           </a:xfrm>
           <a:prstGeom prst="roundRect">
@@ -10292,15 +10286,6 @@
               <a:srgbClr val="C0C0C0"/>
             </a:contourClr>
           </a:sp3d>
-          <a:extLst>
-            <a:ext uri="{909E8E84-426E-40DD-AFC4-6F175D3DCCD1}">
-              <a14:hiddenFill xmlns:a14="http://schemas.microsoft.com/office/drawing/2010/main">
-                <a:solidFill>
-                  <a:srgbClr val="FFFFFF"/>
-                </a:solidFill>
-              </a14:hiddenFill>
-            </a:ext>
-          </a:extLst>
         </p:spPr>
       </p:pic>
     </p:spTree>
@@ -10313,6 +10298,9 @@
   <p:clrMapOvr>
     <a:masterClrMapping/>
   </p:clrMapOvr>
+  <p:transition spd="slow">
+    <p:cover/>
+  </p:transition>
 </p:sld>
 </file>
 
@@ -10345,7 +10333,7 @@
         </p:nvSpPr>
         <p:spPr>
           <a:xfrm>
-            <a:off x="762000" y="1364672"/>
+            <a:off x="1270000" y="1364673"/>
             <a:ext cx="4458072" cy="3725075"/>
           </a:xfrm>
         </p:spPr>
@@ -10499,7 +10487,7 @@
         </p:blipFill>
         <p:spPr bwMode="auto">
           <a:xfrm>
-            <a:off x="5436096" y="1633364"/>
+            <a:off x="5944097" y="1633364"/>
             <a:ext cx="2812799" cy="3230524"/>
           </a:xfrm>
           <a:prstGeom prst="roundRect">
@@ -10531,15 +10519,6 @@
               <a:srgbClr val="C0C0C0"/>
             </a:contourClr>
           </a:sp3d>
-          <a:extLst>
-            <a:ext uri="{909E8E84-426E-40DD-AFC4-6F175D3DCCD1}">
-              <a14:hiddenFill xmlns:a14="http://schemas.microsoft.com/office/drawing/2010/main">
-                <a:solidFill>
-                  <a:srgbClr val="FFFFFF"/>
-                </a:solidFill>
-              </a14:hiddenFill>
-            </a:ext>
-          </a:extLst>
         </p:spPr>
       </p:pic>
       <p:sp>
@@ -10558,7 +10537,7 @@
         </p:nvSpPr>
         <p:spPr>
           <a:xfrm>
-            <a:off x="762000" y="389756"/>
+            <a:off x="1270000" y="389756"/>
             <a:ext cx="7543800" cy="576064"/>
           </a:xfrm>
           <a:prstGeom prst="rect">
@@ -10673,7 +10652,7 @@
         </p:nvSpPr>
         <p:spPr>
           <a:xfrm>
-            <a:off x="762000" y="964563"/>
+            <a:off x="1270000" y="964563"/>
             <a:ext cx="7543800" cy="400110"/>
           </a:xfrm>
           <a:prstGeom prst="rect">
@@ -10752,6 +10731,9 @@
   <p:clrMapOvr>
     <a:masterClrMapping/>
   </p:clrMapOvr>
+  <p:transition spd="slow">
+    <p:cover/>
+  </p:transition>
 </p:sld>
 </file>
 
@@ -10784,7 +10766,7 @@
         </p:nvSpPr>
         <p:spPr>
           <a:xfrm>
-            <a:off x="762000" y="1540627"/>
+            <a:off x="1270000" y="1540627"/>
             <a:ext cx="7554416" cy="3333098"/>
           </a:xfrm>
         </p:spPr>
@@ -11011,7 +10993,7 @@
         </p:nvSpPr>
         <p:spPr>
           <a:xfrm>
-            <a:off x="762000" y="389756"/>
+            <a:off x="1270000" y="389756"/>
             <a:ext cx="7543800" cy="576064"/>
           </a:xfrm>
           <a:prstGeom prst="rect">
@@ -11126,7 +11108,7 @@
         </p:nvSpPr>
         <p:spPr>
           <a:xfrm>
-            <a:off x="762000" y="964563"/>
+            <a:off x="1270000" y="964563"/>
             <a:ext cx="7543800" cy="400110"/>
           </a:xfrm>
           <a:prstGeom prst="rect">
@@ -11192,6 +11174,9 @@
   <p:clrMapOvr>
     <a:masterClrMapping/>
   </p:clrMapOvr>
+  <p:transition spd="slow">
+    <p:cover/>
+  </p:transition>
 </p:sld>
 </file>
 
@@ -11224,7 +11209,7 @@
         </p:nvSpPr>
         <p:spPr>
           <a:xfrm>
-            <a:off x="762000" y="965820"/>
+            <a:off x="1270000" y="965820"/>
             <a:ext cx="7543800" cy="4195936"/>
           </a:xfrm>
         </p:spPr>
@@ -11374,7 +11359,7 @@
         </p:nvSpPr>
         <p:spPr>
           <a:xfrm>
-            <a:off x="762000" y="389756"/>
+            <a:off x="1270000" y="389756"/>
             <a:ext cx="7543800" cy="576064"/>
           </a:xfrm>
           <a:prstGeom prst="rect">
@@ -11485,6 +11470,9 @@
   <p:clrMapOvr>
     <a:masterClrMapping/>
   </p:clrMapOvr>
+  <p:transition spd="slow">
+    <p:cover/>
+  </p:transition>
 </p:sld>
 </file>
 
@@ -11517,7 +11505,7 @@
         </p:nvSpPr>
         <p:spPr>
           <a:xfrm>
-            <a:off x="762000" y="265212"/>
+            <a:off x="1270000" y="265212"/>
             <a:ext cx="7543800" cy="4896544"/>
           </a:xfrm>
         </p:spPr>
@@ -11667,6 +11655,9 @@
   <p:clrMapOvr>
     <a:masterClrMapping/>
   </p:clrMapOvr>
+  <p:transition spd="slow">
+    <p:cover/>
+  </p:transition>
 </p:sld>
 </file>
 
@@ -11699,7 +11690,7 @@
         </p:nvSpPr>
         <p:spPr>
           <a:xfrm>
-            <a:off x="762000" y="337215"/>
+            <a:off x="1270000" y="337215"/>
             <a:ext cx="7482408" cy="1333500"/>
           </a:xfrm>
         </p:spPr>
@@ -11799,7 +11790,7 @@
           </p:nvPr>
         </p:nvGraphicFramePr>
         <p:xfrm>
-          <a:off x="1547664" y="1849388"/>
+          <a:off x="2055664" y="1849388"/>
           <a:ext cx="5976664" cy="3096344"/>
         </p:xfrm>
         <a:graphic>
@@ -11818,6 +11809,9 @@
   <p:clrMapOvr>
     <a:masterClrMapping/>
   </p:clrMapOvr>
+  <p:transition spd="slow">
+    <p:cover/>
+  </p:transition>
 </p:sld>
 </file>
 
@@ -11850,7 +11844,7 @@
         </p:nvSpPr>
         <p:spPr>
           <a:xfrm>
-            <a:off x="762000" y="409228"/>
+            <a:off x="1270000" y="409228"/>
             <a:ext cx="7543800" cy="576064"/>
           </a:xfrm>
         </p:spPr>
@@ -11886,7 +11880,7 @@
         </p:nvSpPr>
         <p:spPr>
           <a:xfrm>
-            <a:off x="762000" y="1385402"/>
+            <a:off x="1270000" y="1385402"/>
             <a:ext cx="7543800" cy="3848362"/>
           </a:xfrm>
         </p:spPr>
@@ -12028,7 +12022,7 @@
         </p:nvSpPr>
         <p:spPr>
           <a:xfrm>
-            <a:off x="762000" y="985292"/>
+            <a:off x="1270000" y="985292"/>
             <a:ext cx="7543800" cy="400110"/>
           </a:xfrm>
           <a:prstGeom prst="rect">
@@ -12078,6 +12072,9 @@
   <p:clrMapOvr>
     <a:masterClrMapping/>
   </p:clrMapOvr>
+  <p:transition spd="slow">
+    <p:cover/>
+  </p:transition>
 </p:sld>
 </file>
 
@@ -12110,7 +12107,7 @@
         </p:nvSpPr>
         <p:spPr>
           <a:xfrm>
-            <a:off x="762000" y="1809111"/>
+            <a:off x="1270000" y="1809112"/>
             <a:ext cx="3810000" cy="2611157"/>
           </a:xfrm>
         </p:spPr>
@@ -12213,7 +12210,7 @@
         </p:blipFill>
         <p:spPr bwMode="auto">
           <a:xfrm>
-            <a:off x="4832298" y="1777380"/>
+            <a:off x="5340298" y="1777380"/>
             <a:ext cx="3528814" cy="2642888"/>
           </a:xfrm>
           <a:prstGeom prst="roundRect">
@@ -12245,15 +12242,6 @@
               <a:srgbClr val="C0C0C0"/>
             </a:contourClr>
           </a:sp3d>
-          <a:extLst>
-            <a:ext uri="{909E8E84-426E-40DD-AFC4-6F175D3DCCD1}">
-              <a14:hiddenFill xmlns:a14="http://schemas.microsoft.com/office/drawing/2010/main">
-                <a:solidFill>
-                  <a:srgbClr val="FFFFFF"/>
-                </a:solidFill>
-              </a14:hiddenFill>
-            </a:ext>
-          </a:extLst>
         </p:spPr>
       </p:pic>
       <p:sp>
@@ -12274,7 +12262,7 @@
         </p:nvSpPr>
         <p:spPr>
           <a:xfrm>
-            <a:off x="762000" y="388499"/>
+            <a:off x="1270000" y="388499"/>
             <a:ext cx="7543800" cy="576064"/>
           </a:xfrm>
         </p:spPr>
@@ -12312,7 +12300,7 @@
         </p:nvSpPr>
         <p:spPr>
           <a:xfrm>
-            <a:off x="762000" y="964563"/>
+            <a:off x="1270000" y="964563"/>
             <a:ext cx="7543800" cy="400110"/>
           </a:xfrm>
           <a:prstGeom prst="rect">
@@ -12326,9 +12314,6 @@
           </a:bodyPr>
           <a:lstStyle/>
           <a:p>
-            <a:pPr marL="0" indent="0">
-              <a:buNone/>
-            </a:pPr>
             <a:r>
               <a:rPr lang="es-VE" sz="2000" b="1" dirty="0">
                 <a:solidFill>
@@ -12357,6 +12342,9 @@
   <p:clrMapOvr>
     <a:masterClrMapping/>
   </p:clrMapOvr>
+  <p:transition spd="slow">
+    <p:cover/>
+  </p:transition>
 </p:sld>
 </file>
 
@@ -12389,7 +12377,7 @@
         </p:nvSpPr>
         <p:spPr>
           <a:xfrm>
-            <a:off x="762000" y="1385402"/>
+            <a:off x="1270000" y="1385402"/>
             <a:ext cx="7543800" cy="3704346"/>
           </a:xfrm>
         </p:spPr>
@@ -12585,7 +12573,7 @@
         </p:nvSpPr>
         <p:spPr>
           <a:xfrm>
-            <a:off x="762000" y="409228"/>
+            <a:off x="1270000" y="409228"/>
             <a:ext cx="7543800" cy="576064"/>
           </a:xfrm>
         </p:spPr>
@@ -12623,7 +12611,7 @@
         </p:nvSpPr>
         <p:spPr>
           <a:xfrm>
-            <a:off x="762000" y="985292"/>
+            <a:off x="1270000" y="985292"/>
             <a:ext cx="7543800" cy="400110"/>
           </a:xfrm>
           <a:prstGeom prst="rect">
@@ -12682,6 +12670,9 @@
   <p:clrMapOvr>
     <a:masterClrMapping/>
   </p:clrMapOvr>
+  <p:transition spd="slow">
+    <p:cover/>
+  </p:transition>
 </p:sld>
 </file>
 
@@ -12714,7 +12705,7 @@
         </p:nvSpPr>
         <p:spPr>
           <a:xfrm>
-            <a:off x="762000" y="1385402"/>
+            <a:off x="1270000" y="1385402"/>
             <a:ext cx="7543800" cy="3776354"/>
           </a:xfrm>
         </p:spPr>
@@ -12776,7 +12767,7 @@
             </a:endParaRPr>
           </a:p>
           <a:p>
-            <a:pPr marL="342900" lvl="0" indent="-342900">
+            <a:pPr marL="342900" indent="-342900">
               <a:buFont typeface="+mj-lt"/>
               <a:buAutoNum type="arabicPeriod"/>
             </a:pPr>
@@ -12791,7 +12782,7 @@
             </a:endParaRPr>
           </a:p>
           <a:p>
-            <a:pPr marL="342900" lvl="0" indent="-342900">
+            <a:pPr marL="342900" indent="-342900">
               <a:buFont typeface="+mj-lt"/>
               <a:buAutoNum type="arabicPeriod"/>
             </a:pPr>
@@ -12806,7 +12797,7 @@
             </a:endParaRPr>
           </a:p>
           <a:p>
-            <a:pPr marL="342900" lvl="0" indent="-342900">
+            <a:pPr marL="342900" indent="-342900">
               <a:buFont typeface="+mj-lt"/>
               <a:buAutoNum type="arabicPeriod"/>
             </a:pPr>
@@ -12821,7 +12812,7 @@
             </a:endParaRPr>
           </a:p>
           <a:p>
-            <a:pPr marL="342900" lvl="0" indent="-342900">
+            <a:pPr marL="342900" indent="-342900">
               <a:buFont typeface="+mj-lt"/>
               <a:buAutoNum type="arabicPeriod"/>
             </a:pPr>
@@ -12836,7 +12827,7 @@
             </a:endParaRPr>
           </a:p>
           <a:p>
-            <a:pPr marL="342900" lvl="0" indent="-342900">
+            <a:pPr marL="342900" indent="-342900">
               <a:buFont typeface="+mj-lt"/>
               <a:buAutoNum type="arabicPeriod"/>
             </a:pPr>
@@ -12851,7 +12842,7 @@
             </a:endParaRPr>
           </a:p>
           <a:p>
-            <a:pPr marL="342900" lvl="0" indent="-342900">
+            <a:pPr marL="342900" indent="-342900">
               <a:buFont typeface="+mj-lt"/>
               <a:buAutoNum type="arabicPeriod"/>
             </a:pPr>
@@ -12863,7 +12854,7 @@
             </a:r>
           </a:p>
           <a:p>
-            <a:pPr marL="0" lvl="0" indent="0">
+            <a:pPr marL="0" indent="0">
               <a:buNone/>
             </a:pPr>
             <a:endParaRPr lang="en-US" sz="1600" dirty="0">
@@ -12934,7 +12925,7 @@
         </p:nvSpPr>
         <p:spPr>
           <a:xfrm>
-            <a:off x="762000" y="409228"/>
+            <a:off x="1270000" y="409228"/>
             <a:ext cx="7543800" cy="576064"/>
           </a:xfrm>
         </p:spPr>
@@ -12972,7 +12963,7 @@
         </p:nvSpPr>
         <p:spPr>
           <a:xfrm>
-            <a:off x="762000" y="985292"/>
+            <a:off x="1270000" y="985292"/>
             <a:ext cx="7543800" cy="400110"/>
           </a:xfrm>
           <a:prstGeom prst="rect">
@@ -13013,6 +13004,9 @@
   <p:clrMapOvr>
     <a:masterClrMapping/>
   </p:clrMapOvr>
+  <p:transition spd="slow">
+    <p:cover/>
+  </p:transition>
 </p:sld>
 </file>
 
@@ -13056,7 +13050,7 @@
         </p:blipFill>
         <p:spPr bwMode="auto">
           <a:xfrm>
-            <a:off x="5035841" y="1777380"/>
+            <a:off x="5543842" y="1777380"/>
             <a:ext cx="3269959" cy="2860736"/>
           </a:xfrm>
           <a:prstGeom prst="roundRect">
@@ -13088,15 +13082,6 @@
               <a:srgbClr val="C0C0C0"/>
             </a:contourClr>
           </a:sp3d>
-          <a:extLst>
-            <a:ext uri="{909E8E84-426E-40DD-AFC4-6F175D3DCCD1}">
-              <a14:hiddenFill xmlns:a14="http://schemas.microsoft.com/office/drawing/2010/main">
-                <a:solidFill>
-                  <a:srgbClr val="FFFFFF"/>
-                </a:solidFill>
-              </a14:hiddenFill>
-            </a:ext>
-          </a:extLst>
         </p:spPr>
       </p:pic>
       <p:sp>
@@ -13109,7 +13094,7 @@
         </p:nvSpPr>
         <p:spPr>
           <a:xfrm>
-            <a:off x="755577" y="1469764"/>
+            <a:off x="1263577" y="1469764"/>
             <a:ext cx="4182398" cy="3403960"/>
           </a:xfrm>
           <a:prstGeom prst="rect">
@@ -13467,7 +13452,7 @@
         </p:nvSpPr>
         <p:spPr>
           <a:xfrm>
-            <a:off x="762000" y="409228"/>
+            <a:off x="1270000" y="409228"/>
             <a:ext cx="7543800" cy="576064"/>
           </a:xfrm>
         </p:spPr>
@@ -13505,7 +13490,7 @@
         </p:nvSpPr>
         <p:spPr>
           <a:xfrm>
-            <a:off x="762000" y="985292"/>
+            <a:off x="1270000" y="985292"/>
             <a:ext cx="7543800" cy="400110"/>
           </a:xfrm>
           <a:prstGeom prst="rect">
@@ -13546,6 +13531,9 @@
   <p:clrMapOvr>
     <a:masterClrMapping/>
   </p:clrMapOvr>
+  <p:transition spd="slow">
+    <p:cover/>
+  </p:transition>
 </p:sld>
 </file>
 
@@ -13578,7 +13566,7 @@
         </p:nvSpPr>
         <p:spPr>
           <a:xfrm>
-            <a:off x="762000" y="1385402"/>
+            <a:off x="1270000" y="1385403"/>
             <a:ext cx="4746104" cy="3743325"/>
           </a:xfrm>
         </p:spPr>
@@ -13793,7 +13781,7 @@
         </p:nvSpPr>
         <p:spPr>
           <a:xfrm>
-            <a:off x="762000" y="409228"/>
+            <a:off x="1270000" y="409228"/>
             <a:ext cx="7543800" cy="576064"/>
           </a:xfrm>
           <a:prstGeom prst="rect">
@@ -13922,7 +13910,7 @@
         </p:nvSpPr>
         <p:spPr>
           <a:xfrm>
-            <a:off x="762000" y="985292"/>
+            <a:off x="1270000" y="985292"/>
             <a:ext cx="7543800" cy="400110"/>
           </a:xfrm>
           <a:prstGeom prst="rect">
@@ -13977,7 +13965,7 @@
         </p:blipFill>
         <p:spPr bwMode="auto">
           <a:xfrm>
-            <a:off x="5591175" y="1129308"/>
+            <a:off x="6099176" y="1129309"/>
             <a:ext cx="2714625" cy="3743325"/>
           </a:xfrm>
           <a:prstGeom prst="roundRect">
@@ -14009,15 +13997,6 @@
               <a:srgbClr val="C0C0C0"/>
             </a:contourClr>
           </a:sp3d>
-          <a:extLst>
-            <a:ext uri="{909E8E84-426E-40DD-AFC4-6F175D3DCCD1}">
-              <a14:hiddenFill xmlns:a14="http://schemas.microsoft.com/office/drawing/2010/main">
-                <a:solidFill>
-                  <a:srgbClr val="FFFFFF"/>
-                </a:solidFill>
-              </a14:hiddenFill>
-            </a:ext>
-          </a:extLst>
         </p:spPr>
       </p:pic>
     </p:spTree>
@@ -14030,6 +14009,9 @@
   <p:clrMapOvr>
     <a:masterClrMapping/>
   </p:clrMapOvr>
+  <p:transition spd="slow">
+    <p:cover/>
+  </p:transition>
 </p:sld>
 </file>
 
